--- a/SQL Class/pada eat.pptx
+++ b/SQL Class/pada eat.pptx
@@ -1,31 +1,43 @@
 
 <file path=ppt/presentation.xml><?xml version="1.0" encoding="utf-8"?>
-<p:presentation xmlns:a="http://schemas.openxmlformats.org/drawingml/2006/main" xmlns:r="http://schemas.openxmlformats.org/officeDocument/2006/relationships" xmlns:mc="http://schemas.openxmlformats.org/markup-compatibility/2006" xmlns:mv="urn:schemas-microsoft-com:mac:vml" xmlns:p="http://schemas.openxmlformats.org/presentationml/2006/main" xmlns:c="http://schemas.openxmlformats.org/drawingml/2006/chart" xmlns:dgm="http://schemas.openxmlformats.org/drawingml/2006/diagram" xmlns:o="urn:schemas-microsoft-com:office:office" xmlns:v="urn:schemas-microsoft-com:vml" xmlns:pvml="urn:schemas-microsoft-com:office:powerpoint" xmlns:com="http://schemas.openxmlformats.org/drawingml/2006/compatibility" xmlns:p14="http://schemas.microsoft.com/office/powerpoint/2010/main" xmlns:p15="http://schemas.microsoft.com/office/powerpoint/2012/main" autoCompressPictures="0" embedTrueTypeFonts="1" strictFirstAndLastChars="0" saveSubsetFonts="1">
+<p:presentation xmlns:a="http://schemas.openxmlformats.org/drawingml/2006/main" xmlns:r="http://schemas.openxmlformats.org/officeDocument/2006/relationships" xmlns:p="http://schemas.openxmlformats.org/presentationml/2006/main" strictFirstAndLastChars="0" embedTrueTypeFonts="1" saveSubsetFonts="1" autoCompressPictures="0">
   <p:sldMasterIdLst>
-    <p:sldMasterId id="2147483659" r:id="rId4"/>
+    <p:sldMasterId id="2147483659" r:id="rId1"/>
   </p:sldMasterIdLst>
   <p:notesMasterIdLst>
-    <p:notesMasterId r:id="rId5"/>
+    <p:notesMasterId r:id="rId6"/>
   </p:notesMasterIdLst>
   <p:sldIdLst>
-    <p:sldId id="256" r:id="rId6"/>
-    <p:sldId id="257" r:id="rId7"/>
-    <p:sldId id="258" r:id="rId8"/>
-    <p:sldId id="259" r:id="rId9"/>
+    <p:sldId id="256" r:id="rId2"/>
+    <p:sldId id="257" r:id="rId3"/>
+    <p:sldId id="258" r:id="rId4"/>
+    <p:sldId id="259" r:id="rId5"/>
   </p:sldIdLst>
-  <p:sldSz cy="5143500" cx="9144000"/>
+  <p:sldSz cx="9144000" cy="5143500" type="screen16x9"/>
   <p:notesSz cx="6858000" cy="9144000"/>
   <p:embeddedFontLst>
     <p:embeddedFont>
-      <p:font typeface="Nunito"/>
-      <p:regular r:id="rId10"/>
-      <p:bold r:id="rId11"/>
-      <p:italic r:id="rId12"/>
-      <p:boldItalic r:id="rId13"/>
+      <p:font typeface="Nunito" panose="020B0604020202020204" charset="0"/>
+      <p:regular r:id="rId7"/>
+      <p:bold r:id="rId8"/>
+      <p:italic r:id="rId9"/>
+      <p:boldItalic r:id="rId10"/>
+    </p:embeddedFont>
+    <p:embeddedFont>
+      <p:font typeface="Microsoft JhengHei" panose="020B0604030504040204" pitchFamily="34" charset="-120"/>
+      <p:regular r:id="rId11"/>
+      <p:bold r:id="rId12"/>
+    </p:embeddedFont>
+    <p:embeddedFont>
+      <p:font typeface="Calibri" panose="020F0502020204030204" pitchFamily="34" charset="0"/>
+      <p:regular r:id="rId13"/>
+      <p:bold r:id="rId14"/>
+      <p:italic r:id="rId15"/>
+      <p:boldItalic r:id="rId16"/>
     </p:embeddedFont>
   </p:embeddedFontLst>
   <p:defaultTextStyle>
-    <a:defPPr lvl="0" marR="0" rtl="0" algn="l">
+    <a:defPPr marR="0" lvl="0" algn="l" rtl="0">
       <a:lnSpc>
         <a:spcPct val="100000"/>
       </a:lnSpc>
@@ -36,7 +48,7 @@
         <a:spcPts val="0"/>
       </a:spcAft>
     </a:defPPr>
-    <a:lvl1pPr lvl="0" marR="0" rtl="0" algn="l">
+    <a:lvl1pPr marR="0" lvl="0" algn="l" rtl="0">
       <a:lnSpc>
         <a:spcPct val="100000"/>
       </a:lnSpc>
@@ -50,7 +62,7 @@
         <a:srgbClr val="000000"/>
       </a:buClr>
       <a:buFont typeface="Arial"/>
-      <a:defRPr b="0" i="0" sz="1400" u="none" cap="none" strike="noStrike">
+      <a:defRPr sz="1400" b="0" i="0" u="none" strike="noStrike" cap="none">
         <a:solidFill>
           <a:srgbClr val="000000"/>
         </a:solidFill>
@@ -60,7 +72,7 @@
         <a:sym typeface="Arial"/>
       </a:defRPr>
     </a:lvl1pPr>
-    <a:lvl2pPr lvl="1" marR="0" rtl="0" algn="l">
+    <a:lvl2pPr marR="0" lvl="1" algn="l" rtl="0">
       <a:lnSpc>
         <a:spcPct val="100000"/>
       </a:lnSpc>
@@ -74,7 +86,7 @@
         <a:srgbClr val="000000"/>
       </a:buClr>
       <a:buFont typeface="Arial"/>
-      <a:defRPr b="0" i="0" sz="1400" u="none" cap="none" strike="noStrike">
+      <a:defRPr sz="1400" b="0" i="0" u="none" strike="noStrike" cap="none">
         <a:solidFill>
           <a:srgbClr val="000000"/>
         </a:solidFill>
@@ -84,7 +96,7 @@
         <a:sym typeface="Arial"/>
       </a:defRPr>
     </a:lvl2pPr>
-    <a:lvl3pPr lvl="2" marR="0" rtl="0" algn="l">
+    <a:lvl3pPr marR="0" lvl="2" algn="l" rtl="0">
       <a:lnSpc>
         <a:spcPct val="100000"/>
       </a:lnSpc>
@@ -98,7 +110,7 @@
         <a:srgbClr val="000000"/>
       </a:buClr>
       <a:buFont typeface="Arial"/>
-      <a:defRPr b="0" i="0" sz="1400" u="none" cap="none" strike="noStrike">
+      <a:defRPr sz="1400" b="0" i="0" u="none" strike="noStrike" cap="none">
         <a:solidFill>
           <a:srgbClr val="000000"/>
         </a:solidFill>
@@ -108,7 +120,7 @@
         <a:sym typeface="Arial"/>
       </a:defRPr>
     </a:lvl3pPr>
-    <a:lvl4pPr lvl="3" marR="0" rtl="0" algn="l">
+    <a:lvl4pPr marR="0" lvl="3" algn="l" rtl="0">
       <a:lnSpc>
         <a:spcPct val="100000"/>
       </a:lnSpc>
@@ -122,7 +134,7 @@
         <a:srgbClr val="000000"/>
       </a:buClr>
       <a:buFont typeface="Arial"/>
-      <a:defRPr b="0" i="0" sz="1400" u="none" cap="none" strike="noStrike">
+      <a:defRPr sz="1400" b="0" i="0" u="none" strike="noStrike" cap="none">
         <a:solidFill>
           <a:srgbClr val="000000"/>
         </a:solidFill>
@@ -132,7 +144,7 @@
         <a:sym typeface="Arial"/>
       </a:defRPr>
     </a:lvl4pPr>
-    <a:lvl5pPr lvl="4" marR="0" rtl="0" algn="l">
+    <a:lvl5pPr marR="0" lvl="4" algn="l" rtl="0">
       <a:lnSpc>
         <a:spcPct val="100000"/>
       </a:lnSpc>
@@ -146,7 +158,7 @@
         <a:srgbClr val="000000"/>
       </a:buClr>
       <a:buFont typeface="Arial"/>
-      <a:defRPr b="0" i="0" sz="1400" u="none" cap="none" strike="noStrike">
+      <a:defRPr sz="1400" b="0" i="0" u="none" strike="noStrike" cap="none">
         <a:solidFill>
           <a:srgbClr val="000000"/>
         </a:solidFill>
@@ -156,7 +168,7 @@
         <a:sym typeface="Arial"/>
       </a:defRPr>
     </a:lvl5pPr>
-    <a:lvl6pPr lvl="5" marR="0" rtl="0" algn="l">
+    <a:lvl6pPr marR="0" lvl="5" algn="l" rtl="0">
       <a:lnSpc>
         <a:spcPct val="100000"/>
       </a:lnSpc>
@@ -170,7 +182,7 @@
         <a:srgbClr val="000000"/>
       </a:buClr>
       <a:buFont typeface="Arial"/>
-      <a:defRPr b="0" i="0" sz="1400" u="none" cap="none" strike="noStrike">
+      <a:defRPr sz="1400" b="0" i="0" u="none" strike="noStrike" cap="none">
         <a:solidFill>
           <a:srgbClr val="000000"/>
         </a:solidFill>
@@ -180,7 +192,7 @@
         <a:sym typeface="Arial"/>
       </a:defRPr>
     </a:lvl6pPr>
-    <a:lvl7pPr lvl="6" marR="0" rtl="0" algn="l">
+    <a:lvl7pPr marR="0" lvl="6" algn="l" rtl="0">
       <a:lnSpc>
         <a:spcPct val="100000"/>
       </a:lnSpc>
@@ -194,7 +206,7 @@
         <a:srgbClr val="000000"/>
       </a:buClr>
       <a:buFont typeface="Arial"/>
-      <a:defRPr b="0" i="0" sz="1400" u="none" cap="none" strike="noStrike">
+      <a:defRPr sz="1400" b="0" i="0" u="none" strike="noStrike" cap="none">
         <a:solidFill>
           <a:srgbClr val="000000"/>
         </a:solidFill>
@@ -204,7 +216,7 @@
         <a:sym typeface="Arial"/>
       </a:defRPr>
     </a:lvl7pPr>
-    <a:lvl8pPr lvl="7" marR="0" rtl="0" algn="l">
+    <a:lvl8pPr marR="0" lvl="7" algn="l" rtl="0">
       <a:lnSpc>
         <a:spcPct val="100000"/>
       </a:lnSpc>
@@ -218,7 +230,7 @@
         <a:srgbClr val="000000"/>
       </a:buClr>
       <a:buFont typeface="Arial"/>
-      <a:defRPr b="0" i="0" sz="1400" u="none" cap="none" strike="noStrike">
+      <a:defRPr sz="1400" b="0" i="0" u="none" strike="noStrike" cap="none">
         <a:solidFill>
           <a:srgbClr val="000000"/>
         </a:solidFill>
@@ -228,7 +240,7 @@
         <a:sym typeface="Arial"/>
       </a:defRPr>
     </a:lvl8pPr>
-    <a:lvl9pPr lvl="8" marR="0" rtl="0" algn="l">
+    <a:lvl9pPr marR="0" lvl="8" algn="l" rtl="0">
       <a:lnSpc>
         <a:spcPct val="100000"/>
       </a:lnSpc>
@@ -242,7 +254,7 @@
         <a:srgbClr val="000000"/>
       </a:buClr>
       <a:buFont typeface="Arial"/>
-      <a:defRPr b="0" i="0" sz="1400" u="none" cap="none" strike="noStrike">
+      <a:defRPr sz="1400" b="0" i="0" u="none" strike="noStrike" cap="none">
         <a:solidFill>
           <a:srgbClr val="000000"/>
         </a:solidFill>
@@ -255,7 +267,7 @@
   </p:defaultTextStyle>
   <p:extLst>
     <p:ext uri="{EFAFB233-063F-42B5-8137-9DF3F51BA10A}">
-      <p15:sldGuideLst>
+      <p15:sldGuideLst xmlns:p15="http://schemas.microsoft.com/office/powerpoint/2012/main">
         <p15:guide id="1" orient="horz" pos="1620">
           <p15:clr>
             <a:srgbClr val="A4A3A4"/>
@@ -273,11 +285,16 @@
 </file>
 
 <file path=ppt/notesMasters/notesMaster1.xml><?xml version="1.0" encoding="utf-8"?>
-<p:notesMaster xmlns:a="http://schemas.openxmlformats.org/drawingml/2006/main" xmlns:r="http://schemas.openxmlformats.org/officeDocument/2006/relationships" xmlns:mc="http://schemas.openxmlformats.org/markup-compatibility/2006" xmlns:mv="urn:schemas-microsoft-com:mac:vml" xmlns:p="http://schemas.openxmlformats.org/presentationml/2006/main" xmlns:c="http://schemas.openxmlformats.org/drawingml/2006/chart" xmlns:dgm="http://schemas.openxmlformats.org/drawingml/2006/diagram" xmlns:o="urn:schemas-microsoft-com:office:office" xmlns:v="urn:schemas-microsoft-com:vml" xmlns:pvml="urn:schemas-microsoft-com:office:powerpoint" xmlns:com="http://schemas.openxmlformats.org/drawingml/2006/compatibility" xmlns:p14="http://schemas.microsoft.com/office/powerpoint/2010/main" xmlns:p15="http://schemas.microsoft.com/office/powerpoint/2012/main">
+<p:notesMaster xmlns:a="http://schemas.openxmlformats.org/drawingml/2006/main" xmlns:r="http://schemas.openxmlformats.org/officeDocument/2006/relationships" xmlns:p="http://schemas.openxmlformats.org/presentationml/2006/main">
   <p:cSld>
+    <p:bg>
+      <p:bgRef idx="1001">
+        <a:schemeClr val="bg1"/>
+      </p:bgRef>
+    </p:bg>
     <p:spTree>
       <p:nvGrpSpPr>
-        <p:cNvPr id="2" name="Shape 2"/>
+        <p:cNvPr id="1" name="Shape 2"/>
         <p:cNvGrpSpPr/>
         <p:nvPr/>
       </p:nvGrpSpPr>
@@ -292,9 +309,11 @@
       <p:sp>
         <p:nvSpPr>
           <p:cNvPr id="3" name="Google Shape;3;n"/>
-          <p:cNvSpPr/>
+          <p:cNvSpPr>
+            <a:spLocks noGrp="1" noRot="1" noChangeAspect="1"/>
+          </p:cNvSpPr>
           <p:nvPr>
-            <p:ph idx="2" type="sldImg"/>
+            <p:ph type="sldImg" idx="2"/>
           </p:nvPr>
         </p:nvSpPr>
         <p:spPr>
@@ -303,9 +322,13 @@
             <a:ext cx="6096075" cy="3429000"/>
           </a:xfrm>
           <a:custGeom>
-            <a:rect b="b" l="l" r="r" t="t"/>
+            <a:avLst/>
+            <a:gdLst/>
+            <a:ahLst/>
+            <a:cxnLst/>
+            <a:rect l="l" t="t" r="r" b="b"/>
             <a:pathLst>
-              <a:path extrusionOk="0" h="120000" w="120000">
+              <a:path w="120000" h="120000" extrusionOk="0">
                 <a:moveTo>
                   <a:pt x="0" y="0"/>
                 </a:moveTo>
@@ -323,23 +346,25 @@
             </a:pathLst>
           </a:custGeom>
           <a:noFill/>
-          <a:ln cap="flat" cmpd="sng" w="9525">
+          <a:ln w="9525" cap="flat" cmpd="sng">
             <a:solidFill>
               <a:srgbClr val="000000"/>
             </a:solidFill>
             <a:prstDash val="solid"/>
             <a:round/>
-            <a:headEnd len="sm" w="sm" type="none"/>
-            <a:tailEnd len="sm" w="sm" type="none"/>
+            <a:headEnd type="none" w="sm" len="sm"/>
+            <a:tailEnd type="none" w="sm" len="sm"/>
           </a:ln>
         </p:spPr>
       </p:sp>
       <p:sp>
         <p:nvSpPr>
           <p:cNvPr id="4" name="Google Shape;4;n"/>
-          <p:cNvSpPr txBox="1"/>
+          <p:cNvSpPr txBox="1">
+            <a:spLocks noGrp="1"/>
+          </p:cNvSpPr>
           <p:nvPr>
-            <p:ph idx="1" type="body"/>
+            <p:ph type="body" idx="1"/>
           </p:nvPr>
         </p:nvSpPr>
         <p:spPr>
@@ -356,11 +381,11 @@
           </a:ln>
         </p:spPr>
         <p:txBody>
-          <a:bodyPr anchorCtr="0" anchor="t" bIns="91425" lIns="91425" spcFirstLastPara="1" rIns="91425" wrap="square" tIns="91425">
+          <a:bodyPr spcFirstLastPara="1" wrap="square" lIns="91425" tIns="91425" rIns="91425" bIns="91425" anchor="t" anchorCtr="0">
             <a:noAutofit/>
           </a:bodyPr>
           <a:lstStyle>
-            <a:lvl1pPr indent="-298450" lvl="0" marL="457200">
+            <a:lvl1pPr marL="457200" lvl="0" indent="-298450">
               <a:spcBef>
                 <a:spcPts val="0"/>
               </a:spcBef>
@@ -371,7 +396,7 @@
               <a:buChar char="●"/>
               <a:defRPr sz="1100"/>
             </a:lvl1pPr>
-            <a:lvl2pPr indent="-298450" lvl="1" marL="914400">
+            <a:lvl2pPr marL="914400" lvl="1" indent="-298450">
               <a:spcBef>
                 <a:spcPts val="0"/>
               </a:spcBef>
@@ -382,7 +407,7 @@
               <a:buChar char="○"/>
               <a:defRPr sz="1100"/>
             </a:lvl2pPr>
-            <a:lvl3pPr indent="-298450" lvl="2" marL="1371600">
+            <a:lvl3pPr marL="1371600" lvl="2" indent="-298450">
               <a:spcBef>
                 <a:spcPts val="0"/>
               </a:spcBef>
@@ -393,7 +418,7 @@
               <a:buChar char="■"/>
               <a:defRPr sz="1100"/>
             </a:lvl3pPr>
-            <a:lvl4pPr indent="-298450" lvl="3" marL="1828800">
+            <a:lvl4pPr marL="1828800" lvl="3" indent="-298450">
               <a:spcBef>
                 <a:spcPts val="0"/>
               </a:spcBef>
@@ -404,7 +429,7 @@
               <a:buChar char="●"/>
               <a:defRPr sz="1100"/>
             </a:lvl4pPr>
-            <a:lvl5pPr indent="-298450" lvl="4" marL="2286000">
+            <a:lvl5pPr marL="2286000" lvl="4" indent="-298450">
               <a:spcBef>
                 <a:spcPts val="0"/>
               </a:spcBef>
@@ -415,7 +440,7 @@
               <a:buChar char="○"/>
               <a:defRPr sz="1100"/>
             </a:lvl5pPr>
-            <a:lvl6pPr indent="-298450" lvl="5" marL="2743200">
+            <a:lvl6pPr marL="2743200" lvl="5" indent="-298450">
               <a:spcBef>
                 <a:spcPts val="0"/>
               </a:spcBef>
@@ -426,7 +451,7 @@
               <a:buChar char="■"/>
               <a:defRPr sz="1100"/>
             </a:lvl6pPr>
-            <a:lvl7pPr indent="-298450" lvl="6" marL="3200400">
+            <a:lvl7pPr marL="3200400" lvl="6" indent="-298450">
               <a:spcBef>
                 <a:spcPts val="0"/>
               </a:spcBef>
@@ -437,7 +462,7 @@
               <a:buChar char="●"/>
               <a:defRPr sz="1100"/>
             </a:lvl7pPr>
-            <a:lvl8pPr indent="-298450" lvl="7" marL="3657600">
+            <a:lvl8pPr marL="3657600" lvl="7" indent="-298450">
               <a:spcBef>
                 <a:spcPts val="0"/>
               </a:spcBef>
@@ -448,7 +473,7 @@
               <a:buChar char="○"/>
               <a:defRPr sz="1100"/>
             </a:lvl8pPr>
-            <a:lvl9pPr indent="-298450" lvl="8" marL="4114800">
+            <a:lvl9pPr marL="4114800" lvl="8" indent="-298450">
               <a:spcBef>
                 <a:spcPts val="0"/>
               </a:spcBef>
@@ -460,14 +485,21 @@
               <a:defRPr sz="1100"/>
             </a:lvl9pPr>
           </a:lstStyle>
-          <a:p/>
+          <a:p>
+            <a:endParaRPr/>
+          </a:p>
         </p:txBody>
       </p:sp>
     </p:spTree>
+    <p:extLst>
+      <p:ext uri="{BB962C8B-B14F-4D97-AF65-F5344CB8AC3E}">
+        <p14:creationId xmlns:p14="http://schemas.microsoft.com/office/powerpoint/2010/main" val="3315130866"/>
+      </p:ext>
+    </p:extLst>
   </p:cSld>
-  <p:clrMap accent1="accent1" accent2="accent2" accent3="accent3" accent4="accent4" accent5="accent5" accent6="accent6" bg1="lt1" bg2="dk2" tx1="dk1" tx2="lt2" folHlink="folHlink" hlink="hlink"/>
+  <p:clrMap bg1="lt1" tx1="dk1" bg2="dk2" tx2="lt2" accent1="accent1" accent2="accent2" accent3="accent3" accent4="accent4" accent5="accent5" accent6="accent6" hlink="hlink" folHlink="folHlink"/>
   <p:notesStyle>
-    <a:defPPr lvl="0" marR="0" rtl="0" algn="l">
+    <a:defPPr marR="0" lvl="0" algn="l" rtl="0">
       <a:lnSpc>
         <a:spcPct val="100000"/>
       </a:lnSpc>
@@ -478,7 +510,7 @@
         <a:spcPts val="0"/>
       </a:spcAft>
     </a:defPPr>
-    <a:lvl1pPr lvl="0" marR="0" rtl="0" algn="l">
+    <a:lvl1pPr marR="0" lvl="0" algn="l" rtl="0">
       <a:lnSpc>
         <a:spcPct val="100000"/>
       </a:lnSpc>
@@ -492,7 +524,7 @@
         <a:srgbClr val="000000"/>
       </a:buClr>
       <a:buFont typeface="Arial"/>
-      <a:defRPr b="0" i="0" sz="1400" u="none" cap="none" strike="noStrike">
+      <a:defRPr sz="1400" b="0" i="0" u="none" strike="noStrike" cap="none">
         <a:solidFill>
           <a:srgbClr val="000000"/>
         </a:solidFill>
@@ -502,7 +534,7 @@
         <a:sym typeface="Arial"/>
       </a:defRPr>
     </a:lvl1pPr>
-    <a:lvl2pPr lvl="1" marR="0" rtl="0" algn="l">
+    <a:lvl2pPr marR="0" lvl="1" algn="l" rtl="0">
       <a:lnSpc>
         <a:spcPct val="100000"/>
       </a:lnSpc>
@@ -516,7 +548,7 @@
         <a:srgbClr val="000000"/>
       </a:buClr>
       <a:buFont typeface="Arial"/>
-      <a:defRPr b="0" i="0" sz="1400" u="none" cap="none" strike="noStrike">
+      <a:defRPr sz="1400" b="0" i="0" u="none" strike="noStrike" cap="none">
         <a:solidFill>
           <a:srgbClr val="000000"/>
         </a:solidFill>
@@ -526,7 +558,7 @@
         <a:sym typeface="Arial"/>
       </a:defRPr>
     </a:lvl2pPr>
-    <a:lvl3pPr lvl="2" marR="0" rtl="0" algn="l">
+    <a:lvl3pPr marR="0" lvl="2" algn="l" rtl="0">
       <a:lnSpc>
         <a:spcPct val="100000"/>
       </a:lnSpc>
@@ -540,7 +572,7 @@
         <a:srgbClr val="000000"/>
       </a:buClr>
       <a:buFont typeface="Arial"/>
-      <a:defRPr b="0" i="0" sz="1400" u="none" cap="none" strike="noStrike">
+      <a:defRPr sz="1400" b="0" i="0" u="none" strike="noStrike" cap="none">
         <a:solidFill>
           <a:srgbClr val="000000"/>
         </a:solidFill>
@@ -550,7 +582,7 @@
         <a:sym typeface="Arial"/>
       </a:defRPr>
     </a:lvl3pPr>
-    <a:lvl4pPr lvl="3" marR="0" rtl="0" algn="l">
+    <a:lvl4pPr marR="0" lvl="3" algn="l" rtl="0">
       <a:lnSpc>
         <a:spcPct val="100000"/>
       </a:lnSpc>
@@ -564,7 +596,7 @@
         <a:srgbClr val="000000"/>
       </a:buClr>
       <a:buFont typeface="Arial"/>
-      <a:defRPr b="0" i="0" sz="1400" u="none" cap="none" strike="noStrike">
+      <a:defRPr sz="1400" b="0" i="0" u="none" strike="noStrike" cap="none">
         <a:solidFill>
           <a:srgbClr val="000000"/>
         </a:solidFill>
@@ -574,7 +606,7 @@
         <a:sym typeface="Arial"/>
       </a:defRPr>
     </a:lvl4pPr>
-    <a:lvl5pPr lvl="4" marR="0" rtl="0" algn="l">
+    <a:lvl5pPr marR="0" lvl="4" algn="l" rtl="0">
       <a:lnSpc>
         <a:spcPct val="100000"/>
       </a:lnSpc>
@@ -588,7 +620,7 @@
         <a:srgbClr val="000000"/>
       </a:buClr>
       <a:buFont typeface="Arial"/>
-      <a:defRPr b="0" i="0" sz="1400" u="none" cap="none" strike="noStrike">
+      <a:defRPr sz="1400" b="0" i="0" u="none" strike="noStrike" cap="none">
         <a:solidFill>
           <a:srgbClr val="000000"/>
         </a:solidFill>
@@ -598,7 +630,7 @@
         <a:sym typeface="Arial"/>
       </a:defRPr>
     </a:lvl5pPr>
-    <a:lvl6pPr lvl="5" marR="0" rtl="0" algn="l">
+    <a:lvl6pPr marR="0" lvl="5" algn="l" rtl="0">
       <a:lnSpc>
         <a:spcPct val="100000"/>
       </a:lnSpc>
@@ -612,7 +644,7 @@
         <a:srgbClr val="000000"/>
       </a:buClr>
       <a:buFont typeface="Arial"/>
-      <a:defRPr b="0" i="0" sz="1400" u="none" cap="none" strike="noStrike">
+      <a:defRPr sz="1400" b="0" i="0" u="none" strike="noStrike" cap="none">
         <a:solidFill>
           <a:srgbClr val="000000"/>
         </a:solidFill>
@@ -622,7 +654,7 @@
         <a:sym typeface="Arial"/>
       </a:defRPr>
     </a:lvl6pPr>
-    <a:lvl7pPr lvl="6" marR="0" rtl="0" algn="l">
+    <a:lvl7pPr marR="0" lvl="6" algn="l" rtl="0">
       <a:lnSpc>
         <a:spcPct val="100000"/>
       </a:lnSpc>
@@ -636,7 +668,7 @@
         <a:srgbClr val="000000"/>
       </a:buClr>
       <a:buFont typeface="Arial"/>
-      <a:defRPr b="0" i="0" sz="1400" u="none" cap="none" strike="noStrike">
+      <a:defRPr sz="1400" b="0" i="0" u="none" strike="noStrike" cap="none">
         <a:solidFill>
           <a:srgbClr val="000000"/>
         </a:solidFill>
@@ -646,7 +678,7 @@
         <a:sym typeface="Arial"/>
       </a:defRPr>
     </a:lvl7pPr>
-    <a:lvl8pPr lvl="7" marR="0" rtl="0" algn="l">
+    <a:lvl8pPr marR="0" lvl="7" algn="l" rtl="0">
       <a:lnSpc>
         <a:spcPct val="100000"/>
       </a:lnSpc>
@@ -660,7 +692,7 @@
         <a:srgbClr val="000000"/>
       </a:buClr>
       <a:buFont typeface="Arial"/>
-      <a:defRPr b="0" i="0" sz="1400" u="none" cap="none" strike="noStrike">
+      <a:defRPr sz="1400" b="0" i="0" u="none" strike="noStrike" cap="none">
         <a:solidFill>
           <a:srgbClr val="000000"/>
         </a:solidFill>
@@ -670,7 +702,7 @@
         <a:sym typeface="Arial"/>
       </a:defRPr>
     </a:lvl8pPr>
-    <a:lvl9pPr lvl="8" marR="0" rtl="0" algn="l">
+    <a:lvl9pPr marR="0" lvl="8" algn="l" rtl="0">
       <a:lnSpc>
         <a:spcPct val="100000"/>
       </a:lnSpc>
@@ -684,7 +716,7 @@
         <a:srgbClr val="000000"/>
       </a:buClr>
       <a:buFont typeface="Arial"/>
-      <a:defRPr b="0" i="0" sz="1400" u="none" cap="none" strike="noStrike">
+      <a:defRPr sz="1400" b="0" i="0" u="none" strike="noStrike" cap="none">
         <a:solidFill>
           <a:srgbClr val="000000"/>
         </a:solidFill>
@@ -699,11 +731,11 @@
 </file>
 
 <file path=ppt/notesSlides/notesSlide1.xml><?xml version="1.0" encoding="utf-8"?>
-<p:notes xmlns:a="http://schemas.openxmlformats.org/drawingml/2006/main" xmlns:r="http://schemas.openxmlformats.org/officeDocument/2006/relationships" xmlns:mc="http://schemas.openxmlformats.org/markup-compatibility/2006" xmlns:mv="urn:schemas-microsoft-com:mac:vml" xmlns:p="http://schemas.openxmlformats.org/presentationml/2006/main" xmlns:c="http://schemas.openxmlformats.org/drawingml/2006/chart" xmlns:dgm="http://schemas.openxmlformats.org/drawingml/2006/diagram" xmlns:o="urn:schemas-microsoft-com:office:office" xmlns:v="urn:schemas-microsoft-com:vml" xmlns:pvml="urn:schemas-microsoft-com:office:powerpoint" xmlns:com="http://schemas.openxmlformats.org/drawingml/2006/compatibility" xmlns:p14="http://schemas.microsoft.com/office/powerpoint/2010/main" xmlns:p15="http://schemas.microsoft.com/office/powerpoint/2012/main" showMasterPhAnim="0" showMasterSp="0">
+<p:notes xmlns:a="http://schemas.openxmlformats.org/drawingml/2006/main" xmlns:r="http://schemas.openxmlformats.org/officeDocument/2006/relationships" xmlns:p="http://schemas.openxmlformats.org/presentationml/2006/main" showMasterSp="0" showMasterPhAnim="0">
   <p:cSld>
     <p:spTree>
       <p:nvGrpSpPr>
-        <p:cNvPr id="124" name="Shape 124"/>
+        <p:cNvPr id="1" name="Shape 124"/>
         <p:cNvGrpSpPr/>
         <p:nvPr/>
       </p:nvGrpSpPr>
@@ -718,9 +750,11 @@
       <p:sp>
         <p:nvSpPr>
           <p:cNvPr id="125" name="Google Shape;125;p:notes"/>
-          <p:cNvSpPr/>
+          <p:cNvSpPr>
+            <a:spLocks noGrp="1" noRot="1" noChangeAspect="1"/>
+          </p:cNvSpPr>
           <p:nvPr>
-            <p:ph idx="2" type="sldImg"/>
+            <p:ph type="sldImg" idx="2"/>
           </p:nvPr>
         </p:nvSpPr>
         <p:spPr>
@@ -729,9 +763,13 @@
             <a:ext cx="6096075" cy="3429000"/>
           </a:xfrm>
           <a:custGeom>
-            <a:rect b="b" l="l" r="r" t="t"/>
+            <a:avLst/>
+            <a:gdLst/>
+            <a:ahLst/>
+            <a:cxnLst/>
+            <a:rect l="l" t="t" r="r" b="b"/>
             <a:pathLst>
-              <a:path extrusionOk="0" h="120000" w="120000">
+              <a:path w="120000" h="120000" extrusionOk="0">
                 <a:moveTo>
                   <a:pt x="0" y="0"/>
                 </a:moveTo>
@@ -753,9 +791,11 @@
       <p:sp>
         <p:nvSpPr>
           <p:cNvPr id="126" name="Google Shape;126;p:notes"/>
-          <p:cNvSpPr txBox="1"/>
+          <p:cNvSpPr txBox="1">
+            <a:spLocks noGrp="1"/>
+          </p:cNvSpPr>
           <p:nvPr>
-            <p:ph idx="1" type="body"/>
+            <p:ph type="body" idx="1"/>
           </p:nvPr>
         </p:nvSpPr>
         <p:spPr>
@@ -768,28 +808,30 @@
           </a:prstGeom>
         </p:spPr>
         <p:txBody>
-          <a:bodyPr anchorCtr="0" anchor="t" bIns="91425" lIns="91425" spcFirstLastPara="1" rIns="91425" wrap="square" tIns="91425">
+          <a:bodyPr spcFirstLastPara="1" wrap="square" lIns="91425" tIns="91425" rIns="91425" bIns="91425" anchor="t" anchorCtr="0">
             <a:noAutofit/>
           </a:bodyPr>
           <a:lstStyle/>
           <a:p>
-            <a:pPr indent="0" lvl="0" marL="0" rtl="0" algn="l">
-              <a:spcBef>
-                <a:spcPts val="0"/>
-              </a:spcBef>
-              <a:spcAft>
-                <a:spcPts val="0"/>
-              </a:spcAft>
-              <a:buNone/>
-            </a:pPr>
-            <a:r>
-              <a:t/>
-            </a:r>
+            <a:pPr marL="0" lvl="0" indent="0" algn="l" rtl="0">
+              <a:spcBef>
+                <a:spcPts val="0"/>
+              </a:spcBef>
+              <a:spcAft>
+                <a:spcPts val="0"/>
+              </a:spcAft>
+              <a:buNone/>
+            </a:pPr>
             <a:endParaRPr/>
           </a:p>
         </p:txBody>
       </p:sp>
     </p:spTree>
+    <p:extLst>
+      <p:ext uri="{BB962C8B-B14F-4D97-AF65-F5344CB8AC3E}">
+        <p14:creationId xmlns:p14="http://schemas.microsoft.com/office/powerpoint/2010/main" val="4164172754"/>
+      </p:ext>
+    </p:extLst>
   </p:cSld>
   <p:clrMapOvr>
     <a:masterClrMapping/>
@@ -798,11 +840,11 @@
 </file>
 
 <file path=ppt/notesSlides/notesSlide2.xml><?xml version="1.0" encoding="utf-8"?>
-<p:notes xmlns:a="http://schemas.openxmlformats.org/drawingml/2006/main" xmlns:r="http://schemas.openxmlformats.org/officeDocument/2006/relationships" xmlns:mc="http://schemas.openxmlformats.org/markup-compatibility/2006" xmlns:mv="urn:schemas-microsoft-com:mac:vml" xmlns:p="http://schemas.openxmlformats.org/presentationml/2006/main" xmlns:c="http://schemas.openxmlformats.org/drawingml/2006/chart" xmlns:dgm="http://schemas.openxmlformats.org/drawingml/2006/diagram" xmlns:o="urn:schemas-microsoft-com:office:office" xmlns:v="urn:schemas-microsoft-com:vml" xmlns:pvml="urn:schemas-microsoft-com:office:powerpoint" xmlns:com="http://schemas.openxmlformats.org/drawingml/2006/compatibility" xmlns:p14="http://schemas.microsoft.com/office/powerpoint/2010/main" xmlns:p15="http://schemas.microsoft.com/office/powerpoint/2012/main" showMasterPhAnim="0" showMasterSp="0">
+<p:notes xmlns:a="http://schemas.openxmlformats.org/drawingml/2006/main" xmlns:r="http://schemas.openxmlformats.org/officeDocument/2006/relationships" xmlns:p="http://schemas.openxmlformats.org/presentationml/2006/main" showMasterSp="0" showMasterPhAnim="0">
   <p:cSld>
     <p:spTree>
       <p:nvGrpSpPr>
-        <p:cNvPr id="137" name="Shape 137"/>
+        <p:cNvPr id="1" name="Shape 137"/>
         <p:cNvGrpSpPr/>
         <p:nvPr/>
       </p:nvGrpSpPr>
@@ -817,20 +859,26 @@
       <p:sp>
         <p:nvSpPr>
           <p:cNvPr id="138" name="Google Shape;138;g5e30aa030d_0_0:notes"/>
-          <p:cNvSpPr/>
+          <p:cNvSpPr>
+            <a:spLocks noGrp="1" noRot="1" noChangeAspect="1"/>
+          </p:cNvSpPr>
           <p:nvPr>
-            <p:ph idx="2" type="sldImg"/>
+            <p:ph type="sldImg" idx="2"/>
           </p:nvPr>
         </p:nvSpPr>
         <p:spPr>
           <a:xfrm>
-            <a:off x="381300" y="685800"/>
+            <a:off x="381000" y="685800"/>
             <a:ext cx="6096000" cy="3429000"/>
           </a:xfrm>
           <a:custGeom>
-            <a:rect b="b" l="l" r="r" t="t"/>
+            <a:avLst/>
+            <a:gdLst/>
+            <a:ahLst/>
+            <a:cxnLst/>
+            <a:rect l="l" t="t" r="r" b="b"/>
             <a:pathLst>
-              <a:path extrusionOk="0" h="120000" w="120000">
+              <a:path w="120000" h="120000" extrusionOk="0">
                 <a:moveTo>
                   <a:pt x="0" y="0"/>
                 </a:moveTo>
@@ -852,9 +900,11 @@
       <p:sp>
         <p:nvSpPr>
           <p:cNvPr id="139" name="Google Shape;139;g5e30aa030d_0_0:notes"/>
-          <p:cNvSpPr txBox="1"/>
+          <p:cNvSpPr txBox="1">
+            <a:spLocks noGrp="1"/>
+          </p:cNvSpPr>
           <p:nvPr>
-            <p:ph idx="1" type="body"/>
+            <p:ph type="body" idx="1"/>
           </p:nvPr>
         </p:nvSpPr>
         <p:spPr>
@@ -867,28 +917,30 @@
           </a:prstGeom>
         </p:spPr>
         <p:txBody>
-          <a:bodyPr anchorCtr="0" anchor="t" bIns="91425" lIns="91425" spcFirstLastPara="1" rIns="91425" wrap="square" tIns="91425">
+          <a:bodyPr spcFirstLastPara="1" wrap="square" lIns="91425" tIns="91425" rIns="91425" bIns="91425" anchor="t" anchorCtr="0">
             <a:noAutofit/>
           </a:bodyPr>
           <a:lstStyle/>
           <a:p>
-            <a:pPr indent="0" lvl="0" marL="0" rtl="0" algn="l">
-              <a:spcBef>
-                <a:spcPts val="0"/>
-              </a:spcBef>
-              <a:spcAft>
-                <a:spcPts val="0"/>
-              </a:spcAft>
-              <a:buNone/>
-            </a:pPr>
-            <a:r>
-              <a:t/>
-            </a:r>
+            <a:pPr marL="0" lvl="0" indent="0" algn="l" rtl="0">
+              <a:spcBef>
+                <a:spcPts val="0"/>
+              </a:spcBef>
+              <a:spcAft>
+                <a:spcPts val="0"/>
+              </a:spcAft>
+              <a:buNone/>
+            </a:pPr>
             <a:endParaRPr/>
           </a:p>
         </p:txBody>
       </p:sp>
     </p:spTree>
+    <p:extLst>
+      <p:ext uri="{BB962C8B-B14F-4D97-AF65-F5344CB8AC3E}">
+        <p14:creationId xmlns:p14="http://schemas.microsoft.com/office/powerpoint/2010/main" val="4153874272"/>
+      </p:ext>
+    </p:extLst>
   </p:cSld>
   <p:clrMapOvr>
     <a:masterClrMapping/>
@@ -897,11 +949,11 @@
 </file>
 
 <file path=ppt/notesSlides/notesSlide3.xml><?xml version="1.0" encoding="utf-8"?>
-<p:notes xmlns:a="http://schemas.openxmlformats.org/drawingml/2006/main" xmlns:r="http://schemas.openxmlformats.org/officeDocument/2006/relationships" xmlns:mc="http://schemas.openxmlformats.org/markup-compatibility/2006" xmlns:mv="urn:schemas-microsoft-com:mac:vml" xmlns:p="http://schemas.openxmlformats.org/presentationml/2006/main" xmlns:c="http://schemas.openxmlformats.org/drawingml/2006/chart" xmlns:dgm="http://schemas.openxmlformats.org/drawingml/2006/diagram" xmlns:o="urn:schemas-microsoft-com:office:office" xmlns:v="urn:schemas-microsoft-com:vml" xmlns:pvml="urn:schemas-microsoft-com:office:powerpoint" xmlns:com="http://schemas.openxmlformats.org/drawingml/2006/compatibility" xmlns:p14="http://schemas.microsoft.com/office/powerpoint/2010/main" xmlns:p15="http://schemas.microsoft.com/office/powerpoint/2012/main" showMasterPhAnim="0" showMasterSp="0">
+<p:notes xmlns:a="http://schemas.openxmlformats.org/drawingml/2006/main" xmlns:r="http://schemas.openxmlformats.org/officeDocument/2006/relationships" xmlns:p="http://schemas.openxmlformats.org/presentationml/2006/main" showMasterSp="0" showMasterPhAnim="0">
   <p:cSld>
     <p:spTree>
       <p:nvGrpSpPr>
-        <p:cNvPr id="237" name="Shape 237"/>
+        <p:cNvPr id="1" name="Shape 237"/>
         <p:cNvGrpSpPr/>
         <p:nvPr/>
       </p:nvGrpSpPr>
@@ -916,9 +968,11 @@
       <p:sp>
         <p:nvSpPr>
           <p:cNvPr id="238" name="Google Shape;238;g5e30aa030d_0_10:notes"/>
-          <p:cNvSpPr/>
+          <p:cNvSpPr>
+            <a:spLocks noGrp="1" noRot="1" noChangeAspect="1"/>
+          </p:cNvSpPr>
           <p:nvPr>
-            <p:ph idx="2" type="sldImg"/>
+            <p:ph type="sldImg" idx="2"/>
           </p:nvPr>
         </p:nvSpPr>
         <p:spPr>
@@ -927,9 +981,13 @@
             <a:ext cx="6096000" cy="3429000"/>
           </a:xfrm>
           <a:custGeom>
-            <a:rect b="b" l="l" r="r" t="t"/>
+            <a:avLst/>
+            <a:gdLst/>
+            <a:ahLst/>
+            <a:cxnLst/>
+            <a:rect l="l" t="t" r="r" b="b"/>
             <a:pathLst>
-              <a:path extrusionOk="0" h="120000" w="120000">
+              <a:path w="120000" h="120000" extrusionOk="0">
                 <a:moveTo>
                   <a:pt x="0" y="0"/>
                 </a:moveTo>
@@ -951,9 +1009,11 @@
       <p:sp>
         <p:nvSpPr>
           <p:cNvPr id="239" name="Google Shape;239;g5e30aa030d_0_10:notes"/>
-          <p:cNvSpPr txBox="1"/>
+          <p:cNvSpPr txBox="1">
+            <a:spLocks noGrp="1"/>
+          </p:cNvSpPr>
           <p:nvPr>
-            <p:ph idx="1" type="body"/>
+            <p:ph type="body" idx="1"/>
           </p:nvPr>
         </p:nvSpPr>
         <p:spPr>
@@ -966,28 +1026,30 @@
           </a:prstGeom>
         </p:spPr>
         <p:txBody>
-          <a:bodyPr anchorCtr="0" anchor="t" bIns="91425" lIns="91425" spcFirstLastPara="1" rIns="91425" wrap="square" tIns="91425">
+          <a:bodyPr spcFirstLastPara="1" wrap="square" lIns="91425" tIns="91425" rIns="91425" bIns="91425" anchor="t" anchorCtr="0">
             <a:noAutofit/>
           </a:bodyPr>
           <a:lstStyle/>
           <a:p>
-            <a:pPr indent="0" lvl="0" marL="0" rtl="0" algn="l">
-              <a:spcBef>
-                <a:spcPts val="0"/>
-              </a:spcBef>
-              <a:spcAft>
-                <a:spcPts val="0"/>
-              </a:spcAft>
-              <a:buNone/>
-            </a:pPr>
-            <a:r>
-              <a:t/>
-            </a:r>
+            <a:pPr marL="0" lvl="0" indent="0" algn="l" rtl="0">
+              <a:spcBef>
+                <a:spcPts val="0"/>
+              </a:spcBef>
+              <a:spcAft>
+                <a:spcPts val="0"/>
+              </a:spcAft>
+              <a:buNone/>
+            </a:pPr>
             <a:endParaRPr/>
           </a:p>
         </p:txBody>
       </p:sp>
     </p:spTree>
+    <p:extLst>
+      <p:ext uri="{BB962C8B-B14F-4D97-AF65-F5344CB8AC3E}">
+        <p14:creationId xmlns:p14="http://schemas.microsoft.com/office/powerpoint/2010/main" val="3974553879"/>
+      </p:ext>
+    </p:extLst>
   </p:cSld>
   <p:clrMapOvr>
     <a:masterClrMapping/>
@@ -996,11 +1058,11 @@
 </file>
 
 <file path=ppt/notesSlides/notesSlide4.xml><?xml version="1.0" encoding="utf-8"?>
-<p:notes xmlns:a="http://schemas.openxmlformats.org/drawingml/2006/main" xmlns:r="http://schemas.openxmlformats.org/officeDocument/2006/relationships" xmlns:mc="http://schemas.openxmlformats.org/markup-compatibility/2006" xmlns:mv="urn:schemas-microsoft-com:mac:vml" xmlns:p="http://schemas.openxmlformats.org/presentationml/2006/main" xmlns:c="http://schemas.openxmlformats.org/drawingml/2006/chart" xmlns:dgm="http://schemas.openxmlformats.org/drawingml/2006/diagram" xmlns:o="urn:schemas-microsoft-com:office:office" xmlns:v="urn:schemas-microsoft-com:vml" xmlns:pvml="urn:schemas-microsoft-com:office:powerpoint" xmlns:com="http://schemas.openxmlformats.org/drawingml/2006/compatibility" xmlns:p14="http://schemas.microsoft.com/office/powerpoint/2010/main" xmlns:p15="http://schemas.microsoft.com/office/powerpoint/2012/main" showMasterPhAnim="0" showMasterSp="0">
+<p:notes xmlns:a="http://schemas.openxmlformats.org/drawingml/2006/main" xmlns:r="http://schemas.openxmlformats.org/officeDocument/2006/relationships" xmlns:p="http://schemas.openxmlformats.org/presentationml/2006/main" showMasterSp="0" showMasterPhAnim="0">
   <p:cSld>
     <p:spTree>
       <p:nvGrpSpPr>
-        <p:cNvPr id="245" name="Shape 245"/>
+        <p:cNvPr id="1" name="Shape 245"/>
         <p:cNvGrpSpPr/>
         <p:nvPr/>
       </p:nvGrpSpPr>
@@ -1015,9 +1077,11 @@
       <p:sp>
         <p:nvSpPr>
           <p:cNvPr id="246" name="Google Shape;246;g5e30aa030d_0_150:notes"/>
-          <p:cNvSpPr/>
+          <p:cNvSpPr>
+            <a:spLocks noGrp="1" noRot="1" noChangeAspect="1"/>
+          </p:cNvSpPr>
           <p:nvPr>
-            <p:ph idx="2" type="sldImg"/>
+            <p:ph type="sldImg" idx="2"/>
           </p:nvPr>
         </p:nvSpPr>
         <p:spPr>
@@ -1026,9 +1090,13 @@
             <a:ext cx="6096000" cy="3429000"/>
           </a:xfrm>
           <a:custGeom>
-            <a:rect b="b" l="l" r="r" t="t"/>
+            <a:avLst/>
+            <a:gdLst/>
+            <a:ahLst/>
+            <a:cxnLst/>
+            <a:rect l="l" t="t" r="r" b="b"/>
             <a:pathLst>
-              <a:path extrusionOk="0" h="120000" w="120000">
+              <a:path w="120000" h="120000" extrusionOk="0">
                 <a:moveTo>
                   <a:pt x="0" y="0"/>
                 </a:moveTo>
@@ -1050,9 +1118,11 @@
       <p:sp>
         <p:nvSpPr>
           <p:cNvPr id="247" name="Google Shape;247;g5e30aa030d_0_150:notes"/>
-          <p:cNvSpPr txBox="1"/>
+          <p:cNvSpPr txBox="1">
+            <a:spLocks noGrp="1"/>
+          </p:cNvSpPr>
           <p:nvPr>
-            <p:ph idx="1" type="body"/>
+            <p:ph type="body" idx="1"/>
           </p:nvPr>
         </p:nvSpPr>
         <p:spPr>
@@ -1065,28 +1135,30 @@
           </a:prstGeom>
         </p:spPr>
         <p:txBody>
-          <a:bodyPr anchorCtr="0" anchor="t" bIns="91425" lIns="91425" spcFirstLastPara="1" rIns="91425" wrap="square" tIns="91425">
+          <a:bodyPr spcFirstLastPara="1" wrap="square" lIns="91425" tIns="91425" rIns="91425" bIns="91425" anchor="t" anchorCtr="0">
             <a:noAutofit/>
           </a:bodyPr>
           <a:lstStyle/>
           <a:p>
-            <a:pPr indent="0" lvl="0" marL="0" rtl="0" algn="l">
-              <a:spcBef>
-                <a:spcPts val="0"/>
-              </a:spcBef>
-              <a:spcAft>
-                <a:spcPts val="0"/>
-              </a:spcAft>
-              <a:buNone/>
-            </a:pPr>
-            <a:r>
-              <a:t/>
-            </a:r>
+            <a:pPr marL="0" lvl="0" indent="0" algn="l" rtl="0">
+              <a:spcBef>
+                <a:spcPts val="0"/>
+              </a:spcBef>
+              <a:spcAft>
+                <a:spcPts val="0"/>
+              </a:spcAft>
+              <a:buNone/>
+            </a:pPr>
             <a:endParaRPr/>
           </a:p>
         </p:txBody>
       </p:sp>
     </p:spTree>
+    <p:extLst>
+      <p:ext uri="{BB962C8B-B14F-4D97-AF65-F5344CB8AC3E}">
+        <p14:creationId xmlns:p14="http://schemas.microsoft.com/office/powerpoint/2010/main" val="5390197"/>
+      </p:ext>
+    </p:extLst>
   </p:cSld>
   <p:clrMapOvr>
     <a:masterClrMapping/>
@@ -1095,18 +1167,19 @@
 </file>
 
 <file path=ppt/slideLayouts/slideLayout1.xml><?xml version="1.0" encoding="utf-8"?>
-<p:sldLayout xmlns:a="http://schemas.openxmlformats.org/drawingml/2006/main" xmlns:r="http://schemas.openxmlformats.org/officeDocument/2006/relationships" xmlns:mc="http://schemas.openxmlformats.org/markup-compatibility/2006" xmlns:mv="urn:schemas-microsoft-com:mac:vml" xmlns:p="http://schemas.openxmlformats.org/presentationml/2006/main" xmlns:c="http://schemas.openxmlformats.org/drawingml/2006/chart" xmlns:dgm="http://schemas.openxmlformats.org/drawingml/2006/diagram" xmlns:o="urn:schemas-microsoft-com:office:office" xmlns:v="urn:schemas-microsoft-com:vml" xmlns:pvml="urn:schemas-microsoft-com:office:powerpoint" xmlns:com="http://schemas.openxmlformats.org/drawingml/2006/compatibility" xmlns:p14="http://schemas.microsoft.com/office/powerpoint/2010/main" xmlns:p15="http://schemas.microsoft.com/office/powerpoint/2012/main" matchingName="Title slide" type="title">
+<p:sldLayout xmlns:a="http://schemas.openxmlformats.org/drawingml/2006/main" xmlns:r="http://schemas.openxmlformats.org/officeDocument/2006/relationships" xmlns:p="http://schemas.openxmlformats.org/presentationml/2006/main" matchingName="Title slide" type="title">
   <p:cSld name="TITLE">
     <p:bg>
       <p:bgPr>
         <a:solidFill>
           <a:schemeClr val="accent6"/>
         </a:solidFill>
+        <a:effectLst/>
       </p:bgPr>
     </p:bg>
     <p:spTree>
       <p:nvGrpSpPr>
-        <p:cNvPr id="9" name="Shape 9"/>
+        <p:cNvPr id="1" name="Shape 9"/>
         <p:cNvGrpSpPr/>
         <p:nvPr/>
       </p:nvGrpSpPr>
@@ -1140,23 +1213,20 @@
           </a:ln>
         </p:spPr>
         <p:txBody>
-          <a:bodyPr anchorCtr="0" anchor="ctr" bIns="91425" lIns="91425" spcFirstLastPara="1" rIns="91425" wrap="square" tIns="91425">
+          <a:bodyPr spcFirstLastPara="1" wrap="square" lIns="91425" tIns="91425" rIns="91425" bIns="91425" anchor="ctr" anchorCtr="0">
             <a:noAutofit/>
           </a:bodyPr>
           <a:lstStyle/>
           <a:p>
-            <a:pPr indent="0" lvl="0" marL="0" rtl="0" algn="l">
-              <a:spcBef>
-                <a:spcPts val="0"/>
-              </a:spcBef>
-              <a:spcAft>
-                <a:spcPts val="0"/>
-              </a:spcAft>
-              <a:buNone/>
-            </a:pPr>
-            <a:r>
-              <a:t/>
-            </a:r>
+            <a:pPr marL="0" lvl="0" indent="0" algn="l" rtl="0">
+              <a:spcBef>
+                <a:spcPts val="0"/>
+              </a:spcBef>
+              <a:spcAft>
+                <a:spcPts val="0"/>
+              </a:spcAft>
+              <a:buNone/>
+            </a:pPr>
             <a:endParaRPr/>
           </a:p>
         </p:txBody>
@@ -1183,23 +1253,20 @@
           </a:ln>
         </p:spPr>
         <p:txBody>
-          <a:bodyPr anchorCtr="0" anchor="ctr" bIns="91425" lIns="91425" spcFirstLastPara="1" rIns="91425" wrap="square" tIns="91425">
+          <a:bodyPr spcFirstLastPara="1" wrap="square" lIns="91425" tIns="91425" rIns="91425" bIns="91425" anchor="ctr" anchorCtr="0">
             <a:noAutofit/>
           </a:bodyPr>
           <a:lstStyle/>
           <a:p>
-            <a:pPr indent="0" lvl="0" marL="0" rtl="0" algn="l">
-              <a:spcBef>
-                <a:spcPts val="0"/>
-              </a:spcBef>
-              <a:spcAft>
-                <a:spcPts val="0"/>
-              </a:spcAft>
-              <a:buNone/>
-            </a:pPr>
-            <a:r>
-              <a:t/>
-            </a:r>
+            <a:pPr marL="0" lvl="0" indent="0" algn="l" rtl="0">
+              <a:spcBef>
+                <a:spcPts val="0"/>
+              </a:spcBef>
+              <a:spcAft>
+                <a:spcPts val="0"/>
+              </a:spcAft>
+              <a:buNone/>
+            </a:pPr>
             <a:endParaRPr/>
           </a:p>
         </p:txBody>
@@ -1226,23 +1293,20 @@
           </a:ln>
         </p:spPr>
         <p:txBody>
-          <a:bodyPr anchorCtr="0" anchor="ctr" bIns="91425" lIns="91425" spcFirstLastPara="1" rIns="91425" wrap="square" tIns="91425">
+          <a:bodyPr spcFirstLastPara="1" wrap="square" lIns="91425" tIns="91425" rIns="91425" bIns="91425" anchor="ctr" anchorCtr="0">
             <a:noAutofit/>
           </a:bodyPr>
           <a:lstStyle/>
           <a:p>
-            <a:pPr indent="0" lvl="0" marL="0" rtl="0" algn="l">
-              <a:spcBef>
-                <a:spcPts val="0"/>
-              </a:spcBef>
-              <a:spcAft>
-                <a:spcPts val="0"/>
-              </a:spcAft>
-              <a:buNone/>
-            </a:pPr>
-            <a:r>
-              <a:t/>
-            </a:r>
+            <a:pPr marL="0" lvl="0" indent="0" algn="l" rtl="0">
+              <a:spcBef>
+                <a:spcPts val="0"/>
+              </a:spcBef>
+              <a:spcAft>
+                <a:spcPts val="0"/>
+              </a:spcAft>
+              <a:buNone/>
+            </a:pPr>
             <a:endParaRPr/>
           </a:p>
         </p:txBody>
@@ -1268,7 +1332,7 @@
             <a:noFill/>
           </a:ln>
           <a:effectLst>
-            <a:outerShdw blurRad="228600" sx="101000" rotWithShape="0" algn="ctr" sy="101000">
+            <a:outerShdw blurRad="228600" sx="101000" sy="101000" algn="ctr" rotWithShape="0">
               <a:srgbClr val="000000">
                 <a:alpha val="40000"/>
               </a:srgbClr>
@@ -1276,23 +1340,20 @@
           </a:effectLst>
         </p:spPr>
         <p:txBody>
-          <a:bodyPr anchorCtr="0" anchor="ctr" bIns="91425" lIns="91425" spcFirstLastPara="1" rIns="91425" wrap="square" tIns="91425">
+          <a:bodyPr spcFirstLastPara="1" wrap="square" lIns="91425" tIns="91425" rIns="91425" bIns="91425" anchor="ctr" anchorCtr="0">
             <a:noAutofit/>
           </a:bodyPr>
           <a:lstStyle/>
           <a:p>
-            <a:pPr indent="0" lvl="0" marL="0" rtl="0" algn="l">
-              <a:spcBef>
-                <a:spcPts val="0"/>
-              </a:spcBef>
-              <a:spcAft>
-                <a:spcPts val="0"/>
-              </a:spcAft>
-              <a:buNone/>
-            </a:pPr>
-            <a:r>
-              <a:t/>
-            </a:r>
+            <a:pPr marL="0" lvl="0" indent="0" algn="l" rtl="0">
+              <a:spcBef>
+                <a:spcPts val="0"/>
+              </a:spcBef>
+              <a:spcAft>
+                <a:spcPts val="0"/>
+              </a:spcAft>
+              <a:buNone/>
+            </a:pPr>
             <a:endParaRPr/>
           </a:p>
         </p:txBody>
@@ -1324,7 +1385,7 @@
             </a:xfrm>
             <a:prstGeom prst="parallelogram">
               <a:avLst>
-                <a:gd fmla="val 153193" name="adj"/>
+                <a:gd name="adj" fmla="val 153193"/>
               </a:avLst>
             </a:prstGeom>
             <a:solidFill>
@@ -1335,12 +1396,12 @@
             </a:ln>
           </p:spPr>
           <p:txBody>
-            <a:bodyPr anchorCtr="0" anchor="ctr" bIns="91425" lIns="91425" spcFirstLastPara="1" rIns="91425" wrap="square" tIns="91425">
+            <a:bodyPr spcFirstLastPara="1" wrap="square" lIns="91425" tIns="91425" rIns="91425" bIns="91425" anchor="ctr" anchorCtr="0">
               <a:noAutofit/>
             </a:bodyPr>
             <a:lstStyle/>
             <a:p>
-              <a:pPr indent="0" lvl="0" marL="0" rtl="0" algn="l">
+              <a:pPr marL="0" lvl="0" indent="0" algn="l" rtl="0">
                 <a:spcBef>
                   <a:spcPts val="0"/>
                 </a:spcBef>
@@ -1349,9 +1410,6 @@
                 </a:spcAft>
                 <a:buNone/>
               </a:pPr>
-              <a:r>
-                <a:t/>
-              </a:r>
               <a:endParaRPr/>
             </a:p>
           </p:txBody>
@@ -1369,7 +1427,7 @@
             </a:xfrm>
             <a:prstGeom prst="parallelogram">
               <a:avLst>
-                <a:gd fmla="val 153193" name="adj"/>
+                <a:gd name="adj" fmla="val 153193"/>
               </a:avLst>
             </a:prstGeom>
             <a:solidFill>
@@ -1380,12 +1438,12 @@
             </a:ln>
           </p:spPr>
           <p:txBody>
-            <a:bodyPr anchorCtr="0" anchor="ctr" bIns="91425" lIns="91425" spcFirstLastPara="1" rIns="91425" wrap="square" tIns="91425">
+            <a:bodyPr spcFirstLastPara="1" wrap="square" lIns="91425" tIns="91425" rIns="91425" bIns="91425" anchor="ctr" anchorCtr="0">
               <a:noAutofit/>
             </a:bodyPr>
             <a:lstStyle/>
             <a:p>
-              <a:pPr indent="0" lvl="0" marL="0" rtl="0" algn="l">
+              <a:pPr marL="0" lvl="0" indent="0" algn="l" rtl="0">
                 <a:spcBef>
                   <a:spcPts val="0"/>
                 </a:spcBef>
@@ -1394,9 +1452,6 @@
                 </a:spcAft>
                 <a:buNone/>
               </a:pPr>
-              <a:r>
-                <a:t/>
-              </a:r>
               <a:endParaRPr/>
             </a:p>
           </p:txBody>
@@ -1414,7 +1469,7 @@
             </a:xfrm>
             <a:prstGeom prst="parallelogram">
               <a:avLst>
-                <a:gd fmla="val 153193" name="adj"/>
+                <a:gd name="adj" fmla="val 153193"/>
               </a:avLst>
             </a:prstGeom>
             <a:solidFill>
@@ -1425,12 +1480,12 @@
             </a:ln>
           </p:spPr>
           <p:txBody>
-            <a:bodyPr anchorCtr="0" anchor="ctr" bIns="91425" lIns="91425" spcFirstLastPara="1" rIns="91425" wrap="square" tIns="91425">
+            <a:bodyPr spcFirstLastPara="1" wrap="square" lIns="91425" tIns="91425" rIns="91425" bIns="91425" anchor="ctr" anchorCtr="0">
               <a:noAutofit/>
             </a:bodyPr>
             <a:lstStyle/>
             <a:p>
-              <a:pPr indent="0" lvl="0" marL="0" rtl="0" algn="l">
+              <a:pPr marL="0" lvl="0" indent="0" algn="l" rtl="0">
                 <a:spcBef>
                   <a:spcPts val="0"/>
                 </a:spcBef>
@@ -1439,9 +1494,6 @@
                 </a:spcAft>
                 <a:buNone/>
               </a:pPr>
-              <a:r>
-                <a:t/>
-              </a:r>
               <a:endParaRPr/>
             </a:p>
           </p:txBody>
@@ -1474,7 +1526,7 @@
             </a:xfrm>
             <a:prstGeom prst="parallelogram">
               <a:avLst>
-                <a:gd fmla="val 153193" name="adj"/>
+                <a:gd name="adj" fmla="val 153193"/>
               </a:avLst>
             </a:prstGeom>
             <a:solidFill>
@@ -1485,12 +1537,12 @@
             </a:ln>
           </p:spPr>
           <p:txBody>
-            <a:bodyPr anchorCtr="0" anchor="ctr" bIns="91425" lIns="91425" spcFirstLastPara="1" rIns="91425" wrap="square" tIns="91425">
+            <a:bodyPr spcFirstLastPara="1" wrap="square" lIns="91425" tIns="91425" rIns="91425" bIns="91425" anchor="ctr" anchorCtr="0">
               <a:noAutofit/>
             </a:bodyPr>
             <a:lstStyle/>
             <a:p>
-              <a:pPr indent="0" lvl="0" marL="0" rtl="0" algn="l">
+              <a:pPr marL="0" lvl="0" indent="0" algn="l" rtl="0">
                 <a:spcBef>
                   <a:spcPts val="0"/>
                 </a:spcBef>
@@ -1499,9 +1551,6 @@
                 </a:spcAft>
                 <a:buNone/>
               </a:pPr>
-              <a:r>
-                <a:t/>
-              </a:r>
               <a:endParaRPr/>
             </a:p>
           </p:txBody>
@@ -1519,7 +1568,7 @@
             </a:xfrm>
             <a:prstGeom prst="parallelogram">
               <a:avLst>
-                <a:gd fmla="val 153193" name="adj"/>
+                <a:gd name="adj" fmla="val 153193"/>
               </a:avLst>
             </a:prstGeom>
             <a:solidFill>
@@ -1530,12 +1579,12 @@
             </a:ln>
           </p:spPr>
           <p:txBody>
-            <a:bodyPr anchorCtr="0" anchor="ctr" bIns="91425" lIns="91425" spcFirstLastPara="1" rIns="91425" wrap="square" tIns="91425">
+            <a:bodyPr spcFirstLastPara="1" wrap="square" lIns="91425" tIns="91425" rIns="91425" bIns="91425" anchor="ctr" anchorCtr="0">
               <a:noAutofit/>
             </a:bodyPr>
             <a:lstStyle/>
             <a:p>
-              <a:pPr indent="0" lvl="0" marL="0" rtl="0" algn="l">
+              <a:pPr marL="0" lvl="0" indent="0" algn="l" rtl="0">
                 <a:spcBef>
                   <a:spcPts val="0"/>
                 </a:spcBef>
@@ -1544,9 +1593,6 @@
                 </a:spcAft>
                 <a:buNone/>
               </a:pPr>
-              <a:r>
-                <a:t/>
-              </a:r>
               <a:endParaRPr/>
             </a:p>
           </p:txBody>
@@ -1564,7 +1610,7 @@
             </a:xfrm>
             <a:prstGeom prst="parallelogram">
               <a:avLst>
-                <a:gd fmla="val 153193" name="adj"/>
+                <a:gd name="adj" fmla="val 153193"/>
               </a:avLst>
             </a:prstGeom>
             <a:solidFill>
@@ -1575,12 +1621,12 @@
             </a:ln>
           </p:spPr>
           <p:txBody>
-            <a:bodyPr anchorCtr="0" anchor="ctr" bIns="91425" lIns="91425" spcFirstLastPara="1" rIns="91425" wrap="square" tIns="91425">
+            <a:bodyPr spcFirstLastPara="1" wrap="square" lIns="91425" tIns="91425" rIns="91425" bIns="91425" anchor="ctr" anchorCtr="0">
               <a:noAutofit/>
             </a:bodyPr>
             <a:lstStyle/>
             <a:p>
-              <a:pPr indent="0" lvl="0" marL="0" rtl="0" algn="l">
+              <a:pPr marL="0" lvl="0" indent="0" algn="l" rtl="0">
                 <a:spcBef>
                   <a:spcPts val="0"/>
                 </a:spcBef>
@@ -1589,9 +1635,6 @@
                 </a:spcAft>
                 <a:buNone/>
               </a:pPr>
-              <a:r>
-                <a:t/>
-              </a:r>
               <a:endParaRPr/>
             </a:p>
           </p:txBody>
@@ -1624,7 +1667,7 @@
             </a:xfrm>
             <a:prstGeom prst="parallelogram">
               <a:avLst>
-                <a:gd fmla="val 158024" name="adj"/>
+                <a:gd name="adj" fmla="val 158024"/>
               </a:avLst>
             </a:prstGeom>
             <a:solidFill>
@@ -1635,12 +1678,12 @@
             </a:ln>
           </p:spPr>
           <p:txBody>
-            <a:bodyPr anchorCtr="0" anchor="ctr" bIns="91425" lIns="91425" spcFirstLastPara="1" rIns="91425" wrap="square" tIns="91425">
+            <a:bodyPr spcFirstLastPara="1" wrap="square" lIns="91425" tIns="91425" rIns="91425" bIns="91425" anchor="ctr" anchorCtr="0">
               <a:noAutofit/>
             </a:bodyPr>
             <a:lstStyle/>
             <a:p>
-              <a:pPr indent="0" lvl="0" marL="0" rtl="0" algn="l">
+              <a:pPr marL="0" lvl="0" indent="0" algn="l" rtl="0">
                 <a:spcBef>
                   <a:spcPts val="0"/>
                 </a:spcBef>
@@ -1649,9 +1692,6 @@
                 </a:spcAft>
                 <a:buNone/>
               </a:pPr>
-              <a:r>
-                <a:t/>
-              </a:r>
               <a:endParaRPr/>
             </a:p>
           </p:txBody>
@@ -1669,7 +1709,7 @@
             </a:xfrm>
             <a:prstGeom prst="parallelogram">
               <a:avLst>
-                <a:gd fmla="val 158024" name="adj"/>
+                <a:gd name="adj" fmla="val 158024"/>
               </a:avLst>
             </a:prstGeom>
             <a:solidFill>
@@ -1680,12 +1720,12 @@
             </a:ln>
           </p:spPr>
           <p:txBody>
-            <a:bodyPr anchorCtr="0" anchor="ctr" bIns="91425" lIns="91425" spcFirstLastPara="1" rIns="91425" wrap="square" tIns="91425">
+            <a:bodyPr spcFirstLastPara="1" wrap="square" lIns="91425" tIns="91425" rIns="91425" bIns="91425" anchor="ctr" anchorCtr="0">
               <a:noAutofit/>
             </a:bodyPr>
             <a:lstStyle/>
             <a:p>
-              <a:pPr indent="0" lvl="0" marL="0" rtl="0" algn="l">
+              <a:pPr marL="0" lvl="0" indent="0" algn="l" rtl="0">
                 <a:spcBef>
                   <a:spcPts val="0"/>
                 </a:spcBef>
@@ -1694,9 +1734,6 @@
                 </a:spcAft>
                 <a:buNone/>
               </a:pPr>
-              <a:r>
-                <a:t/>
-              </a:r>
               <a:endParaRPr/>
             </a:p>
           </p:txBody>
@@ -1714,7 +1751,7 @@
             </a:xfrm>
             <a:prstGeom prst="parallelogram">
               <a:avLst>
-                <a:gd fmla="val 158024" name="adj"/>
+                <a:gd name="adj" fmla="val 158024"/>
               </a:avLst>
             </a:prstGeom>
             <a:solidFill>
@@ -1725,12 +1762,12 @@
             </a:ln>
           </p:spPr>
           <p:txBody>
-            <a:bodyPr anchorCtr="0" anchor="ctr" bIns="91425" lIns="91425" spcFirstLastPara="1" rIns="91425" wrap="square" tIns="91425">
+            <a:bodyPr spcFirstLastPara="1" wrap="square" lIns="91425" tIns="91425" rIns="91425" bIns="91425" anchor="ctr" anchorCtr="0">
               <a:noAutofit/>
             </a:bodyPr>
             <a:lstStyle/>
             <a:p>
-              <a:pPr indent="0" lvl="0" marL="0" rtl="0" algn="l">
+              <a:pPr marL="0" lvl="0" indent="0" algn="l" rtl="0">
                 <a:spcBef>
                   <a:spcPts val="0"/>
                 </a:spcBef>
@@ -1739,9 +1776,6 @@
                 </a:spcAft>
                 <a:buNone/>
               </a:pPr>
-              <a:r>
-                <a:t/>
-              </a:r>
               <a:endParaRPr/>
             </a:p>
           </p:txBody>
@@ -1774,7 +1808,7 @@
             </a:xfrm>
             <a:prstGeom prst="parallelogram">
               <a:avLst>
-                <a:gd fmla="val 158024" name="adj"/>
+                <a:gd name="adj" fmla="val 158024"/>
               </a:avLst>
             </a:prstGeom>
             <a:solidFill>
@@ -1785,12 +1819,12 @@
             </a:ln>
           </p:spPr>
           <p:txBody>
-            <a:bodyPr anchorCtr="0" anchor="ctr" bIns="91425" lIns="91425" spcFirstLastPara="1" rIns="91425" wrap="square" tIns="91425">
+            <a:bodyPr spcFirstLastPara="1" wrap="square" lIns="91425" tIns="91425" rIns="91425" bIns="91425" anchor="ctr" anchorCtr="0">
               <a:noAutofit/>
             </a:bodyPr>
             <a:lstStyle/>
             <a:p>
-              <a:pPr indent="0" lvl="0" marL="0" rtl="0" algn="l">
+              <a:pPr marL="0" lvl="0" indent="0" algn="l" rtl="0">
                 <a:spcBef>
                   <a:spcPts val="0"/>
                 </a:spcBef>
@@ -1799,9 +1833,6 @@
                 </a:spcAft>
                 <a:buNone/>
               </a:pPr>
-              <a:r>
-                <a:t/>
-              </a:r>
               <a:endParaRPr/>
             </a:p>
           </p:txBody>
@@ -1819,7 +1850,7 @@
             </a:xfrm>
             <a:prstGeom prst="parallelogram">
               <a:avLst>
-                <a:gd fmla="val 158024" name="adj"/>
+                <a:gd name="adj" fmla="val 158024"/>
               </a:avLst>
             </a:prstGeom>
             <a:solidFill>
@@ -1830,12 +1861,12 @@
             </a:ln>
           </p:spPr>
           <p:txBody>
-            <a:bodyPr anchorCtr="0" anchor="ctr" bIns="91425" lIns="91425" spcFirstLastPara="1" rIns="91425" wrap="square" tIns="91425">
+            <a:bodyPr spcFirstLastPara="1" wrap="square" lIns="91425" tIns="91425" rIns="91425" bIns="91425" anchor="ctr" anchorCtr="0">
               <a:noAutofit/>
             </a:bodyPr>
             <a:lstStyle/>
             <a:p>
-              <a:pPr indent="0" lvl="0" marL="0" rtl="0" algn="l">
+              <a:pPr marL="0" lvl="0" indent="0" algn="l" rtl="0">
                 <a:spcBef>
                   <a:spcPts val="0"/>
                 </a:spcBef>
@@ -1844,9 +1875,6 @@
                 </a:spcAft>
                 <a:buNone/>
               </a:pPr>
-              <a:r>
-                <a:t/>
-              </a:r>
               <a:endParaRPr/>
             </a:p>
           </p:txBody>
@@ -1864,7 +1892,7 @@
             </a:xfrm>
             <a:prstGeom prst="parallelogram">
               <a:avLst>
-                <a:gd fmla="val 158024" name="adj"/>
+                <a:gd name="adj" fmla="val 158024"/>
               </a:avLst>
             </a:prstGeom>
             <a:solidFill>
@@ -1875,12 +1903,12 @@
             </a:ln>
           </p:spPr>
           <p:txBody>
-            <a:bodyPr anchorCtr="0" anchor="ctr" bIns="91425" lIns="91425" spcFirstLastPara="1" rIns="91425" wrap="square" tIns="91425">
+            <a:bodyPr spcFirstLastPara="1" wrap="square" lIns="91425" tIns="91425" rIns="91425" bIns="91425" anchor="ctr" anchorCtr="0">
               <a:noAutofit/>
             </a:bodyPr>
             <a:lstStyle/>
             <a:p>
-              <a:pPr indent="0" lvl="0" marL="0" rtl="0" algn="l">
+              <a:pPr marL="0" lvl="0" indent="0" algn="l" rtl="0">
                 <a:spcBef>
                   <a:spcPts val="0"/>
                 </a:spcBef>
@@ -1889,9 +1917,6 @@
                 </a:spcAft>
                 <a:buNone/>
               </a:pPr>
-              <a:r>
-                <a:t/>
-              </a:r>
               <a:endParaRPr/>
             </a:p>
           </p:txBody>
@@ -1924,7 +1949,7 @@
             </a:xfrm>
             <a:prstGeom prst="parallelogram">
               <a:avLst>
-                <a:gd fmla="val 158024" name="adj"/>
+                <a:gd name="adj" fmla="val 158024"/>
               </a:avLst>
             </a:prstGeom>
             <a:solidFill>
@@ -1935,12 +1960,12 @@
             </a:ln>
           </p:spPr>
           <p:txBody>
-            <a:bodyPr anchorCtr="0" anchor="ctr" bIns="91425" lIns="91425" spcFirstLastPara="1" rIns="91425" wrap="square" tIns="91425">
+            <a:bodyPr spcFirstLastPara="1" wrap="square" lIns="91425" tIns="91425" rIns="91425" bIns="91425" anchor="ctr" anchorCtr="0">
               <a:noAutofit/>
             </a:bodyPr>
             <a:lstStyle/>
             <a:p>
-              <a:pPr indent="0" lvl="0" marL="0" rtl="0" algn="l">
+              <a:pPr marL="0" lvl="0" indent="0" algn="l" rtl="0">
                 <a:spcBef>
                   <a:spcPts val="0"/>
                 </a:spcBef>
@@ -1949,9 +1974,6 @@
                 </a:spcAft>
                 <a:buNone/>
               </a:pPr>
-              <a:r>
-                <a:t/>
-              </a:r>
               <a:endParaRPr/>
             </a:p>
           </p:txBody>
@@ -1969,7 +1991,7 @@
             </a:xfrm>
             <a:prstGeom prst="parallelogram">
               <a:avLst>
-                <a:gd fmla="val 158024" name="adj"/>
+                <a:gd name="adj" fmla="val 158024"/>
               </a:avLst>
             </a:prstGeom>
             <a:solidFill>
@@ -1980,12 +2002,12 @@
             </a:ln>
           </p:spPr>
           <p:txBody>
-            <a:bodyPr anchorCtr="0" anchor="ctr" bIns="91425" lIns="91425" spcFirstLastPara="1" rIns="91425" wrap="square" tIns="91425">
+            <a:bodyPr spcFirstLastPara="1" wrap="square" lIns="91425" tIns="91425" rIns="91425" bIns="91425" anchor="ctr" anchorCtr="0">
               <a:noAutofit/>
             </a:bodyPr>
             <a:lstStyle/>
             <a:p>
-              <a:pPr indent="0" lvl="0" marL="0" rtl="0" algn="l">
+              <a:pPr marL="0" lvl="0" indent="0" algn="l" rtl="0">
                 <a:spcBef>
                   <a:spcPts val="0"/>
                 </a:spcBef>
@@ -1994,9 +2016,6 @@
                 </a:spcAft>
                 <a:buNone/>
               </a:pPr>
-              <a:r>
-                <a:t/>
-              </a:r>
               <a:endParaRPr/>
             </a:p>
           </p:txBody>
@@ -2014,7 +2033,7 @@
             </a:xfrm>
             <a:prstGeom prst="parallelogram">
               <a:avLst>
-                <a:gd fmla="val 158024" name="adj"/>
+                <a:gd name="adj" fmla="val 158024"/>
               </a:avLst>
             </a:prstGeom>
             <a:solidFill>
@@ -2025,12 +2044,12 @@
             </a:ln>
           </p:spPr>
           <p:txBody>
-            <a:bodyPr anchorCtr="0" anchor="ctr" bIns="91425" lIns="91425" spcFirstLastPara="1" rIns="91425" wrap="square" tIns="91425">
+            <a:bodyPr spcFirstLastPara="1" wrap="square" lIns="91425" tIns="91425" rIns="91425" bIns="91425" anchor="ctr" anchorCtr="0">
               <a:noAutofit/>
             </a:bodyPr>
             <a:lstStyle/>
             <a:p>
-              <a:pPr indent="0" lvl="0" marL="0" rtl="0" algn="l">
+              <a:pPr marL="0" lvl="0" indent="0" algn="l" rtl="0">
                 <a:spcBef>
                   <a:spcPts val="0"/>
                 </a:spcBef>
@@ -2039,9 +2058,6 @@
                 </a:spcAft>
                 <a:buNone/>
               </a:pPr>
-              <a:r>
-                <a:t/>
-              </a:r>
               <a:endParaRPr/>
             </a:p>
           </p:txBody>
@@ -2050,7 +2066,9 @@
       <p:sp>
         <p:nvSpPr>
           <p:cNvPr id="34" name="Google Shape;34;p2"/>
-          <p:cNvSpPr txBox="1"/>
+          <p:cNvSpPr txBox="1">
+            <a:spLocks noGrp="1"/>
+          </p:cNvSpPr>
           <p:nvPr>
             <p:ph type="ctrTitle"/>
           </p:nvPr>
@@ -2065,7 +2083,7 @@
           </a:prstGeom>
         </p:spPr>
         <p:txBody>
-          <a:bodyPr anchorCtr="0" anchor="ctr" bIns="91425" lIns="91425" spcFirstLastPara="1" rIns="91425" wrap="square" tIns="91425">
+          <a:bodyPr spcFirstLastPara="1" wrap="square" lIns="91425" tIns="91425" rIns="91425" bIns="91425" anchor="ctr" anchorCtr="0">
             <a:noAutofit/>
           </a:bodyPr>
           <a:lstStyle>
@@ -2169,15 +2187,19 @@
               <a:defRPr sz="3800"/>
             </a:lvl9pPr>
           </a:lstStyle>
-          <a:p/>
+          <a:p>
+            <a:endParaRPr/>
+          </a:p>
         </p:txBody>
       </p:sp>
       <p:sp>
         <p:nvSpPr>
           <p:cNvPr id="35" name="Google Shape;35;p2"/>
-          <p:cNvSpPr txBox="1"/>
+          <p:cNvSpPr txBox="1">
+            <a:spLocks noGrp="1"/>
+          </p:cNvSpPr>
           <p:nvPr>
-            <p:ph idx="1" type="subTitle"/>
+            <p:ph type="subTitle" idx="1"/>
           </p:nvPr>
         </p:nvSpPr>
         <p:spPr>
@@ -2190,7 +2212,7 @@
           </a:prstGeom>
         </p:spPr>
         <p:txBody>
-          <a:bodyPr anchorCtr="0" anchor="t" bIns="91425" lIns="91425" spcFirstLastPara="1" rIns="91425" wrap="square" tIns="91425">
+          <a:bodyPr spcFirstLastPara="1" wrap="square" lIns="91425" tIns="91425" rIns="91425" bIns="91425" anchor="t" anchorCtr="0">
             <a:noAutofit/>
           </a:bodyPr>
           <a:lstStyle>
@@ -2384,15 +2406,19 @@
               </a:defRPr>
             </a:lvl9pPr>
           </a:lstStyle>
-          <a:p/>
+          <a:p>
+            <a:endParaRPr/>
+          </a:p>
         </p:txBody>
       </p:sp>
       <p:sp>
         <p:nvSpPr>
           <p:cNvPr id="36" name="Google Shape;36;p2"/>
-          <p:cNvSpPr txBox="1"/>
+          <p:cNvSpPr txBox="1">
+            <a:spLocks noGrp="1"/>
+          </p:cNvSpPr>
           <p:nvPr>
-            <p:ph idx="12" type="sldNum"/>
+            <p:ph type="sldNum" idx="12"/>
           </p:nvPr>
         </p:nvSpPr>
         <p:spPr>
@@ -2405,7 +2431,7 @@
           </a:prstGeom>
         </p:spPr>
         <p:txBody>
-          <a:bodyPr anchorCtr="0" anchor="ctr" bIns="91425" lIns="91425" spcFirstLastPara="1" rIns="91425" wrap="square" tIns="91425">
+          <a:bodyPr spcFirstLastPara="1" wrap="square" lIns="91425" tIns="91425" rIns="91425" bIns="91425" anchor="ctr" anchorCtr="0">
             <a:noAutofit/>
           </a:bodyPr>
           <a:lstStyle>
@@ -2447,7 +2473,7 @@
             </a:lvl9pPr>
           </a:lstStyle>
           <a:p>
-            <a:pPr indent="0" lvl="0" marL="0" rtl="0" algn="r">
+            <a:pPr marL="0" lvl="0" indent="0" algn="r" rtl="0">
               <a:spcBef>
                 <a:spcPts val="0"/>
               </a:spcBef>
@@ -2473,18 +2499,19 @@
 </file>
 
 <file path=ppt/slideLayouts/slideLayout10.xml><?xml version="1.0" encoding="utf-8"?>
-<p:sldLayout xmlns:a="http://schemas.openxmlformats.org/drawingml/2006/main" xmlns:r="http://schemas.openxmlformats.org/officeDocument/2006/relationships" xmlns:mc="http://schemas.openxmlformats.org/markup-compatibility/2006" xmlns:mv="urn:schemas-microsoft-com:mac:vml" xmlns:p="http://schemas.openxmlformats.org/presentationml/2006/main" xmlns:c="http://schemas.openxmlformats.org/drawingml/2006/chart" xmlns:dgm="http://schemas.openxmlformats.org/drawingml/2006/diagram" xmlns:o="urn:schemas-microsoft-com:office:office" xmlns:v="urn:schemas-microsoft-com:vml" xmlns:pvml="urn:schemas-microsoft-com:office:powerpoint" xmlns:com="http://schemas.openxmlformats.org/drawingml/2006/compatibility" xmlns:p14="http://schemas.microsoft.com/office/powerpoint/2010/main" xmlns:p15="http://schemas.microsoft.com/office/powerpoint/2012/main" matchingName="Big number">
+<p:sldLayout xmlns:a="http://schemas.openxmlformats.org/drawingml/2006/main" xmlns:r="http://schemas.openxmlformats.org/officeDocument/2006/relationships" xmlns:p="http://schemas.openxmlformats.org/presentationml/2006/main" matchingName="Big number">
   <p:cSld name="BIG_NUMBER">
     <p:bg>
       <p:bgPr>
         <a:solidFill>
           <a:schemeClr val="accent3"/>
         </a:solidFill>
+        <a:effectLst/>
       </p:bgPr>
     </p:bg>
     <p:spTree>
       <p:nvGrpSpPr>
-        <p:cNvPr id="109" name="Shape 109"/>
+        <p:cNvPr id="1" name="Shape 109"/>
         <p:cNvGrpSpPr/>
         <p:nvPr/>
       </p:nvGrpSpPr>
@@ -2518,23 +2545,20 @@
           </a:ln>
         </p:spPr>
         <p:txBody>
-          <a:bodyPr anchorCtr="0" anchor="ctr" bIns="91425" lIns="91425" spcFirstLastPara="1" rIns="91425" wrap="square" tIns="91425">
+          <a:bodyPr spcFirstLastPara="1" wrap="square" lIns="91425" tIns="91425" rIns="91425" bIns="91425" anchor="ctr" anchorCtr="0">
             <a:noAutofit/>
           </a:bodyPr>
           <a:lstStyle/>
           <a:p>
-            <a:pPr indent="0" lvl="0" marL="0" rtl="0" algn="l">
-              <a:spcBef>
-                <a:spcPts val="0"/>
-              </a:spcBef>
-              <a:spcAft>
-                <a:spcPts val="0"/>
-              </a:spcAft>
-              <a:buNone/>
-            </a:pPr>
-            <a:r>
-              <a:t/>
-            </a:r>
+            <a:pPr marL="0" lvl="0" indent="0" algn="l" rtl="0">
+              <a:spcBef>
+                <a:spcPts val="0"/>
+              </a:spcBef>
+              <a:spcAft>
+                <a:spcPts val="0"/>
+              </a:spcAft>
+              <a:buNone/>
+            </a:pPr>
             <a:endParaRPr/>
           </a:p>
         </p:txBody>
@@ -2566,7 +2590,7 @@
             </a:xfrm>
             <a:prstGeom prst="parallelogram">
               <a:avLst>
-                <a:gd fmla="val 158024" name="adj"/>
+                <a:gd name="adj" fmla="val 158024"/>
               </a:avLst>
             </a:prstGeom>
             <a:solidFill>
@@ -2577,12 +2601,12 @@
             </a:ln>
           </p:spPr>
           <p:txBody>
-            <a:bodyPr anchorCtr="0" anchor="ctr" bIns="91425" lIns="91425" spcFirstLastPara="1" rIns="91425" wrap="square" tIns="91425">
+            <a:bodyPr spcFirstLastPara="1" wrap="square" lIns="91425" tIns="91425" rIns="91425" bIns="91425" anchor="ctr" anchorCtr="0">
               <a:noAutofit/>
             </a:bodyPr>
             <a:lstStyle/>
             <a:p>
-              <a:pPr indent="0" lvl="0" marL="0" rtl="0" algn="l">
+              <a:pPr marL="0" lvl="0" indent="0" algn="l" rtl="0">
                 <a:spcBef>
                   <a:spcPts val="0"/>
                 </a:spcBef>
@@ -2591,9 +2615,6 @@
                 </a:spcAft>
                 <a:buNone/>
               </a:pPr>
-              <a:r>
-                <a:t/>
-              </a:r>
               <a:endParaRPr/>
             </a:p>
           </p:txBody>
@@ -2611,7 +2632,7 @@
             </a:xfrm>
             <a:prstGeom prst="parallelogram">
               <a:avLst>
-                <a:gd fmla="val 158024" name="adj"/>
+                <a:gd name="adj" fmla="val 158024"/>
               </a:avLst>
             </a:prstGeom>
             <a:solidFill>
@@ -2622,12 +2643,12 @@
             </a:ln>
           </p:spPr>
           <p:txBody>
-            <a:bodyPr anchorCtr="0" anchor="ctr" bIns="91425" lIns="91425" spcFirstLastPara="1" rIns="91425" wrap="square" tIns="91425">
+            <a:bodyPr spcFirstLastPara="1" wrap="square" lIns="91425" tIns="91425" rIns="91425" bIns="91425" anchor="ctr" anchorCtr="0">
               <a:noAutofit/>
             </a:bodyPr>
             <a:lstStyle/>
             <a:p>
-              <a:pPr indent="0" lvl="0" marL="0" rtl="0" algn="l">
+              <a:pPr marL="0" lvl="0" indent="0" algn="l" rtl="0">
                 <a:spcBef>
                   <a:spcPts val="0"/>
                 </a:spcBef>
@@ -2636,9 +2657,6 @@
                 </a:spcAft>
                 <a:buNone/>
               </a:pPr>
-              <a:r>
-                <a:t/>
-              </a:r>
               <a:endParaRPr/>
             </a:p>
           </p:txBody>
@@ -2656,7 +2674,7 @@
             </a:xfrm>
             <a:prstGeom prst="parallelogram">
               <a:avLst>
-                <a:gd fmla="val 158024" name="adj"/>
+                <a:gd name="adj" fmla="val 158024"/>
               </a:avLst>
             </a:prstGeom>
             <a:solidFill>
@@ -2667,12 +2685,12 @@
             </a:ln>
           </p:spPr>
           <p:txBody>
-            <a:bodyPr anchorCtr="0" anchor="ctr" bIns="91425" lIns="91425" spcFirstLastPara="1" rIns="91425" wrap="square" tIns="91425">
+            <a:bodyPr spcFirstLastPara="1" wrap="square" lIns="91425" tIns="91425" rIns="91425" bIns="91425" anchor="ctr" anchorCtr="0">
               <a:noAutofit/>
             </a:bodyPr>
             <a:lstStyle/>
             <a:p>
-              <a:pPr indent="0" lvl="0" marL="0" rtl="0" algn="l">
+              <a:pPr marL="0" lvl="0" indent="0" algn="l" rtl="0">
                 <a:spcBef>
                   <a:spcPts val="0"/>
                 </a:spcBef>
@@ -2681,9 +2699,6 @@
                 </a:spcAft>
                 <a:buNone/>
               </a:pPr>
-              <a:r>
-                <a:t/>
-              </a:r>
               <a:endParaRPr/>
             </a:p>
           </p:txBody>
@@ -2716,7 +2731,7 @@
             </a:xfrm>
             <a:prstGeom prst="parallelogram">
               <a:avLst>
-                <a:gd fmla="val 158024" name="adj"/>
+                <a:gd name="adj" fmla="val 158024"/>
               </a:avLst>
             </a:prstGeom>
             <a:solidFill>
@@ -2727,12 +2742,12 @@
             </a:ln>
           </p:spPr>
           <p:txBody>
-            <a:bodyPr anchorCtr="0" anchor="ctr" bIns="91425" lIns="91425" spcFirstLastPara="1" rIns="91425" wrap="square" tIns="91425">
+            <a:bodyPr spcFirstLastPara="1" wrap="square" lIns="91425" tIns="91425" rIns="91425" bIns="91425" anchor="ctr" anchorCtr="0">
               <a:noAutofit/>
             </a:bodyPr>
             <a:lstStyle/>
             <a:p>
-              <a:pPr indent="0" lvl="0" marL="0" rtl="0" algn="l">
+              <a:pPr marL="0" lvl="0" indent="0" algn="l" rtl="0">
                 <a:spcBef>
                   <a:spcPts val="0"/>
                 </a:spcBef>
@@ -2741,9 +2756,6 @@
                 </a:spcAft>
                 <a:buNone/>
               </a:pPr>
-              <a:r>
-                <a:t/>
-              </a:r>
               <a:endParaRPr/>
             </a:p>
           </p:txBody>
@@ -2761,7 +2773,7 @@
             </a:xfrm>
             <a:prstGeom prst="parallelogram">
               <a:avLst>
-                <a:gd fmla="val 158024" name="adj"/>
+                <a:gd name="adj" fmla="val 158024"/>
               </a:avLst>
             </a:prstGeom>
             <a:solidFill>
@@ -2772,12 +2784,12 @@
             </a:ln>
           </p:spPr>
           <p:txBody>
-            <a:bodyPr anchorCtr="0" anchor="ctr" bIns="91425" lIns="91425" spcFirstLastPara="1" rIns="91425" wrap="square" tIns="91425">
+            <a:bodyPr spcFirstLastPara="1" wrap="square" lIns="91425" tIns="91425" rIns="91425" bIns="91425" anchor="ctr" anchorCtr="0">
               <a:noAutofit/>
             </a:bodyPr>
             <a:lstStyle/>
             <a:p>
-              <a:pPr indent="0" lvl="0" marL="0" rtl="0" algn="l">
+              <a:pPr marL="0" lvl="0" indent="0" algn="l" rtl="0">
                 <a:spcBef>
                   <a:spcPts val="0"/>
                 </a:spcBef>
@@ -2786,9 +2798,6 @@
                 </a:spcAft>
                 <a:buNone/>
               </a:pPr>
-              <a:r>
-                <a:t/>
-              </a:r>
               <a:endParaRPr/>
             </a:p>
           </p:txBody>
@@ -2806,7 +2815,7 @@
             </a:xfrm>
             <a:prstGeom prst="parallelogram">
               <a:avLst>
-                <a:gd fmla="val 158024" name="adj"/>
+                <a:gd name="adj" fmla="val 158024"/>
               </a:avLst>
             </a:prstGeom>
             <a:solidFill>
@@ -2817,12 +2826,12 @@
             </a:ln>
           </p:spPr>
           <p:txBody>
-            <a:bodyPr anchorCtr="0" anchor="ctr" bIns="91425" lIns="91425" spcFirstLastPara="1" rIns="91425" wrap="square" tIns="91425">
+            <a:bodyPr spcFirstLastPara="1" wrap="square" lIns="91425" tIns="91425" rIns="91425" bIns="91425" anchor="ctr" anchorCtr="0">
               <a:noAutofit/>
             </a:bodyPr>
             <a:lstStyle/>
             <a:p>
-              <a:pPr indent="0" lvl="0" marL="0" rtl="0" algn="l">
+              <a:pPr marL="0" lvl="0" indent="0" algn="l" rtl="0">
                 <a:spcBef>
                   <a:spcPts val="0"/>
                 </a:spcBef>
@@ -2831,9 +2840,6 @@
                 </a:spcAft>
                 <a:buNone/>
               </a:pPr>
-              <a:r>
-                <a:t/>
-              </a:r>
               <a:endParaRPr/>
             </a:p>
           </p:txBody>
@@ -2842,9 +2848,11 @@
       <p:sp>
         <p:nvSpPr>
           <p:cNvPr id="119" name="Google Shape;119;p11"/>
-          <p:cNvSpPr txBox="1"/>
+          <p:cNvSpPr txBox="1">
+            <a:spLocks noGrp="1"/>
+          </p:cNvSpPr>
           <p:nvPr>
-            <p:ph hasCustomPrompt="1" type="title"/>
+            <p:ph type="title" hasCustomPrompt="1"/>
           </p:nvPr>
         </p:nvSpPr>
         <p:spPr>
@@ -2857,7 +2865,7 @@
           </a:prstGeom>
         </p:spPr>
         <p:txBody>
-          <a:bodyPr anchorCtr="0" anchor="ctr" bIns="91425" lIns="91425" spcFirstLastPara="1" rIns="91425" wrap="square" tIns="91425">
+          <a:bodyPr spcFirstLastPara="1" wrap="square" lIns="91425" tIns="91425" rIns="91425" bIns="91425" anchor="ctr" anchorCtr="0">
             <a:noAutofit/>
           </a:bodyPr>
           <a:lstStyle>
@@ -3034,9 +3042,11 @@
       <p:sp>
         <p:nvSpPr>
           <p:cNvPr id="120" name="Google Shape;120;p11"/>
-          <p:cNvSpPr txBox="1"/>
+          <p:cNvSpPr txBox="1">
+            <a:spLocks noGrp="1"/>
+          </p:cNvSpPr>
           <p:nvPr>
-            <p:ph idx="1" type="body"/>
+            <p:ph type="body" idx="1"/>
           </p:nvPr>
         </p:nvSpPr>
         <p:spPr>
@@ -3049,11 +3059,11 @@
           </a:prstGeom>
         </p:spPr>
         <p:txBody>
-          <a:bodyPr anchorCtr="0" anchor="t" bIns="91425" lIns="91425" spcFirstLastPara="1" rIns="91425" wrap="square" tIns="91425">
+          <a:bodyPr spcFirstLastPara="1" wrap="square" lIns="91425" tIns="91425" rIns="91425" bIns="91425" anchor="t" anchorCtr="0">
             <a:noAutofit/>
           </a:bodyPr>
           <a:lstStyle>
-            <a:lvl1pPr indent="-311150" lvl="0" marL="457200" algn="ctr">
+            <a:lvl1pPr marL="457200" lvl="0" indent="-311150" algn="ctr">
               <a:spcBef>
                 <a:spcPts val="0"/>
               </a:spcBef>
@@ -3064,7 +3074,7 @@
               <a:buChar char="●"/>
               <a:defRPr/>
             </a:lvl1pPr>
-            <a:lvl2pPr indent="-298450" lvl="1" marL="914400" algn="ctr">
+            <a:lvl2pPr marL="914400" lvl="1" indent="-298450" algn="ctr">
               <a:spcBef>
                 <a:spcPts val="1600"/>
               </a:spcBef>
@@ -3075,7 +3085,7 @@
               <a:buChar char="○"/>
               <a:defRPr/>
             </a:lvl2pPr>
-            <a:lvl3pPr indent="-298450" lvl="2" marL="1371600" algn="ctr">
+            <a:lvl3pPr marL="1371600" lvl="2" indent="-298450" algn="ctr">
               <a:spcBef>
                 <a:spcPts val="1600"/>
               </a:spcBef>
@@ -3086,7 +3096,7 @@
               <a:buChar char="■"/>
               <a:defRPr/>
             </a:lvl3pPr>
-            <a:lvl4pPr indent="-298450" lvl="3" marL="1828800" algn="ctr">
+            <a:lvl4pPr marL="1828800" lvl="3" indent="-298450" algn="ctr">
               <a:spcBef>
                 <a:spcPts val="1600"/>
               </a:spcBef>
@@ -3097,7 +3107,7 @@
               <a:buChar char="●"/>
               <a:defRPr/>
             </a:lvl4pPr>
-            <a:lvl5pPr indent="-298450" lvl="4" marL="2286000" algn="ctr">
+            <a:lvl5pPr marL="2286000" lvl="4" indent="-298450" algn="ctr">
               <a:spcBef>
                 <a:spcPts val="1600"/>
               </a:spcBef>
@@ -3108,7 +3118,7 @@
               <a:buChar char="○"/>
               <a:defRPr/>
             </a:lvl5pPr>
-            <a:lvl6pPr indent="-298450" lvl="5" marL="2743200" algn="ctr">
+            <a:lvl6pPr marL="2743200" lvl="5" indent="-298450" algn="ctr">
               <a:spcBef>
                 <a:spcPts val="1600"/>
               </a:spcBef>
@@ -3119,7 +3129,7 @@
               <a:buChar char="■"/>
               <a:defRPr/>
             </a:lvl6pPr>
-            <a:lvl7pPr indent="-298450" lvl="6" marL="3200400" algn="ctr">
+            <a:lvl7pPr marL="3200400" lvl="6" indent="-298450" algn="ctr">
               <a:spcBef>
                 <a:spcPts val="1600"/>
               </a:spcBef>
@@ -3130,7 +3140,7 @@
               <a:buChar char="●"/>
               <a:defRPr/>
             </a:lvl7pPr>
-            <a:lvl8pPr indent="-298450" lvl="7" marL="3657600" algn="ctr">
+            <a:lvl8pPr marL="3657600" lvl="7" indent="-298450" algn="ctr">
               <a:spcBef>
                 <a:spcPts val="1600"/>
               </a:spcBef>
@@ -3141,7 +3151,7 @@
               <a:buChar char="○"/>
               <a:defRPr/>
             </a:lvl8pPr>
-            <a:lvl9pPr indent="-298450" lvl="8" marL="4114800" algn="ctr">
+            <a:lvl9pPr marL="4114800" lvl="8" indent="-298450" algn="ctr">
               <a:spcBef>
                 <a:spcPts val="1600"/>
               </a:spcBef>
@@ -3153,15 +3163,19 @@
               <a:defRPr/>
             </a:lvl9pPr>
           </a:lstStyle>
-          <a:p/>
+          <a:p>
+            <a:endParaRPr/>
+          </a:p>
         </p:txBody>
       </p:sp>
       <p:sp>
         <p:nvSpPr>
           <p:cNvPr id="121" name="Google Shape;121;p11"/>
-          <p:cNvSpPr txBox="1"/>
+          <p:cNvSpPr txBox="1">
+            <a:spLocks noGrp="1"/>
+          </p:cNvSpPr>
           <p:nvPr>
-            <p:ph idx="12" type="sldNum"/>
+            <p:ph type="sldNum" idx="12"/>
           </p:nvPr>
         </p:nvSpPr>
         <p:spPr>
@@ -3174,7 +3188,7 @@
           </a:prstGeom>
         </p:spPr>
         <p:txBody>
-          <a:bodyPr anchorCtr="0" anchor="ctr" bIns="91425" lIns="91425" spcFirstLastPara="1" rIns="91425" wrap="square" tIns="91425">
+          <a:bodyPr spcFirstLastPara="1" wrap="square" lIns="91425" tIns="91425" rIns="91425" bIns="91425" anchor="ctr" anchorCtr="0">
             <a:noAutofit/>
           </a:bodyPr>
           <a:lstStyle>
@@ -3216,7 +3230,7 @@
             </a:lvl9pPr>
           </a:lstStyle>
           <a:p>
-            <a:pPr indent="0" lvl="0" marL="0" rtl="0" algn="r">
+            <a:pPr marL="0" lvl="0" indent="0" algn="r" rtl="0">
               <a:spcBef>
                 <a:spcPts val="0"/>
               </a:spcBef>
@@ -3242,11 +3256,11 @@
 </file>
 
 <file path=ppt/slideLayouts/slideLayout11.xml><?xml version="1.0" encoding="utf-8"?>
-<p:sldLayout xmlns:a="http://schemas.openxmlformats.org/drawingml/2006/main" xmlns:r="http://schemas.openxmlformats.org/officeDocument/2006/relationships" xmlns:mc="http://schemas.openxmlformats.org/markup-compatibility/2006" xmlns:mv="urn:schemas-microsoft-com:mac:vml" xmlns:p="http://schemas.openxmlformats.org/presentationml/2006/main" xmlns:c="http://schemas.openxmlformats.org/drawingml/2006/chart" xmlns:dgm="http://schemas.openxmlformats.org/drawingml/2006/diagram" xmlns:o="urn:schemas-microsoft-com:office:office" xmlns:v="urn:schemas-microsoft-com:vml" xmlns:pvml="urn:schemas-microsoft-com:office:powerpoint" xmlns:com="http://schemas.openxmlformats.org/drawingml/2006/compatibility" xmlns:p14="http://schemas.microsoft.com/office/powerpoint/2010/main" xmlns:p15="http://schemas.microsoft.com/office/powerpoint/2012/main" matchingName="Blank" type="blank">
+<p:sldLayout xmlns:a="http://schemas.openxmlformats.org/drawingml/2006/main" xmlns:r="http://schemas.openxmlformats.org/officeDocument/2006/relationships" xmlns:p="http://schemas.openxmlformats.org/presentationml/2006/main" matchingName="Blank" type="blank">
   <p:cSld name="BLANK">
     <p:spTree>
       <p:nvGrpSpPr>
-        <p:cNvPr id="122" name="Shape 122"/>
+        <p:cNvPr id="1" name="Shape 122"/>
         <p:cNvGrpSpPr/>
         <p:nvPr/>
       </p:nvGrpSpPr>
@@ -3261,9 +3275,11 @@
       <p:sp>
         <p:nvSpPr>
           <p:cNvPr id="123" name="Google Shape;123;p12"/>
-          <p:cNvSpPr txBox="1"/>
+          <p:cNvSpPr txBox="1">
+            <a:spLocks noGrp="1"/>
+          </p:cNvSpPr>
           <p:nvPr>
-            <p:ph idx="12" type="sldNum"/>
+            <p:ph type="sldNum" idx="12"/>
           </p:nvPr>
         </p:nvSpPr>
         <p:spPr>
@@ -3276,7 +3292,7 @@
           </a:prstGeom>
         </p:spPr>
         <p:txBody>
-          <a:bodyPr anchorCtr="0" anchor="ctr" bIns="91425" lIns="91425" spcFirstLastPara="1" rIns="91425" wrap="square" tIns="91425">
+          <a:bodyPr spcFirstLastPara="1" wrap="square" lIns="91425" tIns="91425" rIns="91425" bIns="91425" anchor="ctr" anchorCtr="0">
             <a:noAutofit/>
           </a:bodyPr>
           <a:lstStyle>
@@ -3318,7 +3334,7 @@
             </a:lvl9pPr>
           </a:lstStyle>
           <a:p>
-            <a:pPr indent="0" lvl="0" marL="0" rtl="0" algn="r">
+            <a:pPr marL="0" lvl="0" indent="0" algn="r" rtl="0">
               <a:spcBef>
                 <a:spcPts val="0"/>
               </a:spcBef>
@@ -3344,18 +3360,19 @@
 </file>
 
 <file path=ppt/slideLayouts/slideLayout2.xml><?xml version="1.0" encoding="utf-8"?>
-<p:sldLayout xmlns:a="http://schemas.openxmlformats.org/drawingml/2006/main" xmlns:r="http://schemas.openxmlformats.org/officeDocument/2006/relationships" xmlns:mc="http://schemas.openxmlformats.org/markup-compatibility/2006" xmlns:mv="urn:schemas-microsoft-com:mac:vml" xmlns:p="http://schemas.openxmlformats.org/presentationml/2006/main" xmlns:c="http://schemas.openxmlformats.org/drawingml/2006/chart" xmlns:dgm="http://schemas.openxmlformats.org/drawingml/2006/diagram" xmlns:o="urn:schemas-microsoft-com:office:office" xmlns:v="urn:schemas-microsoft-com:vml" xmlns:pvml="urn:schemas-microsoft-com:office:powerpoint" xmlns:com="http://schemas.openxmlformats.org/drawingml/2006/compatibility" xmlns:p14="http://schemas.microsoft.com/office/powerpoint/2010/main" xmlns:p15="http://schemas.microsoft.com/office/powerpoint/2012/main" matchingName="Section header" type="secHead">
+<p:sldLayout xmlns:a="http://schemas.openxmlformats.org/drawingml/2006/main" xmlns:r="http://schemas.openxmlformats.org/officeDocument/2006/relationships" xmlns:p="http://schemas.openxmlformats.org/presentationml/2006/main" matchingName="Section header" type="secHead">
   <p:cSld name="SECTION_HEADER">
     <p:bg>
       <p:bgPr>
         <a:solidFill>
           <a:schemeClr val="accent3"/>
         </a:solidFill>
+        <a:effectLst/>
       </p:bgPr>
     </p:bg>
     <p:spTree>
       <p:nvGrpSpPr>
-        <p:cNvPr id="37" name="Shape 37"/>
+        <p:cNvPr id="1" name="Shape 37"/>
         <p:cNvGrpSpPr/>
         <p:nvPr/>
       </p:nvGrpSpPr>
@@ -3389,23 +3406,20 @@
           </a:ln>
         </p:spPr>
         <p:txBody>
-          <a:bodyPr anchorCtr="0" anchor="ctr" bIns="91425" lIns="91425" spcFirstLastPara="1" rIns="91425" wrap="square" tIns="91425">
+          <a:bodyPr spcFirstLastPara="1" wrap="square" lIns="91425" tIns="91425" rIns="91425" bIns="91425" anchor="ctr" anchorCtr="0">
             <a:noAutofit/>
           </a:bodyPr>
           <a:lstStyle/>
           <a:p>
-            <a:pPr indent="0" lvl="0" marL="0" rtl="0" algn="l">
-              <a:spcBef>
-                <a:spcPts val="0"/>
-              </a:spcBef>
-              <a:spcAft>
-                <a:spcPts val="0"/>
-              </a:spcAft>
-              <a:buNone/>
-            </a:pPr>
-            <a:r>
-              <a:t/>
-            </a:r>
+            <a:pPr marL="0" lvl="0" indent="0" algn="l" rtl="0">
+              <a:spcBef>
+                <a:spcPts val="0"/>
+              </a:spcBef>
+              <a:spcAft>
+                <a:spcPts val="0"/>
+              </a:spcAft>
+              <a:buNone/>
+            </a:pPr>
             <a:endParaRPr/>
           </a:p>
         </p:txBody>
@@ -3437,7 +3451,7 @@
             </a:xfrm>
             <a:prstGeom prst="parallelogram">
               <a:avLst>
-                <a:gd fmla="val 158024" name="adj"/>
+                <a:gd name="adj" fmla="val 158024"/>
               </a:avLst>
             </a:prstGeom>
             <a:solidFill>
@@ -3448,12 +3462,12 @@
             </a:ln>
           </p:spPr>
           <p:txBody>
-            <a:bodyPr anchorCtr="0" anchor="ctr" bIns="91425" lIns="91425" spcFirstLastPara="1" rIns="91425" wrap="square" tIns="91425">
+            <a:bodyPr spcFirstLastPara="1" wrap="square" lIns="91425" tIns="91425" rIns="91425" bIns="91425" anchor="ctr" anchorCtr="0">
               <a:noAutofit/>
             </a:bodyPr>
             <a:lstStyle/>
             <a:p>
-              <a:pPr indent="0" lvl="0" marL="0" rtl="0" algn="l">
+              <a:pPr marL="0" lvl="0" indent="0" algn="l" rtl="0">
                 <a:spcBef>
                   <a:spcPts val="0"/>
                 </a:spcBef>
@@ -3462,9 +3476,6 @@
                 </a:spcAft>
                 <a:buNone/>
               </a:pPr>
-              <a:r>
-                <a:t/>
-              </a:r>
               <a:endParaRPr/>
             </a:p>
           </p:txBody>
@@ -3482,7 +3493,7 @@
             </a:xfrm>
             <a:prstGeom prst="parallelogram">
               <a:avLst>
-                <a:gd fmla="val 158024" name="adj"/>
+                <a:gd name="adj" fmla="val 158024"/>
               </a:avLst>
             </a:prstGeom>
             <a:solidFill>
@@ -3493,12 +3504,12 @@
             </a:ln>
           </p:spPr>
           <p:txBody>
-            <a:bodyPr anchorCtr="0" anchor="ctr" bIns="91425" lIns="91425" spcFirstLastPara="1" rIns="91425" wrap="square" tIns="91425">
+            <a:bodyPr spcFirstLastPara="1" wrap="square" lIns="91425" tIns="91425" rIns="91425" bIns="91425" anchor="ctr" anchorCtr="0">
               <a:noAutofit/>
             </a:bodyPr>
             <a:lstStyle/>
             <a:p>
-              <a:pPr indent="0" lvl="0" marL="0" rtl="0" algn="l">
+              <a:pPr marL="0" lvl="0" indent="0" algn="l" rtl="0">
                 <a:spcBef>
                   <a:spcPts val="0"/>
                 </a:spcBef>
@@ -3507,9 +3518,6 @@
                 </a:spcAft>
                 <a:buNone/>
               </a:pPr>
-              <a:r>
-                <a:t/>
-              </a:r>
               <a:endParaRPr/>
             </a:p>
           </p:txBody>
@@ -3527,7 +3535,7 @@
             </a:xfrm>
             <a:prstGeom prst="parallelogram">
               <a:avLst>
-                <a:gd fmla="val 158024" name="adj"/>
+                <a:gd name="adj" fmla="val 158024"/>
               </a:avLst>
             </a:prstGeom>
             <a:solidFill>
@@ -3538,12 +3546,12 @@
             </a:ln>
           </p:spPr>
           <p:txBody>
-            <a:bodyPr anchorCtr="0" anchor="ctr" bIns="91425" lIns="91425" spcFirstLastPara="1" rIns="91425" wrap="square" tIns="91425">
+            <a:bodyPr spcFirstLastPara="1" wrap="square" lIns="91425" tIns="91425" rIns="91425" bIns="91425" anchor="ctr" anchorCtr="0">
               <a:noAutofit/>
             </a:bodyPr>
             <a:lstStyle/>
             <a:p>
-              <a:pPr indent="0" lvl="0" marL="0" rtl="0" algn="l">
+              <a:pPr marL="0" lvl="0" indent="0" algn="l" rtl="0">
                 <a:spcBef>
                   <a:spcPts val="0"/>
                 </a:spcBef>
@@ -3552,9 +3560,6 @@
                 </a:spcAft>
                 <a:buNone/>
               </a:pPr>
-              <a:r>
-                <a:t/>
-              </a:r>
               <a:endParaRPr/>
             </a:p>
           </p:txBody>
@@ -3587,7 +3592,7 @@
             </a:xfrm>
             <a:prstGeom prst="parallelogram">
               <a:avLst>
-                <a:gd fmla="val 158024" name="adj"/>
+                <a:gd name="adj" fmla="val 158024"/>
               </a:avLst>
             </a:prstGeom>
             <a:solidFill>
@@ -3598,12 +3603,12 @@
             </a:ln>
           </p:spPr>
           <p:txBody>
-            <a:bodyPr anchorCtr="0" anchor="ctr" bIns="91425" lIns="91425" spcFirstLastPara="1" rIns="91425" wrap="square" tIns="91425">
+            <a:bodyPr spcFirstLastPara="1" wrap="square" lIns="91425" tIns="91425" rIns="91425" bIns="91425" anchor="ctr" anchorCtr="0">
               <a:noAutofit/>
             </a:bodyPr>
             <a:lstStyle/>
             <a:p>
-              <a:pPr indent="0" lvl="0" marL="0" rtl="0" algn="l">
+              <a:pPr marL="0" lvl="0" indent="0" algn="l" rtl="0">
                 <a:spcBef>
                   <a:spcPts val="0"/>
                 </a:spcBef>
@@ -3612,9 +3617,6 @@
                 </a:spcAft>
                 <a:buNone/>
               </a:pPr>
-              <a:r>
-                <a:t/>
-              </a:r>
               <a:endParaRPr/>
             </a:p>
           </p:txBody>
@@ -3632,7 +3634,7 @@
             </a:xfrm>
             <a:prstGeom prst="parallelogram">
               <a:avLst>
-                <a:gd fmla="val 158024" name="adj"/>
+                <a:gd name="adj" fmla="val 158024"/>
               </a:avLst>
             </a:prstGeom>
             <a:solidFill>
@@ -3643,12 +3645,12 @@
             </a:ln>
           </p:spPr>
           <p:txBody>
-            <a:bodyPr anchorCtr="0" anchor="ctr" bIns="91425" lIns="91425" spcFirstLastPara="1" rIns="91425" wrap="square" tIns="91425">
+            <a:bodyPr spcFirstLastPara="1" wrap="square" lIns="91425" tIns="91425" rIns="91425" bIns="91425" anchor="ctr" anchorCtr="0">
               <a:noAutofit/>
             </a:bodyPr>
             <a:lstStyle/>
             <a:p>
-              <a:pPr indent="0" lvl="0" marL="0" rtl="0" algn="l">
+              <a:pPr marL="0" lvl="0" indent="0" algn="l" rtl="0">
                 <a:spcBef>
                   <a:spcPts val="0"/>
                 </a:spcBef>
@@ -3657,9 +3659,6 @@
                 </a:spcAft>
                 <a:buNone/>
               </a:pPr>
-              <a:r>
-                <a:t/>
-              </a:r>
               <a:endParaRPr/>
             </a:p>
           </p:txBody>
@@ -3677,7 +3676,7 @@
             </a:xfrm>
             <a:prstGeom prst="parallelogram">
               <a:avLst>
-                <a:gd fmla="val 158024" name="adj"/>
+                <a:gd name="adj" fmla="val 158024"/>
               </a:avLst>
             </a:prstGeom>
             <a:solidFill>
@@ -3688,12 +3687,12 @@
             </a:ln>
           </p:spPr>
           <p:txBody>
-            <a:bodyPr anchorCtr="0" anchor="ctr" bIns="91425" lIns="91425" spcFirstLastPara="1" rIns="91425" wrap="square" tIns="91425">
+            <a:bodyPr spcFirstLastPara="1" wrap="square" lIns="91425" tIns="91425" rIns="91425" bIns="91425" anchor="ctr" anchorCtr="0">
               <a:noAutofit/>
             </a:bodyPr>
             <a:lstStyle/>
             <a:p>
-              <a:pPr indent="0" lvl="0" marL="0" rtl="0" algn="l">
+              <a:pPr marL="0" lvl="0" indent="0" algn="l" rtl="0">
                 <a:spcBef>
                   <a:spcPts val="0"/>
                 </a:spcBef>
@@ -3702,9 +3701,6 @@
                 </a:spcAft>
                 <a:buNone/>
               </a:pPr>
-              <a:r>
-                <a:t/>
-              </a:r>
               <a:endParaRPr/>
             </a:p>
           </p:txBody>
@@ -3713,7 +3709,9 @@
       <p:sp>
         <p:nvSpPr>
           <p:cNvPr id="47" name="Google Shape;47;p3"/>
-          <p:cNvSpPr txBox="1"/>
+          <p:cNvSpPr txBox="1">
+            <a:spLocks noGrp="1"/>
+          </p:cNvSpPr>
           <p:nvPr>
             <p:ph type="title"/>
           </p:nvPr>
@@ -3728,7 +3726,7 @@
           </a:prstGeom>
         </p:spPr>
         <p:txBody>
-          <a:bodyPr anchorCtr="0" anchor="ctr" bIns="91425" lIns="91425" spcFirstLastPara="1" rIns="91425" wrap="square" tIns="91425">
+          <a:bodyPr spcFirstLastPara="1" wrap="square" lIns="91425" tIns="91425" rIns="91425" bIns="91425" anchor="ctr" anchorCtr="0">
             <a:noAutofit/>
           </a:bodyPr>
           <a:lstStyle>
@@ -3895,15 +3893,19 @@
               </a:defRPr>
             </a:lvl9pPr>
           </a:lstStyle>
-          <a:p/>
+          <a:p>
+            <a:endParaRPr/>
+          </a:p>
         </p:txBody>
       </p:sp>
       <p:sp>
         <p:nvSpPr>
           <p:cNvPr id="48" name="Google Shape;48;p3"/>
-          <p:cNvSpPr txBox="1"/>
+          <p:cNvSpPr txBox="1">
+            <a:spLocks noGrp="1"/>
+          </p:cNvSpPr>
           <p:nvPr>
-            <p:ph idx="12" type="sldNum"/>
+            <p:ph type="sldNum" idx="12"/>
           </p:nvPr>
         </p:nvSpPr>
         <p:spPr>
@@ -3916,7 +3918,7 @@
           </a:prstGeom>
         </p:spPr>
         <p:txBody>
-          <a:bodyPr anchorCtr="0" anchor="ctr" bIns="91425" lIns="91425" spcFirstLastPara="1" rIns="91425" wrap="square" tIns="91425">
+          <a:bodyPr spcFirstLastPara="1" wrap="square" lIns="91425" tIns="91425" rIns="91425" bIns="91425" anchor="ctr" anchorCtr="0">
             <a:noAutofit/>
           </a:bodyPr>
           <a:lstStyle>
@@ -3958,7 +3960,7 @@
             </a:lvl9pPr>
           </a:lstStyle>
           <a:p>
-            <a:pPr indent="0" lvl="0" marL="0" rtl="0" algn="r">
+            <a:pPr marL="0" lvl="0" indent="0" algn="r" rtl="0">
               <a:spcBef>
                 <a:spcPts val="0"/>
               </a:spcBef>
@@ -3984,18 +3986,19 @@
 </file>
 
 <file path=ppt/slideLayouts/slideLayout3.xml><?xml version="1.0" encoding="utf-8"?>
-<p:sldLayout xmlns:a="http://schemas.openxmlformats.org/drawingml/2006/main" xmlns:r="http://schemas.openxmlformats.org/officeDocument/2006/relationships" xmlns:mc="http://schemas.openxmlformats.org/markup-compatibility/2006" xmlns:mv="urn:schemas-microsoft-com:mac:vml" xmlns:p="http://schemas.openxmlformats.org/presentationml/2006/main" xmlns:c="http://schemas.openxmlformats.org/drawingml/2006/chart" xmlns:dgm="http://schemas.openxmlformats.org/drawingml/2006/diagram" xmlns:o="urn:schemas-microsoft-com:office:office" xmlns:v="urn:schemas-microsoft-com:vml" xmlns:pvml="urn:schemas-microsoft-com:office:powerpoint" xmlns:com="http://schemas.openxmlformats.org/drawingml/2006/compatibility" xmlns:p14="http://schemas.microsoft.com/office/powerpoint/2010/main" xmlns:p15="http://schemas.microsoft.com/office/powerpoint/2012/main" matchingName="Title and body" type="tx">
+<p:sldLayout xmlns:a="http://schemas.openxmlformats.org/drawingml/2006/main" xmlns:r="http://schemas.openxmlformats.org/officeDocument/2006/relationships" xmlns:p="http://schemas.openxmlformats.org/presentationml/2006/main" matchingName="Title and body" type="tx">
   <p:cSld name="TITLE_AND_BODY">
     <p:bg>
       <p:bgPr>
         <a:solidFill>
           <a:schemeClr val="dk2"/>
         </a:solidFill>
+        <a:effectLst/>
       </p:bgPr>
     </p:bg>
     <p:spTree>
       <p:nvGrpSpPr>
-        <p:cNvPr id="49" name="Shape 49"/>
+        <p:cNvPr id="1" name="Shape 49"/>
         <p:cNvGrpSpPr/>
         <p:nvPr/>
       </p:nvGrpSpPr>
@@ -4029,23 +4032,20 @@
           </a:ln>
         </p:spPr>
         <p:txBody>
-          <a:bodyPr anchorCtr="0" anchor="ctr" bIns="91425" lIns="91425" spcFirstLastPara="1" rIns="91425" wrap="square" tIns="91425">
+          <a:bodyPr spcFirstLastPara="1" wrap="square" lIns="91425" tIns="91425" rIns="91425" bIns="91425" anchor="ctr" anchorCtr="0">
             <a:noAutofit/>
           </a:bodyPr>
           <a:lstStyle/>
           <a:p>
-            <a:pPr indent="0" lvl="0" marL="0" rtl="0" algn="l">
-              <a:spcBef>
-                <a:spcPts val="0"/>
-              </a:spcBef>
-              <a:spcAft>
-                <a:spcPts val="0"/>
-              </a:spcAft>
-              <a:buNone/>
-            </a:pPr>
-            <a:r>
-              <a:t/>
-            </a:r>
+            <a:pPr marL="0" lvl="0" indent="0" algn="l" rtl="0">
+              <a:spcBef>
+                <a:spcPts val="0"/>
+              </a:spcBef>
+              <a:spcAft>
+                <a:spcPts val="0"/>
+              </a:spcAft>
+              <a:buNone/>
+            </a:pPr>
             <a:endParaRPr/>
           </a:p>
         </p:txBody>
@@ -4072,23 +4072,20 @@
           </a:ln>
         </p:spPr>
         <p:txBody>
-          <a:bodyPr anchorCtr="0" anchor="ctr" bIns="91425" lIns="91425" spcFirstLastPara="1" rIns="91425" wrap="square" tIns="91425">
+          <a:bodyPr spcFirstLastPara="1" wrap="square" lIns="91425" tIns="91425" rIns="91425" bIns="91425" anchor="ctr" anchorCtr="0">
             <a:noAutofit/>
           </a:bodyPr>
           <a:lstStyle/>
           <a:p>
-            <a:pPr indent="0" lvl="0" marL="0" rtl="0" algn="l">
-              <a:spcBef>
-                <a:spcPts val="0"/>
-              </a:spcBef>
-              <a:spcAft>
-                <a:spcPts val="0"/>
-              </a:spcAft>
-              <a:buNone/>
-            </a:pPr>
-            <a:r>
-              <a:t/>
-            </a:r>
+            <a:pPr marL="0" lvl="0" indent="0" algn="l" rtl="0">
+              <a:spcBef>
+                <a:spcPts val="0"/>
+              </a:spcBef>
+              <a:spcAft>
+                <a:spcPts val="0"/>
+              </a:spcAft>
+              <a:buNone/>
+            </a:pPr>
             <a:endParaRPr/>
           </a:p>
         </p:txBody>
@@ -4114,7 +4111,7 @@
             <a:noFill/>
           </a:ln>
           <a:effectLst>
-            <a:outerShdw blurRad="228600" sx="101000" rotWithShape="0" algn="ctr" sy="101000">
+            <a:outerShdw blurRad="228600" sx="101000" sy="101000" algn="ctr" rotWithShape="0">
               <a:srgbClr val="000000">
                 <a:alpha val="40000"/>
               </a:srgbClr>
@@ -4122,23 +4119,20 @@
           </a:effectLst>
         </p:spPr>
         <p:txBody>
-          <a:bodyPr anchorCtr="0" anchor="ctr" bIns="91425" lIns="91425" spcFirstLastPara="1" rIns="91425" wrap="square" tIns="91425">
+          <a:bodyPr spcFirstLastPara="1" wrap="square" lIns="91425" tIns="91425" rIns="91425" bIns="91425" anchor="ctr" anchorCtr="0">
             <a:noAutofit/>
           </a:bodyPr>
           <a:lstStyle/>
           <a:p>
-            <a:pPr indent="0" lvl="0" marL="0" rtl="0" algn="l">
-              <a:spcBef>
-                <a:spcPts val="0"/>
-              </a:spcBef>
-              <a:spcAft>
-                <a:spcPts val="0"/>
-              </a:spcAft>
-              <a:buNone/>
-            </a:pPr>
-            <a:r>
-              <a:t/>
-            </a:r>
+            <a:pPr marL="0" lvl="0" indent="0" algn="l" rtl="0">
+              <a:spcBef>
+                <a:spcPts val="0"/>
+              </a:spcBef>
+              <a:spcAft>
+                <a:spcPts val="0"/>
+              </a:spcAft>
+              <a:buNone/>
+            </a:pPr>
             <a:endParaRPr/>
           </a:p>
         </p:txBody>
@@ -4146,7 +4140,9 @@
       <p:sp>
         <p:nvSpPr>
           <p:cNvPr id="53" name="Google Shape;53;p4"/>
-          <p:cNvSpPr txBox="1"/>
+          <p:cNvSpPr txBox="1">
+            <a:spLocks noGrp="1"/>
+          </p:cNvSpPr>
           <p:nvPr>
             <p:ph type="title"/>
           </p:nvPr>
@@ -4161,7 +4157,7 @@
           </a:prstGeom>
         </p:spPr>
         <p:txBody>
-          <a:bodyPr anchorCtr="0" anchor="t" bIns="91425" lIns="91425" spcFirstLastPara="1" rIns="91425" wrap="square" tIns="91425">
+          <a:bodyPr spcFirstLastPara="1" wrap="square" lIns="91425" tIns="91425" rIns="91425" bIns="91425" anchor="t" anchorCtr="0">
             <a:noAutofit/>
           </a:bodyPr>
           <a:lstStyle>
@@ -4265,15 +4261,19 @@
               <a:defRPr sz="3000"/>
             </a:lvl9pPr>
           </a:lstStyle>
-          <a:p/>
+          <a:p>
+            <a:endParaRPr/>
+          </a:p>
         </p:txBody>
       </p:sp>
       <p:sp>
         <p:nvSpPr>
           <p:cNvPr id="54" name="Google Shape;54;p4"/>
-          <p:cNvSpPr txBox="1"/>
+          <p:cNvSpPr txBox="1">
+            <a:spLocks noGrp="1"/>
+          </p:cNvSpPr>
           <p:nvPr>
-            <p:ph idx="1" type="body"/>
+            <p:ph type="body" idx="1"/>
           </p:nvPr>
         </p:nvSpPr>
         <p:spPr>
@@ -4286,11 +4286,11 @@
           </a:prstGeom>
         </p:spPr>
         <p:txBody>
-          <a:bodyPr anchorCtr="0" anchor="t" bIns="91425" lIns="91425" spcFirstLastPara="1" rIns="91425" wrap="square" tIns="91425">
+          <a:bodyPr spcFirstLastPara="1" wrap="square" lIns="91425" tIns="91425" rIns="91425" bIns="91425" anchor="t" anchorCtr="0">
             <a:noAutofit/>
           </a:bodyPr>
           <a:lstStyle>
-            <a:lvl1pPr indent="-311150" lvl="0" marL="457200">
+            <a:lvl1pPr marL="457200" lvl="0" indent="-311150">
               <a:spcBef>
                 <a:spcPts val="0"/>
               </a:spcBef>
@@ -4301,7 +4301,7 @@
               <a:buChar char="●"/>
               <a:defRPr/>
             </a:lvl1pPr>
-            <a:lvl2pPr indent="-298450" lvl="1" marL="914400">
+            <a:lvl2pPr marL="914400" lvl="1" indent="-298450">
               <a:spcBef>
                 <a:spcPts val="1600"/>
               </a:spcBef>
@@ -4312,7 +4312,7 @@
               <a:buChar char="○"/>
               <a:defRPr/>
             </a:lvl2pPr>
-            <a:lvl3pPr indent="-298450" lvl="2" marL="1371600">
+            <a:lvl3pPr marL="1371600" lvl="2" indent="-298450">
               <a:spcBef>
                 <a:spcPts val="1600"/>
               </a:spcBef>
@@ -4323,7 +4323,7 @@
               <a:buChar char="■"/>
               <a:defRPr/>
             </a:lvl3pPr>
-            <a:lvl4pPr indent="-298450" lvl="3" marL="1828800">
+            <a:lvl4pPr marL="1828800" lvl="3" indent="-298450">
               <a:spcBef>
                 <a:spcPts val="1600"/>
               </a:spcBef>
@@ -4334,7 +4334,7 @@
               <a:buChar char="●"/>
               <a:defRPr/>
             </a:lvl4pPr>
-            <a:lvl5pPr indent="-298450" lvl="4" marL="2286000">
+            <a:lvl5pPr marL="2286000" lvl="4" indent="-298450">
               <a:spcBef>
                 <a:spcPts val="1600"/>
               </a:spcBef>
@@ -4345,7 +4345,7 @@
               <a:buChar char="○"/>
               <a:defRPr/>
             </a:lvl5pPr>
-            <a:lvl6pPr indent="-298450" lvl="5" marL="2743200">
+            <a:lvl6pPr marL="2743200" lvl="5" indent="-298450">
               <a:spcBef>
                 <a:spcPts val="1600"/>
               </a:spcBef>
@@ -4356,7 +4356,7 @@
               <a:buChar char="■"/>
               <a:defRPr/>
             </a:lvl6pPr>
-            <a:lvl7pPr indent="-298450" lvl="6" marL="3200400">
+            <a:lvl7pPr marL="3200400" lvl="6" indent="-298450">
               <a:spcBef>
                 <a:spcPts val="1600"/>
               </a:spcBef>
@@ -4367,7 +4367,7 @@
               <a:buChar char="●"/>
               <a:defRPr/>
             </a:lvl7pPr>
-            <a:lvl8pPr indent="-298450" lvl="7" marL="3657600">
+            <a:lvl8pPr marL="3657600" lvl="7" indent="-298450">
               <a:spcBef>
                 <a:spcPts val="1600"/>
               </a:spcBef>
@@ -4378,7 +4378,7 @@
               <a:buChar char="○"/>
               <a:defRPr/>
             </a:lvl8pPr>
-            <a:lvl9pPr indent="-298450" lvl="8" marL="4114800">
+            <a:lvl9pPr marL="4114800" lvl="8" indent="-298450">
               <a:spcBef>
                 <a:spcPts val="1600"/>
               </a:spcBef>
@@ -4390,15 +4390,19 @@
               <a:defRPr/>
             </a:lvl9pPr>
           </a:lstStyle>
-          <a:p/>
+          <a:p>
+            <a:endParaRPr/>
+          </a:p>
         </p:txBody>
       </p:sp>
       <p:sp>
         <p:nvSpPr>
           <p:cNvPr id="55" name="Google Shape;55;p4"/>
-          <p:cNvSpPr txBox="1"/>
+          <p:cNvSpPr txBox="1">
+            <a:spLocks noGrp="1"/>
+          </p:cNvSpPr>
           <p:nvPr>
-            <p:ph idx="12" type="sldNum"/>
+            <p:ph type="sldNum" idx="12"/>
           </p:nvPr>
         </p:nvSpPr>
         <p:spPr>
@@ -4411,7 +4415,7 @@
           </a:prstGeom>
         </p:spPr>
         <p:txBody>
-          <a:bodyPr anchorCtr="0" anchor="ctr" bIns="91425" lIns="91425" spcFirstLastPara="1" rIns="91425" wrap="square" tIns="91425">
+          <a:bodyPr spcFirstLastPara="1" wrap="square" lIns="91425" tIns="91425" rIns="91425" bIns="91425" anchor="ctr" anchorCtr="0">
             <a:noAutofit/>
           </a:bodyPr>
           <a:lstStyle>
@@ -4453,7 +4457,7 @@
             </a:lvl9pPr>
           </a:lstStyle>
           <a:p>
-            <a:pPr indent="0" lvl="0" marL="0" rtl="0" algn="r">
+            <a:pPr marL="0" lvl="0" indent="0" algn="r" rtl="0">
               <a:spcBef>
                 <a:spcPts val="0"/>
               </a:spcBef>
@@ -4479,18 +4483,19 @@
 </file>
 
 <file path=ppt/slideLayouts/slideLayout4.xml><?xml version="1.0" encoding="utf-8"?>
-<p:sldLayout xmlns:a="http://schemas.openxmlformats.org/drawingml/2006/main" xmlns:r="http://schemas.openxmlformats.org/officeDocument/2006/relationships" xmlns:mc="http://schemas.openxmlformats.org/markup-compatibility/2006" xmlns:mv="urn:schemas-microsoft-com:mac:vml" xmlns:p="http://schemas.openxmlformats.org/presentationml/2006/main" xmlns:c="http://schemas.openxmlformats.org/drawingml/2006/chart" xmlns:dgm="http://schemas.openxmlformats.org/drawingml/2006/diagram" xmlns:o="urn:schemas-microsoft-com:office:office" xmlns:v="urn:schemas-microsoft-com:vml" xmlns:pvml="urn:schemas-microsoft-com:office:powerpoint" xmlns:com="http://schemas.openxmlformats.org/drawingml/2006/compatibility" xmlns:p14="http://schemas.microsoft.com/office/powerpoint/2010/main" xmlns:p15="http://schemas.microsoft.com/office/powerpoint/2012/main" matchingName="Title and two columns" type="twoColTx">
+<p:sldLayout xmlns:a="http://schemas.openxmlformats.org/drawingml/2006/main" xmlns:r="http://schemas.openxmlformats.org/officeDocument/2006/relationships" xmlns:p="http://schemas.openxmlformats.org/presentationml/2006/main" matchingName="Title and two columns" type="twoColTx">
   <p:cSld name="TITLE_AND_TWO_COLUMNS">
     <p:bg>
       <p:bgPr>
         <a:solidFill>
           <a:schemeClr val="dk2"/>
         </a:solidFill>
+        <a:effectLst/>
       </p:bgPr>
     </p:bg>
     <p:spTree>
       <p:nvGrpSpPr>
-        <p:cNvPr id="56" name="Shape 56"/>
+        <p:cNvPr id="1" name="Shape 56"/>
         <p:cNvGrpSpPr/>
         <p:nvPr/>
       </p:nvGrpSpPr>
@@ -4524,23 +4529,20 @@
           </a:ln>
         </p:spPr>
         <p:txBody>
-          <a:bodyPr anchorCtr="0" anchor="ctr" bIns="91425" lIns="91425" spcFirstLastPara="1" rIns="91425" wrap="square" tIns="91425">
+          <a:bodyPr spcFirstLastPara="1" wrap="square" lIns="91425" tIns="91425" rIns="91425" bIns="91425" anchor="ctr" anchorCtr="0">
             <a:noAutofit/>
           </a:bodyPr>
           <a:lstStyle/>
           <a:p>
-            <a:pPr indent="0" lvl="0" marL="0" rtl="0" algn="l">
-              <a:spcBef>
-                <a:spcPts val="0"/>
-              </a:spcBef>
-              <a:spcAft>
-                <a:spcPts val="0"/>
-              </a:spcAft>
-              <a:buNone/>
-            </a:pPr>
-            <a:r>
-              <a:t/>
-            </a:r>
+            <a:pPr marL="0" lvl="0" indent="0" algn="l" rtl="0">
+              <a:spcBef>
+                <a:spcPts val="0"/>
+              </a:spcBef>
+              <a:spcAft>
+                <a:spcPts val="0"/>
+              </a:spcAft>
+              <a:buNone/>
+            </a:pPr>
             <a:endParaRPr/>
           </a:p>
         </p:txBody>
@@ -4567,23 +4569,20 @@
           </a:ln>
         </p:spPr>
         <p:txBody>
-          <a:bodyPr anchorCtr="0" anchor="ctr" bIns="91425" lIns="91425" spcFirstLastPara="1" rIns="91425" wrap="square" tIns="91425">
+          <a:bodyPr spcFirstLastPara="1" wrap="square" lIns="91425" tIns="91425" rIns="91425" bIns="91425" anchor="ctr" anchorCtr="0">
             <a:noAutofit/>
           </a:bodyPr>
           <a:lstStyle/>
           <a:p>
-            <a:pPr indent="0" lvl="0" marL="0" rtl="0" algn="l">
-              <a:spcBef>
-                <a:spcPts val="0"/>
-              </a:spcBef>
-              <a:spcAft>
-                <a:spcPts val="0"/>
-              </a:spcAft>
-              <a:buNone/>
-            </a:pPr>
-            <a:r>
-              <a:t/>
-            </a:r>
+            <a:pPr marL="0" lvl="0" indent="0" algn="l" rtl="0">
+              <a:spcBef>
+                <a:spcPts val="0"/>
+              </a:spcBef>
+              <a:spcAft>
+                <a:spcPts val="0"/>
+              </a:spcAft>
+              <a:buNone/>
+            </a:pPr>
             <a:endParaRPr/>
           </a:p>
         </p:txBody>
@@ -4609,7 +4608,7 @@
             <a:noFill/>
           </a:ln>
           <a:effectLst>
-            <a:outerShdw blurRad="228600" sx="101000" rotWithShape="0" algn="ctr" sy="101000">
+            <a:outerShdw blurRad="228600" sx="101000" sy="101000" algn="ctr" rotWithShape="0">
               <a:srgbClr val="000000">
                 <a:alpha val="40000"/>
               </a:srgbClr>
@@ -4617,23 +4616,20 @@
           </a:effectLst>
         </p:spPr>
         <p:txBody>
-          <a:bodyPr anchorCtr="0" anchor="ctr" bIns="91425" lIns="91425" spcFirstLastPara="1" rIns="91425" wrap="square" tIns="91425">
+          <a:bodyPr spcFirstLastPara="1" wrap="square" lIns="91425" tIns="91425" rIns="91425" bIns="91425" anchor="ctr" anchorCtr="0">
             <a:noAutofit/>
           </a:bodyPr>
           <a:lstStyle/>
           <a:p>
-            <a:pPr indent="0" lvl="0" marL="0" rtl="0" algn="l">
-              <a:spcBef>
-                <a:spcPts val="0"/>
-              </a:spcBef>
-              <a:spcAft>
-                <a:spcPts val="0"/>
-              </a:spcAft>
-              <a:buNone/>
-            </a:pPr>
-            <a:r>
-              <a:t/>
-            </a:r>
+            <a:pPr marL="0" lvl="0" indent="0" algn="l" rtl="0">
+              <a:spcBef>
+                <a:spcPts val="0"/>
+              </a:spcBef>
+              <a:spcAft>
+                <a:spcPts val="0"/>
+              </a:spcAft>
+              <a:buNone/>
+            </a:pPr>
             <a:endParaRPr/>
           </a:p>
         </p:txBody>
@@ -4641,7 +4637,9 @@
       <p:sp>
         <p:nvSpPr>
           <p:cNvPr id="60" name="Google Shape;60;p5"/>
-          <p:cNvSpPr txBox="1"/>
+          <p:cNvSpPr txBox="1">
+            <a:spLocks noGrp="1"/>
+          </p:cNvSpPr>
           <p:nvPr>
             <p:ph type="title"/>
           </p:nvPr>
@@ -4656,7 +4654,7 @@
           </a:prstGeom>
         </p:spPr>
         <p:txBody>
-          <a:bodyPr anchorCtr="0" anchor="t" bIns="91425" lIns="91425" spcFirstLastPara="1" rIns="91425" wrap="square" tIns="91425">
+          <a:bodyPr spcFirstLastPara="1" wrap="square" lIns="91425" tIns="91425" rIns="91425" bIns="91425" anchor="t" anchorCtr="0">
             <a:noAutofit/>
           </a:bodyPr>
           <a:lstStyle>
@@ -4760,15 +4758,19 @@
               <a:defRPr sz="3000"/>
             </a:lvl9pPr>
           </a:lstStyle>
-          <a:p/>
+          <a:p>
+            <a:endParaRPr/>
+          </a:p>
         </p:txBody>
       </p:sp>
       <p:sp>
         <p:nvSpPr>
           <p:cNvPr id="61" name="Google Shape;61;p5"/>
-          <p:cNvSpPr txBox="1"/>
+          <p:cNvSpPr txBox="1">
+            <a:spLocks noGrp="1"/>
+          </p:cNvSpPr>
           <p:nvPr>
-            <p:ph idx="1" type="body"/>
+            <p:ph type="body" idx="1"/>
           </p:nvPr>
         </p:nvSpPr>
         <p:spPr>
@@ -4781,11 +4783,11 @@
           </a:prstGeom>
         </p:spPr>
         <p:txBody>
-          <a:bodyPr anchorCtr="0" anchor="t" bIns="91425" lIns="91425" spcFirstLastPara="1" rIns="91425" wrap="square" tIns="91425">
+          <a:bodyPr spcFirstLastPara="1" wrap="square" lIns="91425" tIns="91425" rIns="91425" bIns="91425" anchor="t" anchorCtr="0">
             <a:noAutofit/>
           </a:bodyPr>
           <a:lstStyle>
-            <a:lvl1pPr indent="-311150" lvl="0" marL="457200">
+            <a:lvl1pPr marL="457200" lvl="0" indent="-311150">
               <a:spcBef>
                 <a:spcPts val="0"/>
               </a:spcBef>
@@ -4796,7 +4798,7 @@
               <a:buChar char="●"/>
               <a:defRPr/>
             </a:lvl1pPr>
-            <a:lvl2pPr indent="-298450" lvl="1" marL="914400">
+            <a:lvl2pPr marL="914400" lvl="1" indent="-298450">
               <a:spcBef>
                 <a:spcPts val="1600"/>
               </a:spcBef>
@@ -4807,7 +4809,7 @@
               <a:buChar char="○"/>
               <a:defRPr/>
             </a:lvl2pPr>
-            <a:lvl3pPr indent="-298450" lvl="2" marL="1371600">
+            <a:lvl3pPr marL="1371600" lvl="2" indent="-298450">
               <a:spcBef>
                 <a:spcPts val="1600"/>
               </a:spcBef>
@@ -4818,7 +4820,7 @@
               <a:buChar char="■"/>
               <a:defRPr/>
             </a:lvl3pPr>
-            <a:lvl4pPr indent="-298450" lvl="3" marL="1828800">
+            <a:lvl4pPr marL="1828800" lvl="3" indent="-298450">
               <a:spcBef>
                 <a:spcPts val="1600"/>
               </a:spcBef>
@@ -4829,7 +4831,7 @@
               <a:buChar char="●"/>
               <a:defRPr/>
             </a:lvl4pPr>
-            <a:lvl5pPr indent="-298450" lvl="4" marL="2286000">
+            <a:lvl5pPr marL="2286000" lvl="4" indent="-298450">
               <a:spcBef>
                 <a:spcPts val="1600"/>
               </a:spcBef>
@@ -4840,7 +4842,7 @@
               <a:buChar char="○"/>
               <a:defRPr/>
             </a:lvl5pPr>
-            <a:lvl6pPr indent="-298450" lvl="5" marL="2743200">
+            <a:lvl6pPr marL="2743200" lvl="5" indent="-298450">
               <a:spcBef>
                 <a:spcPts val="1600"/>
               </a:spcBef>
@@ -4851,7 +4853,7 @@
               <a:buChar char="■"/>
               <a:defRPr/>
             </a:lvl6pPr>
-            <a:lvl7pPr indent="-298450" lvl="6" marL="3200400">
+            <a:lvl7pPr marL="3200400" lvl="6" indent="-298450">
               <a:spcBef>
                 <a:spcPts val="1600"/>
               </a:spcBef>
@@ -4862,7 +4864,7 @@
               <a:buChar char="●"/>
               <a:defRPr/>
             </a:lvl7pPr>
-            <a:lvl8pPr indent="-298450" lvl="7" marL="3657600">
+            <a:lvl8pPr marL="3657600" lvl="7" indent="-298450">
               <a:spcBef>
                 <a:spcPts val="1600"/>
               </a:spcBef>
@@ -4873,7 +4875,7 @@
               <a:buChar char="○"/>
               <a:defRPr/>
             </a:lvl8pPr>
-            <a:lvl9pPr indent="-298450" lvl="8" marL="4114800">
+            <a:lvl9pPr marL="4114800" lvl="8" indent="-298450">
               <a:spcBef>
                 <a:spcPts val="1600"/>
               </a:spcBef>
@@ -4885,15 +4887,19 @@
               <a:defRPr/>
             </a:lvl9pPr>
           </a:lstStyle>
-          <a:p/>
+          <a:p>
+            <a:endParaRPr/>
+          </a:p>
         </p:txBody>
       </p:sp>
       <p:sp>
         <p:nvSpPr>
           <p:cNvPr id="62" name="Google Shape;62;p5"/>
-          <p:cNvSpPr txBox="1"/>
+          <p:cNvSpPr txBox="1">
+            <a:spLocks noGrp="1"/>
+          </p:cNvSpPr>
           <p:nvPr>
-            <p:ph idx="2" type="body"/>
+            <p:ph type="body" idx="2"/>
           </p:nvPr>
         </p:nvSpPr>
         <p:spPr>
@@ -4906,11 +4912,11 @@
           </a:prstGeom>
         </p:spPr>
         <p:txBody>
-          <a:bodyPr anchorCtr="0" anchor="t" bIns="91425" lIns="91425" spcFirstLastPara="1" rIns="91425" wrap="square" tIns="91425">
+          <a:bodyPr spcFirstLastPara="1" wrap="square" lIns="91425" tIns="91425" rIns="91425" bIns="91425" anchor="t" anchorCtr="0">
             <a:noAutofit/>
           </a:bodyPr>
           <a:lstStyle>
-            <a:lvl1pPr indent="-311150" lvl="0" marL="457200">
+            <a:lvl1pPr marL="457200" lvl="0" indent="-311150">
               <a:spcBef>
                 <a:spcPts val="0"/>
               </a:spcBef>
@@ -4921,7 +4927,7 @@
               <a:buChar char="●"/>
               <a:defRPr/>
             </a:lvl1pPr>
-            <a:lvl2pPr indent="-298450" lvl="1" marL="914400">
+            <a:lvl2pPr marL="914400" lvl="1" indent="-298450">
               <a:spcBef>
                 <a:spcPts val="1600"/>
               </a:spcBef>
@@ -4932,7 +4938,7 @@
               <a:buChar char="○"/>
               <a:defRPr/>
             </a:lvl2pPr>
-            <a:lvl3pPr indent="-298450" lvl="2" marL="1371600">
+            <a:lvl3pPr marL="1371600" lvl="2" indent="-298450">
               <a:spcBef>
                 <a:spcPts val="1600"/>
               </a:spcBef>
@@ -4943,7 +4949,7 @@
               <a:buChar char="■"/>
               <a:defRPr/>
             </a:lvl3pPr>
-            <a:lvl4pPr indent="-298450" lvl="3" marL="1828800">
+            <a:lvl4pPr marL="1828800" lvl="3" indent="-298450">
               <a:spcBef>
                 <a:spcPts val="1600"/>
               </a:spcBef>
@@ -4954,7 +4960,7 @@
               <a:buChar char="●"/>
               <a:defRPr/>
             </a:lvl4pPr>
-            <a:lvl5pPr indent="-298450" lvl="4" marL="2286000">
+            <a:lvl5pPr marL="2286000" lvl="4" indent="-298450">
               <a:spcBef>
                 <a:spcPts val="1600"/>
               </a:spcBef>
@@ -4965,7 +4971,7 @@
               <a:buChar char="○"/>
               <a:defRPr/>
             </a:lvl5pPr>
-            <a:lvl6pPr indent="-298450" lvl="5" marL="2743200">
+            <a:lvl6pPr marL="2743200" lvl="5" indent="-298450">
               <a:spcBef>
                 <a:spcPts val="1600"/>
               </a:spcBef>
@@ -4976,7 +4982,7 @@
               <a:buChar char="■"/>
               <a:defRPr/>
             </a:lvl6pPr>
-            <a:lvl7pPr indent="-298450" lvl="6" marL="3200400">
+            <a:lvl7pPr marL="3200400" lvl="6" indent="-298450">
               <a:spcBef>
                 <a:spcPts val="1600"/>
               </a:spcBef>
@@ -4987,7 +4993,7 @@
               <a:buChar char="●"/>
               <a:defRPr/>
             </a:lvl7pPr>
-            <a:lvl8pPr indent="-298450" lvl="7" marL="3657600">
+            <a:lvl8pPr marL="3657600" lvl="7" indent="-298450">
               <a:spcBef>
                 <a:spcPts val="1600"/>
               </a:spcBef>
@@ -4998,7 +5004,7 @@
               <a:buChar char="○"/>
               <a:defRPr/>
             </a:lvl8pPr>
-            <a:lvl9pPr indent="-298450" lvl="8" marL="4114800">
+            <a:lvl9pPr marL="4114800" lvl="8" indent="-298450">
               <a:spcBef>
                 <a:spcPts val="1600"/>
               </a:spcBef>
@@ -5010,15 +5016,19 @@
               <a:defRPr/>
             </a:lvl9pPr>
           </a:lstStyle>
-          <a:p/>
+          <a:p>
+            <a:endParaRPr/>
+          </a:p>
         </p:txBody>
       </p:sp>
       <p:sp>
         <p:nvSpPr>
           <p:cNvPr id="63" name="Google Shape;63;p5"/>
-          <p:cNvSpPr txBox="1"/>
+          <p:cNvSpPr txBox="1">
+            <a:spLocks noGrp="1"/>
+          </p:cNvSpPr>
           <p:nvPr>
-            <p:ph idx="12" type="sldNum"/>
+            <p:ph type="sldNum" idx="12"/>
           </p:nvPr>
         </p:nvSpPr>
         <p:spPr>
@@ -5031,7 +5041,7 @@
           </a:prstGeom>
         </p:spPr>
         <p:txBody>
-          <a:bodyPr anchorCtr="0" anchor="ctr" bIns="91425" lIns="91425" spcFirstLastPara="1" rIns="91425" wrap="square" tIns="91425">
+          <a:bodyPr spcFirstLastPara="1" wrap="square" lIns="91425" tIns="91425" rIns="91425" bIns="91425" anchor="ctr" anchorCtr="0">
             <a:noAutofit/>
           </a:bodyPr>
           <a:lstStyle>
@@ -5073,7 +5083,7 @@
             </a:lvl9pPr>
           </a:lstStyle>
           <a:p>
-            <a:pPr indent="0" lvl="0" marL="0" rtl="0" algn="r">
+            <a:pPr marL="0" lvl="0" indent="0" algn="r" rtl="0">
               <a:spcBef>
                 <a:spcPts val="0"/>
               </a:spcBef>
@@ -5099,18 +5109,19 @@
 </file>
 
 <file path=ppt/slideLayouts/slideLayout5.xml><?xml version="1.0" encoding="utf-8"?>
-<p:sldLayout xmlns:a="http://schemas.openxmlformats.org/drawingml/2006/main" xmlns:r="http://schemas.openxmlformats.org/officeDocument/2006/relationships" xmlns:mc="http://schemas.openxmlformats.org/markup-compatibility/2006" xmlns:mv="urn:schemas-microsoft-com:mac:vml" xmlns:p="http://schemas.openxmlformats.org/presentationml/2006/main" xmlns:c="http://schemas.openxmlformats.org/drawingml/2006/chart" xmlns:dgm="http://schemas.openxmlformats.org/drawingml/2006/diagram" xmlns:o="urn:schemas-microsoft-com:office:office" xmlns:v="urn:schemas-microsoft-com:vml" xmlns:pvml="urn:schemas-microsoft-com:office:powerpoint" xmlns:com="http://schemas.openxmlformats.org/drawingml/2006/compatibility" xmlns:p14="http://schemas.microsoft.com/office/powerpoint/2010/main" xmlns:p15="http://schemas.microsoft.com/office/powerpoint/2012/main" matchingName="Title only" type="titleOnly">
+<p:sldLayout xmlns:a="http://schemas.openxmlformats.org/drawingml/2006/main" xmlns:r="http://schemas.openxmlformats.org/officeDocument/2006/relationships" xmlns:p="http://schemas.openxmlformats.org/presentationml/2006/main" matchingName="Title only" type="titleOnly">
   <p:cSld name="TITLE_ONLY">
     <p:bg>
       <p:bgPr>
         <a:solidFill>
           <a:schemeClr val="dk2"/>
         </a:solidFill>
+        <a:effectLst/>
       </p:bgPr>
     </p:bg>
     <p:spTree>
       <p:nvGrpSpPr>
-        <p:cNvPr id="64" name="Shape 64"/>
+        <p:cNvPr id="1" name="Shape 64"/>
         <p:cNvGrpSpPr/>
         <p:nvPr/>
       </p:nvGrpSpPr>
@@ -5144,23 +5155,20 @@
           </a:ln>
         </p:spPr>
         <p:txBody>
-          <a:bodyPr anchorCtr="0" anchor="ctr" bIns="91425" lIns="91425" spcFirstLastPara="1" rIns="91425" wrap="square" tIns="91425">
+          <a:bodyPr spcFirstLastPara="1" wrap="square" lIns="91425" tIns="91425" rIns="91425" bIns="91425" anchor="ctr" anchorCtr="0">
             <a:noAutofit/>
           </a:bodyPr>
           <a:lstStyle/>
           <a:p>
-            <a:pPr indent="0" lvl="0" marL="0" rtl="0" algn="l">
-              <a:spcBef>
-                <a:spcPts val="0"/>
-              </a:spcBef>
-              <a:spcAft>
-                <a:spcPts val="0"/>
-              </a:spcAft>
-              <a:buNone/>
-            </a:pPr>
-            <a:r>
-              <a:t/>
-            </a:r>
+            <a:pPr marL="0" lvl="0" indent="0" algn="l" rtl="0">
+              <a:spcBef>
+                <a:spcPts val="0"/>
+              </a:spcBef>
+              <a:spcAft>
+                <a:spcPts val="0"/>
+              </a:spcAft>
+              <a:buNone/>
+            </a:pPr>
             <a:endParaRPr/>
           </a:p>
         </p:txBody>
@@ -5187,23 +5195,20 @@
           </a:ln>
         </p:spPr>
         <p:txBody>
-          <a:bodyPr anchorCtr="0" anchor="ctr" bIns="91425" lIns="91425" spcFirstLastPara="1" rIns="91425" wrap="square" tIns="91425">
+          <a:bodyPr spcFirstLastPara="1" wrap="square" lIns="91425" tIns="91425" rIns="91425" bIns="91425" anchor="ctr" anchorCtr="0">
             <a:noAutofit/>
           </a:bodyPr>
           <a:lstStyle/>
           <a:p>
-            <a:pPr indent="0" lvl="0" marL="0" rtl="0" algn="l">
-              <a:spcBef>
-                <a:spcPts val="0"/>
-              </a:spcBef>
-              <a:spcAft>
-                <a:spcPts val="0"/>
-              </a:spcAft>
-              <a:buNone/>
-            </a:pPr>
-            <a:r>
-              <a:t/>
-            </a:r>
+            <a:pPr marL="0" lvl="0" indent="0" algn="l" rtl="0">
+              <a:spcBef>
+                <a:spcPts val="0"/>
+              </a:spcBef>
+              <a:spcAft>
+                <a:spcPts val="0"/>
+              </a:spcAft>
+              <a:buNone/>
+            </a:pPr>
             <a:endParaRPr/>
           </a:p>
         </p:txBody>
@@ -5229,7 +5234,7 @@
             <a:noFill/>
           </a:ln>
           <a:effectLst>
-            <a:outerShdw blurRad="228600" sx="101000" rotWithShape="0" algn="ctr" sy="101000">
+            <a:outerShdw blurRad="228600" sx="101000" sy="101000" algn="ctr" rotWithShape="0">
               <a:srgbClr val="000000">
                 <a:alpha val="40000"/>
               </a:srgbClr>
@@ -5237,23 +5242,20 @@
           </a:effectLst>
         </p:spPr>
         <p:txBody>
-          <a:bodyPr anchorCtr="0" anchor="ctr" bIns="91425" lIns="91425" spcFirstLastPara="1" rIns="91425" wrap="square" tIns="91425">
+          <a:bodyPr spcFirstLastPara="1" wrap="square" lIns="91425" tIns="91425" rIns="91425" bIns="91425" anchor="ctr" anchorCtr="0">
             <a:noAutofit/>
           </a:bodyPr>
           <a:lstStyle/>
           <a:p>
-            <a:pPr indent="0" lvl="0" marL="0" rtl="0" algn="l">
-              <a:spcBef>
-                <a:spcPts val="0"/>
-              </a:spcBef>
-              <a:spcAft>
-                <a:spcPts val="0"/>
-              </a:spcAft>
-              <a:buNone/>
-            </a:pPr>
-            <a:r>
-              <a:t/>
-            </a:r>
+            <a:pPr marL="0" lvl="0" indent="0" algn="l" rtl="0">
+              <a:spcBef>
+                <a:spcPts val="0"/>
+              </a:spcBef>
+              <a:spcAft>
+                <a:spcPts val="0"/>
+              </a:spcAft>
+              <a:buNone/>
+            </a:pPr>
             <a:endParaRPr/>
           </a:p>
         </p:txBody>
@@ -5261,7 +5263,9 @@
       <p:sp>
         <p:nvSpPr>
           <p:cNvPr id="68" name="Google Shape;68;p6"/>
-          <p:cNvSpPr txBox="1"/>
+          <p:cNvSpPr txBox="1">
+            <a:spLocks noGrp="1"/>
+          </p:cNvSpPr>
           <p:nvPr>
             <p:ph type="title"/>
           </p:nvPr>
@@ -5276,7 +5280,7 @@
           </a:prstGeom>
         </p:spPr>
         <p:txBody>
-          <a:bodyPr anchorCtr="0" anchor="t" bIns="91425" lIns="91425" spcFirstLastPara="1" rIns="91425" wrap="square" tIns="91425">
+          <a:bodyPr spcFirstLastPara="1" wrap="square" lIns="91425" tIns="91425" rIns="91425" bIns="91425" anchor="t" anchorCtr="0">
             <a:noAutofit/>
           </a:bodyPr>
           <a:lstStyle>
@@ -5380,15 +5384,19 @@
               <a:defRPr sz="3000"/>
             </a:lvl9pPr>
           </a:lstStyle>
-          <a:p/>
+          <a:p>
+            <a:endParaRPr/>
+          </a:p>
         </p:txBody>
       </p:sp>
       <p:sp>
         <p:nvSpPr>
           <p:cNvPr id="69" name="Google Shape;69;p6"/>
-          <p:cNvSpPr txBox="1"/>
+          <p:cNvSpPr txBox="1">
+            <a:spLocks noGrp="1"/>
+          </p:cNvSpPr>
           <p:nvPr>
-            <p:ph idx="12" type="sldNum"/>
+            <p:ph type="sldNum" idx="12"/>
           </p:nvPr>
         </p:nvSpPr>
         <p:spPr>
@@ -5401,7 +5409,7 @@
           </a:prstGeom>
         </p:spPr>
         <p:txBody>
-          <a:bodyPr anchorCtr="0" anchor="ctr" bIns="91425" lIns="91425" spcFirstLastPara="1" rIns="91425" wrap="square" tIns="91425">
+          <a:bodyPr spcFirstLastPara="1" wrap="square" lIns="91425" tIns="91425" rIns="91425" bIns="91425" anchor="ctr" anchorCtr="0">
             <a:noAutofit/>
           </a:bodyPr>
           <a:lstStyle>
@@ -5443,7 +5451,7 @@
             </a:lvl9pPr>
           </a:lstStyle>
           <a:p>
-            <a:pPr indent="0" lvl="0" marL="0" rtl="0" algn="r">
+            <a:pPr marL="0" lvl="0" indent="0" algn="r" rtl="0">
               <a:spcBef>
                 <a:spcPts val="0"/>
               </a:spcBef>
@@ -5469,18 +5477,19 @@
 </file>
 
 <file path=ppt/slideLayouts/slideLayout6.xml><?xml version="1.0" encoding="utf-8"?>
-<p:sldLayout xmlns:a="http://schemas.openxmlformats.org/drawingml/2006/main" xmlns:r="http://schemas.openxmlformats.org/officeDocument/2006/relationships" xmlns:mc="http://schemas.openxmlformats.org/markup-compatibility/2006" xmlns:mv="urn:schemas-microsoft-com:mac:vml" xmlns:p="http://schemas.openxmlformats.org/presentationml/2006/main" xmlns:c="http://schemas.openxmlformats.org/drawingml/2006/chart" xmlns:dgm="http://schemas.openxmlformats.org/drawingml/2006/diagram" xmlns:o="urn:schemas-microsoft-com:office:office" xmlns:v="urn:schemas-microsoft-com:vml" xmlns:pvml="urn:schemas-microsoft-com:office:powerpoint" xmlns:com="http://schemas.openxmlformats.org/drawingml/2006/compatibility" xmlns:p14="http://schemas.microsoft.com/office/powerpoint/2010/main" xmlns:p15="http://schemas.microsoft.com/office/powerpoint/2012/main" matchingName="One column text">
+<p:sldLayout xmlns:a="http://schemas.openxmlformats.org/drawingml/2006/main" xmlns:r="http://schemas.openxmlformats.org/officeDocument/2006/relationships" xmlns:p="http://schemas.openxmlformats.org/presentationml/2006/main" matchingName="One column text">
   <p:cSld name="ONE_COLUMN_TEXT">
     <p:bg>
       <p:bgPr>
         <a:solidFill>
           <a:schemeClr val="accent3"/>
         </a:solidFill>
+        <a:effectLst/>
       </p:bgPr>
     </p:bg>
     <p:spTree>
       <p:nvGrpSpPr>
-        <p:cNvPr id="70" name="Shape 70"/>
+        <p:cNvPr id="1" name="Shape 70"/>
         <p:cNvGrpSpPr/>
         <p:nvPr/>
       </p:nvGrpSpPr>
@@ -5514,23 +5523,20 @@
           </a:ln>
         </p:spPr>
         <p:txBody>
-          <a:bodyPr anchorCtr="0" anchor="ctr" bIns="91425" lIns="91425" spcFirstLastPara="1" rIns="91425" wrap="square" tIns="91425">
+          <a:bodyPr spcFirstLastPara="1" wrap="square" lIns="91425" tIns="91425" rIns="91425" bIns="91425" anchor="ctr" anchorCtr="0">
             <a:noAutofit/>
           </a:bodyPr>
           <a:lstStyle/>
           <a:p>
-            <a:pPr indent="0" lvl="0" marL="0" rtl="0" algn="l">
-              <a:spcBef>
-                <a:spcPts val="0"/>
-              </a:spcBef>
-              <a:spcAft>
-                <a:spcPts val="0"/>
-              </a:spcAft>
-              <a:buNone/>
-            </a:pPr>
-            <a:r>
-              <a:t/>
-            </a:r>
+            <a:pPr marL="0" lvl="0" indent="0" algn="l" rtl="0">
+              <a:spcBef>
+                <a:spcPts val="0"/>
+              </a:spcBef>
+              <a:spcAft>
+                <a:spcPts val="0"/>
+              </a:spcAft>
+              <a:buNone/>
+            </a:pPr>
             <a:endParaRPr/>
           </a:p>
         </p:txBody>
@@ -5557,23 +5563,20 @@
           </a:ln>
         </p:spPr>
         <p:txBody>
-          <a:bodyPr anchorCtr="0" anchor="ctr" bIns="91425" lIns="91425" spcFirstLastPara="1" rIns="91425" wrap="square" tIns="91425">
+          <a:bodyPr spcFirstLastPara="1" wrap="square" lIns="91425" tIns="91425" rIns="91425" bIns="91425" anchor="ctr" anchorCtr="0">
             <a:noAutofit/>
           </a:bodyPr>
           <a:lstStyle/>
           <a:p>
-            <a:pPr indent="0" lvl="0" marL="0" rtl="0" algn="l">
-              <a:spcBef>
-                <a:spcPts val="0"/>
-              </a:spcBef>
-              <a:spcAft>
-                <a:spcPts val="0"/>
-              </a:spcAft>
-              <a:buNone/>
-            </a:pPr>
-            <a:r>
-              <a:t/>
-            </a:r>
+            <a:pPr marL="0" lvl="0" indent="0" algn="l" rtl="0">
+              <a:spcBef>
+                <a:spcPts val="0"/>
+              </a:spcBef>
+              <a:spcAft>
+                <a:spcPts val="0"/>
+              </a:spcAft>
+              <a:buNone/>
+            </a:pPr>
             <a:endParaRPr/>
           </a:p>
         </p:txBody>
@@ -5599,7 +5602,7 @@
             <a:noFill/>
           </a:ln>
           <a:effectLst>
-            <a:outerShdw blurRad="228600" sx="101000" rotWithShape="0" algn="ctr" sy="101000">
+            <a:outerShdw blurRad="228600" sx="101000" sy="101000" algn="ctr" rotWithShape="0">
               <a:srgbClr val="000000">
                 <a:alpha val="40000"/>
               </a:srgbClr>
@@ -5607,23 +5610,20 @@
           </a:effectLst>
         </p:spPr>
         <p:txBody>
-          <a:bodyPr anchorCtr="0" anchor="ctr" bIns="91425" lIns="91425" spcFirstLastPara="1" rIns="91425" wrap="square" tIns="91425">
+          <a:bodyPr spcFirstLastPara="1" wrap="square" lIns="91425" tIns="91425" rIns="91425" bIns="91425" anchor="ctr" anchorCtr="0">
             <a:noAutofit/>
           </a:bodyPr>
           <a:lstStyle/>
           <a:p>
-            <a:pPr indent="0" lvl="0" marL="0" rtl="0" algn="l">
-              <a:spcBef>
-                <a:spcPts val="0"/>
-              </a:spcBef>
-              <a:spcAft>
-                <a:spcPts val="0"/>
-              </a:spcAft>
-              <a:buNone/>
-            </a:pPr>
-            <a:r>
-              <a:t/>
-            </a:r>
+            <a:pPr marL="0" lvl="0" indent="0" algn="l" rtl="0">
+              <a:spcBef>
+                <a:spcPts val="0"/>
+              </a:spcBef>
+              <a:spcAft>
+                <a:spcPts val="0"/>
+              </a:spcAft>
+              <a:buNone/>
+            </a:pPr>
             <a:endParaRPr/>
           </a:p>
         </p:txBody>
@@ -5631,7 +5631,9 @@
       <p:sp>
         <p:nvSpPr>
           <p:cNvPr id="74" name="Google Shape;74;p7"/>
-          <p:cNvSpPr txBox="1"/>
+          <p:cNvSpPr txBox="1">
+            <a:spLocks noGrp="1"/>
+          </p:cNvSpPr>
           <p:nvPr>
             <p:ph type="title"/>
           </p:nvPr>
@@ -5646,7 +5648,7 @@
           </a:prstGeom>
         </p:spPr>
         <p:txBody>
-          <a:bodyPr anchorCtr="0" anchor="t" bIns="91425" lIns="91425" spcFirstLastPara="1" rIns="91425" wrap="square" tIns="91425">
+          <a:bodyPr spcFirstLastPara="1" wrap="square" lIns="91425" tIns="91425" rIns="91425" bIns="91425" anchor="t" anchorCtr="0">
             <a:noAutofit/>
           </a:bodyPr>
           <a:lstStyle>
@@ -5750,15 +5752,19 @@
               <a:defRPr sz="3000"/>
             </a:lvl9pPr>
           </a:lstStyle>
-          <a:p/>
+          <a:p>
+            <a:endParaRPr/>
+          </a:p>
         </p:txBody>
       </p:sp>
       <p:sp>
         <p:nvSpPr>
           <p:cNvPr id="75" name="Google Shape;75;p7"/>
-          <p:cNvSpPr txBox="1"/>
+          <p:cNvSpPr txBox="1">
+            <a:spLocks noGrp="1"/>
+          </p:cNvSpPr>
           <p:nvPr>
-            <p:ph idx="1" type="body"/>
+            <p:ph type="body" idx="1"/>
           </p:nvPr>
         </p:nvSpPr>
         <p:spPr>
@@ -5771,11 +5777,11 @@
           </a:prstGeom>
         </p:spPr>
         <p:txBody>
-          <a:bodyPr anchorCtr="0" anchor="t" bIns="91425" lIns="91425" spcFirstLastPara="1" rIns="91425" wrap="square" tIns="91425">
+          <a:bodyPr spcFirstLastPara="1" wrap="square" lIns="91425" tIns="91425" rIns="91425" bIns="91425" anchor="t" anchorCtr="0">
             <a:noAutofit/>
           </a:bodyPr>
           <a:lstStyle>
-            <a:lvl1pPr indent="-311150" lvl="0" marL="457200">
+            <a:lvl1pPr marL="457200" lvl="0" indent="-311150">
               <a:spcBef>
                 <a:spcPts val="0"/>
               </a:spcBef>
@@ -5786,7 +5792,7 @@
               <a:buChar char="●"/>
               <a:defRPr/>
             </a:lvl1pPr>
-            <a:lvl2pPr indent="-298450" lvl="1" marL="914400">
+            <a:lvl2pPr marL="914400" lvl="1" indent="-298450">
               <a:spcBef>
                 <a:spcPts val="1600"/>
               </a:spcBef>
@@ -5797,7 +5803,7 @@
               <a:buChar char="○"/>
               <a:defRPr/>
             </a:lvl2pPr>
-            <a:lvl3pPr indent="-298450" lvl="2" marL="1371600">
+            <a:lvl3pPr marL="1371600" lvl="2" indent="-298450">
               <a:spcBef>
                 <a:spcPts val="1600"/>
               </a:spcBef>
@@ -5808,7 +5814,7 @@
               <a:buChar char="■"/>
               <a:defRPr/>
             </a:lvl3pPr>
-            <a:lvl4pPr indent="-298450" lvl="3" marL="1828800">
+            <a:lvl4pPr marL="1828800" lvl="3" indent="-298450">
               <a:spcBef>
                 <a:spcPts val="1600"/>
               </a:spcBef>
@@ -5819,7 +5825,7 @@
               <a:buChar char="●"/>
               <a:defRPr/>
             </a:lvl4pPr>
-            <a:lvl5pPr indent="-298450" lvl="4" marL="2286000">
+            <a:lvl5pPr marL="2286000" lvl="4" indent="-298450">
               <a:spcBef>
                 <a:spcPts val="1600"/>
               </a:spcBef>
@@ -5830,7 +5836,7 @@
               <a:buChar char="○"/>
               <a:defRPr/>
             </a:lvl5pPr>
-            <a:lvl6pPr indent="-298450" lvl="5" marL="2743200">
+            <a:lvl6pPr marL="2743200" lvl="5" indent="-298450">
               <a:spcBef>
                 <a:spcPts val="1600"/>
               </a:spcBef>
@@ -5841,7 +5847,7 @@
               <a:buChar char="■"/>
               <a:defRPr/>
             </a:lvl6pPr>
-            <a:lvl7pPr indent="-298450" lvl="6" marL="3200400">
+            <a:lvl7pPr marL="3200400" lvl="6" indent="-298450">
               <a:spcBef>
                 <a:spcPts val="1600"/>
               </a:spcBef>
@@ -5852,7 +5858,7 @@
               <a:buChar char="●"/>
               <a:defRPr/>
             </a:lvl7pPr>
-            <a:lvl8pPr indent="-298450" lvl="7" marL="3657600">
+            <a:lvl8pPr marL="3657600" lvl="7" indent="-298450">
               <a:spcBef>
                 <a:spcPts val="1600"/>
               </a:spcBef>
@@ -5863,7 +5869,7 @@
               <a:buChar char="○"/>
               <a:defRPr/>
             </a:lvl8pPr>
-            <a:lvl9pPr indent="-298450" lvl="8" marL="4114800">
+            <a:lvl9pPr marL="4114800" lvl="8" indent="-298450">
               <a:spcBef>
                 <a:spcPts val="1600"/>
               </a:spcBef>
@@ -5875,15 +5881,19 @@
               <a:defRPr/>
             </a:lvl9pPr>
           </a:lstStyle>
-          <a:p/>
+          <a:p>
+            <a:endParaRPr/>
+          </a:p>
         </p:txBody>
       </p:sp>
       <p:sp>
         <p:nvSpPr>
           <p:cNvPr id="76" name="Google Shape;76;p7"/>
-          <p:cNvSpPr txBox="1"/>
+          <p:cNvSpPr txBox="1">
+            <a:spLocks noGrp="1"/>
+          </p:cNvSpPr>
           <p:nvPr>
-            <p:ph idx="12" type="sldNum"/>
+            <p:ph type="sldNum" idx="12"/>
           </p:nvPr>
         </p:nvSpPr>
         <p:spPr>
@@ -5896,7 +5906,7 @@
           </a:prstGeom>
         </p:spPr>
         <p:txBody>
-          <a:bodyPr anchorCtr="0" anchor="ctr" bIns="91425" lIns="91425" spcFirstLastPara="1" rIns="91425" wrap="square" tIns="91425">
+          <a:bodyPr spcFirstLastPara="1" wrap="square" lIns="91425" tIns="91425" rIns="91425" bIns="91425" anchor="ctr" anchorCtr="0">
             <a:noAutofit/>
           </a:bodyPr>
           <a:lstStyle>
@@ -5938,7 +5948,7 @@
             </a:lvl9pPr>
           </a:lstStyle>
           <a:p>
-            <a:pPr indent="0" lvl="0" marL="0" rtl="0" algn="r">
+            <a:pPr marL="0" lvl="0" indent="0" algn="r" rtl="0">
               <a:spcBef>
                 <a:spcPts val="0"/>
               </a:spcBef>
@@ -5964,18 +5974,19 @@
 </file>
 
 <file path=ppt/slideLayouts/slideLayout7.xml><?xml version="1.0" encoding="utf-8"?>
-<p:sldLayout xmlns:a="http://schemas.openxmlformats.org/drawingml/2006/main" xmlns:r="http://schemas.openxmlformats.org/officeDocument/2006/relationships" xmlns:mc="http://schemas.openxmlformats.org/markup-compatibility/2006" xmlns:mv="urn:schemas-microsoft-com:mac:vml" xmlns:p="http://schemas.openxmlformats.org/presentationml/2006/main" xmlns:c="http://schemas.openxmlformats.org/drawingml/2006/chart" xmlns:dgm="http://schemas.openxmlformats.org/drawingml/2006/diagram" xmlns:o="urn:schemas-microsoft-com:office:office" xmlns:v="urn:schemas-microsoft-com:vml" xmlns:pvml="urn:schemas-microsoft-com:office:powerpoint" xmlns:com="http://schemas.openxmlformats.org/drawingml/2006/compatibility" xmlns:p14="http://schemas.microsoft.com/office/powerpoint/2010/main" xmlns:p15="http://schemas.microsoft.com/office/powerpoint/2012/main" matchingName="Main point">
+<p:sldLayout xmlns:a="http://schemas.openxmlformats.org/drawingml/2006/main" xmlns:r="http://schemas.openxmlformats.org/officeDocument/2006/relationships" xmlns:p="http://schemas.openxmlformats.org/presentationml/2006/main" matchingName="Main point">
   <p:cSld name="MAIN_POINT">
     <p:bg>
       <p:bgPr>
         <a:solidFill>
           <a:schemeClr val="accent1"/>
         </a:solidFill>
+        <a:effectLst/>
       </p:bgPr>
     </p:bg>
     <p:spTree>
       <p:nvGrpSpPr>
-        <p:cNvPr id="77" name="Shape 77"/>
+        <p:cNvPr id="1" name="Shape 77"/>
         <p:cNvGrpSpPr/>
         <p:nvPr/>
       </p:nvGrpSpPr>
@@ -6009,23 +6020,20 @@
           </a:ln>
         </p:spPr>
         <p:txBody>
-          <a:bodyPr anchorCtr="0" anchor="ctr" bIns="91425" lIns="91425" spcFirstLastPara="1" rIns="91425" wrap="square" tIns="91425">
+          <a:bodyPr spcFirstLastPara="1" wrap="square" lIns="91425" tIns="91425" rIns="91425" bIns="91425" anchor="ctr" anchorCtr="0">
             <a:noAutofit/>
           </a:bodyPr>
           <a:lstStyle/>
           <a:p>
-            <a:pPr indent="0" lvl="0" marL="0" rtl="0" algn="l">
-              <a:spcBef>
-                <a:spcPts val="0"/>
-              </a:spcBef>
-              <a:spcAft>
-                <a:spcPts val="0"/>
-              </a:spcAft>
-              <a:buNone/>
-            </a:pPr>
-            <a:r>
-              <a:t/>
-            </a:r>
+            <a:pPr marL="0" lvl="0" indent="0" algn="l" rtl="0">
+              <a:spcBef>
+                <a:spcPts val="0"/>
+              </a:spcBef>
+              <a:spcAft>
+                <a:spcPts val="0"/>
+              </a:spcAft>
+              <a:buNone/>
+            </a:pPr>
             <a:endParaRPr/>
           </a:p>
         </p:txBody>
@@ -6052,23 +6060,20 @@
           </a:ln>
         </p:spPr>
         <p:txBody>
-          <a:bodyPr anchorCtr="0" anchor="ctr" bIns="91425" lIns="91425" spcFirstLastPara="1" rIns="91425" wrap="square" tIns="91425">
+          <a:bodyPr spcFirstLastPara="1" wrap="square" lIns="91425" tIns="91425" rIns="91425" bIns="91425" anchor="ctr" anchorCtr="0">
             <a:noAutofit/>
           </a:bodyPr>
           <a:lstStyle/>
           <a:p>
-            <a:pPr indent="0" lvl="0" marL="0" rtl="0" algn="l">
-              <a:spcBef>
-                <a:spcPts val="0"/>
-              </a:spcBef>
-              <a:spcAft>
-                <a:spcPts val="0"/>
-              </a:spcAft>
-              <a:buNone/>
-            </a:pPr>
-            <a:r>
-              <a:t/>
-            </a:r>
+            <a:pPr marL="0" lvl="0" indent="0" algn="l" rtl="0">
+              <a:spcBef>
+                <a:spcPts val="0"/>
+              </a:spcBef>
+              <a:spcAft>
+                <a:spcPts val="0"/>
+              </a:spcAft>
+              <a:buNone/>
+            </a:pPr>
             <a:endParaRPr/>
           </a:p>
         </p:txBody>
@@ -6100,7 +6105,7 @@
             </a:xfrm>
             <a:prstGeom prst="parallelogram">
               <a:avLst>
-                <a:gd fmla="val 153193" name="adj"/>
+                <a:gd name="adj" fmla="val 153193"/>
               </a:avLst>
             </a:prstGeom>
             <a:solidFill>
@@ -6111,12 +6116,12 @@
             </a:ln>
           </p:spPr>
           <p:txBody>
-            <a:bodyPr anchorCtr="0" anchor="ctr" bIns="91425" lIns="91425" spcFirstLastPara="1" rIns="91425" wrap="square" tIns="91425">
+            <a:bodyPr spcFirstLastPara="1" wrap="square" lIns="91425" tIns="91425" rIns="91425" bIns="91425" anchor="ctr" anchorCtr="0">
               <a:noAutofit/>
             </a:bodyPr>
             <a:lstStyle/>
             <a:p>
-              <a:pPr indent="0" lvl="0" marL="0" rtl="0" algn="l">
+              <a:pPr marL="0" lvl="0" indent="0" algn="l" rtl="0">
                 <a:spcBef>
                   <a:spcPts val="0"/>
                 </a:spcBef>
@@ -6125,9 +6130,6 @@
                 </a:spcAft>
                 <a:buNone/>
               </a:pPr>
-              <a:r>
-                <a:t/>
-              </a:r>
               <a:endParaRPr/>
             </a:p>
           </p:txBody>
@@ -6145,7 +6147,7 @@
             </a:xfrm>
             <a:prstGeom prst="parallelogram">
               <a:avLst>
-                <a:gd fmla="val 153193" name="adj"/>
+                <a:gd name="adj" fmla="val 153193"/>
               </a:avLst>
             </a:prstGeom>
             <a:solidFill>
@@ -6156,12 +6158,12 @@
             </a:ln>
           </p:spPr>
           <p:txBody>
-            <a:bodyPr anchorCtr="0" anchor="ctr" bIns="91425" lIns="91425" spcFirstLastPara="1" rIns="91425" wrap="square" tIns="91425">
+            <a:bodyPr spcFirstLastPara="1" wrap="square" lIns="91425" tIns="91425" rIns="91425" bIns="91425" anchor="ctr" anchorCtr="0">
               <a:noAutofit/>
             </a:bodyPr>
             <a:lstStyle/>
             <a:p>
-              <a:pPr indent="0" lvl="0" marL="0" rtl="0" algn="l">
+              <a:pPr marL="0" lvl="0" indent="0" algn="l" rtl="0">
                 <a:spcBef>
                   <a:spcPts val="0"/>
                 </a:spcBef>
@@ -6170,9 +6172,6 @@
                 </a:spcAft>
                 <a:buNone/>
               </a:pPr>
-              <a:r>
-                <a:t/>
-              </a:r>
               <a:endParaRPr/>
             </a:p>
           </p:txBody>
@@ -6190,7 +6189,7 @@
             </a:xfrm>
             <a:prstGeom prst="parallelogram">
               <a:avLst>
-                <a:gd fmla="val 153193" name="adj"/>
+                <a:gd name="adj" fmla="val 153193"/>
               </a:avLst>
             </a:prstGeom>
             <a:solidFill>
@@ -6201,12 +6200,12 @@
             </a:ln>
           </p:spPr>
           <p:txBody>
-            <a:bodyPr anchorCtr="0" anchor="ctr" bIns="91425" lIns="91425" spcFirstLastPara="1" rIns="91425" wrap="square" tIns="91425">
+            <a:bodyPr spcFirstLastPara="1" wrap="square" lIns="91425" tIns="91425" rIns="91425" bIns="91425" anchor="ctr" anchorCtr="0">
               <a:noAutofit/>
             </a:bodyPr>
             <a:lstStyle/>
             <a:p>
-              <a:pPr indent="0" lvl="0" marL="0" rtl="0" algn="l">
+              <a:pPr marL="0" lvl="0" indent="0" algn="l" rtl="0">
                 <a:spcBef>
                   <a:spcPts val="0"/>
                 </a:spcBef>
@@ -6215,9 +6214,6 @@
                 </a:spcAft>
                 <a:buNone/>
               </a:pPr>
-              <a:r>
-                <a:t/>
-              </a:r>
               <a:endParaRPr/>
             </a:p>
           </p:txBody>
@@ -6244,7 +6240,7 @@
             <a:noFill/>
           </a:ln>
           <a:effectLst>
-            <a:outerShdw blurRad="228600" sx="101000" rotWithShape="0" algn="ctr" sy="101000">
+            <a:outerShdw blurRad="228600" sx="101000" sy="101000" algn="ctr" rotWithShape="0">
               <a:srgbClr val="000000">
                 <a:alpha val="40000"/>
               </a:srgbClr>
@@ -6252,23 +6248,20 @@
           </a:effectLst>
         </p:spPr>
         <p:txBody>
-          <a:bodyPr anchorCtr="0" anchor="ctr" bIns="91425" lIns="91425" spcFirstLastPara="1" rIns="91425" wrap="square" tIns="91425">
+          <a:bodyPr spcFirstLastPara="1" wrap="square" lIns="91425" tIns="91425" rIns="91425" bIns="91425" anchor="ctr" anchorCtr="0">
             <a:noAutofit/>
           </a:bodyPr>
           <a:lstStyle/>
           <a:p>
-            <a:pPr indent="0" lvl="0" marL="0" rtl="0" algn="l">
-              <a:spcBef>
-                <a:spcPts val="0"/>
-              </a:spcBef>
-              <a:spcAft>
-                <a:spcPts val="0"/>
-              </a:spcAft>
-              <a:buNone/>
-            </a:pPr>
-            <a:r>
-              <a:t/>
-            </a:r>
+            <a:pPr marL="0" lvl="0" indent="0" algn="l" rtl="0">
+              <a:spcBef>
+                <a:spcPts val="0"/>
+              </a:spcBef>
+              <a:spcAft>
+                <a:spcPts val="0"/>
+              </a:spcAft>
+              <a:buNone/>
+            </a:pPr>
             <a:endParaRPr/>
           </a:p>
         </p:txBody>
@@ -6300,7 +6293,7 @@
             </a:xfrm>
             <a:prstGeom prst="parallelogram">
               <a:avLst>
-                <a:gd fmla="val 158024" name="adj"/>
+                <a:gd name="adj" fmla="val 158024"/>
               </a:avLst>
             </a:prstGeom>
             <a:solidFill>
@@ -6311,12 +6304,12 @@
             </a:ln>
           </p:spPr>
           <p:txBody>
-            <a:bodyPr anchorCtr="0" anchor="ctr" bIns="91425" lIns="91425" spcFirstLastPara="1" rIns="91425" wrap="square" tIns="91425">
+            <a:bodyPr spcFirstLastPara="1" wrap="square" lIns="91425" tIns="91425" rIns="91425" bIns="91425" anchor="ctr" anchorCtr="0">
               <a:noAutofit/>
             </a:bodyPr>
             <a:lstStyle/>
             <a:p>
-              <a:pPr indent="0" lvl="0" marL="0" rtl="0" algn="l">
+              <a:pPr marL="0" lvl="0" indent="0" algn="l" rtl="0">
                 <a:spcBef>
                   <a:spcPts val="0"/>
                 </a:spcBef>
@@ -6325,9 +6318,6 @@
                 </a:spcAft>
                 <a:buNone/>
               </a:pPr>
-              <a:r>
-                <a:t/>
-              </a:r>
               <a:endParaRPr/>
             </a:p>
           </p:txBody>
@@ -6345,7 +6335,7 @@
             </a:xfrm>
             <a:prstGeom prst="parallelogram">
               <a:avLst>
-                <a:gd fmla="val 158024" name="adj"/>
+                <a:gd name="adj" fmla="val 158024"/>
               </a:avLst>
             </a:prstGeom>
             <a:solidFill>
@@ -6356,12 +6346,12 @@
             </a:ln>
           </p:spPr>
           <p:txBody>
-            <a:bodyPr anchorCtr="0" anchor="ctr" bIns="91425" lIns="91425" spcFirstLastPara="1" rIns="91425" wrap="square" tIns="91425">
+            <a:bodyPr spcFirstLastPara="1" wrap="square" lIns="91425" tIns="91425" rIns="91425" bIns="91425" anchor="ctr" anchorCtr="0">
               <a:noAutofit/>
             </a:bodyPr>
             <a:lstStyle/>
             <a:p>
-              <a:pPr indent="0" lvl="0" marL="0" rtl="0" algn="l">
+              <a:pPr marL="0" lvl="0" indent="0" algn="l" rtl="0">
                 <a:spcBef>
                   <a:spcPts val="0"/>
                 </a:spcBef>
@@ -6370,9 +6360,6 @@
                 </a:spcAft>
                 <a:buNone/>
               </a:pPr>
-              <a:r>
-                <a:t/>
-              </a:r>
               <a:endParaRPr/>
             </a:p>
           </p:txBody>
@@ -6390,7 +6377,7 @@
             </a:xfrm>
             <a:prstGeom prst="parallelogram">
               <a:avLst>
-                <a:gd fmla="val 158024" name="adj"/>
+                <a:gd name="adj" fmla="val 158024"/>
               </a:avLst>
             </a:prstGeom>
             <a:solidFill>
@@ -6401,12 +6388,12 @@
             </a:ln>
           </p:spPr>
           <p:txBody>
-            <a:bodyPr anchorCtr="0" anchor="ctr" bIns="91425" lIns="91425" spcFirstLastPara="1" rIns="91425" wrap="square" tIns="91425">
+            <a:bodyPr spcFirstLastPara="1" wrap="square" lIns="91425" tIns="91425" rIns="91425" bIns="91425" anchor="ctr" anchorCtr="0">
               <a:noAutofit/>
             </a:bodyPr>
             <a:lstStyle/>
             <a:p>
-              <a:pPr indent="0" lvl="0" marL="0" rtl="0" algn="l">
+              <a:pPr marL="0" lvl="0" indent="0" algn="l" rtl="0">
                 <a:spcBef>
                   <a:spcPts val="0"/>
                 </a:spcBef>
@@ -6415,9 +6402,6 @@
                 </a:spcAft>
                 <a:buNone/>
               </a:pPr>
-              <a:r>
-                <a:t/>
-              </a:r>
               <a:endParaRPr/>
             </a:p>
           </p:txBody>
@@ -6450,7 +6434,7 @@
             </a:xfrm>
             <a:prstGeom prst="parallelogram">
               <a:avLst>
-                <a:gd fmla="val 158024" name="adj"/>
+                <a:gd name="adj" fmla="val 158024"/>
               </a:avLst>
             </a:prstGeom>
             <a:solidFill>
@@ -6461,12 +6445,12 @@
             </a:ln>
           </p:spPr>
           <p:txBody>
-            <a:bodyPr anchorCtr="0" anchor="ctr" bIns="91425" lIns="91425" spcFirstLastPara="1" rIns="91425" wrap="square" tIns="91425">
+            <a:bodyPr spcFirstLastPara="1" wrap="square" lIns="91425" tIns="91425" rIns="91425" bIns="91425" anchor="ctr" anchorCtr="0">
               <a:noAutofit/>
             </a:bodyPr>
             <a:lstStyle/>
             <a:p>
-              <a:pPr indent="0" lvl="0" marL="0" rtl="0" algn="l">
+              <a:pPr marL="0" lvl="0" indent="0" algn="l" rtl="0">
                 <a:spcBef>
                   <a:spcPts val="0"/>
                 </a:spcBef>
@@ -6475,9 +6459,6 @@
                 </a:spcAft>
                 <a:buNone/>
               </a:pPr>
-              <a:r>
-                <a:t/>
-              </a:r>
               <a:endParaRPr/>
             </a:p>
           </p:txBody>
@@ -6495,7 +6476,7 @@
             </a:xfrm>
             <a:prstGeom prst="parallelogram">
               <a:avLst>
-                <a:gd fmla="val 158024" name="adj"/>
+                <a:gd name="adj" fmla="val 158024"/>
               </a:avLst>
             </a:prstGeom>
             <a:solidFill>
@@ -6506,12 +6487,12 @@
             </a:ln>
           </p:spPr>
           <p:txBody>
-            <a:bodyPr anchorCtr="0" anchor="ctr" bIns="91425" lIns="91425" spcFirstLastPara="1" rIns="91425" wrap="square" tIns="91425">
+            <a:bodyPr spcFirstLastPara="1" wrap="square" lIns="91425" tIns="91425" rIns="91425" bIns="91425" anchor="ctr" anchorCtr="0">
               <a:noAutofit/>
             </a:bodyPr>
             <a:lstStyle/>
             <a:p>
-              <a:pPr indent="0" lvl="0" marL="0" rtl="0" algn="l">
+              <a:pPr marL="0" lvl="0" indent="0" algn="l" rtl="0">
                 <a:spcBef>
                   <a:spcPts val="0"/>
                 </a:spcBef>
@@ -6520,9 +6501,6 @@
                 </a:spcAft>
                 <a:buNone/>
               </a:pPr>
-              <a:r>
-                <a:t/>
-              </a:r>
               <a:endParaRPr/>
             </a:p>
           </p:txBody>
@@ -6540,7 +6518,7 @@
             </a:xfrm>
             <a:prstGeom prst="parallelogram">
               <a:avLst>
-                <a:gd fmla="val 158024" name="adj"/>
+                <a:gd name="adj" fmla="val 158024"/>
               </a:avLst>
             </a:prstGeom>
             <a:solidFill>
@@ -6551,12 +6529,12 @@
             </a:ln>
           </p:spPr>
           <p:txBody>
-            <a:bodyPr anchorCtr="0" anchor="ctr" bIns="91425" lIns="91425" spcFirstLastPara="1" rIns="91425" wrap="square" tIns="91425">
+            <a:bodyPr spcFirstLastPara="1" wrap="square" lIns="91425" tIns="91425" rIns="91425" bIns="91425" anchor="ctr" anchorCtr="0">
               <a:noAutofit/>
             </a:bodyPr>
             <a:lstStyle/>
             <a:p>
-              <a:pPr indent="0" lvl="0" marL="0" rtl="0" algn="l">
+              <a:pPr marL="0" lvl="0" indent="0" algn="l" rtl="0">
                 <a:spcBef>
                   <a:spcPts val="0"/>
                 </a:spcBef>
@@ -6565,9 +6543,6 @@
                 </a:spcAft>
                 <a:buNone/>
               </a:pPr>
-              <a:r>
-                <a:t/>
-              </a:r>
               <a:endParaRPr/>
             </a:p>
           </p:txBody>
@@ -6576,7 +6551,9 @@
       <p:sp>
         <p:nvSpPr>
           <p:cNvPr id="93" name="Google Shape;93;p8"/>
-          <p:cNvSpPr txBox="1"/>
+          <p:cNvSpPr txBox="1">
+            <a:spLocks noGrp="1"/>
+          </p:cNvSpPr>
           <p:nvPr>
             <p:ph type="title"/>
           </p:nvPr>
@@ -6591,7 +6568,7 @@
           </a:prstGeom>
         </p:spPr>
         <p:txBody>
-          <a:bodyPr anchorCtr="0" anchor="ctr" bIns="91425" lIns="91425" spcFirstLastPara="1" rIns="91425" wrap="square" tIns="91425">
+          <a:bodyPr spcFirstLastPara="1" wrap="square" lIns="91425" tIns="91425" rIns="91425" bIns="91425" anchor="ctr" anchorCtr="0">
             <a:noAutofit/>
           </a:bodyPr>
           <a:lstStyle>
@@ -6695,15 +6672,19 @@
               <a:defRPr sz="3200"/>
             </a:lvl9pPr>
           </a:lstStyle>
-          <a:p/>
+          <a:p>
+            <a:endParaRPr/>
+          </a:p>
         </p:txBody>
       </p:sp>
       <p:sp>
         <p:nvSpPr>
           <p:cNvPr id="94" name="Google Shape;94;p8"/>
-          <p:cNvSpPr txBox="1"/>
+          <p:cNvSpPr txBox="1">
+            <a:spLocks noGrp="1"/>
+          </p:cNvSpPr>
           <p:nvPr>
-            <p:ph idx="12" type="sldNum"/>
+            <p:ph type="sldNum" idx="12"/>
           </p:nvPr>
         </p:nvSpPr>
         <p:spPr>
@@ -6716,7 +6697,7 @@
           </a:prstGeom>
         </p:spPr>
         <p:txBody>
-          <a:bodyPr anchorCtr="0" anchor="ctr" bIns="91425" lIns="91425" spcFirstLastPara="1" rIns="91425" wrap="square" tIns="91425">
+          <a:bodyPr spcFirstLastPara="1" wrap="square" lIns="91425" tIns="91425" rIns="91425" bIns="91425" anchor="ctr" anchorCtr="0">
             <a:noAutofit/>
           </a:bodyPr>
           <a:lstStyle>
@@ -6758,7 +6739,7 @@
             </a:lvl9pPr>
           </a:lstStyle>
           <a:p>
-            <a:pPr indent="0" lvl="0" marL="0" rtl="0" algn="r">
+            <a:pPr marL="0" lvl="0" indent="0" algn="r" rtl="0">
               <a:spcBef>
                 <a:spcPts val="0"/>
               </a:spcBef>
@@ -6784,18 +6765,19 @@
 </file>
 
 <file path=ppt/slideLayouts/slideLayout8.xml><?xml version="1.0" encoding="utf-8"?>
-<p:sldLayout xmlns:a="http://schemas.openxmlformats.org/drawingml/2006/main" xmlns:r="http://schemas.openxmlformats.org/officeDocument/2006/relationships" xmlns:mc="http://schemas.openxmlformats.org/markup-compatibility/2006" xmlns:mv="urn:schemas-microsoft-com:mac:vml" xmlns:p="http://schemas.openxmlformats.org/presentationml/2006/main" xmlns:c="http://schemas.openxmlformats.org/drawingml/2006/chart" xmlns:dgm="http://schemas.openxmlformats.org/drawingml/2006/diagram" xmlns:o="urn:schemas-microsoft-com:office:office" xmlns:v="urn:schemas-microsoft-com:vml" xmlns:pvml="urn:schemas-microsoft-com:office:powerpoint" xmlns:com="http://schemas.openxmlformats.org/drawingml/2006/compatibility" xmlns:p14="http://schemas.microsoft.com/office/powerpoint/2010/main" xmlns:p15="http://schemas.microsoft.com/office/powerpoint/2012/main" matchingName="Section title and description">
+<p:sldLayout xmlns:a="http://schemas.openxmlformats.org/drawingml/2006/main" xmlns:r="http://schemas.openxmlformats.org/officeDocument/2006/relationships" xmlns:p="http://schemas.openxmlformats.org/presentationml/2006/main" matchingName="Section title and description">
   <p:cSld name="SECTION_TITLE_AND_DESCRIPTION">
     <p:bg>
       <p:bgPr>
         <a:solidFill>
           <a:schemeClr val="dk2"/>
         </a:solidFill>
+        <a:effectLst/>
       </p:bgPr>
     </p:bg>
     <p:spTree>
       <p:nvGrpSpPr>
-        <p:cNvPr id="95" name="Shape 95"/>
+        <p:cNvPr id="1" name="Shape 95"/>
         <p:cNvGrpSpPr/>
         <p:nvPr/>
       </p:nvGrpSpPr>
@@ -6829,23 +6811,20 @@
           </a:ln>
         </p:spPr>
         <p:txBody>
-          <a:bodyPr anchorCtr="0" anchor="ctr" bIns="91425" lIns="91425" spcFirstLastPara="1" rIns="91425" wrap="square" tIns="91425">
+          <a:bodyPr spcFirstLastPara="1" wrap="square" lIns="91425" tIns="91425" rIns="91425" bIns="91425" anchor="ctr" anchorCtr="0">
             <a:noAutofit/>
           </a:bodyPr>
           <a:lstStyle/>
           <a:p>
-            <a:pPr indent="0" lvl="0" marL="0" rtl="0" algn="l">
-              <a:spcBef>
-                <a:spcPts val="0"/>
-              </a:spcBef>
-              <a:spcAft>
-                <a:spcPts val="0"/>
-              </a:spcAft>
-              <a:buNone/>
-            </a:pPr>
-            <a:r>
-              <a:t/>
-            </a:r>
+            <a:pPr marL="0" lvl="0" indent="0" algn="l" rtl="0">
+              <a:spcBef>
+                <a:spcPts val="0"/>
+              </a:spcBef>
+              <a:spcAft>
+                <a:spcPts val="0"/>
+              </a:spcAft>
+              <a:buNone/>
+            </a:pPr>
             <a:endParaRPr/>
           </a:p>
         </p:txBody>
@@ -6872,23 +6851,20 @@
           </a:ln>
         </p:spPr>
         <p:txBody>
-          <a:bodyPr anchorCtr="0" anchor="ctr" bIns="91425" lIns="91425" spcFirstLastPara="1" rIns="91425" wrap="square" tIns="91425">
+          <a:bodyPr spcFirstLastPara="1" wrap="square" lIns="91425" tIns="91425" rIns="91425" bIns="91425" anchor="ctr" anchorCtr="0">
             <a:noAutofit/>
           </a:bodyPr>
           <a:lstStyle/>
           <a:p>
-            <a:pPr indent="0" lvl="0" marL="0" rtl="0" algn="l">
-              <a:spcBef>
-                <a:spcPts val="0"/>
-              </a:spcBef>
-              <a:spcAft>
-                <a:spcPts val="0"/>
-              </a:spcAft>
-              <a:buNone/>
-            </a:pPr>
-            <a:r>
-              <a:t/>
-            </a:r>
+            <a:pPr marL="0" lvl="0" indent="0" algn="l" rtl="0">
+              <a:spcBef>
+                <a:spcPts val="0"/>
+              </a:spcBef>
+              <a:spcAft>
+                <a:spcPts val="0"/>
+              </a:spcAft>
+              <a:buNone/>
+            </a:pPr>
             <a:endParaRPr/>
           </a:p>
         </p:txBody>
@@ -6914,7 +6890,7 @@
             <a:noFill/>
           </a:ln>
           <a:effectLst>
-            <a:outerShdw blurRad="228600" sx="101000" rotWithShape="0" algn="ctr" sy="101000">
+            <a:outerShdw blurRad="228600" sx="101000" sy="101000" algn="ctr" rotWithShape="0">
               <a:srgbClr val="000000">
                 <a:alpha val="40000"/>
               </a:srgbClr>
@@ -6922,23 +6898,20 @@
           </a:effectLst>
         </p:spPr>
         <p:txBody>
-          <a:bodyPr anchorCtr="0" anchor="ctr" bIns="91425" lIns="91425" spcFirstLastPara="1" rIns="91425" wrap="square" tIns="91425">
+          <a:bodyPr spcFirstLastPara="1" wrap="square" lIns="91425" tIns="91425" rIns="91425" bIns="91425" anchor="ctr" anchorCtr="0">
             <a:noAutofit/>
           </a:bodyPr>
           <a:lstStyle/>
           <a:p>
-            <a:pPr indent="0" lvl="0" marL="0" rtl="0" algn="l">
-              <a:spcBef>
-                <a:spcPts val="0"/>
-              </a:spcBef>
-              <a:spcAft>
-                <a:spcPts val="0"/>
-              </a:spcAft>
-              <a:buNone/>
-            </a:pPr>
-            <a:r>
-              <a:t/>
-            </a:r>
+            <a:pPr marL="0" lvl="0" indent="0" algn="l" rtl="0">
+              <a:spcBef>
+                <a:spcPts val="0"/>
+              </a:spcBef>
+              <a:spcAft>
+                <a:spcPts val="0"/>
+              </a:spcAft>
+              <a:buNone/>
+            </a:pPr>
             <a:endParaRPr/>
           </a:p>
         </p:txBody>
@@ -6946,7 +6919,9 @@
       <p:sp>
         <p:nvSpPr>
           <p:cNvPr id="99" name="Google Shape;99;p9"/>
-          <p:cNvSpPr txBox="1"/>
+          <p:cNvSpPr txBox="1">
+            <a:spLocks noGrp="1"/>
+          </p:cNvSpPr>
           <p:nvPr>
             <p:ph type="title"/>
           </p:nvPr>
@@ -6961,7 +6936,7 @@
           </a:prstGeom>
         </p:spPr>
         <p:txBody>
-          <a:bodyPr anchorCtr="0" anchor="t" bIns="91425" lIns="91425" spcFirstLastPara="1" rIns="91425" wrap="square" tIns="91425">
+          <a:bodyPr spcFirstLastPara="1" wrap="square" lIns="91425" tIns="91425" rIns="91425" bIns="91425" anchor="t" anchorCtr="0">
             <a:noAutofit/>
           </a:bodyPr>
           <a:lstStyle>
@@ -7065,15 +7040,19 @@
               <a:defRPr sz="3000"/>
             </a:lvl9pPr>
           </a:lstStyle>
-          <a:p/>
+          <a:p>
+            <a:endParaRPr/>
+          </a:p>
         </p:txBody>
       </p:sp>
       <p:sp>
         <p:nvSpPr>
           <p:cNvPr id="100" name="Google Shape;100;p9"/>
-          <p:cNvSpPr txBox="1"/>
+          <p:cNvSpPr txBox="1">
+            <a:spLocks noGrp="1"/>
+          </p:cNvSpPr>
           <p:nvPr>
-            <p:ph idx="1" type="subTitle"/>
+            <p:ph type="subTitle" idx="1"/>
           </p:nvPr>
         </p:nvSpPr>
         <p:spPr>
@@ -7086,7 +7065,7 @@
           </a:prstGeom>
         </p:spPr>
         <p:txBody>
-          <a:bodyPr anchorCtr="0" anchor="t" bIns="91425" lIns="91425" spcFirstLastPara="1" rIns="91425" wrap="square" tIns="91425">
+          <a:bodyPr spcFirstLastPara="1" wrap="square" lIns="91425" tIns="91425" rIns="91425" bIns="91425" anchor="t" anchorCtr="0">
             <a:noAutofit/>
           </a:bodyPr>
           <a:lstStyle>
@@ -7280,15 +7259,19 @@
               </a:defRPr>
             </a:lvl9pPr>
           </a:lstStyle>
-          <a:p/>
+          <a:p>
+            <a:endParaRPr/>
+          </a:p>
         </p:txBody>
       </p:sp>
       <p:sp>
         <p:nvSpPr>
           <p:cNvPr id="101" name="Google Shape;101;p9"/>
-          <p:cNvSpPr txBox="1"/>
+          <p:cNvSpPr txBox="1">
+            <a:spLocks noGrp="1"/>
+          </p:cNvSpPr>
           <p:nvPr>
-            <p:ph idx="2" type="body"/>
+            <p:ph type="body" idx="2"/>
           </p:nvPr>
         </p:nvSpPr>
         <p:spPr>
@@ -7301,11 +7284,11 @@
           </a:prstGeom>
         </p:spPr>
         <p:txBody>
-          <a:bodyPr anchorCtr="0" anchor="t" bIns="91425" lIns="91425" spcFirstLastPara="1" rIns="91425" wrap="square" tIns="91425">
+          <a:bodyPr spcFirstLastPara="1" wrap="square" lIns="91425" tIns="91425" rIns="91425" bIns="91425" anchor="t" anchorCtr="0">
             <a:noAutofit/>
           </a:bodyPr>
           <a:lstStyle>
-            <a:lvl1pPr indent="-311150" lvl="0" marL="457200">
+            <a:lvl1pPr marL="457200" lvl="0" indent="-311150">
               <a:spcBef>
                 <a:spcPts val="0"/>
               </a:spcBef>
@@ -7316,7 +7299,7 @@
               <a:buChar char="●"/>
               <a:defRPr/>
             </a:lvl1pPr>
-            <a:lvl2pPr indent="-298450" lvl="1" marL="914400">
+            <a:lvl2pPr marL="914400" lvl="1" indent="-298450">
               <a:spcBef>
                 <a:spcPts val="1600"/>
               </a:spcBef>
@@ -7327,7 +7310,7 @@
               <a:buChar char="○"/>
               <a:defRPr/>
             </a:lvl2pPr>
-            <a:lvl3pPr indent="-298450" lvl="2" marL="1371600">
+            <a:lvl3pPr marL="1371600" lvl="2" indent="-298450">
               <a:spcBef>
                 <a:spcPts val="1600"/>
               </a:spcBef>
@@ -7338,7 +7321,7 @@
               <a:buChar char="■"/>
               <a:defRPr/>
             </a:lvl3pPr>
-            <a:lvl4pPr indent="-298450" lvl="3" marL="1828800">
+            <a:lvl4pPr marL="1828800" lvl="3" indent="-298450">
               <a:spcBef>
                 <a:spcPts val="1600"/>
               </a:spcBef>
@@ -7349,7 +7332,7 @@
               <a:buChar char="●"/>
               <a:defRPr/>
             </a:lvl4pPr>
-            <a:lvl5pPr indent="-298450" lvl="4" marL="2286000">
+            <a:lvl5pPr marL="2286000" lvl="4" indent="-298450">
               <a:spcBef>
                 <a:spcPts val="1600"/>
               </a:spcBef>
@@ -7360,7 +7343,7 @@
               <a:buChar char="○"/>
               <a:defRPr/>
             </a:lvl5pPr>
-            <a:lvl6pPr indent="-298450" lvl="5" marL="2743200">
+            <a:lvl6pPr marL="2743200" lvl="5" indent="-298450">
               <a:spcBef>
                 <a:spcPts val="1600"/>
               </a:spcBef>
@@ -7371,7 +7354,7 @@
               <a:buChar char="■"/>
               <a:defRPr/>
             </a:lvl6pPr>
-            <a:lvl7pPr indent="-298450" lvl="6" marL="3200400">
+            <a:lvl7pPr marL="3200400" lvl="6" indent="-298450">
               <a:spcBef>
                 <a:spcPts val="1600"/>
               </a:spcBef>
@@ -7382,7 +7365,7 @@
               <a:buChar char="●"/>
               <a:defRPr/>
             </a:lvl7pPr>
-            <a:lvl8pPr indent="-298450" lvl="7" marL="3657600">
+            <a:lvl8pPr marL="3657600" lvl="7" indent="-298450">
               <a:spcBef>
                 <a:spcPts val="1600"/>
               </a:spcBef>
@@ -7393,7 +7376,7 @@
               <a:buChar char="○"/>
               <a:defRPr/>
             </a:lvl8pPr>
-            <a:lvl9pPr indent="-298450" lvl="8" marL="4114800">
+            <a:lvl9pPr marL="4114800" lvl="8" indent="-298450">
               <a:spcBef>
                 <a:spcPts val="1600"/>
               </a:spcBef>
@@ -7405,15 +7388,19 @@
               <a:defRPr/>
             </a:lvl9pPr>
           </a:lstStyle>
-          <a:p/>
+          <a:p>
+            <a:endParaRPr/>
+          </a:p>
         </p:txBody>
       </p:sp>
       <p:sp>
         <p:nvSpPr>
           <p:cNvPr id="102" name="Google Shape;102;p9"/>
-          <p:cNvSpPr txBox="1"/>
+          <p:cNvSpPr txBox="1">
+            <a:spLocks noGrp="1"/>
+          </p:cNvSpPr>
           <p:nvPr>
-            <p:ph idx="12" type="sldNum"/>
+            <p:ph type="sldNum" idx="12"/>
           </p:nvPr>
         </p:nvSpPr>
         <p:spPr>
@@ -7426,7 +7413,7 @@
           </a:prstGeom>
         </p:spPr>
         <p:txBody>
-          <a:bodyPr anchorCtr="0" anchor="ctr" bIns="91425" lIns="91425" spcFirstLastPara="1" rIns="91425" wrap="square" tIns="91425">
+          <a:bodyPr spcFirstLastPara="1" wrap="square" lIns="91425" tIns="91425" rIns="91425" bIns="91425" anchor="ctr" anchorCtr="0">
             <a:noAutofit/>
           </a:bodyPr>
           <a:lstStyle>
@@ -7468,7 +7455,7 @@
             </a:lvl9pPr>
           </a:lstStyle>
           <a:p>
-            <a:pPr indent="0" lvl="0" marL="0" rtl="0" algn="r">
+            <a:pPr marL="0" lvl="0" indent="0" algn="r" rtl="0">
               <a:spcBef>
                 <a:spcPts val="0"/>
               </a:spcBef>
@@ -7494,18 +7481,19 @@
 </file>
 
 <file path=ppt/slideLayouts/slideLayout9.xml><?xml version="1.0" encoding="utf-8"?>
-<p:sldLayout xmlns:a="http://schemas.openxmlformats.org/drawingml/2006/main" xmlns:r="http://schemas.openxmlformats.org/officeDocument/2006/relationships" xmlns:mc="http://schemas.openxmlformats.org/markup-compatibility/2006" xmlns:mv="urn:schemas-microsoft-com:mac:vml" xmlns:p="http://schemas.openxmlformats.org/presentationml/2006/main" xmlns:c="http://schemas.openxmlformats.org/drawingml/2006/chart" xmlns:dgm="http://schemas.openxmlformats.org/drawingml/2006/diagram" xmlns:o="urn:schemas-microsoft-com:office:office" xmlns:v="urn:schemas-microsoft-com:vml" xmlns:pvml="urn:schemas-microsoft-com:office:powerpoint" xmlns:com="http://schemas.openxmlformats.org/drawingml/2006/compatibility" xmlns:p14="http://schemas.microsoft.com/office/powerpoint/2010/main" xmlns:p15="http://schemas.microsoft.com/office/powerpoint/2012/main" matchingName="Caption">
+<p:sldLayout xmlns:a="http://schemas.openxmlformats.org/drawingml/2006/main" xmlns:r="http://schemas.openxmlformats.org/officeDocument/2006/relationships" xmlns:p="http://schemas.openxmlformats.org/presentationml/2006/main" matchingName="Caption">
   <p:cSld name="CAPTION_ONLY">
     <p:bg>
       <p:bgPr>
         <a:solidFill>
           <a:schemeClr val="accent1"/>
         </a:solidFill>
+        <a:effectLst/>
       </p:bgPr>
     </p:bg>
     <p:spTree>
       <p:nvGrpSpPr>
-        <p:cNvPr id="103" name="Shape 103"/>
+        <p:cNvPr id="1" name="Shape 103"/>
         <p:cNvGrpSpPr/>
         <p:nvPr/>
       </p:nvGrpSpPr>
@@ -7539,23 +7527,20 @@
           </a:ln>
         </p:spPr>
         <p:txBody>
-          <a:bodyPr anchorCtr="0" anchor="ctr" bIns="91425" lIns="91425" spcFirstLastPara="1" rIns="91425" wrap="square" tIns="91425">
+          <a:bodyPr spcFirstLastPara="1" wrap="square" lIns="91425" tIns="91425" rIns="91425" bIns="91425" anchor="ctr" anchorCtr="0">
             <a:noAutofit/>
           </a:bodyPr>
           <a:lstStyle/>
           <a:p>
-            <a:pPr indent="0" lvl="0" marL="0" rtl="0" algn="l">
-              <a:spcBef>
-                <a:spcPts val="0"/>
-              </a:spcBef>
-              <a:spcAft>
-                <a:spcPts val="0"/>
-              </a:spcAft>
-              <a:buNone/>
-            </a:pPr>
-            <a:r>
-              <a:t/>
-            </a:r>
+            <a:pPr marL="0" lvl="0" indent="0" algn="l" rtl="0">
+              <a:spcBef>
+                <a:spcPts val="0"/>
+              </a:spcBef>
+              <a:spcAft>
+                <a:spcPts val="0"/>
+              </a:spcAft>
+              <a:buNone/>
+            </a:pPr>
             <a:endParaRPr/>
           </a:p>
         </p:txBody>
@@ -7582,23 +7567,20 @@
           </a:ln>
         </p:spPr>
         <p:txBody>
-          <a:bodyPr anchorCtr="0" anchor="ctr" bIns="91425" lIns="91425" spcFirstLastPara="1" rIns="91425" wrap="square" tIns="91425">
+          <a:bodyPr spcFirstLastPara="1" wrap="square" lIns="91425" tIns="91425" rIns="91425" bIns="91425" anchor="ctr" anchorCtr="0">
             <a:noAutofit/>
           </a:bodyPr>
           <a:lstStyle/>
           <a:p>
-            <a:pPr indent="0" lvl="0" marL="0" rtl="0" algn="l">
-              <a:spcBef>
-                <a:spcPts val="0"/>
-              </a:spcBef>
-              <a:spcAft>
-                <a:spcPts val="0"/>
-              </a:spcAft>
-              <a:buNone/>
-            </a:pPr>
-            <a:r>
-              <a:t/>
-            </a:r>
+            <a:pPr marL="0" lvl="0" indent="0" algn="l" rtl="0">
+              <a:spcBef>
+                <a:spcPts val="0"/>
+              </a:spcBef>
+              <a:spcAft>
+                <a:spcPts val="0"/>
+              </a:spcAft>
+              <a:buNone/>
+            </a:pPr>
             <a:endParaRPr/>
           </a:p>
         </p:txBody>
@@ -7624,7 +7606,7 @@
             <a:noFill/>
           </a:ln>
           <a:effectLst>
-            <a:outerShdw blurRad="228600" sx="101000" rotWithShape="0" algn="ctr" sy="101000">
+            <a:outerShdw blurRad="228600" sx="101000" sy="101000" algn="ctr" rotWithShape="0">
               <a:srgbClr val="000000">
                 <a:alpha val="40000"/>
               </a:srgbClr>
@@ -7632,23 +7614,20 @@
           </a:effectLst>
         </p:spPr>
         <p:txBody>
-          <a:bodyPr anchorCtr="0" anchor="ctr" bIns="91425" lIns="91425" spcFirstLastPara="1" rIns="91425" wrap="square" tIns="91425">
+          <a:bodyPr spcFirstLastPara="1" wrap="square" lIns="91425" tIns="91425" rIns="91425" bIns="91425" anchor="ctr" anchorCtr="0">
             <a:noAutofit/>
           </a:bodyPr>
           <a:lstStyle/>
           <a:p>
-            <a:pPr indent="0" lvl="0" marL="0" rtl="0" algn="l">
-              <a:spcBef>
-                <a:spcPts val="0"/>
-              </a:spcBef>
-              <a:spcAft>
-                <a:spcPts val="0"/>
-              </a:spcAft>
-              <a:buNone/>
-            </a:pPr>
-            <a:r>
-              <a:t/>
-            </a:r>
+            <a:pPr marL="0" lvl="0" indent="0" algn="l" rtl="0">
+              <a:spcBef>
+                <a:spcPts val="0"/>
+              </a:spcBef>
+              <a:spcAft>
+                <a:spcPts val="0"/>
+              </a:spcAft>
+              <a:buNone/>
+            </a:pPr>
             <a:endParaRPr/>
           </a:p>
         </p:txBody>
@@ -7656,9 +7635,11 @@
       <p:sp>
         <p:nvSpPr>
           <p:cNvPr id="107" name="Google Shape;107;p10"/>
-          <p:cNvSpPr txBox="1"/>
+          <p:cNvSpPr txBox="1">
+            <a:spLocks noGrp="1"/>
+          </p:cNvSpPr>
           <p:nvPr>
-            <p:ph idx="1" type="body"/>
+            <p:ph type="body" idx="1"/>
           </p:nvPr>
         </p:nvSpPr>
         <p:spPr>
@@ -7671,11 +7652,11 @@
           </a:prstGeom>
         </p:spPr>
         <p:txBody>
-          <a:bodyPr anchorCtr="0" anchor="b" bIns="91425" lIns="91425" spcFirstLastPara="1" rIns="91425" wrap="square" tIns="91425">
+          <a:bodyPr spcFirstLastPara="1" wrap="square" lIns="91425" tIns="91425" rIns="91425" bIns="91425" anchor="b" anchorCtr="0">
             <a:noAutofit/>
           </a:bodyPr>
           <a:lstStyle>
-            <a:lvl1pPr indent="-228600" lvl="0" marL="457200">
+            <a:lvl1pPr marL="457200" lvl="0" indent="-228600">
               <a:lnSpc>
                 <a:spcPct val="100000"/>
               </a:lnSpc>
@@ -7690,15 +7671,19 @@
               <a:defRPr/>
             </a:lvl1pPr>
           </a:lstStyle>
-          <a:p/>
+          <a:p>
+            <a:endParaRPr/>
+          </a:p>
         </p:txBody>
       </p:sp>
       <p:sp>
         <p:nvSpPr>
           <p:cNvPr id="108" name="Google Shape;108;p10"/>
-          <p:cNvSpPr txBox="1"/>
+          <p:cNvSpPr txBox="1">
+            <a:spLocks noGrp="1"/>
+          </p:cNvSpPr>
           <p:nvPr>
-            <p:ph idx="12" type="sldNum"/>
+            <p:ph type="sldNum" idx="12"/>
           </p:nvPr>
         </p:nvSpPr>
         <p:spPr>
@@ -7711,7 +7696,7 @@
           </a:prstGeom>
         </p:spPr>
         <p:txBody>
-          <a:bodyPr anchorCtr="0" anchor="ctr" bIns="91425" lIns="91425" spcFirstLastPara="1" rIns="91425" wrap="square" tIns="91425">
+          <a:bodyPr spcFirstLastPara="1" wrap="square" lIns="91425" tIns="91425" rIns="91425" bIns="91425" anchor="ctr" anchorCtr="0">
             <a:noAutofit/>
           </a:bodyPr>
           <a:lstStyle>
@@ -7753,7 +7738,7 @@
             </a:lvl9pPr>
           </a:lstStyle>
           <a:p>
-            <a:pPr indent="0" lvl="0" marL="0" rtl="0" algn="r">
+            <a:pPr marL="0" lvl="0" indent="0" algn="r" rtl="0">
               <a:spcBef>
                 <a:spcPts val="0"/>
               </a:spcBef>
@@ -7779,18 +7764,19 @@
 </file>
 
 <file path=ppt/slideMasters/slideMaster1.xml><?xml version="1.0" encoding="utf-8"?>
-<p:sldMaster xmlns:a="http://schemas.openxmlformats.org/drawingml/2006/main" xmlns:r="http://schemas.openxmlformats.org/officeDocument/2006/relationships" xmlns:mc="http://schemas.openxmlformats.org/markup-compatibility/2006" xmlns:mv="urn:schemas-microsoft-com:mac:vml" xmlns:p="http://schemas.openxmlformats.org/presentationml/2006/main" xmlns:c="http://schemas.openxmlformats.org/drawingml/2006/chart" xmlns:dgm="http://schemas.openxmlformats.org/drawingml/2006/diagram" xmlns:o="urn:schemas-microsoft-com:office:office" xmlns:v="urn:schemas-microsoft-com:vml" xmlns:pvml="urn:schemas-microsoft-com:office:powerpoint" xmlns:com="http://schemas.openxmlformats.org/drawingml/2006/compatibility" xmlns:p14="http://schemas.microsoft.com/office/powerpoint/2010/main" xmlns:p15="http://schemas.microsoft.com/office/powerpoint/2012/main">
+<p:sldMaster xmlns:a="http://schemas.openxmlformats.org/drawingml/2006/main" xmlns:r="http://schemas.openxmlformats.org/officeDocument/2006/relationships" xmlns:p="http://schemas.openxmlformats.org/presentationml/2006/main">
   <p:cSld name="shift">
     <p:bg>
       <p:bgPr>
         <a:solidFill>
           <a:schemeClr val="dk1"/>
         </a:solidFill>
+        <a:effectLst/>
       </p:bgPr>
     </p:bg>
     <p:spTree>
       <p:nvGrpSpPr>
-        <p:cNvPr id="5" name="Shape 5"/>
+        <p:cNvPr id="1" name="Shape 5"/>
         <p:cNvGrpSpPr/>
         <p:nvPr/>
       </p:nvGrpSpPr>
@@ -7805,7 +7791,9 @@
       <p:sp>
         <p:nvSpPr>
           <p:cNvPr id="6" name="Google Shape;6;p1"/>
-          <p:cNvSpPr txBox="1"/>
+          <p:cNvSpPr txBox="1">
+            <a:spLocks noGrp="1"/>
+          </p:cNvSpPr>
           <p:nvPr>
             <p:ph type="title"/>
           </p:nvPr>
@@ -7824,7 +7812,7 @@
           </a:ln>
         </p:spPr>
         <p:txBody>
-          <a:bodyPr anchorCtr="0" anchor="t" bIns="91425" lIns="91425" spcFirstLastPara="1" rIns="91425" wrap="square" tIns="91425">
+          <a:bodyPr spcFirstLastPara="1" wrap="square" lIns="91425" tIns="91425" rIns="91425" bIns="91425" anchor="t" anchorCtr="0">
             <a:noAutofit/>
           </a:bodyPr>
           <a:lstStyle>
@@ -8036,15 +8024,19 @@
               </a:defRPr>
             </a:lvl9pPr>
           </a:lstStyle>
-          <a:p/>
+          <a:p>
+            <a:endParaRPr/>
+          </a:p>
         </p:txBody>
       </p:sp>
       <p:sp>
         <p:nvSpPr>
           <p:cNvPr id="7" name="Google Shape;7;p1"/>
-          <p:cNvSpPr txBox="1"/>
+          <p:cNvSpPr txBox="1">
+            <a:spLocks noGrp="1"/>
+          </p:cNvSpPr>
           <p:nvPr>
-            <p:ph idx="1" type="body"/>
+            <p:ph type="body" idx="1"/>
           </p:nvPr>
         </p:nvSpPr>
         <p:spPr>
@@ -8061,11 +8053,11 @@
           </a:ln>
         </p:spPr>
         <p:txBody>
-          <a:bodyPr anchorCtr="0" anchor="t" bIns="91425" lIns="91425" spcFirstLastPara="1" rIns="91425" wrap="square" tIns="91425">
+          <a:bodyPr spcFirstLastPara="1" wrap="square" lIns="91425" tIns="91425" rIns="91425" bIns="91425" anchor="t" anchorCtr="0">
             <a:noAutofit/>
           </a:bodyPr>
           <a:lstStyle>
-            <a:lvl1pPr indent="-311150" lvl="0" marL="457200">
+            <a:lvl1pPr marL="457200" lvl="0" indent="-311150">
               <a:lnSpc>
                 <a:spcPct val="115000"/>
               </a:lnSpc>
@@ -8091,7 +8083,7 @@
                 <a:sym typeface="Calibri"/>
               </a:defRPr>
             </a:lvl1pPr>
-            <a:lvl2pPr indent="-298450" lvl="1" marL="914400">
+            <a:lvl2pPr marL="914400" lvl="1" indent="-298450">
               <a:lnSpc>
                 <a:spcPct val="115000"/>
               </a:lnSpc>
@@ -8117,7 +8109,7 @@
                 <a:sym typeface="Calibri"/>
               </a:defRPr>
             </a:lvl2pPr>
-            <a:lvl3pPr indent="-298450" lvl="2" marL="1371600">
+            <a:lvl3pPr marL="1371600" lvl="2" indent="-298450">
               <a:lnSpc>
                 <a:spcPct val="115000"/>
               </a:lnSpc>
@@ -8143,7 +8135,7 @@
                 <a:sym typeface="Calibri"/>
               </a:defRPr>
             </a:lvl3pPr>
-            <a:lvl4pPr indent="-298450" lvl="3" marL="1828800">
+            <a:lvl4pPr marL="1828800" lvl="3" indent="-298450">
               <a:lnSpc>
                 <a:spcPct val="115000"/>
               </a:lnSpc>
@@ -8169,7 +8161,7 @@
                 <a:sym typeface="Calibri"/>
               </a:defRPr>
             </a:lvl4pPr>
-            <a:lvl5pPr indent="-298450" lvl="4" marL="2286000">
+            <a:lvl5pPr marL="2286000" lvl="4" indent="-298450">
               <a:lnSpc>
                 <a:spcPct val="115000"/>
               </a:lnSpc>
@@ -8195,7 +8187,7 @@
                 <a:sym typeface="Calibri"/>
               </a:defRPr>
             </a:lvl5pPr>
-            <a:lvl6pPr indent="-298450" lvl="5" marL="2743200">
+            <a:lvl6pPr marL="2743200" lvl="5" indent="-298450">
               <a:lnSpc>
                 <a:spcPct val="115000"/>
               </a:lnSpc>
@@ -8221,7 +8213,7 @@
                 <a:sym typeface="Calibri"/>
               </a:defRPr>
             </a:lvl6pPr>
-            <a:lvl7pPr indent="-298450" lvl="6" marL="3200400">
+            <a:lvl7pPr marL="3200400" lvl="6" indent="-298450">
               <a:lnSpc>
                 <a:spcPct val="115000"/>
               </a:lnSpc>
@@ -8247,7 +8239,7 @@
                 <a:sym typeface="Calibri"/>
               </a:defRPr>
             </a:lvl7pPr>
-            <a:lvl8pPr indent="-298450" lvl="7" marL="3657600">
+            <a:lvl8pPr marL="3657600" lvl="7" indent="-298450">
               <a:lnSpc>
                 <a:spcPct val="115000"/>
               </a:lnSpc>
@@ -8273,7 +8265,7 @@
                 <a:sym typeface="Calibri"/>
               </a:defRPr>
             </a:lvl8pPr>
-            <a:lvl9pPr indent="-298450" lvl="8" marL="4114800">
+            <a:lvl9pPr marL="4114800" lvl="8" indent="-298450">
               <a:lnSpc>
                 <a:spcPct val="115000"/>
               </a:lnSpc>
@@ -8300,15 +8292,19 @@
               </a:defRPr>
             </a:lvl9pPr>
           </a:lstStyle>
-          <a:p/>
+          <a:p>
+            <a:endParaRPr/>
+          </a:p>
         </p:txBody>
       </p:sp>
       <p:sp>
         <p:nvSpPr>
           <p:cNvPr id="8" name="Google Shape;8;p1"/>
-          <p:cNvSpPr txBox="1"/>
+          <p:cNvSpPr txBox="1">
+            <a:spLocks noGrp="1"/>
+          </p:cNvSpPr>
           <p:nvPr>
-            <p:ph idx="12" type="sldNum"/>
+            <p:ph type="sldNum" idx="12"/>
           </p:nvPr>
         </p:nvSpPr>
         <p:spPr>
@@ -8325,7 +8321,7 @@
           </a:ln>
         </p:spPr>
         <p:txBody>
-          <a:bodyPr anchorCtr="0" anchor="ctr" bIns="91425" lIns="91425" spcFirstLastPara="1" rIns="91425" wrap="square" tIns="91425">
+          <a:bodyPr spcFirstLastPara="1" wrap="square" lIns="91425" tIns="91425" rIns="91425" bIns="91425" anchor="ctr" anchorCtr="0">
             <a:noAutofit/>
           </a:bodyPr>
           <a:lstStyle>
@@ -8439,7 +8435,7 @@
             </a:lvl9pPr>
           </a:lstStyle>
           <a:p>
-            <a:pPr indent="0" lvl="0" marL="0" rtl="0" algn="r">
+            <a:pPr marL="0" lvl="0" indent="0" algn="r" rtl="0">
               <a:spcBef>
                 <a:spcPts val="0"/>
               </a:spcBef>
@@ -8458,7 +8454,7 @@
       </p:sp>
     </p:spTree>
   </p:cSld>
-  <p:clrMap accent1="accent1" accent2="accent2" accent3="accent3" accent4="accent4" accent5="accent5" accent6="accent6" bg1="lt1" bg2="dk2" tx1="dk1" tx2="lt2" folHlink="folHlink" hlink="hlink"/>
+  <p:clrMap bg1="lt1" tx1="dk1" bg2="dk2" tx2="lt2" accent1="accent1" accent2="accent2" accent3="accent3" accent4="accent4" accent5="accent5" accent6="accent6" hlink="hlink" folHlink="folHlink"/>
   <p:sldLayoutIdLst>
     <p:sldLayoutId id="2147483648" r:id="rId1"/>
     <p:sldLayoutId id="2147483649" r:id="rId2"/>
@@ -8472,10 +8468,10 @@
     <p:sldLayoutId id="2147483657" r:id="rId10"/>
     <p:sldLayoutId id="2147483658" r:id="rId11"/>
   </p:sldLayoutIdLst>
-  <p:hf dt="0" ftr="0" hdr="0" sldNum="0"/>
+  <p:hf sldNum="0" hdr="0" ftr="0" dt="0"/>
   <p:txStyles>
     <p:titleStyle>
-      <a:defPPr lvl="0" marR="0" rtl="0" algn="l">
+      <a:defPPr marR="0" lvl="0" algn="l" rtl="0">
         <a:lnSpc>
           <a:spcPct val="100000"/>
         </a:lnSpc>
@@ -8486,7 +8482,7 @@
           <a:spcPts val="0"/>
         </a:spcAft>
       </a:defPPr>
-      <a:lvl1pPr lvl="0" marR="0" rtl="0" algn="l">
+      <a:lvl1pPr marR="0" lvl="0" algn="l" rtl="0">
         <a:lnSpc>
           <a:spcPct val="100000"/>
         </a:lnSpc>
@@ -8500,7 +8496,7 @@
           <a:srgbClr val="000000"/>
         </a:buClr>
         <a:buFont typeface="Arial"/>
-        <a:defRPr b="0" i="0" sz="1400" u="none" cap="none" strike="noStrike">
+        <a:defRPr sz="1400" b="0" i="0" u="none" strike="noStrike" cap="none">
           <a:solidFill>
             <a:srgbClr val="000000"/>
           </a:solidFill>
@@ -8510,7 +8506,7 @@
           <a:sym typeface="Arial"/>
         </a:defRPr>
       </a:lvl1pPr>
-      <a:lvl2pPr lvl="1" marR="0" rtl="0" algn="l">
+      <a:lvl2pPr marR="0" lvl="1" algn="l" rtl="0">
         <a:lnSpc>
           <a:spcPct val="100000"/>
         </a:lnSpc>
@@ -8524,7 +8520,7 @@
           <a:srgbClr val="000000"/>
         </a:buClr>
         <a:buFont typeface="Arial"/>
-        <a:defRPr b="0" i="0" sz="1400" u="none" cap="none" strike="noStrike">
+        <a:defRPr sz="1400" b="0" i="0" u="none" strike="noStrike" cap="none">
           <a:solidFill>
             <a:srgbClr val="000000"/>
           </a:solidFill>
@@ -8534,7 +8530,7 @@
           <a:sym typeface="Arial"/>
         </a:defRPr>
       </a:lvl2pPr>
-      <a:lvl3pPr lvl="2" marR="0" rtl="0" algn="l">
+      <a:lvl3pPr marR="0" lvl="2" algn="l" rtl="0">
         <a:lnSpc>
           <a:spcPct val="100000"/>
         </a:lnSpc>
@@ -8548,7 +8544,7 @@
           <a:srgbClr val="000000"/>
         </a:buClr>
         <a:buFont typeface="Arial"/>
-        <a:defRPr b="0" i="0" sz="1400" u="none" cap="none" strike="noStrike">
+        <a:defRPr sz="1400" b="0" i="0" u="none" strike="noStrike" cap="none">
           <a:solidFill>
             <a:srgbClr val="000000"/>
           </a:solidFill>
@@ -8558,7 +8554,7 @@
           <a:sym typeface="Arial"/>
         </a:defRPr>
       </a:lvl3pPr>
-      <a:lvl4pPr lvl="3" marR="0" rtl="0" algn="l">
+      <a:lvl4pPr marR="0" lvl="3" algn="l" rtl="0">
         <a:lnSpc>
           <a:spcPct val="100000"/>
         </a:lnSpc>
@@ -8572,7 +8568,7 @@
           <a:srgbClr val="000000"/>
         </a:buClr>
         <a:buFont typeface="Arial"/>
-        <a:defRPr b="0" i="0" sz="1400" u="none" cap="none" strike="noStrike">
+        <a:defRPr sz="1400" b="0" i="0" u="none" strike="noStrike" cap="none">
           <a:solidFill>
             <a:srgbClr val="000000"/>
           </a:solidFill>
@@ -8582,7 +8578,7 @@
           <a:sym typeface="Arial"/>
         </a:defRPr>
       </a:lvl4pPr>
-      <a:lvl5pPr lvl="4" marR="0" rtl="0" algn="l">
+      <a:lvl5pPr marR="0" lvl="4" algn="l" rtl="0">
         <a:lnSpc>
           <a:spcPct val="100000"/>
         </a:lnSpc>
@@ -8596,7 +8592,7 @@
           <a:srgbClr val="000000"/>
         </a:buClr>
         <a:buFont typeface="Arial"/>
-        <a:defRPr b="0" i="0" sz="1400" u="none" cap="none" strike="noStrike">
+        <a:defRPr sz="1400" b="0" i="0" u="none" strike="noStrike" cap="none">
           <a:solidFill>
             <a:srgbClr val="000000"/>
           </a:solidFill>
@@ -8606,7 +8602,7 @@
           <a:sym typeface="Arial"/>
         </a:defRPr>
       </a:lvl5pPr>
-      <a:lvl6pPr lvl="5" marR="0" rtl="0" algn="l">
+      <a:lvl6pPr marR="0" lvl="5" algn="l" rtl="0">
         <a:lnSpc>
           <a:spcPct val="100000"/>
         </a:lnSpc>
@@ -8620,7 +8616,7 @@
           <a:srgbClr val="000000"/>
         </a:buClr>
         <a:buFont typeface="Arial"/>
-        <a:defRPr b="0" i="0" sz="1400" u="none" cap="none" strike="noStrike">
+        <a:defRPr sz="1400" b="0" i="0" u="none" strike="noStrike" cap="none">
           <a:solidFill>
             <a:srgbClr val="000000"/>
           </a:solidFill>
@@ -8630,7 +8626,7 @@
           <a:sym typeface="Arial"/>
         </a:defRPr>
       </a:lvl6pPr>
-      <a:lvl7pPr lvl="6" marR="0" rtl="0" algn="l">
+      <a:lvl7pPr marR="0" lvl="6" algn="l" rtl="0">
         <a:lnSpc>
           <a:spcPct val="100000"/>
         </a:lnSpc>
@@ -8644,7 +8640,7 @@
           <a:srgbClr val="000000"/>
         </a:buClr>
         <a:buFont typeface="Arial"/>
-        <a:defRPr b="0" i="0" sz="1400" u="none" cap="none" strike="noStrike">
+        <a:defRPr sz="1400" b="0" i="0" u="none" strike="noStrike" cap="none">
           <a:solidFill>
             <a:srgbClr val="000000"/>
           </a:solidFill>
@@ -8654,7 +8650,7 @@
           <a:sym typeface="Arial"/>
         </a:defRPr>
       </a:lvl7pPr>
-      <a:lvl8pPr lvl="7" marR="0" rtl="0" algn="l">
+      <a:lvl8pPr marR="0" lvl="7" algn="l" rtl="0">
         <a:lnSpc>
           <a:spcPct val="100000"/>
         </a:lnSpc>
@@ -8668,7 +8664,7 @@
           <a:srgbClr val="000000"/>
         </a:buClr>
         <a:buFont typeface="Arial"/>
-        <a:defRPr b="0" i="0" sz="1400" u="none" cap="none" strike="noStrike">
+        <a:defRPr sz="1400" b="0" i="0" u="none" strike="noStrike" cap="none">
           <a:solidFill>
             <a:srgbClr val="000000"/>
           </a:solidFill>
@@ -8678,7 +8674,7 @@
           <a:sym typeface="Arial"/>
         </a:defRPr>
       </a:lvl8pPr>
-      <a:lvl9pPr lvl="8" marR="0" rtl="0" algn="l">
+      <a:lvl9pPr marR="0" lvl="8" algn="l" rtl="0">
         <a:lnSpc>
           <a:spcPct val="100000"/>
         </a:lnSpc>
@@ -8692,7 +8688,7 @@
           <a:srgbClr val="000000"/>
         </a:buClr>
         <a:buFont typeface="Arial"/>
-        <a:defRPr b="0" i="0" sz="1400" u="none" cap="none" strike="noStrike">
+        <a:defRPr sz="1400" b="0" i="0" u="none" strike="noStrike" cap="none">
           <a:solidFill>
             <a:srgbClr val="000000"/>
           </a:solidFill>
@@ -8704,7 +8700,7 @@
       </a:lvl9pPr>
     </p:titleStyle>
     <p:bodyStyle>
-      <a:defPPr lvl="0" marR="0" rtl="0" algn="l">
+      <a:defPPr marR="0" lvl="0" algn="l" rtl="0">
         <a:lnSpc>
           <a:spcPct val="100000"/>
         </a:lnSpc>
@@ -8715,7 +8711,7 @@
           <a:spcPts val="0"/>
         </a:spcAft>
       </a:defPPr>
-      <a:lvl1pPr lvl="0" marR="0" rtl="0" algn="l">
+      <a:lvl1pPr marR="0" lvl="0" algn="l" rtl="0">
         <a:lnSpc>
           <a:spcPct val="100000"/>
         </a:lnSpc>
@@ -8729,7 +8725,7 @@
           <a:srgbClr val="000000"/>
         </a:buClr>
         <a:buFont typeface="Arial"/>
-        <a:defRPr b="0" i="0" sz="1400" u="none" cap="none" strike="noStrike">
+        <a:defRPr sz="1400" b="0" i="0" u="none" strike="noStrike" cap="none">
           <a:solidFill>
             <a:srgbClr val="000000"/>
           </a:solidFill>
@@ -8739,7 +8735,7 @@
           <a:sym typeface="Arial"/>
         </a:defRPr>
       </a:lvl1pPr>
-      <a:lvl2pPr lvl="1" marR="0" rtl="0" algn="l">
+      <a:lvl2pPr marR="0" lvl="1" algn="l" rtl="0">
         <a:lnSpc>
           <a:spcPct val="100000"/>
         </a:lnSpc>
@@ -8753,7 +8749,7 @@
           <a:srgbClr val="000000"/>
         </a:buClr>
         <a:buFont typeface="Arial"/>
-        <a:defRPr b="0" i="0" sz="1400" u="none" cap="none" strike="noStrike">
+        <a:defRPr sz="1400" b="0" i="0" u="none" strike="noStrike" cap="none">
           <a:solidFill>
             <a:srgbClr val="000000"/>
           </a:solidFill>
@@ -8763,7 +8759,7 @@
           <a:sym typeface="Arial"/>
         </a:defRPr>
       </a:lvl2pPr>
-      <a:lvl3pPr lvl="2" marR="0" rtl="0" algn="l">
+      <a:lvl3pPr marR="0" lvl="2" algn="l" rtl="0">
         <a:lnSpc>
           <a:spcPct val="100000"/>
         </a:lnSpc>
@@ -8777,7 +8773,7 @@
           <a:srgbClr val="000000"/>
         </a:buClr>
         <a:buFont typeface="Arial"/>
-        <a:defRPr b="0" i="0" sz="1400" u="none" cap="none" strike="noStrike">
+        <a:defRPr sz="1400" b="0" i="0" u="none" strike="noStrike" cap="none">
           <a:solidFill>
             <a:srgbClr val="000000"/>
           </a:solidFill>
@@ -8787,7 +8783,7 @@
           <a:sym typeface="Arial"/>
         </a:defRPr>
       </a:lvl3pPr>
-      <a:lvl4pPr lvl="3" marR="0" rtl="0" algn="l">
+      <a:lvl4pPr marR="0" lvl="3" algn="l" rtl="0">
         <a:lnSpc>
           <a:spcPct val="100000"/>
         </a:lnSpc>
@@ -8801,7 +8797,7 @@
           <a:srgbClr val="000000"/>
         </a:buClr>
         <a:buFont typeface="Arial"/>
-        <a:defRPr b="0" i="0" sz="1400" u="none" cap="none" strike="noStrike">
+        <a:defRPr sz="1400" b="0" i="0" u="none" strike="noStrike" cap="none">
           <a:solidFill>
             <a:srgbClr val="000000"/>
           </a:solidFill>
@@ -8811,7 +8807,7 @@
           <a:sym typeface="Arial"/>
         </a:defRPr>
       </a:lvl4pPr>
-      <a:lvl5pPr lvl="4" marR="0" rtl="0" algn="l">
+      <a:lvl5pPr marR="0" lvl="4" algn="l" rtl="0">
         <a:lnSpc>
           <a:spcPct val="100000"/>
         </a:lnSpc>
@@ -8825,7 +8821,7 @@
           <a:srgbClr val="000000"/>
         </a:buClr>
         <a:buFont typeface="Arial"/>
-        <a:defRPr b="0" i="0" sz="1400" u="none" cap="none" strike="noStrike">
+        <a:defRPr sz="1400" b="0" i="0" u="none" strike="noStrike" cap="none">
           <a:solidFill>
             <a:srgbClr val="000000"/>
           </a:solidFill>
@@ -8835,7 +8831,7 @@
           <a:sym typeface="Arial"/>
         </a:defRPr>
       </a:lvl5pPr>
-      <a:lvl6pPr lvl="5" marR="0" rtl="0" algn="l">
+      <a:lvl6pPr marR="0" lvl="5" algn="l" rtl="0">
         <a:lnSpc>
           <a:spcPct val="100000"/>
         </a:lnSpc>
@@ -8849,7 +8845,7 @@
           <a:srgbClr val="000000"/>
         </a:buClr>
         <a:buFont typeface="Arial"/>
-        <a:defRPr b="0" i="0" sz="1400" u="none" cap="none" strike="noStrike">
+        <a:defRPr sz="1400" b="0" i="0" u="none" strike="noStrike" cap="none">
           <a:solidFill>
             <a:srgbClr val="000000"/>
           </a:solidFill>
@@ -8859,7 +8855,7 @@
           <a:sym typeface="Arial"/>
         </a:defRPr>
       </a:lvl6pPr>
-      <a:lvl7pPr lvl="6" marR="0" rtl="0" algn="l">
+      <a:lvl7pPr marR="0" lvl="6" algn="l" rtl="0">
         <a:lnSpc>
           <a:spcPct val="100000"/>
         </a:lnSpc>
@@ -8873,7 +8869,7 @@
           <a:srgbClr val="000000"/>
         </a:buClr>
         <a:buFont typeface="Arial"/>
-        <a:defRPr b="0" i="0" sz="1400" u="none" cap="none" strike="noStrike">
+        <a:defRPr sz="1400" b="0" i="0" u="none" strike="noStrike" cap="none">
           <a:solidFill>
             <a:srgbClr val="000000"/>
           </a:solidFill>
@@ -8883,7 +8879,7 @@
           <a:sym typeface="Arial"/>
         </a:defRPr>
       </a:lvl7pPr>
-      <a:lvl8pPr lvl="7" marR="0" rtl="0" algn="l">
+      <a:lvl8pPr marR="0" lvl="7" algn="l" rtl="0">
         <a:lnSpc>
           <a:spcPct val="100000"/>
         </a:lnSpc>
@@ -8897,7 +8893,7 @@
           <a:srgbClr val="000000"/>
         </a:buClr>
         <a:buFont typeface="Arial"/>
-        <a:defRPr b="0" i="0" sz="1400" u="none" cap="none" strike="noStrike">
+        <a:defRPr sz="1400" b="0" i="0" u="none" strike="noStrike" cap="none">
           <a:solidFill>
             <a:srgbClr val="000000"/>
           </a:solidFill>
@@ -8907,7 +8903,7 @@
           <a:sym typeface="Arial"/>
         </a:defRPr>
       </a:lvl8pPr>
-      <a:lvl9pPr lvl="8" marR="0" rtl="0" algn="l">
+      <a:lvl9pPr marR="0" lvl="8" algn="l" rtl="0">
         <a:lnSpc>
           <a:spcPct val="100000"/>
         </a:lnSpc>
@@ -8921,7 +8917,7 @@
           <a:srgbClr val="000000"/>
         </a:buClr>
         <a:buFont typeface="Arial"/>
-        <a:defRPr b="0" i="0" sz="1400" u="none" cap="none" strike="noStrike">
+        <a:defRPr sz="1400" b="0" i="0" u="none" strike="noStrike" cap="none">
           <a:solidFill>
             <a:srgbClr val="000000"/>
           </a:solidFill>
@@ -8933,7 +8929,7 @@
       </a:lvl9pPr>
     </p:bodyStyle>
     <p:otherStyle>
-      <a:defPPr lvl="0" marR="0" rtl="0" algn="l">
+      <a:defPPr marR="0" lvl="0" algn="l" rtl="0">
         <a:lnSpc>
           <a:spcPct val="100000"/>
         </a:lnSpc>
@@ -8944,7 +8940,7 @@
           <a:spcPts val="0"/>
         </a:spcAft>
       </a:defPPr>
-      <a:lvl1pPr lvl="0" marR="0" rtl="0" algn="l">
+      <a:lvl1pPr marR="0" lvl="0" algn="l" rtl="0">
         <a:lnSpc>
           <a:spcPct val="100000"/>
         </a:lnSpc>
@@ -8958,7 +8954,7 @@
           <a:srgbClr val="000000"/>
         </a:buClr>
         <a:buFont typeface="Arial"/>
-        <a:defRPr b="0" i="0" sz="1400" u="none" cap="none" strike="noStrike">
+        <a:defRPr sz="1400" b="0" i="0" u="none" strike="noStrike" cap="none">
           <a:solidFill>
             <a:srgbClr val="000000"/>
           </a:solidFill>
@@ -8968,7 +8964,7 @@
           <a:sym typeface="Arial"/>
         </a:defRPr>
       </a:lvl1pPr>
-      <a:lvl2pPr lvl="1" marR="0" rtl="0" algn="l">
+      <a:lvl2pPr marR="0" lvl="1" algn="l" rtl="0">
         <a:lnSpc>
           <a:spcPct val="100000"/>
         </a:lnSpc>
@@ -8982,7 +8978,7 @@
           <a:srgbClr val="000000"/>
         </a:buClr>
         <a:buFont typeface="Arial"/>
-        <a:defRPr b="0" i="0" sz="1400" u="none" cap="none" strike="noStrike">
+        <a:defRPr sz="1400" b="0" i="0" u="none" strike="noStrike" cap="none">
           <a:solidFill>
             <a:srgbClr val="000000"/>
           </a:solidFill>
@@ -8992,7 +8988,7 @@
           <a:sym typeface="Arial"/>
         </a:defRPr>
       </a:lvl2pPr>
-      <a:lvl3pPr lvl="2" marR="0" rtl="0" algn="l">
+      <a:lvl3pPr marR="0" lvl="2" algn="l" rtl="0">
         <a:lnSpc>
           <a:spcPct val="100000"/>
         </a:lnSpc>
@@ -9006,7 +9002,7 @@
           <a:srgbClr val="000000"/>
         </a:buClr>
         <a:buFont typeface="Arial"/>
-        <a:defRPr b="0" i="0" sz="1400" u="none" cap="none" strike="noStrike">
+        <a:defRPr sz="1400" b="0" i="0" u="none" strike="noStrike" cap="none">
           <a:solidFill>
             <a:srgbClr val="000000"/>
           </a:solidFill>
@@ -9016,7 +9012,7 @@
           <a:sym typeface="Arial"/>
         </a:defRPr>
       </a:lvl3pPr>
-      <a:lvl4pPr lvl="3" marR="0" rtl="0" algn="l">
+      <a:lvl4pPr marR="0" lvl="3" algn="l" rtl="0">
         <a:lnSpc>
           <a:spcPct val="100000"/>
         </a:lnSpc>
@@ -9030,7 +9026,7 @@
           <a:srgbClr val="000000"/>
         </a:buClr>
         <a:buFont typeface="Arial"/>
-        <a:defRPr b="0" i="0" sz="1400" u="none" cap="none" strike="noStrike">
+        <a:defRPr sz="1400" b="0" i="0" u="none" strike="noStrike" cap="none">
           <a:solidFill>
             <a:srgbClr val="000000"/>
           </a:solidFill>
@@ -9040,7 +9036,7 @@
           <a:sym typeface="Arial"/>
         </a:defRPr>
       </a:lvl4pPr>
-      <a:lvl5pPr lvl="4" marR="0" rtl="0" algn="l">
+      <a:lvl5pPr marR="0" lvl="4" algn="l" rtl="0">
         <a:lnSpc>
           <a:spcPct val="100000"/>
         </a:lnSpc>
@@ -9054,7 +9050,7 @@
           <a:srgbClr val="000000"/>
         </a:buClr>
         <a:buFont typeface="Arial"/>
-        <a:defRPr b="0" i="0" sz="1400" u="none" cap="none" strike="noStrike">
+        <a:defRPr sz="1400" b="0" i="0" u="none" strike="noStrike" cap="none">
           <a:solidFill>
             <a:srgbClr val="000000"/>
           </a:solidFill>
@@ -9064,7 +9060,7 @@
           <a:sym typeface="Arial"/>
         </a:defRPr>
       </a:lvl5pPr>
-      <a:lvl6pPr lvl="5" marR="0" rtl="0" algn="l">
+      <a:lvl6pPr marR="0" lvl="5" algn="l" rtl="0">
         <a:lnSpc>
           <a:spcPct val="100000"/>
         </a:lnSpc>
@@ -9078,7 +9074,7 @@
           <a:srgbClr val="000000"/>
         </a:buClr>
         <a:buFont typeface="Arial"/>
-        <a:defRPr b="0" i="0" sz="1400" u="none" cap="none" strike="noStrike">
+        <a:defRPr sz="1400" b="0" i="0" u="none" strike="noStrike" cap="none">
           <a:solidFill>
             <a:srgbClr val="000000"/>
           </a:solidFill>
@@ -9088,7 +9084,7 @@
           <a:sym typeface="Arial"/>
         </a:defRPr>
       </a:lvl6pPr>
-      <a:lvl7pPr lvl="6" marR="0" rtl="0" algn="l">
+      <a:lvl7pPr marR="0" lvl="6" algn="l" rtl="0">
         <a:lnSpc>
           <a:spcPct val="100000"/>
         </a:lnSpc>
@@ -9102,7 +9098,7 @@
           <a:srgbClr val="000000"/>
         </a:buClr>
         <a:buFont typeface="Arial"/>
-        <a:defRPr b="0" i="0" sz="1400" u="none" cap="none" strike="noStrike">
+        <a:defRPr sz="1400" b="0" i="0" u="none" strike="noStrike" cap="none">
           <a:solidFill>
             <a:srgbClr val="000000"/>
           </a:solidFill>
@@ -9112,7 +9108,7 @@
           <a:sym typeface="Arial"/>
         </a:defRPr>
       </a:lvl7pPr>
-      <a:lvl8pPr lvl="7" marR="0" rtl="0" algn="l">
+      <a:lvl8pPr marR="0" lvl="7" algn="l" rtl="0">
         <a:lnSpc>
           <a:spcPct val="100000"/>
         </a:lnSpc>
@@ -9126,7 +9122,7 @@
           <a:srgbClr val="000000"/>
         </a:buClr>
         <a:buFont typeface="Arial"/>
-        <a:defRPr b="0" i="0" sz="1400" u="none" cap="none" strike="noStrike">
+        <a:defRPr sz="1400" b="0" i="0" u="none" strike="noStrike" cap="none">
           <a:solidFill>
             <a:srgbClr val="000000"/>
           </a:solidFill>
@@ -9136,7 +9132,7 @@
           <a:sym typeface="Arial"/>
         </a:defRPr>
       </a:lvl8pPr>
-      <a:lvl9pPr lvl="8" marR="0" rtl="0" algn="l">
+      <a:lvl9pPr marR="0" lvl="8" algn="l" rtl="0">
         <a:lnSpc>
           <a:spcPct val="100000"/>
         </a:lnSpc>
@@ -9150,7 +9146,7 @@
           <a:srgbClr val="000000"/>
         </a:buClr>
         <a:buFont typeface="Arial"/>
-        <a:defRPr b="0" i="0" sz="1400" u="none" cap="none" strike="noStrike">
+        <a:defRPr sz="1400" b="0" i="0" u="none" strike="noStrike" cap="none">
           <a:solidFill>
             <a:srgbClr val="000000"/>
           </a:solidFill>
@@ -9166,18 +9162,19 @@
 </file>
 
 <file path=ppt/slides/slide1.xml><?xml version="1.0" encoding="utf-8"?>
-<p:sld xmlns:a="http://schemas.openxmlformats.org/drawingml/2006/main" xmlns:r="http://schemas.openxmlformats.org/officeDocument/2006/relationships" xmlns:mc="http://schemas.openxmlformats.org/markup-compatibility/2006" xmlns:mv="urn:schemas-microsoft-com:mac:vml" xmlns:p="http://schemas.openxmlformats.org/presentationml/2006/main" xmlns:c="http://schemas.openxmlformats.org/drawingml/2006/chart" xmlns:dgm="http://schemas.openxmlformats.org/drawingml/2006/diagram" xmlns:o="urn:schemas-microsoft-com:office:office" xmlns:v="urn:schemas-microsoft-com:vml" xmlns:pvml="urn:schemas-microsoft-com:office:powerpoint" xmlns:com="http://schemas.openxmlformats.org/drawingml/2006/compatibility" xmlns:p14="http://schemas.microsoft.com/office/powerpoint/2010/main" xmlns:p15="http://schemas.microsoft.com/office/powerpoint/2012/main">
+<p:sld xmlns:a="http://schemas.openxmlformats.org/drawingml/2006/main" xmlns:r="http://schemas.openxmlformats.org/officeDocument/2006/relationships" xmlns:p="http://schemas.openxmlformats.org/presentationml/2006/main">
   <p:cSld>
     <p:bg>
       <p:bgPr>
         <a:solidFill>
           <a:srgbClr val="FFF2CC"/>
         </a:solidFill>
+        <a:effectLst/>
       </p:bgPr>
     </p:bg>
     <p:spTree>
       <p:nvGrpSpPr>
-        <p:cNvPr id="127" name="Shape 127"/>
+        <p:cNvPr id="1" name="Shape 127"/>
         <p:cNvGrpSpPr/>
         <p:nvPr/>
       </p:nvGrpSpPr>
@@ -9211,12 +9208,12 @@
           </a:ln>
         </p:spPr>
         <p:txBody>
-          <a:bodyPr anchorCtr="0" anchor="ctr" bIns="91425" lIns="91425" spcFirstLastPara="1" rIns="91425" wrap="square" tIns="91425">
+          <a:bodyPr spcFirstLastPara="1" wrap="square" lIns="91425" tIns="91425" rIns="91425" bIns="91425" anchor="ctr" anchorCtr="0">
             <a:noAutofit/>
           </a:bodyPr>
           <a:lstStyle/>
           <a:p>
-            <a:pPr indent="0" lvl="0" marL="0" rtl="0" algn="l">
+            <a:pPr marL="0" lvl="0" indent="0" algn="l" rtl="0">
               <a:spcBef>
                 <a:spcPts val="0"/>
               </a:spcBef>
@@ -9297,12 +9294,12 @@
             </a:ln>
           </p:spPr>
           <p:txBody>
-            <a:bodyPr anchorCtr="0" anchor="ctr" bIns="91425" lIns="91425" spcFirstLastPara="1" rIns="91425" wrap="square" tIns="91425">
+            <a:bodyPr spcFirstLastPara="1" wrap="square" lIns="91425" tIns="91425" rIns="91425" bIns="91425" anchor="ctr" anchorCtr="0">
               <a:noAutofit/>
             </a:bodyPr>
             <a:lstStyle/>
             <a:p>
-              <a:pPr indent="0" lvl="0" marL="0" rtl="0" algn="l">
+              <a:pPr marL="0" lvl="0" indent="0" algn="l" rtl="0">
                 <a:spcBef>
                   <a:spcPts val="0"/>
                 </a:spcBef>
@@ -9311,9 +9308,6 @@
                 </a:spcAft>
                 <a:buNone/>
               </a:pPr>
-              <a:r>
-                <a:t/>
-              </a:r>
               <a:endParaRPr/>
             </a:p>
           </p:txBody>
@@ -9340,12 +9334,12 @@
             </a:ln>
           </p:spPr>
           <p:txBody>
-            <a:bodyPr anchorCtr="0" anchor="ctr" bIns="91425" lIns="91425" spcFirstLastPara="1" rIns="91425" wrap="square" tIns="91425">
+            <a:bodyPr spcFirstLastPara="1" wrap="square" lIns="91425" tIns="91425" rIns="91425" bIns="91425" anchor="ctr" anchorCtr="0">
               <a:noAutofit/>
             </a:bodyPr>
             <a:lstStyle/>
             <a:p>
-              <a:pPr indent="0" lvl="0" marL="0" rtl="0" algn="l">
+              <a:pPr marL="0" lvl="0" indent="0" algn="l" rtl="0">
                 <a:spcBef>
                   <a:spcPts val="0"/>
                 </a:spcBef>
@@ -9354,9 +9348,6 @@
                 </a:spcAft>
                 <a:buNone/>
               </a:pPr>
-              <a:r>
-                <a:t/>
-              </a:r>
               <a:endParaRPr/>
             </a:p>
           </p:txBody>
@@ -9382,12 +9373,12 @@
           </a:ln>
         </p:spPr>
         <p:txBody>
-          <a:bodyPr anchorCtr="0" anchor="t" bIns="91425" lIns="91425" spcFirstLastPara="1" rIns="91425" wrap="square" tIns="91425">
+          <a:bodyPr spcFirstLastPara="1" wrap="square" lIns="91425" tIns="91425" rIns="91425" bIns="91425" anchor="t" anchorCtr="0">
             <a:noAutofit/>
           </a:bodyPr>
           <a:lstStyle/>
           <a:p>
-            <a:pPr indent="0" lvl="0" marL="0" rtl="0" algn="l">
+            <a:pPr marL="0" lvl="0" indent="0" algn="l" rtl="0">
               <a:spcBef>
                 <a:spcPts val="0"/>
               </a:spcBef>
@@ -9397,7 +9388,7 @@
               <a:buNone/>
             </a:pPr>
             <a:r>
-              <a:rPr b="1" lang="zh-TW" sz="3000">
+              <a:rPr lang="zh-TW" sz="3000" b="1">
                 <a:latin typeface="Microsoft JhengHei"/>
                 <a:ea typeface="Microsoft JhengHei"/>
                 <a:cs typeface="Microsoft JhengHei"/>
@@ -9405,7 +9396,7 @@
               </a:rPr>
               <a:t>PADA EAT</a:t>
             </a:r>
-            <a:endParaRPr b="1" sz="3000">
+            <a:endParaRPr sz="3000" b="1">
               <a:latin typeface="Microsoft JhengHei"/>
               <a:ea typeface="Microsoft JhengHei"/>
               <a:cs typeface="Microsoft JhengHei"/>
@@ -9413,7 +9404,7 @@
             </a:endParaRPr>
           </a:p>
           <a:p>
-            <a:pPr indent="0" lvl="0" marL="0" rtl="0" algn="l">
+            <a:pPr marL="0" lvl="0" indent="0" algn="l" rtl="0">
               <a:spcBef>
                 <a:spcPts val="0"/>
               </a:spcBef>
@@ -9423,7 +9414,7 @@
               <a:buNone/>
             </a:pPr>
             <a:r>
-              <a:rPr b="1" lang="zh-TW" sz="3000">
+              <a:rPr lang="zh-TW" sz="3000" b="1">
                 <a:latin typeface="Microsoft JhengHei"/>
                 <a:ea typeface="Microsoft JhengHei"/>
                 <a:cs typeface="Microsoft JhengHei"/>
@@ -9431,7 +9422,7 @@
               </a:rPr>
               <a:t>        </a:t>
             </a:r>
-            <a:endParaRPr b="1" sz="3000">
+            <a:endParaRPr sz="3000" b="1">
               <a:latin typeface="Microsoft JhengHei"/>
               <a:ea typeface="Microsoft JhengHei"/>
               <a:cs typeface="Microsoft JhengHei"/>
@@ -9476,12 +9467,12 @@
             </a:ln>
           </p:spPr>
           <p:txBody>
-            <a:bodyPr anchorCtr="0" anchor="ctr" bIns="91425" lIns="91425" spcFirstLastPara="1" rIns="91425" wrap="square" tIns="91425">
+            <a:bodyPr spcFirstLastPara="1" wrap="square" lIns="91425" tIns="91425" rIns="91425" bIns="91425" anchor="ctr" anchorCtr="0">
               <a:noAutofit/>
             </a:bodyPr>
             <a:lstStyle/>
             <a:p>
-              <a:pPr indent="0" lvl="0" marL="0" rtl="0" algn="l">
+              <a:pPr marL="0" lvl="0" indent="0" algn="l" rtl="0">
                 <a:spcBef>
                   <a:spcPts val="0"/>
                 </a:spcBef>
@@ -9490,9 +9481,6 @@
                 </a:spcAft>
                 <a:buNone/>
               </a:pPr>
-              <a:r>
-                <a:t/>
-              </a:r>
               <a:endParaRPr/>
             </a:p>
           </p:txBody>
@@ -9535,11 +9523,11 @@
 </file>
 
 <file path=ppt/slides/slide2.xml><?xml version="1.0" encoding="utf-8"?>
-<p:sld xmlns:a="http://schemas.openxmlformats.org/drawingml/2006/main" xmlns:r="http://schemas.openxmlformats.org/officeDocument/2006/relationships" xmlns:mc="http://schemas.openxmlformats.org/markup-compatibility/2006" xmlns:mv="urn:schemas-microsoft-com:mac:vml" xmlns:p="http://schemas.openxmlformats.org/presentationml/2006/main" xmlns:c="http://schemas.openxmlformats.org/drawingml/2006/chart" xmlns:dgm="http://schemas.openxmlformats.org/drawingml/2006/diagram" xmlns:o="urn:schemas-microsoft-com:office:office" xmlns:v="urn:schemas-microsoft-com:vml" xmlns:pvml="urn:schemas-microsoft-com:office:powerpoint" xmlns:com="http://schemas.openxmlformats.org/drawingml/2006/compatibility" xmlns:p14="http://schemas.microsoft.com/office/powerpoint/2010/main" xmlns:p15="http://schemas.microsoft.com/office/powerpoint/2012/main">
+<p:sld xmlns:a="http://schemas.openxmlformats.org/drawingml/2006/main" xmlns:r="http://schemas.openxmlformats.org/officeDocument/2006/relationships" xmlns:p="http://schemas.openxmlformats.org/presentationml/2006/main">
   <p:cSld>
     <p:spTree>
       <p:nvGrpSpPr>
-        <p:cNvPr id="140" name="Shape 140"/>
+        <p:cNvPr id="1" name="Shape 140"/>
         <p:cNvGrpSpPr/>
         <p:nvPr/>
       </p:nvGrpSpPr>
@@ -9571,12 +9559,12 @@
           </a:ln>
         </p:spPr>
         <p:txBody>
-          <a:bodyPr anchorCtr="0" anchor="ctr" bIns="91425" lIns="91425" spcFirstLastPara="1" rIns="91425" wrap="square" tIns="91425">
+          <a:bodyPr spcFirstLastPara="1" wrap="square" lIns="91425" tIns="91425" rIns="91425" bIns="91425" anchor="ctr" anchorCtr="0">
             <a:noAutofit/>
           </a:bodyPr>
           <a:lstStyle/>
           <a:p>
-            <a:pPr indent="0" lvl="0" marL="0" rtl="0" algn="ctr">
+            <a:pPr marL="0" lvl="0" indent="0" algn="ctr" rtl="0">
               <a:spcBef>
                 <a:spcPts val="0"/>
               </a:spcBef>
@@ -9624,14 +9612,14 @@
             <a:avLst/>
           </a:prstGeom>
           <a:noFill/>
-          <a:ln cap="flat" cmpd="sng" w="28575">
+          <a:ln w="28575" cap="flat" cmpd="sng">
             <a:solidFill>
               <a:srgbClr val="6AA84F"/>
             </a:solidFill>
             <a:prstDash val="solid"/>
             <a:round/>
-            <a:headEnd len="med" w="med" type="none"/>
-            <a:tailEnd len="med" w="med" type="none"/>
+            <a:headEnd type="none" w="med" len="med"/>
+            <a:tailEnd type="none" w="med" len="med"/>
           </a:ln>
         </p:spPr>
       </p:cxnSp>
@@ -9655,12 +9643,12 @@
           </a:ln>
         </p:spPr>
         <p:txBody>
-          <a:bodyPr anchorCtr="0" anchor="ctr" bIns="91425" lIns="91425" spcFirstLastPara="1" rIns="91425" wrap="square" tIns="91425">
+          <a:bodyPr spcFirstLastPara="1" wrap="square" lIns="91425" tIns="91425" rIns="91425" bIns="91425" anchor="ctr" anchorCtr="0">
             <a:noAutofit/>
           </a:bodyPr>
           <a:lstStyle/>
           <a:p>
-            <a:pPr indent="0" lvl="0" marL="0" rtl="0" algn="ctr">
+            <a:pPr marL="0" lvl="0" indent="0" algn="ctr" rtl="0">
               <a:spcBef>
                 <a:spcPts val="0"/>
               </a:spcBef>
@@ -9715,23 +9703,20 @@
           </a:ln>
         </p:spPr>
         <p:txBody>
-          <a:bodyPr anchorCtr="0" anchor="ctr" bIns="91425" lIns="91425" spcFirstLastPara="1" rIns="91425" wrap="square" tIns="91425">
+          <a:bodyPr spcFirstLastPara="1" wrap="square" lIns="91425" tIns="91425" rIns="91425" bIns="91425" anchor="ctr" anchorCtr="0">
             <a:noAutofit/>
           </a:bodyPr>
           <a:lstStyle/>
           <a:p>
-            <a:pPr indent="0" lvl="0" marL="0" rtl="0" algn="ctr">
-              <a:spcBef>
-                <a:spcPts val="0"/>
-              </a:spcBef>
-              <a:spcAft>
-                <a:spcPts val="0"/>
-              </a:spcAft>
-              <a:buNone/>
-            </a:pPr>
-            <a:r>
-              <a:t/>
-            </a:r>
+            <a:pPr marL="0" lvl="0" indent="0" algn="ctr" rtl="0">
+              <a:spcBef>
+                <a:spcPts val="0"/>
+              </a:spcBef>
+              <a:spcAft>
+                <a:spcPts val="0"/>
+              </a:spcAft>
+              <a:buNone/>
+            </a:pPr>
             <a:endParaRPr/>
           </a:p>
         </p:txBody>
@@ -9756,12 +9741,12 @@
           </a:ln>
         </p:spPr>
         <p:txBody>
-          <a:bodyPr anchorCtr="0" anchor="ctr" bIns="91425" lIns="91425" spcFirstLastPara="1" rIns="91425" wrap="square" tIns="91425">
+          <a:bodyPr spcFirstLastPara="1" wrap="square" lIns="91425" tIns="91425" rIns="91425" bIns="91425" anchor="ctr" anchorCtr="0">
             <a:noAutofit/>
           </a:bodyPr>
           <a:lstStyle/>
           <a:p>
-            <a:pPr indent="0" lvl="0" marL="0" rtl="0" algn="ctr">
+            <a:pPr marL="0" lvl="0" indent="0" algn="ctr" rtl="0">
               <a:spcBef>
                 <a:spcPts val="0"/>
               </a:spcBef>
@@ -9809,14 +9794,14 @@
             <a:avLst/>
           </a:prstGeom>
           <a:noFill/>
-          <a:ln cap="flat" cmpd="sng" w="28575">
+          <a:ln w="28575" cap="flat" cmpd="sng">
             <a:solidFill>
               <a:srgbClr val="6AA84F"/>
             </a:solidFill>
             <a:prstDash val="solid"/>
             <a:round/>
-            <a:headEnd len="med" w="med" type="none"/>
-            <a:tailEnd len="med" w="med" type="none"/>
+            <a:headEnd type="none" w="med" len="med"/>
+            <a:tailEnd type="none" w="med" len="med"/>
           </a:ln>
         </p:spPr>
       </p:cxnSp>
@@ -9842,23 +9827,20 @@
           </a:ln>
         </p:spPr>
         <p:txBody>
-          <a:bodyPr anchorCtr="0" anchor="ctr" bIns="91425" lIns="91425" spcFirstLastPara="1" rIns="91425" wrap="square" tIns="91425">
+          <a:bodyPr spcFirstLastPara="1" wrap="square" lIns="91425" tIns="91425" rIns="91425" bIns="91425" anchor="ctr" anchorCtr="0">
             <a:noAutofit/>
           </a:bodyPr>
           <a:lstStyle/>
           <a:p>
-            <a:pPr indent="0" lvl="0" marL="0" rtl="0" algn="ctr">
-              <a:spcBef>
-                <a:spcPts val="0"/>
-              </a:spcBef>
-              <a:spcAft>
-                <a:spcPts val="0"/>
-              </a:spcAft>
-              <a:buNone/>
-            </a:pPr>
-            <a:r>
-              <a:t/>
-            </a:r>
+            <a:pPr marL="0" lvl="0" indent="0" algn="ctr" rtl="0">
+              <a:spcBef>
+                <a:spcPts val="0"/>
+              </a:spcBef>
+              <a:spcAft>
+                <a:spcPts val="0"/>
+              </a:spcAft>
+              <a:buNone/>
+            </a:pPr>
             <a:endParaRPr/>
           </a:p>
         </p:txBody>
@@ -9883,12 +9865,12 @@
           </a:ln>
         </p:spPr>
         <p:txBody>
-          <a:bodyPr anchorCtr="0" anchor="ctr" bIns="91425" lIns="91425" spcFirstLastPara="1" rIns="91425" wrap="square" tIns="91425">
+          <a:bodyPr spcFirstLastPara="1" wrap="square" lIns="91425" tIns="91425" rIns="91425" bIns="91425" anchor="ctr" anchorCtr="0">
             <a:noAutofit/>
           </a:bodyPr>
           <a:lstStyle/>
           <a:p>
-            <a:pPr indent="0" lvl="0" marL="0" rtl="0" algn="ctr">
+            <a:pPr marL="0" lvl="0" indent="0" algn="ctr" rtl="0">
               <a:spcBef>
                 <a:spcPts val="0"/>
               </a:spcBef>
@@ -9928,7 +9910,7 @@
           <p:nvPr/>
         </p:nvCxnSpPr>
         <p:spPr>
-          <a:xfrm flipH="1" rot="10800000">
+          <a:xfrm rot="10800000" flipH="1">
             <a:off x="1187774" y="1562040"/>
             <a:ext cx="498300" cy="308700"/>
           </a:xfrm>
@@ -9936,14 +9918,14 @@
             <a:avLst/>
           </a:prstGeom>
           <a:noFill/>
-          <a:ln cap="flat" cmpd="sng" w="28575">
+          <a:ln w="28575" cap="flat" cmpd="sng">
             <a:solidFill>
               <a:srgbClr val="6AA84F"/>
             </a:solidFill>
             <a:prstDash val="solid"/>
             <a:round/>
-            <a:headEnd len="med" w="med" type="none"/>
-            <a:tailEnd len="med" w="med" type="none"/>
+            <a:headEnd type="none" w="med" len="med"/>
+            <a:tailEnd type="none" w="med" len="med"/>
           </a:ln>
         </p:spPr>
       </p:cxnSp>
@@ -9962,14 +9944,14 @@
             <a:avLst/>
           </a:prstGeom>
           <a:noFill/>
-          <a:ln cap="flat" cmpd="sng" w="28575">
+          <a:ln w="28575" cap="flat" cmpd="sng">
             <a:solidFill>
               <a:srgbClr val="6AA84F"/>
             </a:solidFill>
             <a:prstDash val="solid"/>
             <a:round/>
-            <a:headEnd len="med" w="med" type="none"/>
-            <a:tailEnd len="med" w="med" type="none"/>
+            <a:headEnd type="none" w="med" len="med"/>
+            <a:tailEnd type="none" w="med" len="med"/>
           </a:ln>
         </p:spPr>
       </p:cxnSp>
@@ -9995,23 +9977,20 @@
           </a:ln>
         </p:spPr>
         <p:txBody>
-          <a:bodyPr anchorCtr="0" anchor="ctr" bIns="91425" lIns="91425" spcFirstLastPara="1" rIns="91425" wrap="square" tIns="91425">
+          <a:bodyPr spcFirstLastPara="1" wrap="square" lIns="91425" tIns="91425" rIns="91425" bIns="91425" anchor="ctr" anchorCtr="0">
             <a:noAutofit/>
           </a:bodyPr>
           <a:lstStyle/>
           <a:p>
-            <a:pPr indent="0" lvl="0" marL="0" rtl="0" algn="ctr">
-              <a:spcBef>
-                <a:spcPts val="0"/>
-              </a:spcBef>
-              <a:spcAft>
-                <a:spcPts val="0"/>
-              </a:spcAft>
-              <a:buNone/>
-            </a:pPr>
-            <a:r>
-              <a:t/>
-            </a:r>
+            <a:pPr marL="0" lvl="0" indent="0" algn="ctr" rtl="0">
+              <a:spcBef>
+                <a:spcPts val="0"/>
+              </a:spcBef>
+              <a:spcAft>
+                <a:spcPts val="0"/>
+              </a:spcAft>
+              <a:buNone/>
+            </a:pPr>
             <a:endParaRPr/>
           </a:p>
         </p:txBody>
@@ -10036,12 +10015,12 @@
           </a:ln>
         </p:spPr>
         <p:txBody>
-          <a:bodyPr anchorCtr="0" anchor="ctr" bIns="91425" lIns="91425" spcFirstLastPara="1" rIns="91425" wrap="square" tIns="91425">
+          <a:bodyPr spcFirstLastPara="1" wrap="square" lIns="91425" tIns="91425" rIns="91425" bIns="91425" anchor="ctr" anchorCtr="0">
             <a:noAutofit/>
           </a:bodyPr>
           <a:lstStyle/>
           <a:p>
-            <a:pPr indent="0" lvl="0" marL="0" rtl="0" algn="ctr">
+            <a:pPr marL="0" lvl="0" indent="0" algn="ctr" rtl="0">
               <a:spcBef>
                 <a:spcPts val="0"/>
               </a:spcBef>
@@ -10094,12 +10073,12 @@
           </a:ln>
         </p:spPr>
         <p:txBody>
-          <a:bodyPr anchorCtr="0" anchor="ctr" bIns="91425" lIns="91425" spcFirstLastPara="1" rIns="91425" wrap="square" tIns="91425">
+          <a:bodyPr spcFirstLastPara="1" wrap="square" lIns="91425" tIns="91425" rIns="91425" bIns="91425" anchor="ctr" anchorCtr="0">
             <a:noAutofit/>
           </a:bodyPr>
           <a:lstStyle/>
           <a:p>
-            <a:pPr indent="0" lvl="0" marL="0" rtl="0" algn="ctr">
+            <a:pPr marL="0" lvl="0" indent="0" algn="ctr" rtl="0">
               <a:spcBef>
                 <a:spcPts val="0"/>
               </a:spcBef>
@@ -10154,23 +10133,20 @@
           </a:ln>
         </p:spPr>
         <p:txBody>
-          <a:bodyPr anchorCtr="0" anchor="ctr" bIns="91425" lIns="91425" spcFirstLastPara="1" rIns="91425" wrap="square" tIns="91425">
+          <a:bodyPr spcFirstLastPara="1" wrap="square" lIns="91425" tIns="91425" rIns="91425" bIns="91425" anchor="ctr" anchorCtr="0">
             <a:noAutofit/>
           </a:bodyPr>
           <a:lstStyle/>
           <a:p>
-            <a:pPr indent="0" lvl="0" marL="0" rtl="0" algn="ctr">
-              <a:spcBef>
-                <a:spcPts val="0"/>
-              </a:spcBef>
-              <a:spcAft>
-                <a:spcPts val="0"/>
-              </a:spcAft>
-              <a:buNone/>
-            </a:pPr>
-            <a:r>
-              <a:t/>
-            </a:r>
+            <a:pPr marL="0" lvl="0" indent="0" algn="ctr" rtl="0">
+              <a:spcBef>
+                <a:spcPts val="0"/>
+              </a:spcBef>
+              <a:spcAft>
+                <a:spcPts val="0"/>
+              </a:spcAft>
+              <a:buNone/>
+            </a:pPr>
             <a:endParaRPr/>
           </a:p>
         </p:txBody>
@@ -10195,12 +10171,12 @@
           </a:ln>
         </p:spPr>
         <p:txBody>
-          <a:bodyPr anchorCtr="0" anchor="ctr" bIns="91425" lIns="91425" spcFirstLastPara="1" rIns="91425" wrap="square" tIns="91425">
+          <a:bodyPr spcFirstLastPara="1" wrap="square" lIns="91425" tIns="91425" rIns="91425" bIns="91425" anchor="ctr" anchorCtr="0">
             <a:noAutofit/>
           </a:bodyPr>
           <a:lstStyle/>
           <a:p>
-            <a:pPr indent="0" lvl="0" marL="0" rtl="0" algn="ctr">
+            <a:pPr marL="0" lvl="0" indent="0" algn="ctr" rtl="0">
               <a:spcBef>
                 <a:spcPts val="0"/>
               </a:spcBef>
@@ -10253,12 +10229,12 @@
           </a:ln>
         </p:spPr>
         <p:txBody>
-          <a:bodyPr anchorCtr="0" anchor="ctr" bIns="91425" lIns="91425" spcFirstLastPara="1" rIns="91425" wrap="square" tIns="91425">
+          <a:bodyPr spcFirstLastPara="1" wrap="square" lIns="91425" tIns="91425" rIns="91425" bIns="91425" anchor="ctr" anchorCtr="0">
             <a:noAutofit/>
           </a:bodyPr>
           <a:lstStyle/>
           <a:p>
-            <a:pPr indent="0" lvl="0" marL="0" rtl="0" algn="ctr">
+            <a:pPr marL="0" lvl="0" indent="0" algn="ctr" rtl="0">
               <a:spcBef>
                 <a:spcPts val="0"/>
               </a:spcBef>
@@ -10306,14 +10282,14 @@
             <a:avLst/>
           </a:prstGeom>
           <a:noFill/>
-          <a:ln cap="flat" cmpd="sng" w="28575">
+          <a:ln w="28575" cap="flat" cmpd="sng">
             <a:solidFill>
               <a:srgbClr val="6AA84F"/>
             </a:solidFill>
             <a:prstDash val="solid"/>
             <a:round/>
-            <a:headEnd len="med" w="med" type="none"/>
-            <a:tailEnd len="med" w="med" type="none"/>
+            <a:headEnd type="none" w="med" len="med"/>
+            <a:tailEnd type="none" w="med" len="med"/>
           </a:ln>
         </p:spPr>
       </p:cxnSp>
@@ -10337,12 +10313,12 @@
           </a:ln>
         </p:spPr>
         <p:txBody>
-          <a:bodyPr anchorCtr="0" anchor="ctr" bIns="91425" lIns="91425" spcFirstLastPara="1" rIns="91425" wrap="square" tIns="91425">
+          <a:bodyPr spcFirstLastPara="1" wrap="square" lIns="91425" tIns="91425" rIns="91425" bIns="91425" anchor="ctr" anchorCtr="0">
             <a:noAutofit/>
           </a:bodyPr>
           <a:lstStyle/>
           <a:p>
-            <a:pPr indent="0" lvl="0" marL="0" rtl="0" algn="ctr">
+            <a:pPr marL="0" lvl="0" indent="0" algn="ctr" rtl="0">
               <a:spcBef>
                 <a:spcPts val="0"/>
               </a:spcBef>
@@ -10397,23 +10373,20 @@
           </a:ln>
         </p:spPr>
         <p:txBody>
-          <a:bodyPr anchorCtr="0" anchor="ctr" bIns="91425" lIns="91425" spcFirstLastPara="1" rIns="91425" wrap="square" tIns="91425">
+          <a:bodyPr spcFirstLastPara="1" wrap="square" lIns="91425" tIns="91425" rIns="91425" bIns="91425" anchor="ctr" anchorCtr="0">
             <a:noAutofit/>
           </a:bodyPr>
           <a:lstStyle/>
           <a:p>
-            <a:pPr indent="0" lvl="0" marL="0" rtl="0" algn="ctr">
-              <a:spcBef>
-                <a:spcPts val="0"/>
-              </a:spcBef>
-              <a:spcAft>
-                <a:spcPts val="0"/>
-              </a:spcAft>
-              <a:buNone/>
-            </a:pPr>
-            <a:r>
-              <a:t/>
-            </a:r>
+            <a:pPr marL="0" lvl="0" indent="0" algn="ctr" rtl="0">
+              <a:spcBef>
+                <a:spcPts val="0"/>
+              </a:spcBef>
+              <a:spcAft>
+                <a:spcPts val="0"/>
+              </a:spcAft>
+              <a:buNone/>
+            </a:pPr>
             <a:endParaRPr/>
           </a:p>
         </p:txBody>
@@ -10438,12 +10411,12 @@
           </a:ln>
         </p:spPr>
         <p:txBody>
-          <a:bodyPr anchorCtr="0" anchor="ctr" bIns="91425" lIns="91425" spcFirstLastPara="1" rIns="91425" wrap="square" tIns="91425">
+          <a:bodyPr spcFirstLastPara="1" wrap="square" lIns="91425" tIns="91425" rIns="91425" bIns="91425" anchor="ctr" anchorCtr="0">
             <a:noAutofit/>
           </a:bodyPr>
           <a:lstStyle/>
           <a:p>
-            <a:pPr indent="0" lvl="0" marL="0" rtl="0" algn="ctr">
+            <a:pPr marL="0" lvl="0" indent="0" algn="ctr" rtl="0">
               <a:spcBef>
                 <a:spcPts val="0"/>
               </a:spcBef>
@@ -10491,14 +10464,14 @@
             <a:avLst/>
           </a:prstGeom>
           <a:noFill/>
-          <a:ln cap="flat" cmpd="sng" w="28575">
+          <a:ln w="28575" cap="flat" cmpd="sng">
             <a:solidFill>
               <a:srgbClr val="6AA84F"/>
             </a:solidFill>
             <a:prstDash val="solid"/>
             <a:round/>
-            <a:headEnd len="med" w="med" type="none"/>
-            <a:tailEnd len="med" w="med" type="none"/>
+            <a:headEnd type="none" w="med" len="med"/>
+            <a:tailEnd type="none" w="med" len="med"/>
           </a:ln>
         </p:spPr>
       </p:cxnSp>
@@ -10524,23 +10497,20 @@
           </a:ln>
         </p:spPr>
         <p:txBody>
-          <a:bodyPr anchorCtr="0" anchor="ctr" bIns="91425" lIns="91425" spcFirstLastPara="1" rIns="91425" wrap="square" tIns="91425">
+          <a:bodyPr spcFirstLastPara="1" wrap="square" lIns="91425" tIns="91425" rIns="91425" bIns="91425" anchor="ctr" anchorCtr="0">
             <a:noAutofit/>
           </a:bodyPr>
           <a:lstStyle/>
           <a:p>
-            <a:pPr indent="0" lvl="0" marL="0" rtl="0" algn="ctr">
-              <a:spcBef>
-                <a:spcPts val="0"/>
-              </a:spcBef>
-              <a:spcAft>
-                <a:spcPts val="0"/>
-              </a:spcAft>
-              <a:buNone/>
-            </a:pPr>
-            <a:r>
-              <a:t/>
-            </a:r>
+            <a:pPr marL="0" lvl="0" indent="0" algn="ctr" rtl="0">
+              <a:spcBef>
+                <a:spcPts val="0"/>
+              </a:spcBef>
+              <a:spcAft>
+                <a:spcPts val="0"/>
+              </a:spcAft>
+              <a:buNone/>
+            </a:pPr>
             <a:endParaRPr/>
           </a:p>
         </p:txBody>
@@ -10565,12 +10535,12 @@
           </a:ln>
         </p:spPr>
         <p:txBody>
-          <a:bodyPr anchorCtr="0" anchor="ctr" bIns="91425" lIns="91425" spcFirstLastPara="1" rIns="91425" wrap="square" tIns="91425">
+          <a:bodyPr spcFirstLastPara="1" wrap="square" lIns="91425" tIns="91425" rIns="91425" bIns="91425" anchor="ctr" anchorCtr="0">
             <a:noAutofit/>
           </a:bodyPr>
           <a:lstStyle/>
           <a:p>
-            <a:pPr indent="0" lvl="0" marL="0" rtl="0" algn="ctr">
+            <a:pPr marL="0" lvl="0" indent="0" algn="ctr" rtl="0">
               <a:spcBef>
                 <a:spcPts val="0"/>
               </a:spcBef>
@@ -10623,12 +10593,12 @@
           </a:ln>
         </p:spPr>
         <p:txBody>
-          <a:bodyPr anchorCtr="0" anchor="ctr" bIns="91425" lIns="91425" spcFirstLastPara="1" rIns="91425" wrap="square" tIns="91425">
+          <a:bodyPr spcFirstLastPara="1" wrap="square" lIns="91425" tIns="91425" rIns="91425" bIns="91425" anchor="ctr" anchorCtr="0">
             <a:noAutofit/>
           </a:bodyPr>
           <a:lstStyle/>
           <a:p>
-            <a:pPr indent="0" lvl="0" marL="0" rtl="0" algn="ctr">
+            <a:pPr marL="0" lvl="0" indent="0" algn="ctr" rtl="0">
               <a:spcBef>
                 <a:spcPts val="0"/>
               </a:spcBef>
@@ -10678,14 +10648,14 @@
             <a:avLst/>
           </a:prstGeom>
           <a:noFill/>
-          <a:ln cap="flat" cmpd="sng" w="28575">
+          <a:ln w="28575" cap="flat" cmpd="sng">
             <a:solidFill>
               <a:srgbClr val="6AA84F"/>
             </a:solidFill>
             <a:prstDash val="solid"/>
             <a:round/>
-            <a:headEnd len="med" w="med" type="none"/>
-            <a:tailEnd len="med" w="med" type="none"/>
+            <a:headEnd type="none" w="med" len="med"/>
+            <a:tailEnd type="none" w="med" len="med"/>
           </a:ln>
         </p:spPr>
       </p:cxnSp>
@@ -10711,23 +10681,20 @@
           </a:ln>
         </p:spPr>
         <p:txBody>
-          <a:bodyPr anchorCtr="0" anchor="ctr" bIns="91425" lIns="91425" spcFirstLastPara="1" rIns="91425" wrap="square" tIns="91425">
+          <a:bodyPr spcFirstLastPara="1" wrap="square" lIns="91425" tIns="91425" rIns="91425" bIns="91425" anchor="ctr" anchorCtr="0">
             <a:noAutofit/>
           </a:bodyPr>
           <a:lstStyle/>
           <a:p>
-            <a:pPr indent="0" lvl="0" marL="0" rtl="0" algn="ctr">
-              <a:spcBef>
-                <a:spcPts val="0"/>
-              </a:spcBef>
-              <a:spcAft>
-                <a:spcPts val="0"/>
-              </a:spcAft>
-              <a:buNone/>
-            </a:pPr>
-            <a:r>
-              <a:t/>
-            </a:r>
+            <a:pPr marL="0" lvl="0" indent="0" algn="ctr" rtl="0">
+              <a:spcBef>
+                <a:spcPts val="0"/>
+              </a:spcBef>
+              <a:spcAft>
+                <a:spcPts val="0"/>
+              </a:spcAft>
+              <a:buNone/>
+            </a:pPr>
             <a:endParaRPr/>
           </a:p>
         </p:txBody>
@@ -10752,12 +10719,12 @@
           </a:ln>
         </p:spPr>
         <p:txBody>
-          <a:bodyPr anchorCtr="0" anchor="ctr" bIns="91425" lIns="91425" spcFirstLastPara="1" rIns="91425" wrap="square" tIns="91425">
+          <a:bodyPr spcFirstLastPara="1" wrap="square" lIns="91425" tIns="91425" rIns="91425" bIns="91425" anchor="ctr" anchorCtr="0">
             <a:noAutofit/>
           </a:bodyPr>
           <a:lstStyle/>
           <a:p>
-            <a:pPr indent="0" lvl="0" marL="0" rtl="0" algn="ctr">
+            <a:pPr marL="0" lvl="0" indent="0" algn="ctr" rtl="0">
               <a:spcBef>
                 <a:spcPts val="0"/>
               </a:spcBef>
@@ -10805,14 +10772,14 @@
             <a:avLst/>
           </a:prstGeom>
           <a:noFill/>
-          <a:ln cap="flat" cmpd="sng" w="28575">
+          <a:ln w="28575" cap="flat" cmpd="sng">
             <a:solidFill>
               <a:srgbClr val="6AA84F"/>
             </a:solidFill>
             <a:prstDash val="solid"/>
             <a:round/>
-            <a:headEnd len="med" w="med" type="none"/>
-            <a:tailEnd len="med" w="med" type="none"/>
+            <a:headEnd type="none" w="med" len="med"/>
+            <a:tailEnd type="none" w="med" len="med"/>
           </a:ln>
         </p:spPr>
       </p:cxnSp>
@@ -10838,23 +10805,20 @@
           </a:ln>
         </p:spPr>
         <p:txBody>
-          <a:bodyPr anchorCtr="0" anchor="ctr" bIns="91425" lIns="91425" spcFirstLastPara="1" rIns="91425" wrap="square" tIns="91425">
+          <a:bodyPr spcFirstLastPara="1" wrap="square" lIns="91425" tIns="91425" rIns="91425" bIns="91425" anchor="ctr" anchorCtr="0">
             <a:noAutofit/>
           </a:bodyPr>
           <a:lstStyle/>
           <a:p>
-            <a:pPr indent="0" lvl="0" marL="0" rtl="0" algn="ctr">
-              <a:spcBef>
-                <a:spcPts val="0"/>
-              </a:spcBef>
-              <a:spcAft>
-                <a:spcPts val="0"/>
-              </a:spcAft>
-              <a:buNone/>
-            </a:pPr>
-            <a:r>
-              <a:t/>
-            </a:r>
+            <a:pPr marL="0" lvl="0" indent="0" algn="ctr" rtl="0">
+              <a:spcBef>
+                <a:spcPts val="0"/>
+              </a:spcBef>
+              <a:spcAft>
+                <a:spcPts val="0"/>
+              </a:spcAft>
+              <a:buNone/>
+            </a:pPr>
             <a:endParaRPr/>
           </a:p>
         </p:txBody>
@@ -10879,12 +10843,12 @@
           </a:ln>
         </p:spPr>
         <p:txBody>
-          <a:bodyPr anchorCtr="0" anchor="ctr" bIns="91425" lIns="91425" spcFirstLastPara="1" rIns="91425" wrap="square" tIns="91425">
+          <a:bodyPr spcFirstLastPara="1" wrap="square" lIns="91425" tIns="91425" rIns="91425" bIns="91425" anchor="ctr" anchorCtr="0">
             <a:noAutofit/>
           </a:bodyPr>
           <a:lstStyle/>
           <a:p>
-            <a:pPr indent="0" lvl="0" marL="0" rtl="0" algn="ctr">
+            <a:pPr marL="0" lvl="0" indent="0" algn="ctr" rtl="0">
               <a:spcBef>
                 <a:spcPts val="0"/>
               </a:spcBef>
@@ -10894,7 +10858,7 @@
               <a:buNone/>
             </a:pPr>
             <a:r>
-              <a:rPr b="1" lang="zh-TW">
+              <a:rPr lang="zh-TW" b="1">
                 <a:solidFill>
                   <a:srgbClr val="FFFFFF"/>
                 </a:solidFill>
@@ -10916,7 +10880,7 @@
             </a:endParaRPr>
           </a:p>
           <a:p>
-            <a:pPr indent="0" lvl="0" marL="0" rtl="0" algn="ctr">
+            <a:pPr marL="0" lvl="0" indent="0" algn="ctr" rtl="0">
               <a:spcBef>
                 <a:spcPts val="0"/>
               </a:spcBef>
@@ -10926,7 +10890,7 @@
               <a:buNone/>
             </a:pPr>
             <a:r>
-              <a:rPr b="1" lang="zh-TW">
+              <a:rPr lang="zh-TW" b="1">
                 <a:solidFill>
                   <a:srgbClr val="FFFFFF"/>
                 </a:solidFill>
@@ -10964,14 +10928,14 @@
             <a:avLst/>
           </a:prstGeom>
           <a:noFill/>
-          <a:ln cap="flat" cmpd="sng" w="28575">
+          <a:ln w="28575" cap="flat" cmpd="sng">
             <a:solidFill>
               <a:srgbClr val="6AA84F"/>
             </a:solidFill>
             <a:prstDash val="solid"/>
             <a:round/>
-            <a:headEnd len="med" w="med" type="none"/>
-            <a:tailEnd len="med" w="med" type="none"/>
+            <a:headEnd type="none" w="med" len="med"/>
+            <a:tailEnd type="none" w="med" len="med"/>
           </a:ln>
         </p:spPr>
       </p:cxnSp>
@@ -10995,12 +10959,12 @@
           </a:ln>
         </p:spPr>
         <p:txBody>
-          <a:bodyPr anchorCtr="0" anchor="ctr" bIns="91425" lIns="91425" spcFirstLastPara="1" rIns="91425" wrap="square" tIns="91425">
+          <a:bodyPr spcFirstLastPara="1" wrap="square" lIns="91425" tIns="91425" rIns="91425" bIns="91425" anchor="ctr" anchorCtr="0">
             <a:noAutofit/>
           </a:bodyPr>
           <a:lstStyle/>
           <a:p>
-            <a:pPr indent="0" lvl="0" marL="0" rtl="0" algn="ctr">
+            <a:pPr marL="0" lvl="0" indent="0" algn="ctr" rtl="0">
               <a:spcBef>
                 <a:spcPts val="0"/>
               </a:spcBef>
@@ -11055,23 +11019,20 @@
           </a:ln>
         </p:spPr>
         <p:txBody>
-          <a:bodyPr anchorCtr="0" anchor="ctr" bIns="91425" lIns="91425" spcFirstLastPara="1" rIns="91425" wrap="square" tIns="91425">
+          <a:bodyPr spcFirstLastPara="1" wrap="square" lIns="91425" tIns="91425" rIns="91425" bIns="91425" anchor="ctr" anchorCtr="0">
             <a:noAutofit/>
           </a:bodyPr>
           <a:lstStyle/>
           <a:p>
-            <a:pPr indent="0" lvl="0" marL="0" rtl="0" algn="ctr">
-              <a:spcBef>
-                <a:spcPts val="0"/>
-              </a:spcBef>
-              <a:spcAft>
-                <a:spcPts val="0"/>
-              </a:spcAft>
-              <a:buNone/>
-            </a:pPr>
-            <a:r>
-              <a:t/>
-            </a:r>
+            <a:pPr marL="0" lvl="0" indent="0" algn="ctr" rtl="0">
+              <a:spcBef>
+                <a:spcPts val="0"/>
+              </a:spcBef>
+              <a:spcAft>
+                <a:spcPts val="0"/>
+              </a:spcAft>
+              <a:buNone/>
+            </a:pPr>
             <a:endParaRPr/>
           </a:p>
         </p:txBody>
@@ -11091,14 +11052,14 @@
             <a:avLst/>
           </a:prstGeom>
           <a:noFill/>
-          <a:ln cap="flat" cmpd="sng" w="28575">
+          <a:ln w="28575" cap="flat" cmpd="sng">
             <a:solidFill>
               <a:srgbClr val="6AA84F"/>
             </a:solidFill>
             <a:prstDash val="solid"/>
             <a:round/>
-            <a:headEnd len="med" w="med" type="none"/>
-            <a:tailEnd len="med" w="med" type="none"/>
+            <a:headEnd type="none" w="med" len="med"/>
+            <a:tailEnd type="none" w="med" len="med"/>
           </a:ln>
         </p:spPr>
       </p:cxnSp>
@@ -11124,23 +11085,20 @@
           </a:ln>
         </p:spPr>
         <p:txBody>
-          <a:bodyPr anchorCtr="0" anchor="ctr" bIns="91425" lIns="91425" spcFirstLastPara="1" rIns="91425" wrap="square" tIns="91425">
+          <a:bodyPr spcFirstLastPara="1" wrap="square" lIns="91425" tIns="91425" rIns="91425" bIns="91425" anchor="ctr" anchorCtr="0">
             <a:noAutofit/>
           </a:bodyPr>
           <a:lstStyle/>
           <a:p>
-            <a:pPr indent="0" lvl="0" marL="0" rtl="0" algn="ctr">
-              <a:spcBef>
-                <a:spcPts val="0"/>
-              </a:spcBef>
-              <a:spcAft>
-                <a:spcPts val="0"/>
-              </a:spcAft>
-              <a:buNone/>
-            </a:pPr>
-            <a:r>
-              <a:t/>
-            </a:r>
+            <a:pPr marL="0" lvl="0" indent="0" algn="ctr" rtl="0">
+              <a:spcBef>
+                <a:spcPts val="0"/>
+              </a:spcBef>
+              <a:spcAft>
+                <a:spcPts val="0"/>
+              </a:spcAft>
+              <a:buNone/>
+            </a:pPr>
             <a:endParaRPr/>
           </a:p>
         </p:txBody>
@@ -11165,12 +11123,12 @@
           </a:ln>
         </p:spPr>
         <p:txBody>
-          <a:bodyPr anchorCtr="0" anchor="ctr" bIns="91425" lIns="91425" spcFirstLastPara="1" rIns="91425" wrap="square" tIns="91425">
+          <a:bodyPr spcFirstLastPara="1" wrap="square" lIns="91425" tIns="91425" rIns="91425" bIns="91425" anchor="ctr" anchorCtr="0">
             <a:noAutofit/>
           </a:bodyPr>
           <a:lstStyle/>
           <a:p>
-            <a:pPr indent="0" lvl="0" marL="0" rtl="0" algn="ctr">
+            <a:pPr marL="0" lvl="0" indent="0" algn="ctr" rtl="0">
               <a:spcBef>
                 <a:spcPts val="0"/>
               </a:spcBef>
@@ -11218,14 +11176,14 @@
             <a:avLst/>
           </a:prstGeom>
           <a:noFill/>
-          <a:ln cap="flat" cmpd="sng" w="28575">
+          <a:ln w="28575" cap="flat" cmpd="sng">
             <a:solidFill>
               <a:srgbClr val="6AA84F"/>
             </a:solidFill>
             <a:prstDash val="solid"/>
             <a:round/>
-            <a:headEnd len="med" w="med" type="none"/>
-            <a:tailEnd len="med" w="med" type="none"/>
+            <a:headEnd type="none" w="med" len="med"/>
+            <a:tailEnd type="none" w="med" len="med"/>
           </a:ln>
         </p:spPr>
       </p:cxnSp>
@@ -11244,14 +11202,14 @@
             <a:avLst/>
           </a:prstGeom>
           <a:noFill/>
-          <a:ln cap="flat" cmpd="sng" w="28575">
+          <a:ln w="28575" cap="flat" cmpd="sng">
             <a:solidFill>
               <a:srgbClr val="6AA84F"/>
             </a:solidFill>
             <a:prstDash val="solid"/>
             <a:round/>
-            <a:headEnd len="med" w="med" type="none"/>
-            <a:tailEnd len="med" w="med" type="none"/>
+            <a:headEnd type="none" w="med" len="med"/>
+            <a:tailEnd type="none" w="med" len="med"/>
           </a:ln>
         </p:spPr>
       </p:cxnSp>
@@ -11277,23 +11235,20 @@
           </a:ln>
         </p:spPr>
         <p:txBody>
-          <a:bodyPr anchorCtr="0" anchor="ctr" bIns="91425" lIns="91425" spcFirstLastPara="1" rIns="91425" wrap="square" tIns="91425">
+          <a:bodyPr spcFirstLastPara="1" wrap="square" lIns="91425" tIns="91425" rIns="91425" bIns="91425" anchor="ctr" anchorCtr="0">
             <a:noAutofit/>
           </a:bodyPr>
           <a:lstStyle/>
           <a:p>
-            <a:pPr indent="0" lvl="0" marL="0" rtl="0" algn="ctr">
-              <a:spcBef>
-                <a:spcPts val="0"/>
-              </a:spcBef>
-              <a:spcAft>
-                <a:spcPts val="0"/>
-              </a:spcAft>
-              <a:buNone/>
-            </a:pPr>
-            <a:r>
-              <a:t/>
-            </a:r>
+            <a:pPr marL="0" lvl="0" indent="0" algn="ctr" rtl="0">
+              <a:spcBef>
+                <a:spcPts val="0"/>
+              </a:spcBef>
+              <a:spcAft>
+                <a:spcPts val="0"/>
+              </a:spcAft>
+              <a:buNone/>
+            </a:pPr>
             <a:endParaRPr/>
           </a:p>
         </p:txBody>
@@ -11318,12 +11273,12 @@
           </a:ln>
         </p:spPr>
         <p:txBody>
-          <a:bodyPr anchorCtr="0" anchor="ctr" bIns="91425" lIns="91425" spcFirstLastPara="1" rIns="91425" wrap="square" tIns="91425">
+          <a:bodyPr spcFirstLastPara="1" wrap="square" lIns="91425" tIns="91425" rIns="91425" bIns="91425" anchor="ctr" anchorCtr="0">
             <a:noAutofit/>
           </a:bodyPr>
           <a:lstStyle/>
           <a:p>
-            <a:pPr indent="0" lvl="0" marL="0" rtl="0" algn="ctr">
+            <a:pPr marL="0" lvl="0" indent="0" algn="ctr" rtl="0">
               <a:spcBef>
                 <a:spcPts val="0"/>
               </a:spcBef>
@@ -11376,12 +11331,12 @@
           </a:ln>
         </p:spPr>
         <p:txBody>
-          <a:bodyPr anchorCtr="0" anchor="ctr" bIns="91425" lIns="91425" spcFirstLastPara="1" rIns="91425" wrap="square" tIns="91425">
+          <a:bodyPr spcFirstLastPara="1" wrap="square" lIns="91425" tIns="91425" rIns="91425" bIns="91425" anchor="ctr" anchorCtr="0">
             <a:noAutofit/>
           </a:bodyPr>
           <a:lstStyle/>
           <a:p>
-            <a:pPr indent="0" lvl="0" marL="0" rtl="0" algn="ctr">
+            <a:pPr marL="0" lvl="0" indent="0" algn="ctr" rtl="0">
               <a:spcBef>
                 <a:spcPts val="0"/>
               </a:spcBef>
@@ -11436,23 +11391,20 @@
           </a:ln>
         </p:spPr>
         <p:txBody>
-          <a:bodyPr anchorCtr="0" anchor="ctr" bIns="91425" lIns="91425" spcFirstLastPara="1" rIns="91425" wrap="square" tIns="91425">
+          <a:bodyPr spcFirstLastPara="1" wrap="square" lIns="91425" tIns="91425" rIns="91425" bIns="91425" anchor="ctr" anchorCtr="0">
             <a:noAutofit/>
           </a:bodyPr>
           <a:lstStyle/>
           <a:p>
-            <a:pPr indent="0" lvl="0" marL="0" rtl="0" algn="ctr">
-              <a:spcBef>
-                <a:spcPts val="0"/>
-              </a:spcBef>
-              <a:spcAft>
-                <a:spcPts val="0"/>
-              </a:spcAft>
-              <a:buNone/>
-            </a:pPr>
-            <a:r>
-              <a:t/>
-            </a:r>
+            <a:pPr marL="0" lvl="0" indent="0" algn="ctr" rtl="0">
+              <a:spcBef>
+                <a:spcPts val="0"/>
+              </a:spcBef>
+              <a:spcAft>
+                <a:spcPts val="0"/>
+              </a:spcAft>
+              <a:buNone/>
+            </a:pPr>
             <a:endParaRPr/>
           </a:p>
         </p:txBody>
@@ -11477,12 +11429,12 @@
           </a:ln>
         </p:spPr>
         <p:txBody>
-          <a:bodyPr anchorCtr="0" anchor="ctr" bIns="91425" lIns="91425" spcFirstLastPara="1" rIns="91425" wrap="square" tIns="91425">
+          <a:bodyPr spcFirstLastPara="1" wrap="square" lIns="91425" tIns="91425" rIns="91425" bIns="91425" anchor="ctr" anchorCtr="0">
             <a:noAutofit/>
           </a:bodyPr>
           <a:lstStyle/>
           <a:p>
-            <a:pPr indent="0" lvl="0" marL="0" rtl="0" algn="ctr">
+            <a:pPr marL="0" lvl="0" indent="0" algn="ctr" rtl="0">
               <a:spcBef>
                 <a:spcPts val="0"/>
               </a:spcBef>
@@ -11532,14 +11484,14 @@
             <a:avLst/>
           </a:prstGeom>
           <a:noFill/>
-          <a:ln cap="flat" cmpd="sng" w="28575">
+          <a:ln w="28575" cap="flat" cmpd="sng">
             <a:solidFill>
               <a:srgbClr val="6AA84F"/>
             </a:solidFill>
             <a:prstDash val="solid"/>
             <a:round/>
-            <a:headEnd len="med" w="med" type="none"/>
-            <a:tailEnd len="med" w="med" type="none"/>
+            <a:headEnd type="none" w="med" len="med"/>
+            <a:tailEnd type="none" w="med" len="med"/>
           </a:ln>
         </p:spPr>
       </p:cxnSp>
@@ -11563,12 +11515,12 @@
           </a:ln>
         </p:spPr>
         <p:txBody>
-          <a:bodyPr anchorCtr="0" anchor="ctr" bIns="91425" lIns="91425" spcFirstLastPara="1" rIns="91425" wrap="square" tIns="91425">
+          <a:bodyPr spcFirstLastPara="1" wrap="square" lIns="91425" tIns="91425" rIns="91425" bIns="91425" anchor="ctr" anchorCtr="0">
             <a:noAutofit/>
           </a:bodyPr>
           <a:lstStyle/>
           <a:p>
-            <a:pPr indent="0" lvl="0" marL="0" rtl="0" algn="ctr">
+            <a:pPr marL="0" lvl="0" indent="0" algn="ctr" rtl="0">
               <a:spcBef>
                 <a:spcPts val="0"/>
               </a:spcBef>
@@ -11623,23 +11575,20 @@
           </a:ln>
         </p:spPr>
         <p:txBody>
-          <a:bodyPr anchorCtr="0" anchor="ctr" bIns="91425" lIns="91425" spcFirstLastPara="1" rIns="91425" wrap="square" tIns="91425">
+          <a:bodyPr spcFirstLastPara="1" wrap="square" lIns="91425" tIns="91425" rIns="91425" bIns="91425" anchor="ctr" anchorCtr="0">
             <a:noAutofit/>
           </a:bodyPr>
           <a:lstStyle/>
           <a:p>
-            <a:pPr indent="0" lvl="0" marL="0" rtl="0" algn="ctr">
-              <a:spcBef>
-                <a:spcPts val="0"/>
-              </a:spcBef>
-              <a:spcAft>
-                <a:spcPts val="0"/>
-              </a:spcAft>
-              <a:buNone/>
-            </a:pPr>
-            <a:r>
-              <a:t/>
-            </a:r>
+            <a:pPr marL="0" lvl="0" indent="0" algn="ctr" rtl="0">
+              <a:spcBef>
+                <a:spcPts val="0"/>
+              </a:spcBef>
+              <a:spcAft>
+                <a:spcPts val="0"/>
+              </a:spcAft>
+              <a:buNone/>
+            </a:pPr>
             <a:endParaRPr/>
           </a:p>
         </p:txBody>
@@ -11664,12 +11613,12 @@
           </a:ln>
         </p:spPr>
         <p:txBody>
-          <a:bodyPr anchorCtr="0" anchor="ctr" bIns="91425" lIns="91425" spcFirstLastPara="1" rIns="91425" wrap="square" tIns="91425">
+          <a:bodyPr spcFirstLastPara="1" wrap="square" lIns="91425" tIns="91425" rIns="91425" bIns="91425" anchor="ctr" anchorCtr="0">
             <a:noAutofit/>
           </a:bodyPr>
           <a:lstStyle/>
           <a:p>
-            <a:pPr indent="0" lvl="0" marL="0" rtl="0" algn="ctr">
+            <a:pPr marL="0" lvl="0" indent="0" algn="ctr" rtl="0">
               <a:spcBef>
                 <a:spcPts val="0"/>
               </a:spcBef>
@@ -11688,19 +11637,7 @@
                 <a:cs typeface="Calibri"/>
                 <a:sym typeface="Calibri"/>
               </a:rPr>
-              <a:t>user</a:t>
-            </a:r>
-            <a:r>
-              <a:rPr lang="zh-TW" u="sng">
-                <a:solidFill>
-                  <a:srgbClr val="FFFFFF"/>
-                </a:solidFill>
-                <a:latin typeface="Calibri"/>
-                <a:ea typeface="Calibri"/>
-                <a:cs typeface="Calibri"/>
-                <a:sym typeface="Calibri"/>
-              </a:rPr>
-              <a:t>ID</a:t>
+              <a:t>userID</a:t>
             </a:r>
             <a:endParaRPr u="sng">
               <a:solidFill>
@@ -11734,12 +11671,12 @@
           </a:ln>
         </p:spPr>
         <p:txBody>
-          <a:bodyPr anchorCtr="0" anchor="ctr" bIns="91425" lIns="91425" spcFirstLastPara="1" rIns="91425" wrap="square" tIns="91425">
+          <a:bodyPr spcFirstLastPara="1" wrap="square" lIns="91425" tIns="91425" rIns="91425" bIns="91425" anchor="ctr" anchorCtr="0">
             <a:noAutofit/>
           </a:bodyPr>
           <a:lstStyle/>
           <a:p>
-            <a:pPr indent="0" lvl="0" marL="0" rtl="0" algn="ctr">
+            <a:pPr marL="0" lvl="0" indent="0" algn="ctr" rtl="0">
               <a:spcBef>
                 <a:spcPts val="0"/>
               </a:spcBef>
@@ -11792,12 +11729,12 @@
           </a:ln>
         </p:spPr>
         <p:txBody>
-          <a:bodyPr anchorCtr="0" anchor="ctr" bIns="91425" lIns="91425" spcFirstLastPara="1" rIns="91425" wrap="square" tIns="91425">
+          <a:bodyPr spcFirstLastPara="1" wrap="square" lIns="91425" tIns="91425" rIns="91425" bIns="91425" anchor="ctr" anchorCtr="0">
             <a:noAutofit/>
           </a:bodyPr>
           <a:lstStyle/>
           <a:p>
-            <a:pPr indent="0" lvl="0" marL="0" rtl="0" algn="ctr">
+            <a:pPr marL="0" lvl="0" indent="0" algn="ctr" rtl="0">
               <a:spcBef>
                 <a:spcPts val="0"/>
               </a:spcBef>
@@ -11845,14 +11782,14 @@
             <a:avLst/>
           </a:prstGeom>
           <a:noFill/>
-          <a:ln cap="flat" cmpd="sng" w="28575">
+          <a:ln w="28575" cap="flat" cmpd="sng">
             <a:solidFill>
               <a:srgbClr val="6AA84F"/>
             </a:solidFill>
             <a:prstDash val="solid"/>
             <a:round/>
-            <a:headEnd len="med" w="med" type="none"/>
-            <a:tailEnd len="med" w="med" type="none"/>
+            <a:headEnd type="none" w="med" len="med"/>
+            <a:tailEnd type="none" w="med" len="med"/>
           </a:ln>
         </p:spPr>
       </p:cxnSp>
@@ -11871,14 +11808,14 @@
             <a:avLst/>
           </a:prstGeom>
           <a:noFill/>
-          <a:ln cap="flat" cmpd="sng" w="28575">
+          <a:ln w="28575" cap="flat" cmpd="sng">
             <a:solidFill>
               <a:srgbClr val="6AA84F"/>
             </a:solidFill>
             <a:prstDash val="solid"/>
             <a:round/>
-            <a:headEnd len="med" w="med" type="none"/>
-            <a:tailEnd len="med" w="med" type="none"/>
+            <a:headEnd type="none" w="med" len="med"/>
+            <a:tailEnd type="none" w="med" len="med"/>
           </a:ln>
         </p:spPr>
       </p:cxnSp>
@@ -11899,14 +11836,14 @@
             <a:avLst/>
           </a:prstGeom>
           <a:noFill/>
-          <a:ln cap="flat" cmpd="sng" w="28575">
+          <a:ln w="28575" cap="flat" cmpd="sng">
             <a:solidFill>
               <a:srgbClr val="6AA84F"/>
             </a:solidFill>
             <a:prstDash val="solid"/>
             <a:round/>
-            <a:headEnd len="med" w="med" type="none"/>
-            <a:tailEnd len="med" w="med" type="none"/>
+            <a:headEnd type="none" w="med" len="med"/>
+            <a:tailEnd type="none" w="med" len="med"/>
           </a:ln>
         </p:spPr>
       </p:cxnSp>
@@ -11927,14 +11864,14 @@
             <a:avLst/>
           </a:prstGeom>
           <a:noFill/>
-          <a:ln cap="flat" cmpd="sng" w="28575">
+          <a:ln w="28575" cap="flat" cmpd="sng">
             <a:solidFill>
               <a:srgbClr val="6AA84F"/>
             </a:solidFill>
             <a:prstDash val="solid"/>
             <a:round/>
-            <a:headEnd len="med" w="med" type="none"/>
-            <a:tailEnd len="med" w="med" type="none"/>
+            <a:headEnd type="none" w="med" len="med"/>
+            <a:tailEnd type="none" w="med" len="med"/>
           </a:ln>
         </p:spPr>
       </p:cxnSp>
@@ -11955,14 +11892,14 @@
             <a:avLst/>
           </a:prstGeom>
           <a:noFill/>
-          <a:ln cap="flat" cmpd="sng" w="28575">
+          <a:ln w="28575" cap="flat" cmpd="sng">
             <a:solidFill>
               <a:srgbClr val="6AA84F"/>
             </a:solidFill>
             <a:prstDash val="solid"/>
             <a:round/>
-            <a:headEnd len="med" w="med" type="none"/>
-            <a:tailEnd len="med" w="med" type="none"/>
+            <a:headEnd type="none" w="med" len="med"/>
+            <a:tailEnd type="none" w="med" len="med"/>
           </a:ln>
         </p:spPr>
       </p:cxnSp>
@@ -11986,12 +11923,12 @@
           </a:ln>
         </p:spPr>
         <p:txBody>
-          <a:bodyPr anchorCtr="0" anchor="ctr" bIns="91425" lIns="91425" spcFirstLastPara="1" rIns="91425" wrap="square" tIns="91425">
+          <a:bodyPr spcFirstLastPara="1" wrap="square" lIns="91425" tIns="91425" rIns="91425" bIns="91425" anchor="ctr" anchorCtr="0">
             <a:noAutofit/>
           </a:bodyPr>
           <a:lstStyle/>
           <a:p>
-            <a:pPr indent="0" lvl="0" marL="0" rtl="0" algn="ctr">
+            <a:pPr marL="0" lvl="0" indent="0" algn="ctr" rtl="0">
               <a:spcBef>
                 <a:spcPts val="0"/>
               </a:spcBef>
@@ -12046,23 +11983,20 @@
           </a:ln>
         </p:spPr>
         <p:txBody>
-          <a:bodyPr anchorCtr="0" anchor="ctr" bIns="91425" lIns="91425" spcFirstLastPara="1" rIns="91425" wrap="square" tIns="91425">
+          <a:bodyPr spcFirstLastPara="1" wrap="square" lIns="91425" tIns="91425" rIns="91425" bIns="91425" anchor="ctr" anchorCtr="0">
             <a:noAutofit/>
           </a:bodyPr>
           <a:lstStyle/>
           <a:p>
-            <a:pPr indent="0" lvl="0" marL="0" rtl="0" algn="ctr">
-              <a:spcBef>
-                <a:spcPts val="0"/>
-              </a:spcBef>
-              <a:spcAft>
-                <a:spcPts val="0"/>
-              </a:spcAft>
-              <a:buNone/>
-            </a:pPr>
-            <a:r>
-              <a:t/>
-            </a:r>
+            <a:pPr marL="0" lvl="0" indent="0" algn="ctr" rtl="0">
+              <a:spcBef>
+                <a:spcPts val="0"/>
+              </a:spcBef>
+              <a:spcAft>
+                <a:spcPts val="0"/>
+              </a:spcAft>
+              <a:buNone/>
+            </a:pPr>
             <a:endParaRPr/>
           </a:p>
         </p:txBody>
@@ -12087,12 +12021,12 @@
           </a:ln>
         </p:spPr>
         <p:txBody>
-          <a:bodyPr anchorCtr="0" anchor="ctr" bIns="91425" lIns="91425" spcFirstLastPara="1" rIns="91425" wrap="square" tIns="91425">
+          <a:bodyPr spcFirstLastPara="1" wrap="square" lIns="91425" tIns="91425" rIns="91425" bIns="91425" anchor="ctr" anchorCtr="0">
             <a:noAutofit/>
           </a:bodyPr>
           <a:lstStyle/>
           <a:p>
-            <a:pPr indent="0" lvl="0" marL="0" rtl="0" algn="ctr">
+            <a:pPr marL="0" lvl="0" indent="0" algn="ctr" rtl="0">
               <a:spcBef>
                 <a:spcPts val="0"/>
               </a:spcBef>
@@ -12145,12 +12079,12 @@
           </a:ln>
         </p:spPr>
         <p:txBody>
-          <a:bodyPr anchorCtr="0" anchor="ctr" bIns="91425" lIns="91425" spcFirstLastPara="1" rIns="91425" wrap="square" tIns="91425">
+          <a:bodyPr spcFirstLastPara="1" wrap="square" lIns="91425" tIns="91425" rIns="91425" bIns="91425" anchor="ctr" anchorCtr="0">
             <a:noAutofit/>
           </a:bodyPr>
           <a:lstStyle/>
           <a:p>
-            <a:pPr indent="0" lvl="0" marL="0" rtl="0" algn="ctr">
+            <a:pPr marL="0" lvl="0" indent="0" algn="ctr" rtl="0">
               <a:spcBef>
                 <a:spcPts val="0"/>
               </a:spcBef>
@@ -12205,23 +12139,20 @@
           </a:ln>
         </p:spPr>
         <p:txBody>
-          <a:bodyPr anchorCtr="0" anchor="ctr" bIns="91425" lIns="91425" spcFirstLastPara="1" rIns="91425" wrap="square" tIns="91425">
+          <a:bodyPr spcFirstLastPara="1" wrap="square" lIns="91425" tIns="91425" rIns="91425" bIns="91425" anchor="ctr" anchorCtr="0">
             <a:noAutofit/>
           </a:bodyPr>
           <a:lstStyle/>
           <a:p>
-            <a:pPr indent="0" lvl="0" marL="0" rtl="0" algn="ctr">
-              <a:spcBef>
-                <a:spcPts val="0"/>
-              </a:spcBef>
-              <a:spcAft>
-                <a:spcPts val="0"/>
-              </a:spcAft>
-              <a:buNone/>
-            </a:pPr>
-            <a:r>
-              <a:t/>
-            </a:r>
+            <a:pPr marL="0" lvl="0" indent="0" algn="ctr" rtl="0">
+              <a:spcBef>
+                <a:spcPts val="0"/>
+              </a:spcBef>
+              <a:spcAft>
+                <a:spcPts val="0"/>
+              </a:spcAft>
+              <a:buNone/>
+            </a:pPr>
             <a:endParaRPr/>
           </a:p>
         </p:txBody>
@@ -12246,12 +12177,12 @@
           </a:ln>
         </p:spPr>
         <p:txBody>
-          <a:bodyPr anchorCtr="0" anchor="ctr" bIns="91425" lIns="91425" spcFirstLastPara="1" rIns="91425" wrap="square" tIns="91425">
+          <a:bodyPr spcFirstLastPara="1" wrap="square" lIns="91425" tIns="91425" rIns="91425" bIns="91425" anchor="ctr" anchorCtr="0">
             <a:noAutofit/>
           </a:bodyPr>
           <a:lstStyle/>
           <a:p>
-            <a:pPr indent="0" lvl="0" marL="0" rtl="0" algn="ctr">
+            <a:pPr marL="0" lvl="0" indent="0" algn="ctr" rtl="0">
               <a:spcBef>
                 <a:spcPts val="0"/>
               </a:spcBef>
@@ -12304,12 +12235,12 @@
           </a:ln>
         </p:spPr>
         <p:txBody>
-          <a:bodyPr anchorCtr="0" anchor="ctr" bIns="91425" lIns="91425" spcFirstLastPara="1" rIns="91425" wrap="square" tIns="91425">
+          <a:bodyPr spcFirstLastPara="1" wrap="square" lIns="91425" tIns="91425" rIns="91425" bIns="91425" anchor="ctr" anchorCtr="0">
             <a:noAutofit/>
           </a:bodyPr>
           <a:lstStyle/>
           <a:p>
-            <a:pPr indent="0" lvl="0" marL="0" rtl="0" algn="ctr">
+            <a:pPr marL="0" lvl="0" indent="0" algn="ctr" rtl="0">
               <a:spcBef>
                 <a:spcPts val="0"/>
               </a:spcBef>
@@ -12364,23 +12295,20 @@
           </a:ln>
         </p:spPr>
         <p:txBody>
-          <a:bodyPr anchorCtr="0" anchor="ctr" bIns="91425" lIns="91425" spcFirstLastPara="1" rIns="91425" wrap="square" tIns="91425">
+          <a:bodyPr spcFirstLastPara="1" wrap="square" lIns="91425" tIns="91425" rIns="91425" bIns="91425" anchor="ctr" anchorCtr="0">
             <a:noAutofit/>
           </a:bodyPr>
           <a:lstStyle/>
           <a:p>
-            <a:pPr indent="0" lvl="0" marL="0" rtl="0" algn="ctr">
-              <a:spcBef>
-                <a:spcPts val="0"/>
-              </a:spcBef>
-              <a:spcAft>
-                <a:spcPts val="0"/>
-              </a:spcAft>
-              <a:buNone/>
-            </a:pPr>
-            <a:r>
-              <a:t/>
-            </a:r>
+            <a:pPr marL="0" lvl="0" indent="0" algn="ctr" rtl="0">
+              <a:spcBef>
+                <a:spcPts val="0"/>
+              </a:spcBef>
+              <a:spcAft>
+                <a:spcPts val="0"/>
+              </a:spcAft>
+              <a:buNone/>
+            </a:pPr>
             <a:endParaRPr/>
           </a:p>
         </p:txBody>
@@ -12405,12 +12333,12 @@
           </a:ln>
         </p:spPr>
         <p:txBody>
-          <a:bodyPr anchorCtr="0" anchor="ctr" bIns="91425" lIns="91425" spcFirstLastPara="1" rIns="91425" wrap="square" tIns="91425">
+          <a:bodyPr spcFirstLastPara="1" wrap="square" lIns="91425" tIns="91425" rIns="91425" bIns="91425" anchor="ctr" anchorCtr="0">
             <a:noAutofit/>
           </a:bodyPr>
           <a:lstStyle/>
           <a:p>
-            <a:pPr indent="0" lvl="0" marL="0" rtl="0" algn="ctr">
+            <a:pPr marL="0" lvl="0" indent="0" algn="ctr" rtl="0">
               <a:spcBef>
                 <a:spcPts val="0"/>
               </a:spcBef>
@@ -12463,12 +12391,12 @@
           </a:ln>
         </p:spPr>
         <p:txBody>
-          <a:bodyPr anchorCtr="0" anchor="ctr" bIns="91425" lIns="91425" spcFirstLastPara="1" rIns="91425" wrap="square" tIns="91425">
+          <a:bodyPr spcFirstLastPara="1" wrap="square" lIns="91425" tIns="91425" rIns="91425" bIns="91425" anchor="ctr" anchorCtr="0">
             <a:noAutofit/>
           </a:bodyPr>
           <a:lstStyle/>
           <a:p>
-            <a:pPr indent="0" lvl="0" marL="0" rtl="0" algn="ctr">
+            <a:pPr marL="0" lvl="0" indent="0" algn="ctr" rtl="0">
               <a:spcBef>
                 <a:spcPts val="0"/>
               </a:spcBef>
@@ -12523,23 +12451,20 @@
           </a:ln>
         </p:spPr>
         <p:txBody>
-          <a:bodyPr anchorCtr="0" anchor="ctr" bIns="91425" lIns="91425" spcFirstLastPara="1" rIns="91425" wrap="square" tIns="91425">
+          <a:bodyPr spcFirstLastPara="1" wrap="square" lIns="91425" tIns="91425" rIns="91425" bIns="91425" anchor="ctr" anchorCtr="0">
             <a:noAutofit/>
           </a:bodyPr>
           <a:lstStyle/>
           <a:p>
-            <a:pPr indent="0" lvl="0" marL="0" rtl="0" algn="ctr">
-              <a:spcBef>
-                <a:spcPts val="0"/>
-              </a:spcBef>
-              <a:spcAft>
-                <a:spcPts val="0"/>
-              </a:spcAft>
-              <a:buNone/>
-            </a:pPr>
-            <a:r>
-              <a:t/>
-            </a:r>
+            <a:pPr marL="0" lvl="0" indent="0" algn="ctr" rtl="0">
+              <a:spcBef>
+                <a:spcPts val="0"/>
+              </a:spcBef>
+              <a:spcAft>
+                <a:spcPts val="0"/>
+              </a:spcAft>
+              <a:buNone/>
+            </a:pPr>
             <a:endParaRPr/>
           </a:p>
         </p:txBody>
@@ -12564,12 +12489,12 @@
           </a:ln>
         </p:spPr>
         <p:txBody>
-          <a:bodyPr anchorCtr="0" anchor="ctr" bIns="91425" lIns="91425" spcFirstLastPara="1" rIns="91425" wrap="square" tIns="91425">
+          <a:bodyPr spcFirstLastPara="1" wrap="square" lIns="91425" tIns="91425" rIns="91425" bIns="91425" anchor="ctr" anchorCtr="0">
             <a:noAutofit/>
           </a:bodyPr>
           <a:lstStyle/>
           <a:p>
-            <a:pPr indent="0" lvl="0" marL="0" rtl="0" algn="ctr">
+            <a:pPr marL="0" lvl="0" indent="0" algn="ctr" rtl="0">
               <a:spcBef>
                 <a:spcPts val="0"/>
               </a:spcBef>
@@ -12624,23 +12549,20 @@
           </a:ln>
         </p:spPr>
         <p:txBody>
-          <a:bodyPr anchorCtr="0" anchor="ctr" bIns="91425" lIns="91425" spcFirstLastPara="1" rIns="91425" wrap="square" tIns="91425">
+          <a:bodyPr spcFirstLastPara="1" wrap="square" lIns="91425" tIns="91425" rIns="91425" bIns="91425" anchor="ctr" anchorCtr="0">
             <a:noAutofit/>
           </a:bodyPr>
           <a:lstStyle/>
           <a:p>
-            <a:pPr indent="0" lvl="0" marL="0" rtl="0" algn="ctr">
-              <a:spcBef>
-                <a:spcPts val="0"/>
-              </a:spcBef>
-              <a:spcAft>
-                <a:spcPts val="0"/>
-              </a:spcAft>
-              <a:buNone/>
-            </a:pPr>
-            <a:r>
-              <a:t/>
-            </a:r>
+            <a:pPr marL="0" lvl="0" indent="0" algn="ctr" rtl="0">
+              <a:spcBef>
+                <a:spcPts val="0"/>
+              </a:spcBef>
+              <a:spcAft>
+                <a:spcPts val="0"/>
+              </a:spcAft>
+              <a:buNone/>
+            </a:pPr>
             <a:endParaRPr/>
           </a:p>
         </p:txBody>
@@ -12665,12 +12587,12 @@
           </a:ln>
         </p:spPr>
         <p:txBody>
-          <a:bodyPr anchorCtr="0" anchor="ctr" bIns="91425" lIns="91425" spcFirstLastPara="1" rIns="91425" wrap="square" tIns="91425">
+          <a:bodyPr spcFirstLastPara="1" wrap="square" lIns="91425" tIns="91425" rIns="91425" bIns="91425" anchor="ctr" anchorCtr="0">
             <a:noAutofit/>
           </a:bodyPr>
           <a:lstStyle/>
           <a:p>
-            <a:pPr indent="0" lvl="0" marL="0" rtl="0" algn="ctr">
+            <a:pPr marL="0" lvl="0" indent="0" algn="ctr" rtl="0">
               <a:spcBef>
                 <a:spcPts val="0"/>
               </a:spcBef>
@@ -12725,23 +12647,20 @@
           </a:ln>
         </p:spPr>
         <p:txBody>
-          <a:bodyPr anchorCtr="0" anchor="ctr" bIns="91425" lIns="91425" spcFirstLastPara="1" rIns="91425" wrap="square" tIns="91425">
+          <a:bodyPr spcFirstLastPara="1" wrap="square" lIns="91425" tIns="91425" rIns="91425" bIns="91425" anchor="ctr" anchorCtr="0">
             <a:noAutofit/>
           </a:bodyPr>
           <a:lstStyle/>
           <a:p>
-            <a:pPr indent="0" lvl="0" marL="0" rtl="0" algn="ctr">
-              <a:spcBef>
-                <a:spcPts val="0"/>
-              </a:spcBef>
-              <a:spcAft>
-                <a:spcPts val="0"/>
-              </a:spcAft>
-              <a:buNone/>
-            </a:pPr>
-            <a:r>
-              <a:t/>
-            </a:r>
+            <a:pPr marL="0" lvl="0" indent="0" algn="ctr" rtl="0">
+              <a:spcBef>
+                <a:spcPts val="0"/>
+              </a:spcBef>
+              <a:spcAft>
+                <a:spcPts val="0"/>
+              </a:spcAft>
+              <a:buNone/>
+            </a:pPr>
             <a:endParaRPr/>
           </a:p>
         </p:txBody>
@@ -12766,12 +12685,12 @@
           </a:ln>
         </p:spPr>
         <p:txBody>
-          <a:bodyPr anchorCtr="0" anchor="ctr" bIns="91425" lIns="91425" spcFirstLastPara="1" rIns="91425" wrap="square" tIns="91425">
+          <a:bodyPr spcFirstLastPara="1" wrap="square" lIns="91425" tIns="91425" rIns="91425" bIns="91425" anchor="ctr" anchorCtr="0">
             <a:noAutofit/>
           </a:bodyPr>
           <a:lstStyle/>
           <a:p>
-            <a:pPr indent="0" lvl="0" marL="0" rtl="0" algn="ctr">
+            <a:pPr marL="0" lvl="0" indent="0" algn="ctr" rtl="0">
               <a:spcBef>
                 <a:spcPts val="0"/>
               </a:spcBef>
@@ -12781,7 +12700,7 @@
               <a:buNone/>
             </a:pPr>
             <a:r>
-              <a:rPr b="1" lang="zh-TW">
+              <a:rPr lang="zh-TW" b="1">
                 <a:solidFill>
                   <a:srgbClr val="FFFFFF"/>
                 </a:solidFill>
@@ -12790,19 +12709,7 @@
                 <a:cs typeface="Microsoft JhengHei"/>
                 <a:sym typeface="Microsoft JhengHei"/>
               </a:rPr>
-              <a:t>店家</a:t>
-            </a:r>
-            <a:r>
-              <a:rPr b="1" lang="zh-TW">
-                <a:solidFill>
-                  <a:srgbClr val="FFFFFF"/>
-                </a:solidFill>
-                <a:latin typeface="Microsoft JhengHei"/>
-                <a:ea typeface="Microsoft JhengHei"/>
-                <a:cs typeface="Microsoft JhengHei"/>
-                <a:sym typeface="Microsoft JhengHei"/>
-              </a:rPr>
-              <a:t>資料表</a:t>
+              <a:t>店家資料表</a:t>
             </a:r>
             <a:endParaRPr b="1">
               <a:solidFill>
@@ -12815,7 +12722,7 @@
             </a:endParaRPr>
           </a:p>
           <a:p>
-            <a:pPr indent="0" lvl="0" marL="0" rtl="0" algn="ctr">
+            <a:pPr marL="0" lvl="0" indent="0" algn="ctr" rtl="0">
               <a:spcBef>
                 <a:spcPts val="0"/>
               </a:spcBef>
@@ -12825,7 +12732,7 @@
               <a:buNone/>
             </a:pPr>
             <a:r>
-              <a:rPr b="1" lang="zh-TW">
+              <a:rPr lang="zh-TW" b="1">
                 <a:solidFill>
                   <a:srgbClr val="FFFFFF"/>
                 </a:solidFill>
@@ -12857,7 +12764,7 @@
           <p:nvPr/>
         </p:nvCxnSpPr>
         <p:spPr>
-          <a:xfrm flipH="1" rot="10800000">
+          <a:xfrm rot="10800000" flipH="1">
             <a:off x="5625957" y="3660575"/>
             <a:ext cx="411600" cy="598200"/>
           </a:xfrm>
@@ -12865,14 +12772,14 @@
             <a:avLst/>
           </a:prstGeom>
           <a:noFill/>
-          <a:ln cap="flat" cmpd="sng" w="28575">
+          <a:ln w="28575" cap="flat" cmpd="sng">
             <a:solidFill>
               <a:srgbClr val="6AA84F"/>
             </a:solidFill>
             <a:prstDash val="solid"/>
             <a:round/>
-            <a:headEnd len="med" w="med" type="none"/>
-            <a:tailEnd len="med" w="med" type="none"/>
+            <a:headEnd type="none" w="med" len="med"/>
+            <a:tailEnd type="none" w="med" len="med"/>
           </a:ln>
         </p:spPr>
       </p:cxnSp>
@@ -12891,14 +12798,14 @@
             <a:avLst/>
           </a:prstGeom>
           <a:noFill/>
-          <a:ln cap="flat" cmpd="sng" w="28575">
+          <a:ln w="28575" cap="flat" cmpd="sng">
             <a:solidFill>
               <a:srgbClr val="6AA84F"/>
             </a:solidFill>
             <a:prstDash val="solid"/>
             <a:round/>
-            <a:headEnd len="med" w="med" type="none"/>
-            <a:tailEnd len="med" w="med" type="none"/>
+            <a:headEnd type="none" w="med" len="med"/>
+            <a:tailEnd type="none" w="med" len="med"/>
           </a:ln>
         </p:spPr>
       </p:cxnSp>
@@ -12917,14 +12824,14 @@
             <a:avLst/>
           </a:prstGeom>
           <a:noFill/>
-          <a:ln cap="flat" cmpd="sng" w="28575">
+          <a:ln w="28575" cap="flat" cmpd="sng">
             <a:solidFill>
               <a:srgbClr val="6AA84F"/>
             </a:solidFill>
             <a:prstDash val="solid"/>
             <a:round/>
-            <a:headEnd len="med" w="med" type="none"/>
-            <a:tailEnd len="med" w="med" type="none"/>
+            <a:headEnd type="none" w="med" len="med"/>
+            <a:tailEnd type="none" w="med" len="med"/>
           </a:ln>
         </p:spPr>
       </p:cxnSp>
@@ -12937,7 +12844,7 @@
           <p:nvPr/>
         </p:nvCxnSpPr>
         <p:spPr>
-          <a:xfrm flipH="1" rot="10800000">
+          <a:xfrm rot="10800000" flipH="1">
             <a:off x="6735957" y="3293675"/>
             <a:ext cx="778500" cy="194700"/>
           </a:xfrm>
@@ -12945,14 +12852,14 @@
             <a:avLst/>
           </a:prstGeom>
           <a:noFill/>
-          <a:ln cap="flat" cmpd="sng" w="28575">
+          <a:ln w="28575" cap="flat" cmpd="sng">
             <a:solidFill>
               <a:srgbClr val="6AA84F"/>
             </a:solidFill>
             <a:prstDash val="solid"/>
             <a:round/>
-            <a:headEnd len="med" w="med" type="none"/>
-            <a:tailEnd len="med" w="med" type="none"/>
+            <a:headEnd type="none" w="med" len="med"/>
+            <a:tailEnd type="none" w="med" len="med"/>
           </a:ln>
         </p:spPr>
       </p:cxnSp>
@@ -12976,12 +12883,12 @@
           </a:ln>
         </p:spPr>
         <p:txBody>
-          <a:bodyPr anchorCtr="0" anchor="ctr" bIns="91425" lIns="91425" spcFirstLastPara="1" rIns="91425" wrap="square" tIns="91425">
+          <a:bodyPr spcFirstLastPara="1" wrap="square" lIns="91425" tIns="91425" rIns="91425" bIns="91425" anchor="ctr" anchorCtr="0">
             <a:noAutofit/>
           </a:bodyPr>
           <a:lstStyle/>
           <a:p>
-            <a:pPr indent="0" lvl="0" marL="0" rtl="0" algn="ctr">
+            <a:pPr marL="0" lvl="0" indent="0" algn="ctr" rtl="0">
               <a:spcBef>
                 <a:spcPts val="0"/>
               </a:spcBef>
@@ -13036,23 +12943,20 @@
           </a:ln>
         </p:spPr>
         <p:txBody>
-          <a:bodyPr anchorCtr="0" anchor="ctr" bIns="91425" lIns="91425" spcFirstLastPara="1" rIns="91425" wrap="square" tIns="91425">
+          <a:bodyPr spcFirstLastPara="1" wrap="square" lIns="91425" tIns="91425" rIns="91425" bIns="91425" anchor="ctr" anchorCtr="0">
             <a:noAutofit/>
           </a:bodyPr>
           <a:lstStyle/>
           <a:p>
-            <a:pPr indent="0" lvl="0" marL="0" rtl="0" algn="ctr">
-              <a:spcBef>
-                <a:spcPts val="0"/>
-              </a:spcBef>
-              <a:spcAft>
-                <a:spcPts val="0"/>
-              </a:spcAft>
-              <a:buNone/>
-            </a:pPr>
-            <a:r>
-              <a:t/>
-            </a:r>
+            <a:pPr marL="0" lvl="0" indent="0" algn="ctr" rtl="0">
+              <a:spcBef>
+                <a:spcPts val="0"/>
+              </a:spcBef>
+              <a:spcAft>
+                <a:spcPts val="0"/>
+              </a:spcAft>
+              <a:buNone/>
+            </a:pPr>
             <a:endParaRPr/>
           </a:p>
         </p:txBody>
@@ -13077,12 +12981,12 @@
           </a:ln>
         </p:spPr>
         <p:txBody>
-          <a:bodyPr anchorCtr="0" anchor="ctr" bIns="91425" lIns="91425" spcFirstLastPara="1" rIns="91425" wrap="square" tIns="91425">
+          <a:bodyPr spcFirstLastPara="1" wrap="square" lIns="91425" tIns="91425" rIns="91425" bIns="91425" anchor="ctr" anchorCtr="0">
             <a:noAutofit/>
           </a:bodyPr>
           <a:lstStyle/>
           <a:p>
-            <a:pPr indent="0" lvl="0" marL="0" rtl="0" algn="ctr">
+            <a:pPr marL="0" lvl="0" indent="0" algn="ctr" rtl="0">
               <a:spcBef>
                 <a:spcPts val="0"/>
               </a:spcBef>
@@ -13135,12 +13039,12 @@
           </a:ln>
         </p:spPr>
         <p:txBody>
-          <a:bodyPr anchorCtr="0" anchor="ctr" bIns="91425" lIns="91425" spcFirstLastPara="1" rIns="91425" wrap="square" tIns="91425">
+          <a:bodyPr spcFirstLastPara="1" wrap="square" lIns="91425" tIns="91425" rIns="91425" bIns="91425" anchor="ctr" anchorCtr="0">
             <a:noAutofit/>
           </a:bodyPr>
           <a:lstStyle/>
           <a:p>
-            <a:pPr indent="0" lvl="0" marL="0" rtl="0" algn="ctr">
+            <a:pPr marL="0" lvl="0" indent="0" algn="ctr" rtl="0">
               <a:spcBef>
                 <a:spcPts val="0"/>
               </a:spcBef>
@@ -13195,23 +13099,20 @@
           </a:ln>
         </p:spPr>
         <p:txBody>
-          <a:bodyPr anchorCtr="0" anchor="ctr" bIns="91425" lIns="91425" spcFirstLastPara="1" rIns="91425" wrap="square" tIns="91425">
+          <a:bodyPr spcFirstLastPara="1" wrap="square" lIns="91425" tIns="91425" rIns="91425" bIns="91425" anchor="ctr" anchorCtr="0">
             <a:noAutofit/>
           </a:bodyPr>
           <a:lstStyle/>
           <a:p>
-            <a:pPr indent="0" lvl="0" marL="0" rtl="0" algn="ctr">
-              <a:spcBef>
-                <a:spcPts val="0"/>
-              </a:spcBef>
-              <a:spcAft>
-                <a:spcPts val="0"/>
-              </a:spcAft>
-              <a:buNone/>
-            </a:pPr>
-            <a:r>
-              <a:t/>
-            </a:r>
+            <a:pPr marL="0" lvl="0" indent="0" algn="ctr" rtl="0">
+              <a:spcBef>
+                <a:spcPts val="0"/>
+              </a:spcBef>
+              <a:spcAft>
+                <a:spcPts val="0"/>
+              </a:spcAft>
+              <a:buNone/>
+            </a:pPr>
             <a:endParaRPr/>
           </a:p>
         </p:txBody>
@@ -13236,12 +13137,12 @@
           </a:ln>
         </p:spPr>
         <p:txBody>
-          <a:bodyPr anchorCtr="0" anchor="ctr" bIns="91425" lIns="91425" spcFirstLastPara="1" rIns="91425" wrap="square" tIns="91425">
+          <a:bodyPr spcFirstLastPara="1" wrap="square" lIns="91425" tIns="91425" rIns="91425" bIns="91425" anchor="ctr" anchorCtr="0">
             <a:noAutofit/>
           </a:bodyPr>
           <a:lstStyle/>
           <a:p>
-            <a:pPr indent="0" lvl="0" marL="0" rtl="0" algn="ctr">
+            <a:pPr marL="0" lvl="0" indent="0" algn="ctr" rtl="0">
               <a:spcBef>
                 <a:spcPts val="0"/>
               </a:spcBef>
@@ -13294,12 +13195,12 @@
           </a:ln>
         </p:spPr>
         <p:txBody>
-          <a:bodyPr anchorCtr="0" anchor="ctr" bIns="91425" lIns="91425" spcFirstLastPara="1" rIns="91425" wrap="square" tIns="91425">
+          <a:bodyPr spcFirstLastPara="1" wrap="square" lIns="91425" tIns="91425" rIns="91425" bIns="91425" anchor="ctr" anchorCtr="0">
             <a:noAutofit/>
           </a:bodyPr>
           <a:lstStyle/>
           <a:p>
-            <a:pPr indent="0" lvl="0" marL="0" rtl="0" algn="ctr">
+            <a:pPr marL="0" lvl="0" indent="0" algn="ctr" rtl="0">
               <a:spcBef>
                 <a:spcPts val="0"/>
               </a:spcBef>
@@ -13354,23 +13255,20 @@
           </a:ln>
         </p:spPr>
         <p:txBody>
-          <a:bodyPr anchorCtr="0" anchor="ctr" bIns="91425" lIns="91425" spcFirstLastPara="1" rIns="91425" wrap="square" tIns="91425">
+          <a:bodyPr spcFirstLastPara="1" wrap="square" lIns="91425" tIns="91425" rIns="91425" bIns="91425" anchor="ctr" anchorCtr="0">
             <a:noAutofit/>
           </a:bodyPr>
           <a:lstStyle/>
           <a:p>
-            <a:pPr indent="0" lvl="0" marL="0" rtl="0" algn="ctr">
-              <a:spcBef>
-                <a:spcPts val="0"/>
-              </a:spcBef>
-              <a:spcAft>
-                <a:spcPts val="0"/>
-              </a:spcAft>
-              <a:buNone/>
-            </a:pPr>
-            <a:r>
-              <a:t/>
-            </a:r>
+            <a:pPr marL="0" lvl="0" indent="0" algn="ctr" rtl="0">
+              <a:spcBef>
+                <a:spcPts val="0"/>
+              </a:spcBef>
+              <a:spcAft>
+                <a:spcPts val="0"/>
+              </a:spcAft>
+              <a:buNone/>
+            </a:pPr>
             <a:endParaRPr/>
           </a:p>
         </p:txBody>
@@ -13395,12 +13293,12 @@
           </a:ln>
         </p:spPr>
         <p:txBody>
-          <a:bodyPr anchorCtr="0" anchor="ctr" bIns="91425" lIns="91425" spcFirstLastPara="1" rIns="91425" wrap="square" tIns="91425">
+          <a:bodyPr spcFirstLastPara="1" wrap="square" lIns="91425" tIns="91425" rIns="91425" bIns="91425" anchor="ctr" anchorCtr="0">
             <a:noAutofit/>
           </a:bodyPr>
           <a:lstStyle/>
           <a:p>
-            <a:pPr indent="0" lvl="0" marL="0" rtl="0" algn="ctr">
+            <a:pPr marL="0" lvl="0" indent="0" algn="ctr" rtl="0">
               <a:spcBef>
                 <a:spcPts val="0"/>
               </a:spcBef>
@@ -13410,7 +13308,7 @@
               <a:buNone/>
             </a:pPr>
             <a:r>
-              <a:rPr lang="zh-TW" u="sng">
+              <a:rPr lang="zh-TW" dirty="0">
                 <a:solidFill>
                   <a:srgbClr val="FFFFFF"/>
                 </a:solidFill>
@@ -13421,7 +13319,7 @@
               </a:rPr>
               <a:t>commodityName</a:t>
             </a:r>
-            <a:endParaRPr u="sng">
+            <a:endParaRPr dirty="0">
               <a:solidFill>
                 <a:srgbClr val="FFFFFF"/>
               </a:solidFill>
@@ -13453,12 +13351,12 @@
           </a:ln>
         </p:spPr>
         <p:txBody>
-          <a:bodyPr anchorCtr="0" anchor="ctr" bIns="91425" lIns="91425" spcFirstLastPara="1" rIns="91425" wrap="square" tIns="91425">
+          <a:bodyPr spcFirstLastPara="1" wrap="square" lIns="91425" tIns="91425" rIns="91425" bIns="91425" anchor="ctr" anchorCtr="0">
             <a:noAutofit/>
           </a:bodyPr>
           <a:lstStyle/>
           <a:p>
-            <a:pPr indent="0" lvl="0" marL="0" rtl="0" algn="ctr">
+            <a:pPr marL="0" lvl="0" indent="0" algn="ctr" rtl="0">
               <a:spcBef>
                 <a:spcPts val="0"/>
               </a:spcBef>
@@ -13513,23 +13411,20 @@
           </a:ln>
         </p:spPr>
         <p:txBody>
-          <a:bodyPr anchorCtr="0" anchor="ctr" bIns="91425" lIns="91425" spcFirstLastPara="1" rIns="91425" wrap="square" tIns="91425">
+          <a:bodyPr spcFirstLastPara="1" wrap="square" lIns="91425" tIns="91425" rIns="91425" bIns="91425" anchor="ctr" anchorCtr="0">
             <a:noAutofit/>
           </a:bodyPr>
           <a:lstStyle/>
           <a:p>
-            <a:pPr indent="0" lvl="0" marL="0" rtl="0" algn="ctr">
-              <a:spcBef>
-                <a:spcPts val="0"/>
-              </a:spcBef>
-              <a:spcAft>
-                <a:spcPts val="0"/>
-              </a:spcAft>
-              <a:buNone/>
-            </a:pPr>
-            <a:r>
-              <a:t/>
-            </a:r>
+            <a:pPr marL="0" lvl="0" indent="0" algn="ctr" rtl="0">
+              <a:spcBef>
+                <a:spcPts val="0"/>
+              </a:spcBef>
+              <a:spcAft>
+                <a:spcPts val="0"/>
+              </a:spcAft>
+              <a:buNone/>
+            </a:pPr>
             <a:endParaRPr/>
           </a:p>
         </p:txBody>
@@ -13554,12 +13449,12 @@
           </a:ln>
         </p:spPr>
         <p:txBody>
-          <a:bodyPr anchorCtr="0" anchor="ctr" bIns="91425" lIns="91425" spcFirstLastPara="1" rIns="91425" wrap="square" tIns="91425">
+          <a:bodyPr spcFirstLastPara="1" wrap="square" lIns="91425" tIns="91425" rIns="91425" bIns="91425" anchor="ctr" anchorCtr="0">
             <a:noAutofit/>
           </a:bodyPr>
           <a:lstStyle/>
           <a:p>
-            <a:pPr indent="0" lvl="0" marL="0" rtl="0" algn="ctr">
+            <a:pPr marL="0" lvl="0" indent="0" algn="ctr" rtl="0">
               <a:spcBef>
                 <a:spcPts val="0"/>
               </a:spcBef>
@@ -13609,14 +13504,14 @@
             <a:avLst/>
           </a:prstGeom>
           <a:noFill/>
-          <a:ln cap="flat" cmpd="sng" w="28575">
+          <a:ln w="28575" cap="flat" cmpd="sng">
             <a:solidFill>
               <a:srgbClr val="6AA84F"/>
             </a:solidFill>
             <a:prstDash val="solid"/>
             <a:round/>
-            <a:headEnd len="med" w="med" type="none"/>
-            <a:tailEnd len="med" w="med" type="none"/>
+            <a:headEnd type="none" w="med" len="med"/>
+            <a:tailEnd type="none" w="med" len="med"/>
           </a:ln>
         </p:spPr>
       </p:cxnSp>
@@ -13637,14 +13532,14 @@
             <a:avLst/>
           </a:prstGeom>
           <a:noFill/>
-          <a:ln cap="flat" cmpd="sng" w="28575">
+          <a:ln w="28575" cap="flat" cmpd="sng">
             <a:solidFill>
               <a:srgbClr val="6AA84F"/>
             </a:solidFill>
             <a:prstDash val="solid"/>
             <a:round/>
-            <a:headEnd len="med" w="med" type="none"/>
-            <a:tailEnd len="med" w="med" type="none"/>
+            <a:headEnd type="none" w="med" len="med"/>
+            <a:tailEnd type="none" w="med" len="med"/>
           </a:ln>
         </p:spPr>
       </p:cxnSp>
@@ -13670,23 +13565,20 @@
           </a:ln>
         </p:spPr>
         <p:txBody>
-          <a:bodyPr anchorCtr="0" anchor="ctr" bIns="91425" lIns="91425" spcFirstLastPara="1" rIns="91425" wrap="square" tIns="91425">
+          <a:bodyPr spcFirstLastPara="1" wrap="square" lIns="91425" tIns="91425" rIns="91425" bIns="91425" anchor="ctr" anchorCtr="0">
             <a:noAutofit/>
           </a:bodyPr>
           <a:lstStyle/>
           <a:p>
-            <a:pPr indent="0" lvl="0" marL="0" rtl="0" algn="l">
-              <a:spcBef>
-                <a:spcPts val="0"/>
-              </a:spcBef>
-              <a:spcAft>
-                <a:spcPts val="0"/>
-              </a:spcAft>
-              <a:buNone/>
-            </a:pPr>
-            <a:r>
-              <a:t/>
-            </a:r>
+            <a:pPr marL="0" lvl="0" indent="0" algn="l" rtl="0">
+              <a:spcBef>
+                <a:spcPts val="0"/>
+              </a:spcBef>
+              <a:spcAft>
+                <a:spcPts val="0"/>
+              </a:spcAft>
+              <a:buNone/>
+            </a:pPr>
             <a:endParaRPr/>
           </a:p>
         </p:txBody>
@@ -13711,12 +13603,12 @@
           </a:ln>
         </p:spPr>
         <p:txBody>
-          <a:bodyPr anchorCtr="0" anchor="ctr" bIns="91425" lIns="91425" spcFirstLastPara="1" rIns="91425" wrap="square" tIns="91425">
+          <a:bodyPr spcFirstLastPara="1" wrap="square" lIns="91425" tIns="91425" rIns="91425" bIns="91425" anchor="ctr" anchorCtr="0">
             <a:noAutofit/>
           </a:bodyPr>
           <a:lstStyle/>
           <a:p>
-            <a:pPr indent="0" lvl="0" marL="0" rtl="0" algn="ctr">
+            <a:pPr marL="0" lvl="0" indent="0" algn="ctr" rtl="0">
               <a:spcBef>
                 <a:spcPts val="0"/>
               </a:spcBef>
@@ -13726,7 +13618,7 @@
               <a:buNone/>
             </a:pPr>
             <a:r>
-              <a:rPr b="1" lang="zh-TW">
+              <a:rPr lang="zh-TW" b="1">
                 <a:solidFill>
                   <a:srgbClr val="FFFFFF"/>
                 </a:solidFill>
@@ -13748,7 +13640,7 @@
             </a:endParaRPr>
           </a:p>
           <a:p>
-            <a:pPr indent="0" lvl="0" marL="0" rtl="0" algn="ctr">
+            <a:pPr marL="0" lvl="0" indent="0" algn="ctr" rtl="0">
               <a:spcBef>
                 <a:spcPts val="0"/>
               </a:spcBef>
@@ -13758,7 +13650,7 @@
               <a:buNone/>
             </a:pPr>
             <a:r>
-              <a:rPr b="1" lang="zh-TW">
+              <a:rPr lang="zh-TW" b="1">
                 <a:solidFill>
                   <a:srgbClr val="FFFFFF"/>
                 </a:solidFill>
@@ -13803,23 +13695,20 @@
           </a:ln>
         </p:spPr>
         <p:txBody>
-          <a:bodyPr anchorCtr="0" anchor="ctr" bIns="91425" lIns="91425" spcFirstLastPara="1" rIns="91425" wrap="square" tIns="91425">
+          <a:bodyPr spcFirstLastPara="1" wrap="square" lIns="91425" tIns="91425" rIns="91425" bIns="91425" anchor="ctr" anchorCtr="0">
             <a:noAutofit/>
           </a:bodyPr>
           <a:lstStyle/>
           <a:p>
-            <a:pPr indent="0" lvl="0" marL="0" rtl="0" algn="ctr">
-              <a:spcBef>
-                <a:spcPts val="0"/>
-              </a:spcBef>
-              <a:spcAft>
-                <a:spcPts val="0"/>
-              </a:spcAft>
-              <a:buNone/>
-            </a:pPr>
-            <a:r>
-              <a:t/>
-            </a:r>
+            <a:pPr marL="0" lvl="0" indent="0" algn="ctr" rtl="0">
+              <a:spcBef>
+                <a:spcPts val="0"/>
+              </a:spcBef>
+              <a:spcAft>
+                <a:spcPts val="0"/>
+              </a:spcAft>
+              <a:buNone/>
+            </a:pPr>
             <a:endParaRPr/>
           </a:p>
         </p:txBody>
@@ -13844,12 +13733,12 @@
           </a:ln>
         </p:spPr>
         <p:txBody>
-          <a:bodyPr anchorCtr="0" anchor="ctr" bIns="91425" lIns="91425" spcFirstLastPara="1" rIns="91425" wrap="square" tIns="91425">
+          <a:bodyPr spcFirstLastPara="1" wrap="square" lIns="91425" tIns="91425" rIns="91425" bIns="91425" anchor="ctr" anchorCtr="0">
             <a:noAutofit/>
           </a:bodyPr>
           <a:lstStyle/>
           <a:p>
-            <a:pPr indent="0" lvl="0" marL="0" rtl="0" algn="ctr">
+            <a:pPr marL="0" lvl="0" indent="0" algn="ctr" rtl="0">
               <a:spcBef>
                 <a:spcPts val="0"/>
               </a:spcBef>
@@ -13859,7 +13748,7 @@
               <a:buNone/>
             </a:pPr>
             <a:r>
-              <a:rPr b="1" lang="zh-TW">
+              <a:rPr lang="zh-TW" b="1">
                 <a:solidFill>
                   <a:srgbClr val="FFFFFF"/>
                 </a:solidFill>
@@ -13868,19 +13757,7 @@
                 <a:cs typeface="Microsoft JhengHei"/>
                 <a:sym typeface="Microsoft JhengHei"/>
               </a:rPr>
-              <a:t>商品</a:t>
-            </a:r>
-            <a:r>
-              <a:rPr b="1" lang="zh-TW">
-                <a:solidFill>
-                  <a:srgbClr val="FFFFFF"/>
-                </a:solidFill>
-                <a:latin typeface="Microsoft JhengHei"/>
-                <a:ea typeface="Microsoft JhengHei"/>
-                <a:cs typeface="Microsoft JhengHei"/>
-                <a:sym typeface="Microsoft JhengHei"/>
-              </a:rPr>
-              <a:t>資料表</a:t>
+              <a:t>商品資料表</a:t>
             </a:r>
             <a:endParaRPr b="1">
               <a:solidFill>
@@ -13893,7 +13770,7 @@
             </a:endParaRPr>
           </a:p>
           <a:p>
-            <a:pPr indent="0" lvl="0" marL="0" rtl="0" algn="ctr">
+            <a:pPr marL="0" lvl="0" indent="0" algn="ctr" rtl="0">
               <a:spcBef>
                 <a:spcPts val="0"/>
               </a:spcBef>
@@ -13903,7 +13780,7 @@
               <a:buNone/>
             </a:pPr>
             <a:r>
-              <a:rPr b="1" lang="zh-TW">
+              <a:rPr lang="zh-TW" b="1">
                 <a:solidFill>
                   <a:srgbClr val="FFFFFF"/>
                 </a:solidFill>
@@ -13948,23 +13825,20 @@
           </a:ln>
         </p:spPr>
         <p:txBody>
-          <a:bodyPr anchorCtr="0" anchor="ctr" bIns="91425" lIns="91425" spcFirstLastPara="1" rIns="91425" wrap="square" tIns="91425">
+          <a:bodyPr spcFirstLastPara="1" wrap="square" lIns="91425" tIns="91425" rIns="91425" bIns="91425" anchor="ctr" anchorCtr="0">
             <a:noAutofit/>
           </a:bodyPr>
           <a:lstStyle/>
           <a:p>
-            <a:pPr indent="0" lvl="0" marL="0" rtl="0" algn="ctr">
-              <a:spcBef>
-                <a:spcPts val="0"/>
-              </a:spcBef>
-              <a:spcAft>
-                <a:spcPts val="0"/>
-              </a:spcAft>
-              <a:buNone/>
-            </a:pPr>
-            <a:r>
-              <a:t/>
-            </a:r>
+            <a:pPr marL="0" lvl="0" indent="0" algn="ctr" rtl="0">
+              <a:spcBef>
+                <a:spcPts val="0"/>
+              </a:spcBef>
+              <a:spcAft>
+                <a:spcPts val="0"/>
+              </a:spcAft>
+              <a:buNone/>
+            </a:pPr>
             <a:endParaRPr/>
           </a:p>
         </p:txBody>
@@ -13989,12 +13863,12 @@
           </a:ln>
         </p:spPr>
         <p:txBody>
-          <a:bodyPr anchorCtr="0" anchor="ctr" bIns="91425" lIns="91425" spcFirstLastPara="1" rIns="91425" wrap="square" tIns="91425">
+          <a:bodyPr spcFirstLastPara="1" wrap="square" lIns="91425" tIns="91425" rIns="91425" bIns="91425" anchor="ctr" anchorCtr="0">
             <a:noAutofit/>
           </a:bodyPr>
           <a:lstStyle/>
           <a:p>
-            <a:pPr indent="0" lvl="0" marL="0" rtl="0" algn="ctr">
+            <a:pPr marL="0" lvl="0" indent="0" algn="ctr" rtl="0">
               <a:spcBef>
                 <a:spcPts val="0"/>
               </a:spcBef>
@@ -14049,23 +13923,20 @@
           </a:ln>
         </p:spPr>
         <p:txBody>
-          <a:bodyPr anchorCtr="0" anchor="ctr" bIns="91425" lIns="91425" spcFirstLastPara="1" rIns="91425" wrap="square" tIns="91425">
+          <a:bodyPr spcFirstLastPara="1" wrap="square" lIns="91425" tIns="91425" rIns="91425" bIns="91425" anchor="ctr" anchorCtr="0">
             <a:noAutofit/>
           </a:bodyPr>
           <a:lstStyle/>
           <a:p>
-            <a:pPr indent="0" lvl="0" marL="0" rtl="0" algn="ctr">
-              <a:spcBef>
-                <a:spcPts val="0"/>
-              </a:spcBef>
-              <a:spcAft>
-                <a:spcPts val="0"/>
-              </a:spcAft>
-              <a:buNone/>
-            </a:pPr>
-            <a:r>
-              <a:t/>
-            </a:r>
+            <a:pPr marL="0" lvl="0" indent="0" algn="ctr" rtl="0">
+              <a:spcBef>
+                <a:spcPts val="0"/>
+              </a:spcBef>
+              <a:spcAft>
+                <a:spcPts val="0"/>
+              </a:spcAft>
+              <a:buNone/>
+            </a:pPr>
             <a:endParaRPr/>
           </a:p>
         </p:txBody>
@@ -14090,12 +13961,12 @@
           </a:ln>
         </p:spPr>
         <p:txBody>
-          <a:bodyPr anchorCtr="0" anchor="ctr" bIns="91425" lIns="91425" spcFirstLastPara="1" rIns="91425" wrap="square" tIns="91425">
+          <a:bodyPr spcFirstLastPara="1" wrap="square" lIns="91425" tIns="91425" rIns="91425" bIns="91425" anchor="ctr" anchorCtr="0">
             <a:noAutofit/>
           </a:bodyPr>
           <a:lstStyle/>
           <a:p>
-            <a:pPr indent="0" lvl="0" marL="0" rtl="0" algn="ctr">
+            <a:pPr marL="0" lvl="0" indent="0" algn="ctr" rtl="0">
               <a:spcBef>
                 <a:spcPts val="0"/>
               </a:spcBef>
@@ -14105,7 +13976,7 @@
               <a:buNone/>
             </a:pPr>
             <a:r>
-              <a:rPr b="1" lang="zh-TW">
+              <a:rPr lang="zh-TW" b="1">
                 <a:solidFill>
                   <a:srgbClr val="FFFFFF"/>
                 </a:solidFill>
@@ -14114,19 +13985,7 @@
                 <a:cs typeface="Microsoft JhengHei"/>
                 <a:sym typeface="Microsoft JhengHei"/>
               </a:rPr>
-              <a:t>交易</a:t>
-            </a:r>
-            <a:r>
-              <a:rPr b="1" lang="zh-TW">
-                <a:solidFill>
-                  <a:srgbClr val="FFFFFF"/>
-                </a:solidFill>
-                <a:latin typeface="Microsoft JhengHei"/>
-                <a:ea typeface="Microsoft JhengHei"/>
-                <a:cs typeface="Microsoft JhengHei"/>
-                <a:sym typeface="Microsoft JhengHei"/>
-              </a:rPr>
-              <a:t>資料表</a:t>
+              <a:t>交易資料表</a:t>
             </a:r>
             <a:endParaRPr b="1">
               <a:solidFill>
@@ -14139,7 +13998,7 @@
             </a:endParaRPr>
           </a:p>
           <a:p>
-            <a:pPr indent="0" lvl="0" marL="0" rtl="0" algn="ctr">
+            <a:pPr marL="0" lvl="0" indent="0" algn="ctr" rtl="0">
               <a:spcBef>
                 <a:spcPts val="0"/>
               </a:spcBef>
@@ -14149,7 +14008,7 @@
               <a:buNone/>
             </a:pPr>
             <a:r>
-              <a:rPr b="1" lang="zh-TW">
+              <a:rPr lang="zh-TW" b="1">
                 <a:solidFill>
                   <a:srgbClr val="FFFFFF"/>
                 </a:solidFill>
@@ -14181,11 +14040,11 @@
 </file>
 
 <file path=ppt/slides/slide3.xml><?xml version="1.0" encoding="utf-8"?>
-<p:sld xmlns:a="http://schemas.openxmlformats.org/drawingml/2006/main" xmlns:r="http://schemas.openxmlformats.org/officeDocument/2006/relationships" xmlns:mc="http://schemas.openxmlformats.org/markup-compatibility/2006" xmlns:mv="urn:schemas-microsoft-com:mac:vml" xmlns:p="http://schemas.openxmlformats.org/presentationml/2006/main" xmlns:c="http://schemas.openxmlformats.org/drawingml/2006/chart" xmlns:dgm="http://schemas.openxmlformats.org/drawingml/2006/diagram" xmlns:o="urn:schemas-microsoft-com:office:office" xmlns:v="urn:schemas-microsoft-com:vml" xmlns:pvml="urn:schemas-microsoft-com:office:powerpoint" xmlns:com="http://schemas.openxmlformats.org/drawingml/2006/compatibility" xmlns:p14="http://schemas.microsoft.com/office/powerpoint/2010/main" xmlns:p15="http://schemas.microsoft.com/office/powerpoint/2012/main">
+<p:sld xmlns:a="http://schemas.openxmlformats.org/drawingml/2006/main" xmlns:r="http://schemas.openxmlformats.org/officeDocument/2006/relationships" xmlns:p="http://schemas.openxmlformats.org/presentationml/2006/main">
   <p:cSld>
     <p:spTree>
       <p:nvGrpSpPr>
-        <p:cNvPr id="240" name="Shape 240"/>
+        <p:cNvPr id="1" name="Shape 240"/>
         <p:cNvGrpSpPr/>
         <p:nvPr/>
       </p:nvGrpSpPr>
@@ -14217,12 +14076,12 @@
           </a:ln>
         </p:spPr>
         <p:txBody>
-          <a:bodyPr anchorCtr="0" anchor="t" bIns="91425" lIns="91425" spcFirstLastPara="1" rIns="91425" wrap="square" tIns="91425">
+          <a:bodyPr spcFirstLastPara="1" wrap="square" lIns="91425" tIns="91425" rIns="91425" bIns="91425" anchor="t" anchorCtr="0">
             <a:noAutofit/>
           </a:bodyPr>
           <a:lstStyle/>
           <a:p>
-            <a:pPr indent="0" lvl="0" marL="0" rtl="0" algn="l">
+            <a:pPr marL="0" lvl="0" indent="0" algn="l" rtl="0">
               <a:spcBef>
                 <a:spcPts val="0"/>
               </a:spcBef>
@@ -14232,7 +14091,7 @@
               <a:buNone/>
             </a:pPr>
             <a:r>
-              <a:rPr b="1" lang="zh-TW" sz="2400">
+              <a:rPr lang="zh-TW" sz="2400" b="1">
                 <a:latin typeface="Calibri"/>
                 <a:ea typeface="Calibri"/>
                 <a:cs typeface="Calibri"/>
@@ -14240,7 +14099,7 @@
               </a:rPr>
               <a:t>STEP 1</a:t>
             </a:r>
-            <a:endParaRPr b="1" sz="2400">
+            <a:endParaRPr sz="2400" b="1">
               <a:latin typeface="Calibri"/>
               <a:ea typeface="Calibri"/>
               <a:cs typeface="Calibri"/>
@@ -14269,12 +14128,12 @@
           </a:ln>
         </p:spPr>
         <p:txBody>
-          <a:bodyPr anchorCtr="0" anchor="t" bIns="91425" lIns="91425" spcFirstLastPara="1" rIns="91425" wrap="square" tIns="91425">
+          <a:bodyPr spcFirstLastPara="1" wrap="square" lIns="91425" tIns="91425" rIns="91425" bIns="91425" anchor="t" anchorCtr="0">
             <a:noAutofit/>
           </a:bodyPr>
           <a:lstStyle/>
           <a:p>
-            <a:pPr indent="0" lvl="0" marL="0" rtl="0" algn="l">
+            <a:pPr marL="0" lvl="0" indent="0" algn="l" rtl="0">
               <a:spcBef>
                 <a:spcPts val="0"/>
               </a:spcBef>
@@ -14284,7 +14143,7 @@
               <a:buNone/>
             </a:pPr>
             <a:r>
-              <a:rPr b="1" lang="zh-TW" sz="2400">
+              <a:rPr lang="zh-TW" sz="2400" b="1">
                 <a:latin typeface="Calibri"/>
                 <a:ea typeface="Calibri"/>
                 <a:cs typeface="Calibri"/>
@@ -14292,7 +14151,7 @@
               </a:rPr>
               <a:t>STEP 2</a:t>
             </a:r>
-            <a:endParaRPr b="1" sz="2400">
+            <a:endParaRPr sz="2400" b="1">
               <a:latin typeface="Calibri"/>
               <a:ea typeface="Calibri"/>
               <a:cs typeface="Calibri"/>
@@ -14366,11 +14225,11 @@
 </file>
 
 <file path=ppt/slides/slide4.xml><?xml version="1.0" encoding="utf-8"?>
-<p:sld xmlns:a="http://schemas.openxmlformats.org/drawingml/2006/main" xmlns:r="http://schemas.openxmlformats.org/officeDocument/2006/relationships" xmlns:mc="http://schemas.openxmlformats.org/markup-compatibility/2006" xmlns:mv="urn:schemas-microsoft-com:mac:vml" xmlns:p="http://schemas.openxmlformats.org/presentationml/2006/main" xmlns:c="http://schemas.openxmlformats.org/drawingml/2006/chart" xmlns:dgm="http://schemas.openxmlformats.org/drawingml/2006/diagram" xmlns:o="urn:schemas-microsoft-com:office:office" xmlns:v="urn:schemas-microsoft-com:vml" xmlns:pvml="urn:schemas-microsoft-com:office:powerpoint" xmlns:com="http://schemas.openxmlformats.org/drawingml/2006/compatibility" xmlns:p14="http://schemas.microsoft.com/office/powerpoint/2010/main" xmlns:p15="http://schemas.microsoft.com/office/powerpoint/2012/main">
+<p:sld xmlns:a="http://schemas.openxmlformats.org/drawingml/2006/main" xmlns:r="http://schemas.openxmlformats.org/officeDocument/2006/relationships" xmlns:p="http://schemas.openxmlformats.org/presentationml/2006/main">
   <p:cSld>
     <p:spTree>
       <p:nvGrpSpPr>
-        <p:cNvPr id="248" name="Shape 248"/>
+        <p:cNvPr id="1" name="Shape 248"/>
         <p:cNvGrpSpPr/>
         <p:nvPr/>
       </p:nvGrpSpPr>
@@ -14402,12 +14261,12 @@
           </a:ln>
         </p:spPr>
         <p:txBody>
-          <a:bodyPr anchorCtr="0" anchor="t" bIns="91425" lIns="91425" spcFirstLastPara="1" rIns="91425" wrap="square" tIns="91425">
+          <a:bodyPr spcFirstLastPara="1" wrap="square" lIns="91425" tIns="91425" rIns="91425" bIns="91425" anchor="t" anchorCtr="0">
             <a:noAutofit/>
           </a:bodyPr>
           <a:lstStyle/>
           <a:p>
-            <a:pPr indent="0" lvl="0" marL="0" rtl="0" algn="l">
+            <a:pPr marL="0" lvl="0" indent="0" algn="l" rtl="0">
               <a:spcBef>
                 <a:spcPts val="0"/>
               </a:spcBef>
@@ -14433,18 +14292,15 @@
             </a:endParaRPr>
           </a:p>
           <a:p>
-            <a:pPr indent="0" lvl="0" marL="0" rtl="0" algn="l">
-              <a:spcBef>
-                <a:spcPts val="0"/>
-              </a:spcBef>
-              <a:spcAft>
-                <a:spcPts val="0"/>
-              </a:spcAft>
-              <a:buNone/>
-            </a:pPr>
-            <a:r>
-              <a:t/>
-            </a:r>
+            <a:pPr marL="0" lvl="0" indent="0" algn="l" rtl="0">
+              <a:spcBef>
+                <a:spcPts val="0"/>
+              </a:spcBef>
+              <a:spcAft>
+                <a:spcPts val="0"/>
+              </a:spcAft>
+              <a:buNone/>
+            </a:pPr>
             <a:endParaRPr sz="1200">
               <a:latin typeface="Calibri"/>
               <a:ea typeface="Calibri"/>
@@ -14453,7 +14309,7 @@
             </a:endParaRPr>
           </a:p>
           <a:p>
-            <a:pPr indent="0" lvl="0" marL="0" rtl="0" algn="l">
+            <a:pPr marL="0" lvl="0" indent="0" algn="l" rtl="0">
               <a:spcBef>
                 <a:spcPts val="0"/>
               </a:spcBef>
@@ -14479,18 +14335,15 @@
             </a:endParaRPr>
           </a:p>
           <a:p>
-            <a:pPr indent="0" lvl="0" marL="0" rtl="0" algn="l">
-              <a:spcBef>
-                <a:spcPts val="0"/>
-              </a:spcBef>
-              <a:spcAft>
-                <a:spcPts val="0"/>
-              </a:spcAft>
-              <a:buNone/>
-            </a:pPr>
-            <a:r>
-              <a:t/>
-            </a:r>
+            <a:pPr marL="0" lvl="0" indent="0" algn="l" rtl="0">
+              <a:spcBef>
+                <a:spcPts val="0"/>
+              </a:spcBef>
+              <a:spcAft>
+                <a:spcPts val="0"/>
+              </a:spcAft>
+              <a:buNone/>
+            </a:pPr>
             <a:endParaRPr sz="1200">
               <a:latin typeface="Calibri"/>
               <a:ea typeface="Calibri"/>
@@ -14499,7 +14352,7 @@
             </a:endParaRPr>
           </a:p>
           <a:p>
-            <a:pPr indent="0" lvl="0" marL="0" rtl="0" algn="l">
+            <a:pPr marL="0" lvl="0" indent="0" algn="l" rtl="0">
               <a:spcBef>
                 <a:spcPts val="0"/>
               </a:spcBef>
@@ -14525,7 +14378,7 @@
             </a:endParaRPr>
           </a:p>
           <a:p>
-            <a:pPr indent="0" lvl="0" marL="0" rtl="0" algn="l">
+            <a:pPr marL="0" lvl="0" indent="0" algn="l" rtl="0">
               <a:spcBef>
                 <a:spcPts val="0"/>
               </a:spcBef>
@@ -14551,7 +14404,7 @@
             </a:endParaRPr>
           </a:p>
           <a:p>
-            <a:pPr indent="0" lvl="0" marL="0" rtl="0" algn="l">
+            <a:pPr marL="0" lvl="0" indent="0" algn="l" rtl="0">
               <a:spcBef>
                 <a:spcPts val="0"/>
               </a:spcBef>
@@ -14577,7 +14430,7 @@
             </a:endParaRPr>
           </a:p>
           <a:p>
-            <a:pPr indent="0" lvl="0" marL="0" rtl="0" algn="l">
+            <a:pPr marL="0" lvl="0" indent="0" algn="l" rtl="0">
               <a:spcBef>
                 <a:spcPts val="0"/>
               </a:spcBef>
@@ -14603,7 +14456,7 @@
             </a:endParaRPr>
           </a:p>
           <a:p>
-            <a:pPr indent="0" lvl="0" marL="0" rtl="0" algn="l">
+            <a:pPr marL="0" lvl="0" indent="0" algn="l" rtl="0">
               <a:spcBef>
                 <a:spcPts val="0"/>
               </a:spcBef>
@@ -14629,7 +14482,7 @@
             </a:endParaRPr>
           </a:p>
           <a:p>
-            <a:pPr indent="0" lvl="0" marL="0" rtl="0" algn="l">
+            <a:pPr marL="0" lvl="0" indent="0" algn="l" rtl="0">
               <a:spcBef>
                 <a:spcPts val="0"/>
               </a:spcBef>
@@ -14655,7 +14508,7 @@
             </a:endParaRPr>
           </a:p>
           <a:p>
-            <a:pPr indent="0" lvl="0" marL="0" rtl="0" algn="l">
+            <a:pPr marL="0" lvl="0" indent="0" algn="l" rtl="0">
               <a:spcBef>
                 <a:spcPts val="0"/>
               </a:spcBef>
@@ -14681,7 +14534,7 @@
             </a:endParaRPr>
           </a:p>
           <a:p>
-            <a:pPr indent="0" lvl="0" marL="0" rtl="0" algn="l">
+            <a:pPr marL="0" lvl="0" indent="0" algn="l" rtl="0">
               <a:spcBef>
                 <a:spcPts val="0"/>
               </a:spcBef>
@@ -14707,18 +14560,15 @@
             </a:endParaRPr>
           </a:p>
           <a:p>
-            <a:pPr indent="0" lvl="0" marL="0" rtl="0" algn="l">
-              <a:spcBef>
-                <a:spcPts val="0"/>
-              </a:spcBef>
-              <a:spcAft>
-                <a:spcPts val="0"/>
-              </a:spcAft>
-              <a:buNone/>
-            </a:pPr>
-            <a:r>
-              <a:t/>
-            </a:r>
+            <a:pPr marL="0" lvl="0" indent="0" algn="l" rtl="0">
+              <a:spcBef>
+                <a:spcPts val="0"/>
+              </a:spcBef>
+              <a:spcAft>
+                <a:spcPts val="0"/>
+              </a:spcAft>
+              <a:buNone/>
+            </a:pPr>
             <a:endParaRPr sz="1200">
               <a:latin typeface="Calibri"/>
               <a:ea typeface="Calibri"/>
@@ -14727,7 +14577,7 @@
             </a:endParaRPr>
           </a:p>
           <a:p>
-            <a:pPr indent="0" lvl="0" marL="0" rtl="0" algn="l">
+            <a:pPr marL="0" lvl="0" indent="0" algn="l" rtl="0">
               <a:spcBef>
                 <a:spcPts val="0"/>
               </a:spcBef>
@@ -14753,7 +14603,7 @@
             </a:endParaRPr>
           </a:p>
           <a:p>
-            <a:pPr indent="0" lvl="0" marL="0" rtl="0" algn="l">
+            <a:pPr marL="0" lvl="0" indent="0" algn="l" rtl="0">
               <a:spcBef>
                 <a:spcPts val="0"/>
               </a:spcBef>
@@ -14779,18 +14629,15 @@
             </a:endParaRPr>
           </a:p>
           <a:p>
-            <a:pPr indent="0" lvl="0" marL="0" rtl="0" algn="l">
-              <a:spcBef>
-                <a:spcPts val="0"/>
-              </a:spcBef>
-              <a:spcAft>
-                <a:spcPts val="0"/>
-              </a:spcAft>
-              <a:buNone/>
-            </a:pPr>
-            <a:r>
-              <a:t/>
-            </a:r>
+            <a:pPr marL="0" lvl="0" indent="0" algn="l" rtl="0">
+              <a:spcBef>
+                <a:spcPts val="0"/>
+              </a:spcBef>
+              <a:spcAft>
+                <a:spcPts val="0"/>
+              </a:spcAft>
+              <a:buNone/>
+            </a:pPr>
             <a:endParaRPr sz="1200">
               <a:latin typeface="Calibri"/>
               <a:ea typeface="Calibri"/>
@@ -14799,7 +14646,7 @@
             </a:endParaRPr>
           </a:p>
           <a:p>
-            <a:pPr indent="0" lvl="0" marL="0" rtl="0" algn="l">
+            <a:pPr marL="0" lvl="0" indent="0" algn="l" rtl="0">
               <a:spcBef>
                 <a:spcPts val="0"/>
               </a:spcBef>
@@ -14825,18 +14672,15 @@
             </a:endParaRPr>
           </a:p>
           <a:p>
-            <a:pPr indent="0" lvl="0" marL="0" rtl="0" algn="l">
-              <a:spcBef>
-                <a:spcPts val="0"/>
-              </a:spcBef>
-              <a:spcAft>
-                <a:spcPts val="0"/>
-              </a:spcAft>
-              <a:buNone/>
-            </a:pPr>
-            <a:r>
-              <a:t/>
-            </a:r>
+            <a:pPr marL="0" lvl="0" indent="0" algn="l" rtl="0">
+              <a:spcBef>
+                <a:spcPts val="0"/>
+              </a:spcBef>
+              <a:spcAft>
+                <a:spcPts val="0"/>
+              </a:spcAft>
+              <a:buNone/>
+            </a:pPr>
             <a:endParaRPr sz="1200">
               <a:latin typeface="Calibri"/>
               <a:ea typeface="Calibri"/>
@@ -14866,12 +14710,12 @@
           </a:ln>
         </p:spPr>
         <p:txBody>
-          <a:bodyPr anchorCtr="0" anchor="t" bIns="91425" lIns="91425" spcFirstLastPara="1" rIns="91425" wrap="square" tIns="91425">
+          <a:bodyPr spcFirstLastPara="1" wrap="square" lIns="91425" tIns="91425" rIns="91425" bIns="91425" anchor="t" anchorCtr="0">
             <a:noAutofit/>
           </a:bodyPr>
           <a:lstStyle/>
           <a:p>
-            <a:pPr indent="0" lvl="0" marL="0" rtl="0" algn="l">
+            <a:pPr marL="0" lvl="0" indent="0" algn="l" rtl="0">
               <a:spcBef>
                 <a:spcPts val="0"/>
               </a:spcBef>
@@ -14881,7 +14725,7 @@
               <a:buNone/>
             </a:pPr>
             <a:r>
-              <a:rPr b="1" lang="zh-TW" sz="2400">
+              <a:rPr lang="zh-TW" sz="2400" b="1">
                 <a:latin typeface="Microsoft JhengHei"/>
                 <a:ea typeface="Microsoft JhengHei"/>
                 <a:cs typeface="Microsoft JhengHei"/>
@@ -14889,7 +14733,7 @@
               </a:rPr>
               <a:t>列出每筆訂單訂購會員商品數量及總額</a:t>
             </a:r>
-            <a:endParaRPr b="1" sz="2400">
+            <a:endParaRPr sz="2400" b="1">
               <a:latin typeface="Microsoft JhengHei"/>
               <a:ea typeface="Microsoft JhengHei"/>
               <a:cs typeface="Microsoft JhengHei"/>
@@ -14897,18 +14741,15 @@
             </a:endParaRPr>
           </a:p>
           <a:p>
-            <a:pPr indent="0" lvl="0" marL="0" rtl="0" algn="l">
-              <a:spcBef>
-                <a:spcPts val="0"/>
-              </a:spcBef>
-              <a:spcAft>
-                <a:spcPts val="0"/>
-              </a:spcAft>
-              <a:buNone/>
-            </a:pPr>
-            <a:r>
-              <a:t/>
-            </a:r>
+            <a:pPr marL="0" lvl="0" indent="0" algn="l" rtl="0">
+              <a:spcBef>
+                <a:spcPts val="0"/>
+              </a:spcBef>
+              <a:spcAft>
+                <a:spcPts val="0"/>
+              </a:spcAft>
+              <a:buNone/>
+            </a:pPr>
             <a:endParaRPr b="1">
               <a:latin typeface="Microsoft JhengHei"/>
               <a:ea typeface="Microsoft JhengHei"/>
@@ -14938,12 +14779,12 @@
           </a:ln>
         </p:spPr>
         <p:txBody>
-          <a:bodyPr anchorCtr="0" anchor="t" bIns="91425" lIns="91425" spcFirstLastPara="1" rIns="91425" wrap="square" tIns="91425">
+          <a:bodyPr spcFirstLastPara="1" wrap="square" lIns="91425" tIns="91425" rIns="91425" bIns="91425" anchor="t" anchorCtr="0">
             <a:noAutofit/>
           </a:bodyPr>
           <a:lstStyle/>
           <a:p>
-            <a:pPr indent="0" lvl="0" marL="0" rtl="0" algn="l">
+            <a:pPr marL="0" lvl="0" indent="0" algn="l" rtl="0">
               <a:spcBef>
                 <a:spcPts val="0"/>
               </a:spcBef>
@@ -14953,7 +14794,7 @@
               <a:buNone/>
             </a:pPr>
             <a:r>
-              <a:rPr b="1" lang="zh-TW" sz="2400">
+              <a:rPr lang="zh-TW" sz="2400" b="1">
                 <a:latin typeface="Microsoft JhengHei"/>
                 <a:ea typeface="Microsoft JhengHei"/>
                 <a:cs typeface="Microsoft JhengHei"/>
@@ -14990,12 +14831,12 @@
           </a:ln>
         </p:spPr>
         <p:txBody>
-          <a:bodyPr anchorCtr="0" anchor="t" bIns="91425" lIns="91425" spcFirstLastPara="1" rIns="91425" wrap="square" tIns="91425">
+          <a:bodyPr spcFirstLastPara="1" wrap="square" lIns="91425" tIns="91425" rIns="91425" bIns="91425" anchor="t" anchorCtr="0">
             <a:noAutofit/>
           </a:bodyPr>
           <a:lstStyle/>
           <a:p>
-            <a:pPr indent="0" lvl="0" marL="0" rtl="0" algn="l">
+            <a:pPr marL="0" lvl="0" indent="0" algn="l" rtl="0">
               <a:spcBef>
                 <a:spcPts val="0"/>
               </a:spcBef>
@@ -15021,18 +14862,15 @@
             </a:endParaRPr>
           </a:p>
           <a:p>
-            <a:pPr indent="0" lvl="0" marL="0" rtl="0" algn="l">
-              <a:spcBef>
-                <a:spcPts val="0"/>
-              </a:spcBef>
-              <a:spcAft>
-                <a:spcPts val="0"/>
-              </a:spcAft>
-              <a:buNone/>
-            </a:pPr>
-            <a:r>
-              <a:t/>
-            </a:r>
+            <a:pPr marL="0" lvl="0" indent="0" algn="l" rtl="0">
+              <a:spcBef>
+                <a:spcPts val="0"/>
+              </a:spcBef>
+              <a:spcAft>
+                <a:spcPts val="0"/>
+              </a:spcAft>
+              <a:buNone/>
+            </a:pPr>
             <a:endParaRPr sz="1200">
               <a:latin typeface="Calibri"/>
               <a:ea typeface="Calibri"/>
@@ -15041,7 +14879,7 @@
             </a:endParaRPr>
           </a:p>
           <a:p>
-            <a:pPr indent="0" lvl="0" marL="0" rtl="0" algn="l">
+            <a:pPr marL="0" lvl="0" indent="0" algn="l" rtl="0">
               <a:spcBef>
                 <a:spcPts val="0"/>
               </a:spcBef>
@@ -15067,18 +14905,15 @@
             </a:endParaRPr>
           </a:p>
           <a:p>
-            <a:pPr indent="0" lvl="0" marL="0" rtl="0" algn="l">
-              <a:spcBef>
-                <a:spcPts val="0"/>
-              </a:spcBef>
-              <a:spcAft>
-                <a:spcPts val="0"/>
-              </a:spcAft>
-              <a:buNone/>
-            </a:pPr>
-            <a:r>
-              <a:t/>
-            </a:r>
+            <a:pPr marL="0" lvl="0" indent="0" algn="l" rtl="0">
+              <a:spcBef>
+                <a:spcPts val="0"/>
+              </a:spcBef>
+              <a:spcAft>
+                <a:spcPts val="0"/>
+              </a:spcAft>
+              <a:buNone/>
+            </a:pPr>
             <a:endParaRPr sz="1200">
               <a:latin typeface="Calibri"/>
               <a:ea typeface="Calibri"/>
@@ -15087,7 +14922,7 @@
             </a:endParaRPr>
           </a:p>
           <a:p>
-            <a:pPr indent="0" lvl="0" marL="0" rtl="0" algn="l">
+            <a:pPr marL="0" lvl="0" indent="0" algn="l" rtl="0">
               <a:spcBef>
                 <a:spcPts val="0"/>
               </a:spcBef>
@@ -15113,7 +14948,7 @@
             </a:endParaRPr>
           </a:p>
           <a:p>
-            <a:pPr indent="0" lvl="0" marL="0" rtl="0" algn="l">
+            <a:pPr marL="0" lvl="0" indent="0" algn="l" rtl="0">
               <a:spcBef>
                 <a:spcPts val="0"/>
               </a:spcBef>
@@ -15139,7 +14974,7 @@
             </a:endParaRPr>
           </a:p>
           <a:p>
-            <a:pPr indent="0" lvl="0" marL="0" rtl="0" algn="l">
+            <a:pPr marL="0" lvl="0" indent="0" algn="l" rtl="0">
               <a:spcBef>
                 <a:spcPts val="0"/>
               </a:spcBef>
@@ -15165,7 +15000,7 @@
             </a:endParaRPr>
           </a:p>
           <a:p>
-            <a:pPr indent="0" lvl="0" marL="0" rtl="0" algn="l">
+            <a:pPr marL="0" lvl="0" indent="0" algn="l" rtl="0">
               <a:spcBef>
                 <a:spcPts val="0"/>
               </a:spcBef>
@@ -15191,7 +15026,7 @@
             </a:endParaRPr>
           </a:p>
           <a:p>
-            <a:pPr indent="0" lvl="0" marL="0" rtl="0" algn="l">
+            <a:pPr marL="0" lvl="0" indent="0" algn="l" rtl="0">
               <a:spcBef>
                 <a:spcPts val="0"/>
               </a:spcBef>
@@ -15217,7 +15052,7 @@
             </a:endParaRPr>
           </a:p>
           <a:p>
-            <a:pPr indent="0" lvl="0" marL="0" rtl="0" algn="l">
+            <a:pPr marL="0" lvl="0" indent="0" algn="l" rtl="0">
               <a:spcBef>
                 <a:spcPts val="0"/>
               </a:spcBef>
@@ -15243,7 +15078,7 @@
             </a:endParaRPr>
           </a:p>
           <a:p>
-            <a:pPr indent="0" lvl="0" marL="0" rtl="0" algn="l">
+            <a:pPr marL="0" lvl="0" indent="0" algn="l" rtl="0">
               <a:spcBef>
                 <a:spcPts val="0"/>
               </a:spcBef>
@@ -15269,18 +15104,15 @@
             </a:endParaRPr>
           </a:p>
           <a:p>
-            <a:pPr indent="0" lvl="0" marL="0" rtl="0" algn="l">
-              <a:spcBef>
-                <a:spcPts val="0"/>
-              </a:spcBef>
-              <a:spcAft>
-                <a:spcPts val="0"/>
-              </a:spcAft>
-              <a:buNone/>
-            </a:pPr>
-            <a:r>
-              <a:t/>
-            </a:r>
+            <a:pPr marL="0" lvl="0" indent="0" algn="l" rtl="0">
+              <a:spcBef>
+                <a:spcPts val="0"/>
+              </a:spcBef>
+              <a:spcAft>
+                <a:spcPts val="0"/>
+              </a:spcAft>
+              <a:buNone/>
+            </a:pPr>
             <a:endParaRPr sz="1200">
               <a:latin typeface="Calibri"/>
               <a:ea typeface="Calibri"/>
@@ -15289,7 +15121,7 @@
             </a:endParaRPr>
           </a:p>
           <a:p>
-            <a:pPr indent="0" lvl="0" marL="0" rtl="0" algn="l">
+            <a:pPr marL="0" lvl="0" indent="0" algn="l" rtl="0">
               <a:spcBef>
                 <a:spcPts val="0"/>
               </a:spcBef>
@@ -15315,18 +15147,15 @@
             </a:endParaRPr>
           </a:p>
           <a:p>
-            <a:pPr indent="0" lvl="0" marL="0" rtl="0" algn="l">
-              <a:spcBef>
-                <a:spcPts val="0"/>
-              </a:spcBef>
-              <a:spcAft>
-                <a:spcPts val="0"/>
-              </a:spcAft>
-              <a:buNone/>
-            </a:pPr>
-            <a:r>
-              <a:t/>
-            </a:r>
+            <a:pPr marL="0" lvl="0" indent="0" algn="l" rtl="0">
+              <a:spcBef>
+                <a:spcPts val="0"/>
+              </a:spcBef>
+              <a:spcAft>
+                <a:spcPts val="0"/>
+              </a:spcAft>
+              <a:buNone/>
+            </a:pPr>
             <a:endParaRPr sz="1200">
               <a:latin typeface="Calibri"/>
               <a:ea typeface="Calibri"/>
@@ -15345,7 +15174,288 @@
 </file>
 
 <file path=ppt/theme/theme1.xml><?xml version="1.0" encoding="utf-8"?>
-<a:theme xmlns:a="http://schemas.openxmlformats.org/drawingml/2006/main" xmlns:r="http://schemas.openxmlformats.org/officeDocument/2006/relationships">
+<a:theme xmlns:a="http://schemas.openxmlformats.org/drawingml/2006/main" name="Shift">
+  <a:themeElements>
+    <a:clrScheme name="Shift">
+      <a:dk1>
+        <a:srgbClr val="FFFFFF"/>
+      </a:dk1>
+      <a:lt1>
+        <a:srgbClr val="AF7B51"/>
+      </a:lt1>
+      <a:dk2>
+        <a:srgbClr val="233A44"/>
+      </a:dk2>
+      <a:lt2>
+        <a:srgbClr val="D9D9D9"/>
+      </a:lt2>
+      <a:accent1>
+        <a:srgbClr val="00796B"/>
+      </a:accent1>
+      <a:accent2>
+        <a:srgbClr val="D9563F"/>
+      </a:accent2>
+      <a:accent3>
+        <a:srgbClr val="C4A15A"/>
+      </a:accent3>
+      <a:accent4>
+        <a:srgbClr val="14F597"/>
+      </a:accent4>
+      <a:accent5>
+        <a:srgbClr val="3D4594"/>
+      </a:accent5>
+      <a:accent6>
+        <a:srgbClr val="163EF5"/>
+      </a:accent6>
+      <a:hlink>
+        <a:srgbClr val="3D4594"/>
+      </a:hlink>
+      <a:folHlink>
+        <a:srgbClr val="3D4594"/>
+      </a:folHlink>
+    </a:clrScheme>
+    <a:fontScheme name="Office">
+      <a:majorFont>
+        <a:latin typeface="Arial"/>
+        <a:ea typeface=""/>
+        <a:cs typeface=""/>
+        <a:font script="Jpan" typeface="ＭＳ Ｐゴシック"/>
+        <a:font script="Hang" typeface="맑은 고딕"/>
+        <a:font script="Hans" typeface="宋体"/>
+        <a:font script="Hant" typeface="新細明體"/>
+        <a:font script="Arab" typeface="Times New Roman"/>
+        <a:font script="Hebr" typeface="Times New Roman"/>
+        <a:font script="Thai" typeface="Angsana New"/>
+        <a:font script="Ethi" typeface="Nyala"/>
+        <a:font script="Beng" typeface="Vrinda"/>
+        <a:font script="Gujr" typeface="Shruti"/>
+        <a:font script="Khmr" typeface="MoolBoran"/>
+        <a:font script="Knda" typeface="Tunga"/>
+        <a:font script="Guru" typeface="Raavi"/>
+        <a:font script="Cans" typeface="Euphemia"/>
+        <a:font script="Cher" typeface="Plantagenet Cherokee"/>
+        <a:font script="Yiii" typeface="Microsoft Yi Baiti"/>
+        <a:font script="Tibt" typeface="Microsoft Himalaya"/>
+        <a:font script="Thaa" typeface="MV Boli"/>
+        <a:font script="Deva" typeface="Mangal"/>
+        <a:font script="Telu" typeface="Gautami"/>
+        <a:font script="Taml" typeface="Latha"/>
+        <a:font script="Syrc" typeface="Estrangelo Edessa"/>
+        <a:font script="Orya" typeface="Kalinga"/>
+        <a:font script="Mlym" typeface="Kartika"/>
+        <a:font script="Laoo" typeface="DokChampa"/>
+        <a:font script="Sinh" typeface="Iskoola Pota"/>
+        <a:font script="Mong" typeface="Mongolian Baiti"/>
+        <a:font script="Viet" typeface="Times New Roman"/>
+        <a:font script="Uigh" typeface="Microsoft Uighur"/>
+        <a:font script="Geor" typeface="Sylfaen"/>
+      </a:majorFont>
+      <a:minorFont>
+        <a:latin typeface="Arial"/>
+        <a:ea typeface=""/>
+        <a:cs typeface=""/>
+        <a:font script="Jpan" typeface="ＭＳ Ｐゴシック"/>
+        <a:font script="Hang" typeface="맑은 고딕"/>
+        <a:font script="Hans" typeface="宋体"/>
+        <a:font script="Hant" typeface="新細明體"/>
+        <a:font script="Arab" typeface="Arial"/>
+        <a:font script="Hebr" typeface="Arial"/>
+        <a:font script="Thai" typeface="Cordia New"/>
+        <a:font script="Ethi" typeface="Nyala"/>
+        <a:font script="Beng" typeface="Vrinda"/>
+        <a:font script="Gujr" typeface="Shruti"/>
+        <a:font script="Khmr" typeface="DaunPenh"/>
+        <a:font script="Knda" typeface="Tunga"/>
+        <a:font script="Guru" typeface="Raavi"/>
+        <a:font script="Cans" typeface="Euphemia"/>
+        <a:font script="Cher" typeface="Plantagenet Cherokee"/>
+        <a:font script="Yiii" typeface="Microsoft Yi Baiti"/>
+        <a:font script="Tibt" typeface="Microsoft Himalaya"/>
+        <a:font script="Thaa" typeface="MV Boli"/>
+        <a:font script="Deva" typeface="Mangal"/>
+        <a:font script="Telu" typeface="Gautami"/>
+        <a:font script="Taml" typeface="Latha"/>
+        <a:font script="Syrc" typeface="Estrangelo Edessa"/>
+        <a:font script="Orya" typeface="Kalinga"/>
+        <a:font script="Mlym" typeface="Kartika"/>
+        <a:font script="Laoo" typeface="DokChampa"/>
+        <a:font script="Sinh" typeface="Iskoola Pota"/>
+        <a:font script="Mong" typeface="Mongolian Baiti"/>
+        <a:font script="Viet" typeface="Arial"/>
+        <a:font script="Uigh" typeface="Microsoft Uighur"/>
+        <a:font script="Geor" typeface="Sylfaen"/>
+      </a:minorFont>
+    </a:fontScheme>
+    <a:fmtScheme name="Office">
+      <a:fillStyleLst>
+        <a:solidFill>
+          <a:schemeClr val="phClr"/>
+        </a:solidFill>
+        <a:gradFill rotWithShape="1">
+          <a:gsLst>
+            <a:gs pos="0">
+              <a:schemeClr val="phClr">
+                <a:tint val="50000"/>
+                <a:satMod val="300000"/>
+              </a:schemeClr>
+            </a:gs>
+            <a:gs pos="35000">
+              <a:schemeClr val="phClr">
+                <a:tint val="37000"/>
+                <a:satMod val="300000"/>
+              </a:schemeClr>
+            </a:gs>
+            <a:gs pos="100000">
+              <a:schemeClr val="phClr">
+                <a:tint val="15000"/>
+                <a:satMod val="350000"/>
+              </a:schemeClr>
+            </a:gs>
+          </a:gsLst>
+          <a:lin ang="16200000" scaled="1"/>
+        </a:gradFill>
+        <a:gradFill rotWithShape="1">
+          <a:gsLst>
+            <a:gs pos="0">
+              <a:schemeClr val="phClr">
+                <a:tint val="100000"/>
+                <a:shade val="100000"/>
+                <a:satMod val="130000"/>
+              </a:schemeClr>
+            </a:gs>
+            <a:gs pos="100000">
+              <a:schemeClr val="phClr">
+                <a:tint val="50000"/>
+                <a:shade val="100000"/>
+                <a:satMod val="350000"/>
+              </a:schemeClr>
+            </a:gs>
+          </a:gsLst>
+          <a:lin ang="16200000" scaled="0"/>
+        </a:gradFill>
+      </a:fillStyleLst>
+      <a:lnStyleLst>
+        <a:ln w="9525" cap="flat" cmpd="sng" algn="ctr">
+          <a:solidFill>
+            <a:schemeClr val="phClr">
+              <a:shade val="95000"/>
+              <a:satMod val="105000"/>
+            </a:schemeClr>
+          </a:solidFill>
+          <a:prstDash val="solid"/>
+        </a:ln>
+        <a:ln w="25400" cap="flat" cmpd="sng" algn="ctr">
+          <a:solidFill>
+            <a:schemeClr val="phClr"/>
+          </a:solidFill>
+          <a:prstDash val="solid"/>
+        </a:ln>
+        <a:ln w="38100" cap="flat" cmpd="sng" algn="ctr">
+          <a:solidFill>
+            <a:schemeClr val="phClr"/>
+          </a:solidFill>
+          <a:prstDash val="solid"/>
+        </a:ln>
+      </a:lnStyleLst>
+      <a:effectStyleLst>
+        <a:effectStyle>
+          <a:effectLst>
+            <a:outerShdw blurRad="40000" dist="20000" dir="5400000" rotWithShape="0">
+              <a:srgbClr val="000000">
+                <a:alpha val="38000"/>
+              </a:srgbClr>
+            </a:outerShdw>
+          </a:effectLst>
+        </a:effectStyle>
+        <a:effectStyle>
+          <a:effectLst>
+            <a:outerShdw blurRad="40000" dist="23000" dir="5400000" rotWithShape="0">
+              <a:srgbClr val="000000">
+                <a:alpha val="35000"/>
+              </a:srgbClr>
+            </a:outerShdw>
+          </a:effectLst>
+        </a:effectStyle>
+        <a:effectStyle>
+          <a:effectLst>
+            <a:outerShdw blurRad="40000" dist="23000" dir="5400000" rotWithShape="0">
+              <a:srgbClr val="000000">
+                <a:alpha val="35000"/>
+              </a:srgbClr>
+            </a:outerShdw>
+          </a:effectLst>
+          <a:scene3d>
+            <a:camera prst="orthographicFront">
+              <a:rot lat="0" lon="0" rev="0"/>
+            </a:camera>
+            <a:lightRig rig="threePt" dir="t">
+              <a:rot lat="0" lon="0" rev="1200000"/>
+            </a:lightRig>
+          </a:scene3d>
+          <a:sp3d>
+            <a:bevelT w="63500" h="25400"/>
+          </a:sp3d>
+        </a:effectStyle>
+      </a:effectStyleLst>
+      <a:bgFillStyleLst>
+        <a:solidFill>
+          <a:schemeClr val="phClr"/>
+        </a:solidFill>
+        <a:gradFill rotWithShape="1">
+          <a:gsLst>
+            <a:gs pos="0">
+              <a:schemeClr val="phClr">
+                <a:tint val="40000"/>
+                <a:satMod val="350000"/>
+              </a:schemeClr>
+            </a:gs>
+            <a:gs pos="40000">
+              <a:schemeClr val="phClr">
+                <a:tint val="45000"/>
+                <a:shade val="99000"/>
+                <a:satMod val="350000"/>
+              </a:schemeClr>
+            </a:gs>
+            <a:gs pos="100000">
+              <a:schemeClr val="phClr">
+                <a:shade val="20000"/>
+                <a:satMod val="255000"/>
+              </a:schemeClr>
+            </a:gs>
+          </a:gsLst>
+          <a:path path="circle">
+            <a:fillToRect l="50000" t="-80000" r="50000" b="180000"/>
+          </a:path>
+        </a:gradFill>
+        <a:gradFill rotWithShape="1">
+          <a:gsLst>
+            <a:gs pos="0">
+              <a:schemeClr val="phClr">
+                <a:tint val="80000"/>
+                <a:satMod val="300000"/>
+              </a:schemeClr>
+            </a:gs>
+            <a:gs pos="100000">
+              <a:schemeClr val="phClr">
+                <a:shade val="30000"/>
+                <a:satMod val="200000"/>
+              </a:schemeClr>
+            </a:gs>
+          </a:gsLst>
+          <a:path path="circle">
+            <a:fillToRect l="50000" t="50000" r="50000" b="50000"/>
+          </a:path>
+        </a:gradFill>
+      </a:bgFillStyleLst>
+    </a:fmtScheme>
+  </a:themeElements>
+  <a:objectDefaults/>
+  <a:extraClrSchemeLst/>
+</a:theme>
+</file>
+
+<file path=ppt/theme/theme2.xml><?xml version="1.0" encoding="utf-8"?>
+<a:theme xmlns:a="http://schemas.openxmlformats.org/drawingml/2006/main">
   <a:themeElements>
     <a:clrScheme name="Default">
       <a:dk1>
@@ -15620,284 +15730,7 @@
       </a:bgFillStyleLst>
     </a:fmtScheme>
   </a:themeElements>
-</a:theme>
-</file>
-
-<file path=ppt/theme/theme2.xml><?xml version="1.0" encoding="utf-8"?>
-<a:theme xmlns:a="http://schemas.openxmlformats.org/drawingml/2006/main" xmlns:r="http://schemas.openxmlformats.org/officeDocument/2006/relationships" name="Shift">
-  <a:themeElements>
-    <a:clrScheme name="Shift">
-      <a:dk1>
-        <a:srgbClr val="FFFFFF"/>
-      </a:dk1>
-      <a:lt1>
-        <a:srgbClr val="AF7B51"/>
-      </a:lt1>
-      <a:dk2>
-        <a:srgbClr val="233A44"/>
-      </a:dk2>
-      <a:lt2>
-        <a:srgbClr val="D9D9D9"/>
-      </a:lt2>
-      <a:accent1>
-        <a:srgbClr val="00796B"/>
-      </a:accent1>
-      <a:accent2>
-        <a:srgbClr val="D9563F"/>
-      </a:accent2>
-      <a:accent3>
-        <a:srgbClr val="C4A15A"/>
-      </a:accent3>
-      <a:accent4>
-        <a:srgbClr val="14F597"/>
-      </a:accent4>
-      <a:accent5>
-        <a:srgbClr val="3D4594"/>
-      </a:accent5>
-      <a:accent6>
-        <a:srgbClr val="163EF5"/>
-      </a:accent6>
-      <a:hlink>
-        <a:srgbClr val="3D4594"/>
-      </a:hlink>
-      <a:folHlink>
-        <a:srgbClr val="3D4594"/>
-      </a:folHlink>
-    </a:clrScheme>
-    <a:fontScheme name="Office">
-      <a:majorFont>
-        <a:latin typeface="Arial"/>
-        <a:ea typeface=""/>
-        <a:cs typeface=""/>
-        <a:font script="Jpan" typeface="ＭＳ Ｐゴシック"/>
-        <a:font script="Hang" typeface="맑은 고딕"/>
-        <a:font script="Hans" typeface="宋体"/>
-        <a:font script="Hant" typeface="新細明體"/>
-        <a:font script="Arab" typeface="Times New Roman"/>
-        <a:font script="Hebr" typeface="Times New Roman"/>
-        <a:font script="Thai" typeface="Angsana New"/>
-        <a:font script="Ethi" typeface="Nyala"/>
-        <a:font script="Beng" typeface="Vrinda"/>
-        <a:font script="Gujr" typeface="Shruti"/>
-        <a:font script="Khmr" typeface="MoolBoran"/>
-        <a:font script="Knda" typeface="Tunga"/>
-        <a:font script="Guru" typeface="Raavi"/>
-        <a:font script="Cans" typeface="Euphemia"/>
-        <a:font script="Cher" typeface="Plantagenet Cherokee"/>
-        <a:font script="Yiii" typeface="Microsoft Yi Baiti"/>
-        <a:font script="Tibt" typeface="Microsoft Himalaya"/>
-        <a:font script="Thaa" typeface="MV Boli"/>
-        <a:font script="Deva" typeface="Mangal"/>
-        <a:font script="Telu" typeface="Gautami"/>
-        <a:font script="Taml" typeface="Latha"/>
-        <a:font script="Syrc" typeface="Estrangelo Edessa"/>
-        <a:font script="Orya" typeface="Kalinga"/>
-        <a:font script="Mlym" typeface="Kartika"/>
-        <a:font script="Laoo" typeface="DokChampa"/>
-        <a:font script="Sinh" typeface="Iskoola Pota"/>
-        <a:font script="Mong" typeface="Mongolian Baiti"/>
-        <a:font script="Viet" typeface="Times New Roman"/>
-        <a:font script="Uigh" typeface="Microsoft Uighur"/>
-        <a:font script="Geor" typeface="Sylfaen"/>
-      </a:majorFont>
-      <a:minorFont>
-        <a:latin typeface="Arial"/>
-        <a:ea typeface=""/>
-        <a:cs typeface=""/>
-        <a:font script="Jpan" typeface="ＭＳ Ｐゴシック"/>
-        <a:font script="Hang" typeface="맑은 고딕"/>
-        <a:font script="Hans" typeface="宋体"/>
-        <a:font script="Hant" typeface="新細明體"/>
-        <a:font script="Arab" typeface="Arial"/>
-        <a:font script="Hebr" typeface="Arial"/>
-        <a:font script="Thai" typeface="Cordia New"/>
-        <a:font script="Ethi" typeface="Nyala"/>
-        <a:font script="Beng" typeface="Vrinda"/>
-        <a:font script="Gujr" typeface="Shruti"/>
-        <a:font script="Khmr" typeface="DaunPenh"/>
-        <a:font script="Knda" typeface="Tunga"/>
-        <a:font script="Guru" typeface="Raavi"/>
-        <a:font script="Cans" typeface="Euphemia"/>
-        <a:font script="Cher" typeface="Plantagenet Cherokee"/>
-        <a:font script="Yiii" typeface="Microsoft Yi Baiti"/>
-        <a:font script="Tibt" typeface="Microsoft Himalaya"/>
-        <a:font script="Thaa" typeface="MV Boli"/>
-        <a:font script="Deva" typeface="Mangal"/>
-        <a:font script="Telu" typeface="Gautami"/>
-        <a:font script="Taml" typeface="Latha"/>
-        <a:font script="Syrc" typeface="Estrangelo Edessa"/>
-        <a:font script="Orya" typeface="Kalinga"/>
-        <a:font script="Mlym" typeface="Kartika"/>
-        <a:font script="Laoo" typeface="DokChampa"/>
-        <a:font script="Sinh" typeface="Iskoola Pota"/>
-        <a:font script="Mong" typeface="Mongolian Baiti"/>
-        <a:font script="Viet" typeface="Arial"/>
-        <a:font script="Uigh" typeface="Microsoft Uighur"/>
-        <a:font script="Geor" typeface="Sylfaen"/>
-      </a:minorFont>
-    </a:fontScheme>
-    <a:fmtScheme name="Office">
-      <a:fillStyleLst>
-        <a:solidFill>
-          <a:schemeClr val="phClr"/>
-        </a:solidFill>
-        <a:gradFill rotWithShape="1">
-          <a:gsLst>
-            <a:gs pos="0">
-              <a:schemeClr val="phClr">
-                <a:tint val="50000"/>
-                <a:satMod val="300000"/>
-              </a:schemeClr>
-            </a:gs>
-            <a:gs pos="35000">
-              <a:schemeClr val="phClr">
-                <a:tint val="37000"/>
-                <a:satMod val="300000"/>
-              </a:schemeClr>
-            </a:gs>
-            <a:gs pos="100000">
-              <a:schemeClr val="phClr">
-                <a:tint val="15000"/>
-                <a:satMod val="350000"/>
-              </a:schemeClr>
-            </a:gs>
-          </a:gsLst>
-          <a:lin ang="16200000" scaled="1"/>
-        </a:gradFill>
-        <a:gradFill rotWithShape="1">
-          <a:gsLst>
-            <a:gs pos="0">
-              <a:schemeClr val="phClr">
-                <a:tint val="100000"/>
-                <a:shade val="100000"/>
-                <a:satMod val="130000"/>
-              </a:schemeClr>
-            </a:gs>
-            <a:gs pos="100000">
-              <a:schemeClr val="phClr">
-                <a:tint val="50000"/>
-                <a:shade val="100000"/>
-                <a:satMod val="350000"/>
-              </a:schemeClr>
-            </a:gs>
-          </a:gsLst>
-          <a:lin ang="16200000" scaled="0"/>
-        </a:gradFill>
-      </a:fillStyleLst>
-      <a:lnStyleLst>
-        <a:ln w="9525" cap="flat" cmpd="sng" algn="ctr">
-          <a:solidFill>
-            <a:schemeClr val="phClr">
-              <a:shade val="95000"/>
-              <a:satMod val="105000"/>
-            </a:schemeClr>
-          </a:solidFill>
-          <a:prstDash val="solid"/>
-        </a:ln>
-        <a:ln w="25400" cap="flat" cmpd="sng" algn="ctr">
-          <a:solidFill>
-            <a:schemeClr val="phClr"/>
-          </a:solidFill>
-          <a:prstDash val="solid"/>
-        </a:ln>
-        <a:ln w="38100" cap="flat" cmpd="sng" algn="ctr">
-          <a:solidFill>
-            <a:schemeClr val="phClr"/>
-          </a:solidFill>
-          <a:prstDash val="solid"/>
-        </a:ln>
-      </a:lnStyleLst>
-      <a:effectStyleLst>
-        <a:effectStyle>
-          <a:effectLst>
-            <a:outerShdw blurRad="40000" dist="20000" dir="5400000" rotWithShape="0">
-              <a:srgbClr val="000000">
-                <a:alpha val="38000"/>
-              </a:srgbClr>
-            </a:outerShdw>
-          </a:effectLst>
-        </a:effectStyle>
-        <a:effectStyle>
-          <a:effectLst>
-            <a:outerShdw blurRad="40000" dist="23000" dir="5400000" rotWithShape="0">
-              <a:srgbClr val="000000">
-                <a:alpha val="35000"/>
-              </a:srgbClr>
-            </a:outerShdw>
-          </a:effectLst>
-        </a:effectStyle>
-        <a:effectStyle>
-          <a:effectLst>
-            <a:outerShdw blurRad="40000" dist="23000" dir="5400000" rotWithShape="0">
-              <a:srgbClr val="000000">
-                <a:alpha val="35000"/>
-              </a:srgbClr>
-            </a:outerShdw>
-          </a:effectLst>
-          <a:scene3d>
-            <a:camera prst="orthographicFront">
-              <a:rot lat="0" lon="0" rev="0"/>
-            </a:camera>
-            <a:lightRig rig="threePt" dir="t">
-              <a:rot lat="0" lon="0" rev="1200000"/>
-            </a:lightRig>
-          </a:scene3d>
-          <a:sp3d>
-            <a:bevelT w="63500" h="25400"/>
-          </a:sp3d>
-        </a:effectStyle>
-      </a:effectStyleLst>
-      <a:bgFillStyleLst>
-        <a:solidFill>
-          <a:schemeClr val="phClr"/>
-        </a:solidFill>
-        <a:gradFill rotWithShape="1">
-          <a:gsLst>
-            <a:gs pos="0">
-              <a:schemeClr val="phClr">
-                <a:tint val="40000"/>
-                <a:satMod val="350000"/>
-              </a:schemeClr>
-            </a:gs>
-            <a:gs pos="40000">
-              <a:schemeClr val="phClr">
-                <a:tint val="45000"/>
-                <a:shade val="99000"/>
-                <a:satMod val="350000"/>
-              </a:schemeClr>
-            </a:gs>
-            <a:gs pos="100000">
-              <a:schemeClr val="phClr">
-                <a:shade val="20000"/>
-                <a:satMod val="255000"/>
-              </a:schemeClr>
-            </a:gs>
-          </a:gsLst>
-          <a:path path="circle">
-            <a:fillToRect l="50000" t="-80000" r="50000" b="180000"/>
-          </a:path>
-        </a:gradFill>
-        <a:gradFill rotWithShape="1">
-          <a:gsLst>
-            <a:gs pos="0">
-              <a:schemeClr val="phClr">
-                <a:tint val="80000"/>
-                <a:satMod val="300000"/>
-              </a:schemeClr>
-            </a:gs>
-            <a:gs pos="100000">
-              <a:schemeClr val="phClr">
-                <a:shade val="30000"/>
-                <a:satMod val="200000"/>
-              </a:schemeClr>
-            </a:gs>
-          </a:gsLst>
-          <a:path path="circle">
-            <a:fillToRect l="50000" t="50000" r="50000" b="50000"/>
-          </a:path>
-        </a:gradFill>
-      </a:bgFillStyleLst>
-    </a:fmtScheme>
-  </a:themeElements>
+  <a:objectDefaults/>
+  <a:extraClrSchemeLst/>
 </a:theme>
 </file>